--- a/Presentations/2.2 JD+_SEATS.pptx
+++ b/Presentations/2.2 JD+_SEATS.pptx
@@ -5,7 +5,7 @@
     <p:sldMasterId id="2147483648" r:id="rId1"/>
   </p:sldMasterIdLst>
   <p:notesMasterIdLst>
-    <p:notesMasterId r:id="rId23"/>
+    <p:notesMasterId r:id="rId27"/>
   </p:notesMasterIdLst>
   <p:sldIdLst>
     <p:sldId id="276" r:id="rId2"/>
@@ -15,20 +15,24 @@
     <p:sldId id="269" r:id="rId6"/>
     <p:sldId id="278" r:id="rId7"/>
     <p:sldId id="279" r:id="rId8"/>
-    <p:sldId id="267" r:id="rId9"/>
-    <p:sldId id="257" r:id="rId10"/>
-    <p:sldId id="259" r:id="rId11"/>
-    <p:sldId id="261" r:id="rId12"/>
-    <p:sldId id="273" r:id="rId13"/>
-    <p:sldId id="260" r:id="rId14"/>
-    <p:sldId id="274" r:id="rId15"/>
-    <p:sldId id="281" r:id="rId16"/>
-    <p:sldId id="271" r:id="rId17"/>
-    <p:sldId id="283" r:id="rId18"/>
-    <p:sldId id="272" r:id="rId19"/>
-    <p:sldId id="282" r:id="rId20"/>
-    <p:sldId id="264" r:id="rId21"/>
-    <p:sldId id="275" r:id="rId22"/>
+    <p:sldId id="257" r:id="rId9"/>
+    <p:sldId id="259" r:id="rId10"/>
+    <p:sldId id="261" r:id="rId11"/>
+    <p:sldId id="291" r:id="rId12"/>
+    <p:sldId id="292" r:id="rId13"/>
+    <p:sldId id="285" r:id="rId14"/>
+    <p:sldId id="267" r:id="rId15"/>
+    <p:sldId id="286" r:id="rId16"/>
+    <p:sldId id="273" r:id="rId17"/>
+    <p:sldId id="260" r:id="rId18"/>
+    <p:sldId id="274" r:id="rId19"/>
+    <p:sldId id="281" r:id="rId20"/>
+    <p:sldId id="271" r:id="rId21"/>
+    <p:sldId id="283" r:id="rId22"/>
+    <p:sldId id="272" r:id="rId23"/>
+    <p:sldId id="282" r:id="rId24"/>
+    <p:sldId id="264" r:id="rId25"/>
+    <p:sldId id="275" r:id="rId26"/>
   </p:sldIdLst>
   <p:sldSz cx="9144000" cy="6858000" type="screen4x3"/>
   <p:notesSz cx="6858000" cy="9144000"/>
@@ -440,7 +444,7 @@
           <a:p>
             <a:fld id="{68E44895-10FE-4A6C-B21C-3FCBA5C63C3F}" type="datetimeFigureOut">
               <a:rPr lang="fr-BE" smtClean="0"/>
-              <a:t>13-10-23</a:t>
+              <a:t>14-10-23</a:t>
             </a:fld>
             <a:endParaRPr lang="fr-BE"/>
           </a:p>
@@ -4428,1081 +4432,6 @@
 </file>
 
 <file path=ppt/slides/slide10.xml><?xml version="1.0" encoding="utf-8"?>
-<p:sld xmlns:a="http://schemas.openxmlformats.org/drawingml/2006/main" xmlns:r="http://schemas.openxmlformats.org/officeDocument/2006/relationships" xmlns:p="http://schemas.openxmlformats.org/presentationml/2006/main">
-  <p:cSld>
-    <p:spTree>
-      <p:nvGrpSpPr>
-        <p:cNvPr id="1" name=""/>
-        <p:cNvGrpSpPr/>
-        <p:nvPr/>
-      </p:nvGrpSpPr>
-      <p:grpSpPr>
-        <a:xfrm>
-          <a:off x="0" y="0"/>
-          <a:ext cx="0" cy="0"/>
-          <a:chOff x="0" y="0"/>
-          <a:chExt cx="0" cy="0"/>
-        </a:xfrm>
-      </p:grpSpPr>
-      <p:sp>
-        <p:nvSpPr>
-          <p:cNvPr id="2" name="Title 1"/>
-          <p:cNvSpPr>
-            <a:spLocks noGrp="1"/>
-          </p:cNvSpPr>
-          <p:nvPr>
-            <p:ph type="title"/>
-          </p:nvPr>
-        </p:nvSpPr>
-        <p:spPr/>
-        <p:txBody>
-          <a:bodyPr/>
-          <a:lstStyle/>
-          <a:p>
-            <a:r>
-              <a:rPr lang="fr-BE" dirty="0"/>
-              <a:t>2.1 SEATS </a:t>
-            </a:r>
-            <a:r>
-              <a:rPr lang="fr-BE" dirty="0" err="1"/>
-              <a:t>Algorithm</a:t>
-            </a:r>
-            <a:r>
-              <a:rPr lang="fr-BE" dirty="0"/>
-              <a:t>. Details (I)</a:t>
-            </a:r>
-          </a:p>
-        </p:txBody>
-      </p:sp>
-      <mc:AlternateContent xmlns:mc="http://schemas.openxmlformats.org/markup-compatibility/2006" xmlns:a14="http://schemas.microsoft.com/office/drawing/2010/main">
-        <mc:Choice Requires="a14">
-          <p:sp>
-            <p:nvSpPr>
-              <p:cNvPr id="3" name="Content Placeholder 2"/>
-              <p:cNvSpPr>
-                <a:spLocks noGrp="1"/>
-              </p:cNvSpPr>
-              <p:nvPr>
-                <p:ph idx="1"/>
-              </p:nvPr>
-            </p:nvSpPr>
-            <p:spPr/>
-            <p:txBody>
-              <a:bodyPr>
-                <a:normAutofit fontScale="92500" lnSpcReduction="20000"/>
-              </a:bodyPr>
-              <a:lstStyle/>
-              <a:p>
-                <a:r>
-                  <a:rPr lang="fr-BE" dirty="0"/>
-                  <a:t>ARIMA: </a:t>
-                </a:r>
-                <a14:m>
-                  <m:oMath xmlns:m="http://schemas.openxmlformats.org/officeDocument/2006/math">
-                    <m:r>
-                      <a:rPr lang="fr-BE" b="0" i="0" smtClean="0">
-                        <a:latin typeface="Cambria Math" panose="02040503050406030204" pitchFamily="18" charset="0"/>
-                        <a:ea typeface="Cambria Math"/>
-                      </a:rPr>
-                      <m:t> </m:t>
-                    </m:r>
-                  </m:oMath>
-                </a14:m>
-                <a:endParaRPr lang="fr-BE" b="0" i="0" dirty="0">
-                  <a:latin typeface="Cambria Math" panose="02040503050406030204" pitchFamily="18" charset="0"/>
-                  <a:ea typeface="Cambria Math"/>
-                </a:endParaRPr>
-              </a:p>
-              <a:p>
-                <a:pPr marL="0" indent="0">
-                  <a:buNone/>
-                </a:pPr>
-                <a14:m>
-                  <m:oMathPara xmlns:m="http://schemas.openxmlformats.org/officeDocument/2006/math">
-                    <m:oMathParaPr>
-                      <m:jc m:val="centerGroup"/>
-                    </m:oMathParaPr>
-                    <m:oMath xmlns:m="http://schemas.openxmlformats.org/officeDocument/2006/math">
-                      <m:r>
-                        <m:rPr>
-                          <m:sty m:val="p"/>
-                        </m:rPr>
-                        <a:rPr lang="el-GR" sz="2400" i="1" smtClean="0">
-                          <a:latin typeface="Cambria Math" panose="02040503050406030204" pitchFamily="18" charset="0"/>
-                          <a:ea typeface="Cambria Math" panose="02040503050406030204" pitchFamily="18" charset="0"/>
-                        </a:rPr>
-                        <m:t>Φ</m:t>
-                      </m:r>
-                      <m:d>
-                        <m:dPr>
-                          <m:ctrlPr>
-                            <a:rPr lang="fr-BE" sz="2400" i="1" smtClean="0">
-                              <a:latin typeface="Cambria Math" panose="02040503050406030204" pitchFamily="18" charset="0"/>
-                              <a:ea typeface="Cambria Math"/>
-                            </a:rPr>
-                          </m:ctrlPr>
-                        </m:dPr>
-                        <m:e>
-                          <m:r>
-                            <a:rPr lang="fr-BE" sz="2400" b="0" i="1" smtClean="0">
-                              <a:latin typeface="Cambria Math"/>
-                              <a:ea typeface="Cambria Math"/>
-                            </a:rPr>
-                            <m:t>𝐵</m:t>
-                          </m:r>
-                        </m:e>
-                      </m:d>
-                      <m:r>
-                        <m:rPr>
-                          <m:sty m:val="p"/>
-                        </m:rPr>
-                        <a:rPr lang="el-GR" sz="2400" i="1" smtClean="0">
-                          <a:latin typeface="Cambria Math"/>
-                          <a:ea typeface="Cambria Math"/>
-                        </a:rPr>
-                        <m:t>Δ</m:t>
-                      </m:r>
-                      <m:d>
-                        <m:dPr>
-                          <m:ctrlPr>
-                            <a:rPr lang="el-GR" sz="2400" i="1" smtClean="0">
-                              <a:latin typeface="Cambria Math" panose="02040503050406030204" pitchFamily="18" charset="0"/>
-                              <a:ea typeface="Cambria Math"/>
-                            </a:rPr>
-                          </m:ctrlPr>
-                        </m:dPr>
-                        <m:e>
-                          <m:r>
-                            <a:rPr lang="fr-BE" sz="2400" b="0" i="1" smtClean="0">
-                              <a:latin typeface="Cambria Math"/>
-                              <a:ea typeface="Cambria Math"/>
-                            </a:rPr>
-                            <m:t>𝐵</m:t>
-                          </m:r>
-                        </m:e>
-                      </m:d>
-                      <m:sSub>
-                        <m:sSubPr>
-                          <m:ctrlPr>
-                            <a:rPr lang="fr-BE" sz="2400" b="0" i="1" smtClean="0">
-                              <a:latin typeface="Cambria Math" panose="02040503050406030204" pitchFamily="18" charset="0"/>
-                              <a:ea typeface="Cambria Math"/>
-                            </a:rPr>
-                          </m:ctrlPr>
-                        </m:sSubPr>
-                        <m:e>
-                          <m:r>
-                            <a:rPr lang="fr-BE" sz="2400" b="0" i="1" smtClean="0">
-                              <a:latin typeface="Cambria Math" panose="02040503050406030204" pitchFamily="18" charset="0"/>
-                              <a:ea typeface="Cambria Math"/>
-                            </a:rPr>
-                            <m:t>𝑦</m:t>
-                          </m:r>
-                        </m:e>
-                        <m:sub>
-                          <m:r>
-                            <a:rPr lang="fr-BE" sz="2400" b="0" i="1" smtClean="0">
-                              <a:latin typeface="Cambria Math" panose="02040503050406030204" pitchFamily="18" charset="0"/>
-                              <a:ea typeface="Cambria Math"/>
-                            </a:rPr>
-                            <m:t>𝑡</m:t>
-                          </m:r>
-                        </m:sub>
-                      </m:sSub>
-                      <m:r>
-                        <a:rPr lang="fr-BE" sz="2400" b="0" i="1" smtClean="0">
-                          <a:latin typeface="Cambria Math" panose="02040503050406030204" pitchFamily="18" charset="0"/>
-                          <a:ea typeface="Cambria Math"/>
-                        </a:rPr>
-                        <m:t>=</m:t>
-                      </m:r>
-                      <m:r>
-                        <m:rPr>
-                          <m:sty m:val="p"/>
-                        </m:rPr>
-                        <a:rPr lang="el-GR" sz="2400" b="0" i="1" smtClean="0">
-                          <a:latin typeface="Cambria Math" panose="02040503050406030204" pitchFamily="18" charset="0"/>
-                          <a:ea typeface="Cambria Math" panose="02040503050406030204" pitchFamily="18" charset="0"/>
-                        </a:rPr>
-                        <m:t>Θ</m:t>
-                      </m:r>
-                      <m:r>
-                        <a:rPr lang="fr-BE" sz="2400" b="0" i="1" smtClean="0">
-                          <a:latin typeface="Cambria Math" panose="02040503050406030204" pitchFamily="18" charset="0"/>
-                          <a:ea typeface="Cambria Math" panose="02040503050406030204" pitchFamily="18" charset="0"/>
-                        </a:rPr>
-                        <m:t>(</m:t>
-                      </m:r>
-                      <m:r>
-                        <a:rPr lang="fr-BE" sz="2400" b="0" i="1" smtClean="0">
-                          <a:latin typeface="Cambria Math" panose="02040503050406030204" pitchFamily="18" charset="0"/>
-                          <a:ea typeface="Cambria Math" panose="02040503050406030204" pitchFamily="18" charset="0"/>
-                        </a:rPr>
-                        <m:t>𝐵</m:t>
-                      </m:r>
-                      <m:r>
-                        <a:rPr lang="fr-BE" sz="2400" b="0" i="1" smtClean="0">
-                          <a:latin typeface="Cambria Math" panose="02040503050406030204" pitchFamily="18" charset="0"/>
-                          <a:ea typeface="Cambria Math" panose="02040503050406030204" pitchFamily="18" charset="0"/>
-                        </a:rPr>
-                        <m:t>)</m:t>
-                      </m:r>
-                      <m:sSub>
-                        <m:sSubPr>
-                          <m:ctrlPr>
-                            <a:rPr lang="fr-BE" sz="2400" b="0" i="1" smtClean="0">
-                              <a:latin typeface="Cambria Math" panose="02040503050406030204" pitchFamily="18" charset="0"/>
-                              <a:ea typeface="Cambria Math" panose="02040503050406030204" pitchFamily="18" charset="0"/>
-                            </a:rPr>
-                          </m:ctrlPr>
-                        </m:sSubPr>
-                        <m:e>
-                          <m:r>
-                            <a:rPr lang="fr-BE" sz="2400" b="0" i="1" smtClean="0">
-                              <a:latin typeface="Cambria Math" panose="02040503050406030204" pitchFamily="18" charset="0"/>
-                              <a:ea typeface="Cambria Math" panose="02040503050406030204" pitchFamily="18" charset="0"/>
-                            </a:rPr>
-                            <m:t>𝜀</m:t>
-                          </m:r>
-                        </m:e>
-                        <m:sub>
-                          <m:r>
-                            <a:rPr lang="fr-BE" sz="2400" b="0" i="1" smtClean="0">
-                              <a:latin typeface="Cambria Math" panose="02040503050406030204" pitchFamily="18" charset="0"/>
-                              <a:ea typeface="Cambria Math" panose="02040503050406030204" pitchFamily="18" charset="0"/>
-                            </a:rPr>
-                            <m:t>𝑡</m:t>
-                          </m:r>
-                        </m:sub>
-                      </m:sSub>
-                    </m:oMath>
-                  </m:oMathPara>
-                </a14:m>
-                <a:endParaRPr lang="fr-BE" sz="2400" dirty="0"/>
-              </a:p>
-              <a:p>
-                <a:r>
-                  <a:rPr lang="fr-BE" dirty="0" err="1"/>
-                  <a:t>Factorization</a:t>
-                </a:r>
-                <a:r>
-                  <a:rPr lang="fr-BE" dirty="0"/>
-                  <a:t> of the AR polynomial:</a:t>
-                </a:r>
-              </a:p>
-              <a:p>
-                <a:pPr marL="914400" lvl="2" indent="0">
-                  <a:buNone/>
-                </a:pPr>
-                <a14:m>
-                  <m:oMathPara xmlns:m="http://schemas.openxmlformats.org/officeDocument/2006/math">
-                    <m:oMathParaPr>
-                      <m:jc m:val="centerGroup"/>
-                    </m:oMathParaPr>
-                    <m:oMath xmlns:m="http://schemas.openxmlformats.org/officeDocument/2006/math">
-                      <m:r>
-                        <m:rPr>
-                          <m:sty m:val="p"/>
-                        </m:rPr>
-                        <a:rPr lang="el-GR" i="1" smtClean="0">
-                          <a:latin typeface="Cambria Math" panose="02040503050406030204" pitchFamily="18" charset="0"/>
-                          <a:ea typeface="Cambria Math" panose="02040503050406030204" pitchFamily="18" charset="0"/>
-                        </a:rPr>
-                        <m:t>Φ</m:t>
-                      </m:r>
-                      <m:d>
-                        <m:dPr>
-                          <m:ctrlPr>
-                            <a:rPr lang="fr-BE" i="1" smtClean="0">
-                              <a:latin typeface="Cambria Math" panose="02040503050406030204" pitchFamily="18" charset="0"/>
-                              <a:ea typeface="Cambria Math"/>
-                            </a:rPr>
-                          </m:ctrlPr>
-                        </m:dPr>
-                        <m:e>
-                          <m:r>
-                            <a:rPr lang="fr-BE" b="0" i="1" smtClean="0">
-                              <a:latin typeface="Cambria Math"/>
-                              <a:ea typeface="Cambria Math"/>
-                            </a:rPr>
-                            <m:t>𝐵</m:t>
-                          </m:r>
-                        </m:e>
-                      </m:d>
-                      <m:r>
-                        <m:rPr>
-                          <m:sty m:val="p"/>
-                        </m:rPr>
-                        <a:rPr lang="el-GR" i="1" smtClean="0">
-                          <a:latin typeface="Cambria Math"/>
-                          <a:ea typeface="Cambria Math"/>
-                        </a:rPr>
-                        <m:t>Δ</m:t>
-                      </m:r>
-                      <m:d>
-                        <m:dPr>
-                          <m:ctrlPr>
-                            <a:rPr lang="el-GR" i="1" smtClean="0">
-                              <a:latin typeface="Cambria Math" panose="02040503050406030204" pitchFamily="18" charset="0"/>
-                              <a:ea typeface="Cambria Math"/>
-                            </a:rPr>
-                          </m:ctrlPr>
-                        </m:dPr>
-                        <m:e>
-                          <m:r>
-                            <a:rPr lang="fr-BE" b="0" i="1" smtClean="0">
-                              <a:latin typeface="Cambria Math"/>
-                              <a:ea typeface="Cambria Math"/>
-                            </a:rPr>
-                            <m:t>𝐵</m:t>
-                          </m:r>
-                        </m:e>
-                      </m:d>
-                      <m:r>
-                        <a:rPr lang="fr-BE" b="0" i="1" smtClean="0">
-                          <a:latin typeface="Cambria Math"/>
-                          <a:ea typeface="Cambria Math"/>
-                        </a:rPr>
-                        <m:t>=</m:t>
-                      </m:r>
-                      <m:nary>
-                        <m:naryPr>
-                          <m:chr m:val="∏"/>
-                          <m:subHide m:val="on"/>
-                          <m:supHide m:val="on"/>
-                          <m:ctrlPr>
-                            <a:rPr lang="fr-BE" b="0" i="1" smtClean="0">
-                              <a:latin typeface="Cambria Math" panose="02040503050406030204" pitchFamily="18" charset="0"/>
-                              <a:ea typeface="Cambria Math"/>
-                            </a:rPr>
-                          </m:ctrlPr>
-                        </m:naryPr>
-                        <m:sub/>
-                        <m:sup/>
-                        <m:e>
-                          <m:r>
-                            <a:rPr lang="fr-BE" b="0" i="1" smtClean="0">
-                              <a:latin typeface="Cambria Math"/>
-                              <a:ea typeface="Cambria Math"/>
-                            </a:rPr>
-                            <m:t>(1−</m:t>
-                          </m:r>
-                          <m:sSub>
-                            <m:sSubPr>
-                              <m:ctrlPr>
-                                <a:rPr lang="fr-BE" b="0" i="1" smtClean="0">
-                                  <a:latin typeface="Cambria Math" panose="02040503050406030204" pitchFamily="18" charset="0"/>
-                                  <a:ea typeface="Cambria Math"/>
-                                </a:rPr>
-                              </m:ctrlPr>
-                            </m:sSubPr>
-                            <m:e>
-                              <m:r>
-                                <a:rPr lang="fr-BE" i="1">
-                                  <a:latin typeface="Cambria Math"/>
-                                  <a:ea typeface="Cambria Math"/>
-                                </a:rPr>
-                                <m:t>𝛼</m:t>
-                              </m:r>
-                            </m:e>
-                            <m:sub>
-                              <m:r>
-                                <a:rPr lang="fr-BE" b="0" i="1" smtClean="0">
-                                  <a:latin typeface="Cambria Math"/>
-                                  <a:ea typeface="Cambria Math"/>
-                                </a:rPr>
-                                <m:t>𝑖</m:t>
-                              </m:r>
-                            </m:sub>
-                          </m:sSub>
-                          <m:r>
-                            <a:rPr lang="fr-BE" b="0" i="1" smtClean="0">
-                              <a:latin typeface="Cambria Math"/>
-                              <a:ea typeface="Cambria Math"/>
-                            </a:rPr>
-                            <m:t>𝐵</m:t>
-                          </m:r>
-                          <m:r>
-                            <a:rPr lang="fr-BE" b="0" i="1" smtClean="0">
-                              <a:latin typeface="Cambria Math"/>
-                              <a:ea typeface="Cambria Math"/>
-                            </a:rPr>
-                            <m:t>)</m:t>
-                          </m:r>
-                        </m:e>
-                      </m:nary>
-                    </m:oMath>
-                  </m:oMathPara>
-                </a14:m>
-                <a:endParaRPr lang="fr-BE" b="0" dirty="0">
-                  <a:ea typeface="Cambria Math"/>
-                </a:endParaRPr>
-              </a:p>
-              <a:p>
-                <a:pPr lvl="1"/>
-                <a:r>
-                  <a:rPr lang="fr-BE" dirty="0"/>
-                  <a:t>Trend-cycle</a:t>
-                </a:r>
-              </a:p>
-              <a:p>
-                <a:pPr lvl="2"/>
-                <a14:m>
-                  <m:oMath xmlns:m="http://schemas.openxmlformats.org/officeDocument/2006/math">
-                    <m:sSub>
-                      <m:sSubPr>
-                        <m:ctrlPr>
-                          <a:rPr lang="fr-BE" i="1">
-                            <a:latin typeface="Cambria Math" panose="02040503050406030204" pitchFamily="18" charset="0"/>
-                            <a:ea typeface="Cambria Math"/>
-                          </a:rPr>
-                        </m:ctrlPr>
-                      </m:sSubPr>
-                      <m:e>
-                        <m:r>
-                          <a:rPr lang="fr-BE" i="1">
-                            <a:latin typeface="Cambria Math"/>
-                            <a:ea typeface="Cambria Math"/>
-                          </a:rPr>
-                          <m:t>𝛼</m:t>
-                        </m:r>
-                      </m:e>
-                      <m:sub>
-                        <m:r>
-                          <a:rPr lang="fr-BE" i="1">
-                            <a:latin typeface="Cambria Math"/>
-                            <a:ea typeface="Cambria Math"/>
-                          </a:rPr>
-                          <m:t>𝑖</m:t>
-                        </m:r>
-                      </m:sub>
-                    </m:sSub>
-                    <m:r>
-                      <a:rPr lang="fr-BE" b="0" i="0" smtClean="0">
-                        <a:latin typeface="Cambria Math"/>
-                        <a:ea typeface="Cambria Math"/>
-                      </a:rPr>
-                      <m:t> </m:t>
-                    </m:r>
-                    <m:r>
-                      <m:rPr>
-                        <m:sty m:val="p"/>
-                      </m:rPr>
-                      <a:rPr lang="fr-BE" b="0" i="0" smtClean="0">
-                        <a:latin typeface="Cambria Math"/>
-                        <a:ea typeface="Cambria Math"/>
-                      </a:rPr>
-                      <m:t>real</m:t>
-                    </m:r>
-                    <m:r>
-                      <a:rPr lang="fr-BE" b="0" i="0" smtClean="0">
-                        <a:latin typeface="Cambria Math"/>
-                        <a:ea typeface="Cambria Math"/>
-                      </a:rPr>
-                      <m:t>, </m:t>
-                    </m:r>
-                  </m:oMath>
-                </a14:m>
-                <a:endParaRPr lang="fr-BE" b="0" i="0" dirty="0">
-                  <a:latin typeface="Cambria Math"/>
-                  <a:ea typeface="Cambria Math"/>
-                </a:endParaRPr>
-              </a:p>
-              <a:p>
-                <a:pPr lvl="3">
-                  <a:buFont typeface="Arial" panose="020B0604020202020204" pitchFamily="34" charset="0"/>
-                  <a:buChar char="•"/>
-                </a:pPr>
-                <a14:m>
-                  <m:oMath xmlns:m="http://schemas.openxmlformats.org/officeDocument/2006/math">
-                    <m:sSub>
-                      <m:sSubPr>
-                        <m:ctrlPr>
-                          <a:rPr lang="fr-BE" i="1">
-                            <a:latin typeface="Cambria Math" panose="02040503050406030204" pitchFamily="18" charset="0"/>
-                            <a:ea typeface="Cambria Math"/>
-                          </a:rPr>
-                        </m:ctrlPr>
-                      </m:sSubPr>
-                      <m:e>
-                        <m:r>
-                          <a:rPr lang="fr-BE" i="1">
-                            <a:latin typeface="Cambria Math"/>
-                            <a:ea typeface="Cambria Math"/>
-                          </a:rPr>
-                          <m:t>𝛼</m:t>
-                        </m:r>
-                      </m:e>
-                      <m:sub>
-                        <m:r>
-                          <a:rPr lang="fr-BE" i="1">
-                            <a:latin typeface="Cambria Math"/>
-                            <a:ea typeface="Cambria Math"/>
-                          </a:rPr>
-                          <m:t>𝑖</m:t>
-                        </m:r>
-                      </m:sub>
-                    </m:sSub>
-                    <m:r>
-                      <a:rPr lang="fr-BE" b="0" i="1" smtClean="0">
-                        <a:latin typeface="Cambria Math"/>
-                        <a:ea typeface="Cambria Math"/>
-                      </a:rPr>
-                      <m:t>≥</m:t>
-                    </m:r>
-                    <m:r>
-                      <a:rPr lang="fr-BE" b="0" i="1" smtClean="0">
-                        <a:latin typeface="Cambria Math"/>
-                        <a:ea typeface="Cambria Math"/>
-                      </a:rPr>
-                      <m:t>𝑘</m:t>
-                    </m:r>
-                  </m:oMath>
-                </a14:m>
-                <a:endParaRPr lang="fr-BE" dirty="0"/>
-              </a:p>
-              <a:p>
-                <a:pPr lvl="2"/>
-                <a14:m>
-                  <m:oMath xmlns:m="http://schemas.openxmlformats.org/officeDocument/2006/math">
-                    <m:sSub>
-                      <m:sSubPr>
-                        <m:ctrlPr>
-                          <a:rPr lang="fr-BE" i="1">
-                            <a:latin typeface="Cambria Math" panose="02040503050406030204" pitchFamily="18" charset="0"/>
-                            <a:ea typeface="Cambria Math"/>
-                          </a:rPr>
-                        </m:ctrlPr>
-                      </m:sSubPr>
-                      <m:e>
-                        <m:r>
-                          <a:rPr lang="fr-BE" i="1">
-                            <a:latin typeface="Cambria Math"/>
-                            <a:ea typeface="Cambria Math"/>
-                          </a:rPr>
-                          <m:t>𝛼</m:t>
-                        </m:r>
-                      </m:e>
-                      <m:sub>
-                        <m:r>
-                          <a:rPr lang="fr-BE" i="1">
-                            <a:latin typeface="Cambria Math"/>
-                            <a:ea typeface="Cambria Math"/>
-                          </a:rPr>
-                          <m:t>𝑖</m:t>
-                        </m:r>
-                      </m:sub>
-                    </m:sSub>
-                    <m:r>
-                      <a:rPr lang="fr-BE">
-                        <a:latin typeface="Cambria Math"/>
-                        <a:ea typeface="Cambria Math"/>
-                      </a:rPr>
-                      <m:t> </m:t>
-                    </m:r>
-                    <m:r>
-                      <m:rPr>
-                        <m:sty m:val="p"/>
-                      </m:rPr>
-                      <a:rPr lang="fr-BE" b="0" i="0" smtClean="0">
-                        <a:latin typeface="Cambria Math"/>
-                        <a:ea typeface="Cambria Math"/>
-                      </a:rPr>
-                      <m:t>complex</m:t>
-                    </m:r>
-                    <m:r>
-                      <a:rPr lang="fr-BE">
-                        <a:latin typeface="Cambria Math"/>
-                        <a:ea typeface="Cambria Math"/>
-                      </a:rPr>
-                      <m:t>, </m:t>
-                    </m:r>
-                  </m:oMath>
-                </a14:m>
-                <a:endParaRPr lang="fr-BE" dirty="0">
-                  <a:latin typeface="Cambria Math"/>
-                  <a:ea typeface="Cambria Math"/>
-                </a:endParaRPr>
-              </a:p>
-              <a:p>
-                <a:pPr lvl="3">
-                  <a:buFont typeface="Arial" panose="020B0604020202020204" pitchFamily="34" charset="0"/>
-                  <a:buChar char="•"/>
-                </a:pPr>
-                <a14:m>
-                  <m:oMath xmlns:m="http://schemas.openxmlformats.org/officeDocument/2006/math">
-                    <m:d>
-                      <m:dPr>
-                        <m:begChr m:val="|"/>
-                        <m:endChr m:val="|"/>
-                        <m:ctrlPr>
-                          <a:rPr lang="fr-BE" i="1" smtClean="0">
-                            <a:latin typeface="Cambria Math" panose="02040503050406030204" pitchFamily="18" charset="0"/>
-                            <a:ea typeface="Cambria Math"/>
-                          </a:rPr>
-                        </m:ctrlPr>
-                      </m:dPr>
-                      <m:e>
-                        <m:sSub>
-                          <m:sSubPr>
-                            <m:ctrlPr>
-                              <a:rPr lang="fr-BE" i="1">
-                                <a:latin typeface="Cambria Math" panose="02040503050406030204" pitchFamily="18" charset="0"/>
-                                <a:ea typeface="Cambria Math"/>
-                              </a:rPr>
-                            </m:ctrlPr>
-                          </m:sSubPr>
-                          <m:e>
-                            <m:r>
-                              <a:rPr lang="fr-BE" i="1">
-                                <a:latin typeface="Cambria Math"/>
-                                <a:ea typeface="Cambria Math"/>
-                              </a:rPr>
-                              <m:t>𝛼</m:t>
-                            </m:r>
-                          </m:e>
-                          <m:sub>
-                            <m:r>
-                              <a:rPr lang="fr-BE" i="1">
-                                <a:latin typeface="Cambria Math"/>
-                                <a:ea typeface="Cambria Math"/>
-                              </a:rPr>
-                              <m:t>𝑖</m:t>
-                            </m:r>
-                          </m:sub>
-                        </m:sSub>
-                      </m:e>
-                    </m:d>
-                    <m:r>
-                      <a:rPr lang="fr-BE" i="1">
-                        <a:latin typeface="Cambria Math"/>
-                        <a:ea typeface="Cambria Math"/>
-                      </a:rPr>
-                      <m:t>≥</m:t>
-                    </m:r>
-                    <m:r>
-                      <a:rPr lang="fr-BE" i="1">
-                        <a:latin typeface="Cambria Math"/>
-                        <a:ea typeface="Cambria Math"/>
-                      </a:rPr>
-                      <m:t>𝑘</m:t>
-                    </m:r>
-                    <m:r>
-                      <a:rPr lang="fr-BE" b="0" i="1" smtClean="0">
-                        <a:latin typeface="Cambria Math"/>
-                        <a:ea typeface="Cambria Math"/>
-                      </a:rPr>
-                      <m:t>, </m:t>
-                    </m:r>
-                    <m:r>
-                      <m:rPr>
-                        <m:sty m:val="p"/>
-                      </m:rPr>
-                      <a:rPr lang="fr-BE" b="0" i="0" smtClean="0">
-                        <a:latin typeface="Cambria Math"/>
-                        <a:ea typeface="Cambria Math"/>
-                      </a:rPr>
-                      <m:t>arg</m:t>
-                    </m:r>
-                    <m:r>
-                      <a:rPr lang="fr-BE" b="0" i="0" smtClean="0">
-                        <a:latin typeface="Cambria Math"/>
-                        <a:ea typeface="Cambria Math"/>
-                      </a:rPr>
-                      <m:t>(</m:t>
-                    </m:r>
-                    <m:sSub>
-                      <m:sSubPr>
-                        <m:ctrlPr>
-                          <a:rPr lang="fr-BE" i="1">
-                            <a:latin typeface="Cambria Math" panose="02040503050406030204" pitchFamily="18" charset="0"/>
-                            <a:ea typeface="Cambria Math"/>
-                          </a:rPr>
-                        </m:ctrlPr>
-                      </m:sSubPr>
-                      <m:e>
-                        <m:r>
-                          <a:rPr lang="fr-BE" i="1">
-                            <a:latin typeface="Cambria Math"/>
-                            <a:ea typeface="Cambria Math"/>
-                          </a:rPr>
-                          <m:t>𝛼</m:t>
-                        </m:r>
-                      </m:e>
-                      <m:sub>
-                        <m:r>
-                          <a:rPr lang="fr-BE" i="1">
-                            <a:latin typeface="Cambria Math"/>
-                            <a:ea typeface="Cambria Math"/>
-                          </a:rPr>
-                          <m:t>𝑖</m:t>
-                        </m:r>
-                      </m:sub>
-                    </m:sSub>
-                    <m:r>
-                      <a:rPr lang="fr-BE" b="0" i="1" smtClean="0">
-                        <a:latin typeface="Cambria Math"/>
-                        <a:ea typeface="Cambria Math"/>
-                      </a:rPr>
-                      <m:t>)</m:t>
-                    </m:r>
-                    <m:r>
-                      <a:rPr lang="fr-BE" i="1" smtClean="0">
-                        <a:latin typeface="Cambria Math"/>
-                        <a:ea typeface="Cambria Math"/>
-                      </a:rPr>
-                      <m:t>≤</m:t>
-                    </m:r>
-                    <m:r>
-                      <a:rPr lang="fr-BE" b="0" i="1" smtClean="0">
-                        <a:latin typeface="Cambria Math"/>
-                        <a:ea typeface="Cambria Math"/>
-                      </a:rPr>
-                      <m:t>𝑐</m:t>
-                    </m:r>
-                  </m:oMath>
-                </a14:m>
-                <a:r>
-                  <a:rPr lang="fr-BE" dirty="0"/>
-                  <a:t> </a:t>
-                </a:r>
-              </a:p>
-              <a:p>
-                <a:pPr lvl="3">
-                  <a:buFont typeface="Arial" panose="020B0604020202020204" pitchFamily="34" charset="0"/>
-                  <a:buChar char="•"/>
-                </a:pPr>
-                <a:endParaRPr lang="fr-BE" dirty="0"/>
-              </a:p>
-              <a:p>
-                <a:pPr marL="914400" lvl="2" indent="0">
-                  <a:buNone/>
-                </a:pPr>
-                <a14:m>
-                  <m:oMathPara xmlns:m="http://schemas.openxmlformats.org/officeDocument/2006/math">
-                    <m:oMathParaPr>
-                      <m:jc m:val="left"/>
-                    </m:oMathParaPr>
-                    <m:oMath xmlns:m="http://schemas.openxmlformats.org/officeDocument/2006/math">
-                      <m:d>
-                        <m:dPr>
-                          <m:ctrlPr>
-                            <a:rPr lang="fr-BE" sz="1400" b="0" i="1" smtClean="0">
-                              <a:latin typeface="Cambria Math" panose="02040503050406030204" pitchFamily="18" charset="0"/>
-                            </a:rPr>
-                          </m:ctrlPr>
-                        </m:dPr>
-                        <m:e>
-                          <m:r>
-                            <a:rPr lang="fr-BE" sz="1400" b="0" i="1" smtClean="0">
-                              <a:latin typeface="Cambria Math"/>
-                            </a:rPr>
-                            <m:t>𝑐</m:t>
-                          </m:r>
-                          <m:r>
-                            <a:rPr lang="fr-BE" sz="1400" b="0" i="1" smtClean="0">
-                              <a:latin typeface="Cambria Math"/>
-                            </a:rPr>
-                            <m:t>=</m:t>
-                          </m:r>
-                          <m:f>
-                            <m:fPr>
-                              <m:ctrlPr>
-                                <a:rPr lang="fr-BE" sz="1400" b="0" i="1" smtClean="0">
-                                  <a:latin typeface="Cambria Math" panose="02040503050406030204" pitchFamily="18" charset="0"/>
-                                  <a:ea typeface="Cambria Math"/>
-                                </a:rPr>
-                              </m:ctrlPr>
-                            </m:fPr>
-                            <m:num>
-                              <m:r>
-                                <a:rPr lang="fr-BE" sz="1400" b="0" i="1" smtClean="0">
-                                  <a:latin typeface="Cambria Math"/>
-                                  <a:ea typeface="Cambria Math"/>
-                                </a:rPr>
-                                <m:t>𝜋</m:t>
-                              </m:r>
-                            </m:num>
-                            <m:den>
-                              <m:r>
-                                <a:rPr lang="fr-BE" sz="1400" b="0" i="1" smtClean="0">
-                                  <a:latin typeface="Cambria Math"/>
-                                  <a:ea typeface="Cambria Math"/>
-                                </a:rPr>
-                                <m:t>𝑠</m:t>
-                              </m:r>
-                            </m:den>
-                          </m:f>
-                        </m:e>
-                      </m:d>
-                      <m:r>
-                        <a:rPr lang="fr-BE" sz="1400" b="0" i="1" smtClean="0">
-                          <a:latin typeface="Cambria Math"/>
-                          <a:ea typeface="Cambria Math"/>
-                        </a:rPr>
-                        <m:t>~</m:t>
-                      </m:r>
-                      <m:r>
-                        <a:rPr lang="fr-BE" sz="1400" i="1">
-                          <a:latin typeface="Cambria Math"/>
-                          <a:ea typeface="Cambria Math"/>
-                        </a:rPr>
-                        <m:t>𝑐𝑦𝑐𝑙𝑒</m:t>
-                      </m:r>
-                      <m:r>
-                        <a:rPr lang="fr-BE" sz="1400" b="0" i="1" smtClean="0">
-                          <a:latin typeface="Cambria Math"/>
-                          <a:ea typeface="Cambria Math"/>
-                        </a:rPr>
-                        <m:t> </m:t>
-                      </m:r>
-                      <m:r>
-                        <a:rPr lang="fr-BE" sz="1400" b="0" i="1" smtClean="0">
-                          <a:latin typeface="Cambria Math"/>
-                          <a:ea typeface="Cambria Math"/>
-                        </a:rPr>
-                        <m:t>𝑙𝑒𝑛𝑔𝑡h</m:t>
-                      </m:r>
-                      <m:r>
-                        <a:rPr lang="fr-BE" sz="1400" b="0" i="1" smtClean="0">
-                          <a:latin typeface="Cambria Math"/>
-                          <a:ea typeface="Cambria Math"/>
-                        </a:rPr>
-                        <m:t>≥</m:t>
-                      </m:r>
-                      <m:r>
-                        <a:rPr lang="fr-BE" sz="1400" b="0" i="1" smtClean="0">
-                          <a:latin typeface="Cambria Math"/>
-                          <a:ea typeface="Cambria Math"/>
-                        </a:rPr>
-                        <m:t>𝑡𝑤𝑜</m:t>
-                      </m:r>
-                      <m:r>
-                        <a:rPr lang="fr-BE" sz="1400" b="0" i="1" smtClean="0">
-                          <a:latin typeface="Cambria Math"/>
-                          <a:ea typeface="Cambria Math"/>
-                        </a:rPr>
-                        <m:t> </m:t>
-                      </m:r>
-                      <m:r>
-                        <a:rPr lang="fr-BE" sz="1400" b="0" i="1" smtClean="0">
-                          <a:latin typeface="Cambria Math"/>
-                          <a:ea typeface="Cambria Math"/>
-                        </a:rPr>
-                        <m:t>𝑦𝑒𝑎𝑟𝑠</m:t>
-                      </m:r>
-                    </m:oMath>
-                  </m:oMathPara>
-                </a14:m>
-                <a:endParaRPr lang="fr-BE" sz="1400" dirty="0"/>
-              </a:p>
-              <a:p>
-                <a:pPr lvl="2"/>
-                <a:endParaRPr lang="fr-BE" dirty="0"/>
-              </a:p>
-            </p:txBody>
-          </p:sp>
-        </mc:Choice>
-        <mc:Fallback xmlns="">
-          <p:sp>
-            <p:nvSpPr>
-              <p:cNvPr id="3" name="Content Placeholder 2"/>
-              <p:cNvSpPr>
-                <a:spLocks noGrp="1" noRot="1" noChangeAspect="1" noMove="1" noResize="1" noEditPoints="1" noAdjustHandles="1" noChangeArrowheads="1" noChangeShapeType="1" noTextEdit="1"/>
-              </p:cNvSpPr>
-              <p:nvPr>
-                <p:ph idx="1"/>
-              </p:nvPr>
-            </p:nvSpPr>
-            <p:spPr>
-              <a:blipFill>
-                <a:blip r:embed="rId2"/>
-                <a:stretch>
-                  <a:fillRect l="-1481" t="-3504"/>
-                </a:stretch>
-              </a:blipFill>
-            </p:spPr>
-            <p:txBody>
-              <a:bodyPr/>
-              <a:lstStyle/>
-              <a:p>
-                <a:r>
-                  <a:rPr lang="fr-BE">
-                    <a:noFill/>
-                  </a:rPr>
-                  <a:t> </a:t>
-                </a:r>
-              </a:p>
-            </p:txBody>
-          </p:sp>
-        </mc:Fallback>
-      </mc:AlternateContent>
-      <p:sp>
-        <p:nvSpPr>
-          <p:cNvPr id="4" name="Date Placeholder 3"/>
-          <p:cNvSpPr>
-            <a:spLocks noGrp="1"/>
-          </p:cNvSpPr>
-          <p:nvPr>
-            <p:ph type="dt" sz="half" idx="10"/>
-          </p:nvPr>
-        </p:nvSpPr>
-        <p:spPr/>
-        <p:txBody>
-          <a:bodyPr/>
-          <a:lstStyle/>
-          <a:p>
-            <a:r>
-              <a:rPr lang="fr-FR"/>
-              <a:t>17-19/10/2023</a:t>
-            </a:r>
-            <a:endParaRPr lang="fr-BE"/>
-          </a:p>
-        </p:txBody>
-      </p:sp>
-      <p:sp>
-        <p:nvSpPr>
-          <p:cNvPr id="5" name="Footer Placeholder 4"/>
-          <p:cNvSpPr>
-            <a:spLocks noGrp="1"/>
-          </p:cNvSpPr>
-          <p:nvPr>
-            <p:ph type="ftr" sz="quarter" idx="11"/>
-          </p:nvPr>
-        </p:nvSpPr>
-        <p:spPr/>
-        <p:txBody>
-          <a:bodyPr/>
-          <a:lstStyle/>
-          <a:p>
-            <a:r>
-              <a:rPr lang="en-GB"/>
-              <a:t>CONTRACTORS ORGANISING SOME OF THE COURSES ARE ACTING UNDER A FRAMEWORK CONTRACT CONCLUDED WITH THE COMMISSION</a:t>
-            </a:r>
-            <a:endParaRPr lang="fr-BE"/>
-          </a:p>
-        </p:txBody>
-      </p:sp>
-      <p:sp>
-        <p:nvSpPr>
-          <p:cNvPr id="6" name="Slide Number Placeholder 5"/>
-          <p:cNvSpPr>
-            <a:spLocks noGrp="1"/>
-          </p:cNvSpPr>
-          <p:nvPr>
-            <p:ph type="sldNum" sz="quarter" idx="12"/>
-          </p:nvPr>
-        </p:nvSpPr>
-        <p:spPr/>
-        <p:txBody>
-          <a:bodyPr/>
-          <a:lstStyle/>
-          <a:p>
-            <a:fld id="{F12E9969-9346-4095-A7C3-836AAB82C09A}" type="slidenum">
-              <a:rPr lang="fr-BE" smtClean="0"/>
-              <a:t>10</a:t>
-            </a:fld>
-            <a:endParaRPr lang="fr-BE"/>
-          </a:p>
-        </p:txBody>
-      </p:sp>
-      <p:pic>
-        <p:nvPicPr>
-          <p:cNvPr id="1026" name="Picture 2"/>
-          <p:cNvPicPr>
-            <a:picLocks noChangeAspect="1" noChangeArrowheads="1"/>
-          </p:cNvPicPr>
-          <p:nvPr/>
-        </p:nvPicPr>
-        <p:blipFill>
-          <a:blip r:embed="rId3">
-            <a:extLst>
-              <a:ext uri="{28A0092B-C50C-407E-A947-70E740481C1C}">
-                <a14:useLocalDpi xmlns:a14="http://schemas.microsoft.com/office/drawing/2010/main" val="0"/>
-              </a:ext>
-            </a:extLst>
-          </a:blip>
-          <a:srcRect/>
-          <a:stretch>
-            <a:fillRect/>
-          </a:stretch>
-        </p:blipFill>
-        <p:spPr bwMode="auto">
-          <a:xfrm>
-            <a:off x="5076056" y="3573016"/>
-            <a:ext cx="3705225" cy="2352675"/>
-          </a:xfrm>
-          <a:prstGeom prst="rect">
-            <a:avLst/>
-          </a:prstGeom>
-          <a:noFill/>
-          <a:ln w="12700">
-            <a:solidFill>
-              <a:schemeClr val="tx1"/>
-            </a:solidFill>
-            <a:miter lim="800000"/>
-            <a:headEnd/>
-            <a:tailEnd/>
-          </a:ln>
-          <a:extLst>
-            <a:ext uri="{909E8E84-426E-40DD-AFC4-6F175D3DCCD1}">
-              <a14:hiddenFill xmlns:a14="http://schemas.microsoft.com/office/drawing/2010/main">
-                <a:solidFill>
-                  <a:schemeClr val="accent1"/>
-                </a:solidFill>
-              </a14:hiddenFill>
-            </a:ext>
-          </a:extLst>
-        </p:spPr>
-      </p:pic>
-      <p:sp>
-        <p:nvSpPr>
-          <p:cNvPr id="9" name="TextBox 8"/>
-          <p:cNvSpPr txBox="1"/>
-          <p:nvPr/>
-        </p:nvSpPr>
-        <p:spPr>
-          <a:xfrm>
-            <a:off x="5937473" y="3068960"/>
-            <a:ext cx="2843808" cy="369332"/>
-          </a:xfrm>
-          <a:prstGeom prst="rect">
-            <a:avLst/>
-          </a:prstGeom>
-          <a:noFill/>
-          <a:ln w="12700">
-            <a:solidFill>
-              <a:schemeClr val="tx1"/>
-            </a:solidFill>
-          </a:ln>
-        </p:spPr>
-        <p:txBody>
-          <a:bodyPr wrap="square" rtlCol="0">
-            <a:spAutoFit/>
-          </a:bodyPr>
-          <a:lstStyle/>
-          <a:p>
-            <a:r>
-              <a:rPr lang="fr-BE" dirty="0"/>
-              <a:t>TrendCycleSelector.java</a:t>
-            </a:r>
-          </a:p>
-        </p:txBody>
-      </p:sp>
-    </p:spTree>
-    <p:extLst>
-      <p:ext uri="{BB962C8B-B14F-4D97-AF65-F5344CB8AC3E}">
-        <p14:creationId xmlns:p14="http://schemas.microsoft.com/office/powerpoint/2010/main" val="3343839125"/>
-      </p:ext>
-    </p:extLst>
-  </p:cSld>
-  <p:clrMapOvr>
-    <a:masterClrMapping/>
-  </p:clrMapOvr>
-</p:sld>
-</file>
-
-<file path=ppt/slides/slide11.xml><?xml version="1.0" encoding="utf-8"?>
 <p:sld xmlns:a="http://schemas.openxmlformats.org/drawingml/2006/main" xmlns:r="http://schemas.openxmlformats.org/officeDocument/2006/relationships" xmlns:p="http://schemas.openxmlformats.org/presentationml/2006/main">
   <p:cSld>
     <p:spTree>
@@ -6074,7 +5003,7 @@
           <a:p>
             <a:fld id="{F12E9969-9346-4095-A7C3-836AAB82C09A}" type="slidenum">
               <a:rPr lang="fr-BE" smtClean="0"/>
-              <a:t>11</a:t>
+              <a:t>10</a:t>
             </a:fld>
             <a:endParaRPr lang="fr-BE"/>
           </a:p>
@@ -6396,6 +5325,1144 @@
 </p:sld>
 </file>
 
+<file path=ppt/slides/slide11.xml><?xml version="1.0" encoding="utf-8"?>
+<p:sld xmlns:a="http://schemas.openxmlformats.org/drawingml/2006/main" xmlns:r="http://schemas.openxmlformats.org/officeDocument/2006/relationships" xmlns:p="http://schemas.openxmlformats.org/presentationml/2006/main">
+  <p:cSld>
+    <p:spTree>
+      <p:nvGrpSpPr>
+        <p:cNvPr id="1" name=""/>
+        <p:cNvGrpSpPr/>
+        <p:nvPr/>
+      </p:nvGrpSpPr>
+      <p:grpSpPr>
+        <a:xfrm>
+          <a:off x="0" y="0"/>
+          <a:ext cx="0" cy="0"/>
+          <a:chOff x="0" y="0"/>
+          <a:chExt cx="0" cy="0"/>
+        </a:xfrm>
+      </p:grpSpPr>
+      <p:sp>
+        <p:nvSpPr>
+          <p:cNvPr id="2" name="Title 1">
+            <a:extLst>
+              <a:ext uri="{FF2B5EF4-FFF2-40B4-BE49-F238E27FC236}">
+                <a16:creationId xmlns:a16="http://schemas.microsoft.com/office/drawing/2014/main" id="{BB7EFE25-3836-11DD-1D74-7F5BE2639F5B}"/>
+              </a:ext>
+            </a:extLst>
+          </p:cNvPr>
+          <p:cNvSpPr>
+            <a:spLocks noGrp="1"/>
+          </p:cNvSpPr>
+          <p:nvPr>
+            <p:ph type="title"/>
+          </p:nvPr>
+        </p:nvSpPr>
+        <p:spPr/>
+        <p:txBody>
+          <a:bodyPr/>
+          <a:lstStyle/>
+          <a:p>
+            <a:r>
+              <a:rPr lang="fr-BE" dirty="0"/>
+              <a:t>Estimation of the model</a:t>
+            </a:r>
+          </a:p>
+        </p:txBody>
+      </p:sp>
+      <p:sp>
+        <p:nvSpPr>
+          <p:cNvPr id="4" name="Date Placeholder 3">
+            <a:extLst>
+              <a:ext uri="{FF2B5EF4-FFF2-40B4-BE49-F238E27FC236}">
+                <a16:creationId xmlns:a16="http://schemas.microsoft.com/office/drawing/2014/main" id="{153F502C-D659-1550-D595-602CA6D33F43}"/>
+              </a:ext>
+            </a:extLst>
+          </p:cNvPr>
+          <p:cNvSpPr>
+            <a:spLocks noGrp="1"/>
+          </p:cNvSpPr>
+          <p:nvPr>
+            <p:ph type="dt" sz="half" idx="10"/>
+          </p:nvPr>
+        </p:nvSpPr>
+        <p:spPr/>
+        <p:txBody>
+          <a:bodyPr/>
+          <a:lstStyle/>
+          <a:p>
+            <a:r>
+              <a:rPr lang="fr-FR"/>
+              <a:t>17-19/10/2023</a:t>
+            </a:r>
+            <a:endParaRPr lang="fr-BE"/>
+          </a:p>
+        </p:txBody>
+      </p:sp>
+      <p:sp>
+        <p:nvSpPr>
+          <p:cNvPr id="5" name="Footer Placeholder 4">
+            <a:extLst>
+              <a:ext uri="{FF2B5EF4-FFF2-40B4-BE49-F238E27FC236}">
+                <a16:creationId xmlns:a16="http://schemas.microsoft.com/office/drawing/2014/main" id="{4B45CC05-5166-3B66-D2FA-4CF09A26C061}"/>
+              </a:ext>
+            </a:extLst>
+          </p:cNvPr>
+          <p:cNvSpPr>
+            <a:spLocks noGrp="1"/>
+          </p:cNvSpPr>
+          <p:nvPr>
+            <p:ph type="ftr" sz="quarter" idx="11"/>
+          </p:nvPr>
+        </p:nvSpPr>
+        <p:spPr/>
+        <p:txBody>
+          <a:bodyPr/>
+          <a:lstStyle/>
+          <a:p>
+            <a:r>
+              <a:rPr lang="en-GB"/>
+              <a:t>CONTRACTORS ORGANISING SOME OF THE COURSES ARE ACTING UNDER A FRAMEWORK CONTRACT CONCLUDED WITH THE COMMISSION</a:t>
+            </a:r>
+            <a:endParaRPr lang="fr-BE"/>
+          </a:p>
+        </p:txBody>
+      </p:sp>
+      <p:sp>
+        <p:nvSpPr>
+          <p:cNvPr id="6" name="Slide Number Placeholder 5">
+            <a:extLst>
+              <a:ext uri="{FF2B5EF4-FFF2-40B4-BE49-F238E27FC236}">
+                <a16:creationId xmlns:a16="http://schemas.microsoft.com/office/drawing/2014/main" id="{E32B0039-FAF1-E70D-E3E0-2FC704B81B43}"/>
+              </a:ext>
+            </a:extLst>
+          </p:cNvPr>
+          <p:cNvSpPr>
+            <a:spLocks noGrp="1"/>
+          </p:cNvSpPr>
+          <p:nvPr>
+            <p:ph type="sldNum" sz="quarter" idx="12"/>
+          </p:nvPr>
+        </p:nvSpPr>
+        <p:spPr/>
+        <p:txBody>
+          <a:bodyPr/>
+          <a:lstStyle/>
+          <a:p>
+            <a:fld id="{F12E9969-9346-4095-A7C3-836AAB82C09A}" type="slidenum">
+              <a:rPr lang="fr-BE" smtClean="0"/>
+              <a:t>11</a:t>
+            </a:fld>
+            <a:endParaRPr lang="fr-BE"/>
+          </a:p>
+        </p:txBody>
+      </p:sp>
+      <p:sp>
+        <p:nvSpPr>
+          <p:cNvPr id="7" name="Rectangle: Rounded Corners 6">
+            <a:extLst>
+              <a:ext uri="{FF2B5EF4-FFF2-40B4-BE49-F238E27FC236}">
+                <a16:creationId xmlns:a16="http://schemas.microsoft.com/office/drawing/2014/main" id="{A61B2F49-3D4E-2F35-2BA9-94A72641CB2B}"/>
+              </a:ext>
+            </a:extLst>
+          </p:cNvPr>
+          <p:cNvSpPr/>
+          <p:nvPr/>
+        </p:nvSpPr>
+        <p:spPr>
+          <a:xfrm>
+            <a:off x="1547664" y="1916832"/>
+            <a:ext cx="2782023" cy="621783"/>
+          </a:xfrm>
+          <a:prstGeom prst="roundRect">
+            <a:avLst/>
+          </a:prstGeom>
+        </p:spPr>
+        <p:style>
+          <a:lnRef idx="2">
+            <a:schemeClr val="accent1">
+              <a:shade val="50000"/>
+            </a:schemeClr>
+          </a:lnRef>
+          <a:fillRef idx="1">
+            <a:schemeClr val="accent1"/>
+          </a:fillRef>
+          <a:effectRef idx="0">
+            <a:schemeClr val="accent1"/>
+          </a:effectRef>
+          <a:fontRef idx="minor">
+            <a:schemeClr val="lt1"/>
+          </a:fontRef>
+        </p:style>
+        <p:txBody>
+          <a:bodyPr rtlCol="0" anchor="ctr"/>
+          <a:lstStyle/>
+          <a:p>
+            <a:pPr algn="ctr"/>
+            <a:r>
+              <a:rPr lang="fr-BE" dirty="0"/>
+              <a:t>Components model</a:t>
+            </a:r>
+          </a:p>
+        </p:txBody>
+      </p:sp>
+      <p:sp>
+        <p:nvSpPr>
+          <p:cNvPr id="8" name="Rectangle: Rounded Corners 7">
+            <a:extLst>
+              <a:ext uri="{FF2B5EF4-FFF2-40B4-BE49-F238E27FC236}">
+                <a16:creationId xmlns:a16="http://schemas.microsoft.com/office/drawing/2014/main" id="{8539B5CF-A841-CDCA-4C8E-654B752E53B5}"/>
+              </a:ext>
+            </a:extLst>
+          </p:cNvPr>
+          <p:cNvSpPr/>
+          <p:nvPr/>
+        </p:nvSpPr>
+        <p:spPr>
+          <a:xfrm>
+            <a:off x="1546669" y="3413771"/>
+            <a:ext cx="2782023" cy="621783"/>
+          </a:xfrm>
+          <a:prstGeom prst="roundRect">
+            <a:avLst/>
+          </a:prstGeom>
+        </p:spPr>
+        <p:style>
+          <a:lnRef idx="2">
+            <a:schemeClr val="accent1">
+              <a:shade val="50000"/>
+            </a:schemeClr>
+          </a:lnRef>
+          <a:fillRef idx="1">
+            <a:schemeClr val="accent1"/>
+          </a:fillRef>
+          <a:effectRef idx="0">
+            <a:schemeClr val="accent1"/>
+          </a:effectRef>
+          <a:fontRef idx="minor">
+            <a:schemeClr val="lt1"/>
+          </a:fontRef>
+        </p:style>
+        <p:txBody>
+          <a:bodyPr rtlCol="0" anchor="ctr"/>
+          <a:lstStyle/>
+          <a:p>
+            <a:pPr algn="ctr"/>
+            <a:r>
+              <a:rPr lang="fr-BE" dirty="0"/>
+              <a:t> Components </a:t>
+            </a:r>
+            <a:r>
+              <a:rPr lang="fr-BE" dirty="0" err="1"/>
+              <a:t>estimators</a:t>
+            </a:r>
+            <a:endParaRPr lang="fr-BE" dirty="0"/>
+          </a:p>
+        </p:txBody>
+      </p:sp>
+      <p:cxnSp>
+        <p:nvCxnSpPr>
+          <p:cNvPr id="10" name="Straight Arrow Connector 9">
+            <a:extLst>
+              <a:ext uri="{FF2B5EF4-FFF2-40B4-BE49-F238E27FC236}">
+                <a16:creationId xmlns:a16="http://schemas.microsoft.com/office/drawing/2014/main" id="{B86CF7EB-3B60-3805-9362-A70512C4D7A5}"/>
+              </a:ext>
+            </a:extLst>
+          </p:cNvPr>
+          <p:cNvCxnSpPr>
+            <a:cxnSpLocks/>
+            <a:stCxn id="7" idx="2"/>
+            <a:endCxn id="8" idx="0"/>
+          </p:cNvCxnSpPr>
+          <p:nvPr/>
+        </p:nvCxnSpPr>
+        <p:spPr>
+          <a:xfrm flipH="1">
+            <a:off x="2937681" y="2538615"/>
+            <a:ext cx="995" cy="875156"/>
+          </a:xfrm>
+          <a:prstGeom prst="straightConnector1">
+            <a:avLst/>
+          </a:prstGeom>
+          <a:ln w="57150">
+            <a:tailEnd type="triangle"/>
+          </a:ln>
+        </p:spPr>
+        <p:style>
+          <a:lnRef idx="1">
+            <a:schemeClr val="accent1"/>
+          </a:lnRef>
+          <a:fillRef idx="0">
+            <a:schemeClr val="accent1"/>
+          </a:fillRef>
+          <a:effectRef idx="0">
+            <a:schemeClr val="accent1"/>
+          </a:effectRef>
+          <a:fontRef idx="minor">
+            <a:schemeClr val="tx1"/>
+          </a:fontRef>
+        </p:style>
+      </p:cxnSp>
+      <p:sp>
+        <p:nvSpPr>
+          <p:cNvPr id="13" name="TextBox 12">
+            <a:extLst>
+              <a:ext uri="{FF2B5EF4-FFF2-40B4-BE49-F238E27FC236}">
+                <a16:creationId xmlns:a16="http://schemas.microsoft.com/office/drawing/2014/main" id="{13289681-7FAA-0887-AF59-2A507E8A5C52}"/>
+              </a:ext>
+            </a:extLst>
+          </p:cNvPr>
+          <p:cNvSpPr txBox="1"/>
+          <p:nvPr/>
+        </p:nvSpPr>
+        <p:spPr>
+          <a:xfrm>
+            <a:off x="3068567" y="2676159"/>
+            <a:ext cx="4285455" cy="646331"/>
+          </a:xfrm>
+          <a:prstGeom prst="rect">
+            <a:avLst/>
+          </a:prstGeom>
+          <a:noFill/>
+        </p:spPr>
+        <p:txBody>
+          <a:bodyPr wrap="square" rtlCol="0">
+            <a:spAutoFit/>
+          </a:bodyPr>
+          <a:lstStyle/>
+          <a:p>
+            <a:pPr marL="285750" indent="-285750">
+              <a:buFont typeface="Arial" panose="020B0604020202020204" pitchFamily="34" charset="0"/>
+              <a:buChar char="•"/>
+            </a:pPr>
+            <a:r>
+              <a:rPr lang="fr-BE" dirty="0" err="1"/>
+              <a:t>Estimators</a:t>
+            </a:r>
+            <a:r>
+              <a:rPr lang="fr-BE" dirty="0"/>
+              <a:t> = </a:t>
+            </a:r>
+            <a:r>
+              <a:rPr lang="fr-BE" dirty="0" err="1"/>
+              <a:t>Linear</a:t>
+            </a:r>
+            <a:r>
+              <a:rPr lang="fr-BE" dirty="0"/>
+              <a:t> transformations of y</a:t>
+            </a:r>
+          </a:p>
+          <a:p>
+            <a:pPr marL="285750" indent="-285750">
+              <a:buFont typeface="Arial" panose="020B0604020202020204" pitchFamily="34" charset="0"/>
+              <a:buChar char="•"/>
+            </a:pPr>
+            <a:r>
+              <a:rPr lang="fr-BE" dirty="0"/>
+              <a:t>MMSE </a:t>
+            </a:r>
+            <a:r>
+              <a:rPr lang="fr-BE" dirty="0" err="1"/>
+              <a:t>criterion</a:t>
+            </a:r>
+            <a:endParaRPr lang="fr-BE" dirty="0"/>
+          </a:p>
+        </p:txBody>
+      </p:sp>
+      <p:sp>
+        <p:nvSpPr>
+          <p:cNvPr id="14" name="Rectangle: Rounded Corners 13">
+            <a:extLst>
+              <a:ext uri="{FF2B5EF4-FFF2-40B4-BE49-F238E27FC236}">
+                <a16:creationId xmlns:a16="http://schemas.microsoft.com/office/drawing/2014/main" id="{DD641E74-2348-C5AF-5F71-2EA850622B61}"/>
+              </a:ext>
+            </a:extLst>
+          </p:cNvPr>
+          <p:cNvSpPr/>
+          <p:nvPr/>
+        </p:nvSpPr>
+        <p:spPr>
+          <a:xfrm>
+            <a:off x="1546669" y="4910710"/>
+            <a:ext cx="2782023" cy="621783"/>
+          </a:xfrm>
+          <a:prstGeom prst="roundRect">
+            <a:avLst/>
+          </a:prstGeom>
+        </p:spPr>
+        <p:style>
+          <a:lnRef idx="2">
+            <a:schemeClr val="accent1">
+              <a:shade val="50000"/>
+            </a:schemeClr>
+          </a:lnRef>
+          <a:fillRef idx="1">
+            <a:schemeClr val="accent1"/>
+          </a:fillRef>
+          <a:effectRef idx="0">
+            <a:schemeClr val="accent1"/>
+          </a:effectRef>
+          <a:fontRef idx="minor">
+            <a:schemeClr val="lt1"/>
+          </a:fontRef>
+        </p:style>
+        <p:txBody>
+          <a:bodyPr rtlCol="0" anchor="ctr"/>
+          <a:lstStyle/>
+          <a:p>
+            <a:pPr algn="ctr"/>
+            <a:r>
+              <a:rPr lang="fr-BE" dirty="0"/>
+              <a:t> Components </a:t>
+            </a:r>
+            <a:r>
+              <a:rPr lang="fr-BE" dirty="0" err="1"/>
+              <a:t>estimates</a:t>
+            </a:r>
+            <a:endParaRPr lang="fr-BE" dirty="0"/>
+          </a:p>
+        </p:txBody>
+      </p:sp>
+      <p:cxnSp>
+        <p:nvCxnSpPr>
+          <p:cNvPr id="15" name="Straight Arrow Connector 14">
+            <a:extLst>
+              <a:ext uri="{FF2B5EF4-FFF2-40B4-BE49-F238E27FC236}">
+                <a16:creationId xmlns:a16="http://schemas.microsoft.com/office/drawing/2014/main" id="{29AAC512-4C69-EA65-4228-ECF7D8F8B104}"/>
+              </a:ext>
+            </a:extLst>
+          </p:cNvPr>
+          <p:cNvCxnSpPr>
+            <a:cxnSpLocks/>
+            <a:stCxn id="8" idx="2"/>
+            <a:endCxn id="14" idx="0"/>
+          </p:cNvCxnSpPr>
+          <p:nvPr/>
+        </p:nvCxnSpPr>
+        <p:spPr>
+          <a:xfrm>
+            <a:off x="2937681" y="4035554"/>
+            <a:ext cx="0" cy="875156"/>
+          </a:xfrm>
+          <a:prstGeom prst="straightConnector1">
+            <a:avLst/>
+          </a:prstGeom>
+          <a:ln w="57150">
+            <a:tailEnd type="triangle"/>
+          </a:ln>
+        </p:spPr>
+        <p:style>
+          <a:lnRef idx="1">
+            <a:schemeClr val="accent1"/>
+          </a:lnRef>
+          <a:fillRef idx="0">
+            <a:schemeClr val="accent1"/>
+          </a:fillRef>
+          <a:effectRef idx="0">
+            <a:schemeClr val="accent1"/>
+          </a:effectRef>
+          <a:fontRef idx="minor">
+            <a:schemeClr val="tx1"/>
+          </a:fontRef>
+        </p:style>
+      </p:cxnSp>
+      <p:sp>
+        <p:nvSpPr>
+          <p:cNvPr id="20" name="TextBox 19">
+            <a:extLst>
+              <a:ext uri="{FF2B5EF4-FFF2-40B4-BE49-F238E27FC236}">
+                <a16:creationId xmlns:a16="http://schemas.microsoft.com/office/drawing/2014/main" id="{4DADE995-A868-A836-7ABA-2A6F3AA9117C}"/>
+              </a:ext>
+            </a:extLst>
+          </p:cNvPr>
+          <p:cNvSpPr txBox="1"/>
+          <p:nvPr/>
+        </p:nvSpPr>
+        <p:spPr>
+          <a:xfrm>
+            <a:off x="3068567" y="4136402"/>
+            <a:ext cx="4285455" cy="646331"/>
+          </a:xfrm>
+          <a:prstGeom prst="rect">
+            <a:avLst/>
+          </a:prstGeom>
+          <a:noFill/>
+        </p:spPr>
+        <p:txBody>
+          <a:bodyPr wrap="square" rtlCol="0">
+            <a:spAutoFit/>
+          </a:bodyPr>
+          <a:lstStyle/>
+          <a:p>
+            <a:pPr marL="285750" indent="-285750">
+              <a:buFont typeface="Arial" panose="020B0604020202020204" pitchFamily="34" charset="0"/>
+              <a:buChar char="•"/>
+            </a:pPr>
+            <a:r>
+              <a:rPr lang="fr-BE" dirty="0"/>
+              <a:t>Estimation by </a:t>
+            </a:r>
+            <a:r>
+              <a:rPr lang="fr-BE" dirty="0" err="1"/>
+              <a:t>means</a:t>
+            </a:r>
+            <a:r>
+              <a:rPr lang="fr-BE" dirty="0"/>
+              <a:t> of KF, </a:t>
+            </a:r>
+            <a:r>
+              <a:rPr lang="fr-BE" dirty="0" err="1"/>
+              <a:t>Burman’s</a:t>
+            </a:r>
+            <a:r>
+              <a:rPr lang="fr-BE" dirty="0"/>
+              <a:t>, </a:t>
+            </a:r>
+            <a:r>
+              <a:rPr lang="fr-BE" dirty="0" err="1"/>
+              <a:t>McElroy’s</a:t>
+            </a:r>
+            <a:r>
+              <a:rPr lang="fr-BE" dirty="0"/>
+              <a:t> </a:t>
+            </a:r>
+            <a:r>
+              <a:rPr lang="fr-BE" dirty="0" err="1"/>
+              <a:t>algorithms</a:t>
+            </a:r>
+            <a:r>
+              <a:rPr lang="fr-BE" dirty="0"/>
+              <a:t>…</a:t>
+            </a:r>
+          </a:p>
+        </p:txBody>
+      </p:sp>
+      <p:sp>
+        <p:nvSpPr>
+          <p:cNvPr id="21" name="TextBox 20">
+            <a:extLst>
+              <a:ext uri="{FF2B5EF4-FFF2-40B4-BE49-F238E27FC236}">
+                <a16:creationId xmlns:a16="http://schemas.microsoft.com/office/drawing/2014/main" id="{418ADC4F-CAE7-5577-87CA-865394C61221}"/>
+              </a:ext>
+            </a:extLst>
+          </p:cNvPr>
+          <p:cNvSpPr txBox="1"/>
+          <p:nvPr/>
+        </p:nvSpPr>
+        <p:spPr>
+          <a:xfrm>
+            <a:off x="4680020" y="1770523"/>
+            <a:ext cx="3176067" cy="646331"/>
+          </a:xfrm>
+          <a:prstGeom prst="rect">
+            <a:avLst/>
+          </a:prstGeom>
+          <a:noFill/>
+        </p:spPr>
+        <p:txBody>
+          <a:bodyPr wrap="square" rtlCol="0">
+            <a:spAutoFit/>
+          </a:bodyPr>
+          <a:lstStyle/>
+          <a:p>
+            <a:pPr marL="285750" indent="-285750">
+              <a:buFont typeface="Arial" panose="020B0604020202020204" pitchFamily="34" charset="0"/>
+              <a:buChar char="•"/>
+            </a:pPr>
+            <a:r>
+              <a:rPr lang="fr-BE" dirty="0" err="1">
+                <a:solidFill>
+                  <a:srgbClr val="0070C0"/>
+                </a:solidFill>
+              </a:rPr>
+              <a:t>Independant</a:t>
+            </a:r>
+            <a:r>
+              <a:rPr lang="fr-BE" dirty="0">
+                <a:solidFill>
+                  <a:srgbClr val="0070C0"/>
+                </a:solidFill>
+              </a:rPr>
+              <a:t> components</a:t>
+            </a:r>
+          </a:p>
+          <a:p>
+            <a:pPr marL="285750" indent="-285750">
+              <a:buFont typeface="Arial" panose="020B0604020202020204" pitchFamily="34" charset="0"/>
+              <a:buChar char="•"/>
+            </a:pPr>
+            <a:r>
+              <a:rPr lang="fr-BE" dirty="0" err="1">
+                <a:solidFill>
+                  <a:srgbClr val="0070C0"/>
+                </a:solidFill>
+              </a:rPr>
+              <a:t>Sum</a:t>
+            </a:r>
+            <a:r>
+              <a:rPr lang="fr-BE" dirty="0">
+                <a:solidFill>
+                  <a:srgbClr val="0070C0"/>
+                </a:solidFill>
+              </a:rPr>
+              <a:t> of </a:t>
+            </a:r>
+            <a:r>
+              <a:rPr lang="fr-BE" dirty="0" err="1">
+                <a:solidFill>
+                  <a:srgbClr val="0070C0"/>
+                </a:solidFill>
+              </a:rPr>
+              <a:t>cmps</a:t>
+            </a:r>
+            <a:r>
+              <a:rPr lang="fr-BE" dirty="0">
+                <a:solidFill>
+                  <a:srgbClr val="0070C0"/>
+                </a:solidFill>
+              </a:rPr>
+              <a:t> &lt;=&gt; y</a:t>
+            </a:r>
+          </a:p>
+        </p:txBody>
+      </p:sp>
+      <mc:AlternateContent xmlns:mc="http://schemas.openxmlformats.org/markup-compatibility/2006">
+        <mc:Choice xmlns:a14="http://schemas.microsoft.com/office/drawing/2010/main" Requires="a14">
+          <p:sp>
+            <p:nvSpPr>
+              <p:cNvPr id="22" name="TextBox 21">
+                <a:extLst>
+                  <a:ext uri="{FF2B5EF4-FFF2-40B4-BE49-F238E27FC236}">
+                    <a16:creationId xmlns:a16="http://schemas.microsoft.com/office/drawing/2014/main" id="{5A7EF33E-23AC-45BE-35DC-E864404657FD}"/>
+                  </a:ext>
+                </a:extLst>
+              </p:cNvPr>
+              <p:cNvSpPr txBox="1"/>
+              <p:nvPr/>
+            </p:nvSpPr>
+            <p:spPr>
+              <a:xfrm>
+                <a:off x="4743372" y="3333400"/>
+                <a:ext cx="3176067" cy="655372"/>
+              </a:xfrm>
+              <a:prstGeom prst="rect">
+                <a:avLst/>
+              </a:prstGeom>
+              <a:noFill/>
+            </p:spPr>
+            <p:txBody>
+              <a:bodyPr wrap="square" rtlCol="0">
+                <a:spAutoFit/>
+              </a:bodyPr>
+              <a:lstStyle/>
+              <a:p>
+                <a:pPr marL="285750" indent="-285750">
+                  <a:buFont typeface="Arial" panose="020B0604020202020204" pitchFamily="34" charset="0"/>
+                  <a:buChar char="•"/>
+                </a:pPr>
+                <a14:m>
+                  <m:oMath xmlns:m="http://schemas.openxmlformats.org/officeDocument/2006/math">
+                    <m:acc>
+                      <m:accPr>
+                        <m:chr m:val="̂"/>
+                        <m:ctrlPr>
+                          <a:rPr lang="fr-BE" i="1" dirty="0" smtClean="0">
+                            <a:solidFill>
+                              <a:srgbClr val="0070C0"/>
+                            </a:solidFill>
+                            <a:latin typeface="Cambria Math" panose="02040503050406030204" pitchFamily="18" charset="0"/>
+                          </a:rPr>
+                        </m:ctrlPr>
+                      </m:accPr>
+                      <m:e>
+                        <m:r>
+                          <a:rPr lang="fr-BE" b="0" i="1" dirty="0" smtClean="0">
+                            <a:solidFill>
+                              <a:srgbClr val="0070C0"/>
+                            </a:solidFill>
+                            <a:latin typeface="Cambria Math" panose="02040503050406030204" pitchFamily="18" charset="0"/>
+                          </a:rPr>
+                          <m:t>𝑆</m:t>
+                        </m:r>
+                      </m:e>
+                    </m:acc>
+                    <m:r>
+                      <a:rPr lang="fr-BE" i="1" dirty="0">
+                        <a:solidFill>
+                          <a:srgbClr val="0070C0"/>
+                        </a:solidFill>
+                        <a:latin typeface="Cambria Math" panose="02040503050406030204" pitchFamily="18" charset="0"/>
+                      </a:rPr>
+                      <m:t>=</m:t>
+                    </m:r>
+                    <m:sSub>
+                      <m:sSubPr>
+                        <m:ctrlPr>
+                          <a:rPr lang="fr-BE" i="1" dirty="0" smtClean="0">
+                            <a:solidFill>
+                              <a:srgbClr val="0070C0"/>
+                            </a:solidFill>
+                            <a:latin typeface="Cambria Math" panose="02040503050406030204" pitchFamily="18" charset="0"/>
+                          </a:rPr>
+                        </m:ctrlPr>
+                      </m:sSubPr>
+                      <m:e>
+                        <m:r>
+                          <a:rPr lang="fr-BE" b="0" i="1" dirty="0" smtClean="0">
+                            <a:solidFill>
+                              <a:srgbClr val="0070C0"/>
+                            </a:solidFill>
+                            <a:latin typeface="Cambria Math" panose="02040503050406030204" pitchFamily="18" charset="0"/>
+                          </a:rPr>
+                          <m:t>𝐿</m:t>
+                        </m:r>
+                      </m:e>
+                      <m:sub>
+                        <m:r>
+                          <a:rPr lang="fr-BE" b="0" i="1" dirty="0" smtClean="0">
+                            <a:solidFill>
+                              <a:srgbClr val="0070C0"/>
+                            </a:solidFill>
+                            <a:latin typeface="Cambria Math" panose="02040503050406030204" pitchFamily="18" charset="0"/>
+                          </a:rPr>
+                          <m:t>𝑆</m:t>
+                        </m:r>
+                      </m:sub>
+                    </m:sSub>
+                    <m:r>
+                      <a:rPr lang="fr-BE" b="0" i="1" dirty="0" smtClean="0">
+                        <a:solidFill>
+                          <a:srgbClr val="0070C0"/>
+                        </a:solidFill>
+                        <a:latin typeface="Cambria Math" panose="02040503050406030204" pitchFamily="18" charset="0"/>
+                      </a:rPr>
+                      <m:t>𝑌</m:t>
+                    </m:r>
+                    <m:r>
+                      <a:rPr lang="fr-BE" b="0" i="1" dirty="0" smtClean="0">
+                        <a:solidFill>
+                          <a:srgbClr val="0070C0"/>
+                        </a:solidFill>
+                        <a:latin typeface="Cambria Math" panose="02040503050406030204" pitchFamily="18" charset="0"/>
+                      </a:rPr>
+                      <m:t>,    </m:t>
+                    </m:r>
+                    <m:acc>
+                      <m:accPr>
+                        <m:chr m:val="̂"/>
+                        <m:ctrlPr>
+                          <a:rPr lang="fr-BE" i="1" dirty="0">
+                            <a:solidFill>
+                              <a:srgbClr val="0070C0"/>
+                            </a:solidFill>
+                            <a:latin typeface="Cambria Math" panose="02040503050406030204" pitchFamily="18" charset="0"/>
+                          </a:rPr>
+                        </m:ctrlPr>
+                      </m:accPr>
+                      <m:e>
+                        <m:r>
+                          <a:rPr lang="fr-BE" b="0" i="1" dirty="0" smtClean="0">
+                            <a:solidFill>
+                              <a:srgbClr val="0070C0"/>
+                            </a:solidFill>
+                            <a:latin typeface="Cambria Math" panose="02040503050406030204" pitchFamily="18" charset="0"/>
+                          </a:rPr>
+                          <m:t>𝑁</m:t>
+                        </m:r>
+                      </m:e>
+                    </m:acc>
+                    <m:r>
+                      <a:rPr lang="fr-BE" i="1" dirty="0">
+                        <a:solidFill>
+                          <a:srgbClr val="0070C0"/>
+                        </a:solidFill>
+                        <a:latin typeface="Cambria Math" panose="02040503050406030204" pitchFamily="18" charset="0"/>
+                      </a:rPr>
+                      <m:t>=</m:t>
+                    </m:r>
+                    <m:sSub>
+                      <m:sSubPr>
+                        <m:ctrlPr>
+                          <a:rPr lang="fr-BE" i="1" dirty="0">
+                            <a:solidFill>
+                              <a:srgbClr val="0070C0"/>
+                            </a:solidFill>
+                            <a:latin typeface="Cambria Math" panose="02040503050406030204" pitchFamily="18" charset="0"/>
+                          </a:rPr>
+                        </m:ctrlPr>
+                      </m:sSubPr>
+                      <m:e>
+                        <m:r>
+                          <a:rPr lang="fr-BE" i="1" dirty="0">
+                            <a:solidFill>
+                              <a:srgbClr val="0070C0"/>
+                            </a:solidFill>
+                            <a:latin typeface="Cambria Math" panose="02040503050406030204" pitchFamily="18" charset="0"/>
+                          </a:rPr>
+                          <m:t>𝐿</m:t>
+                        </m:r>
+                      </m:e>
+                      <m:sub>
+                        <m:r>
+                          <a:rPr lang="fr-BE" b="0" i="1" dirty="0" smtClean="0">
+                            <a:solidFill>
+                              <a:srgbClr val="0070C0"/>
+                            </a:solidFill>
+                            <a:latin typeface="Cambria Math" panose="02040503050406030204" pitchFamily="18" charset="0"/>
+                          </a:rPr>
+                          <m:t>𝑁</m:t>
+                        </m:r>
+                      </m:sub>
+                    </m:sSub>
+                    <m:r>
+                      <a:rPr lang="fr-BE" b="0" i="1" dirty="0" smtClean="0">
+                        <a:solidFill>
+                          <a:srgbClr val="0070C0"/>
+                        </a:solidFill>
+                        <a:latin typeface="Cambria Math" panose="02040503050406030204" pitchFamily="18" charset="0"/>
+                      </a:rPr>
+                      <m:t>𝑌</m:t>
+                    </m:r>
+                  </m:oMath>
+                </a14:m>
+                <a:endParaRPr lang="fr-BE" dirty="0">
+                  <a:solidFill>
+                    <a:srgbClr val="0070C0"/>
+                  </a:solidFill>
+                </a:endParaRPr>
+              </a:p>
+              <a:p>
+                <a:pPr marL="285750" indent="-285750">
+                  <a:buFont typeface="Arial" panose="020B0604020202020204" pitchFamily="34" charset="0"/>
+                  <a:buChar char="•"/>
+                </a:pPr>
+                <a:r>
+                  <a:rPr lang="fr-BE" dirty="0" err="1">
+                    <a:solidFill>
+                      <a:srgbClr val="0070C0"/>
+                    </a:solidFill>
+                  </a:rPr>
+                  <a:t>Correlated</a:t>
+                </a:r>
+                <a:r>
+                  <a:rPr lang="fr-BE" dirty="0">
+                    <a:solidFill>
+                      <a:srgbClr val="0070C0"/>
+                    </a:solidFill>
+                  </a:rPr>
+                  <a:t> </a:t>
+                </a:r>
+                <a:r>
+                  <a:rPr lang="fr-BE" dirty="0" err="1">
+                    <a:solidFill>
+                      <a:srgbClr val="0070C0"/>
+                    </a:solidFill>
+                  </a:rPr>
+                  <a:t>estimators</a:t>
+                </a:r>
+                <a:endParaRPr lang="fr-BE" dirty="0">
+                  <a:solidFill>
+                    <a:srgbClr val="0070C0"/>
+                  </a:solidFill>
+                </a:endParaRPr>
+              </a:p>
+            </p:txBody>
+          </p:sp>
+        </mc:Choice>
+        <mc:Fallback>
+          <p:sp>
+            <p:nvSpPr>
+              <p:cNvPr id="22" name="TextBox 21">
+                <a:extLst>
+                  <a:ext uri="{FF2B5EF4-FFF2-40B4-BE49-F238E27FC236}">
+                    <a16:creationId xmlns:a16="http://schemas.microsoft.com/office/drawing/2014/main" id="{5A7EF33E-23AC-45BE-35DC-E864404657FD}"/>
+                  </a:ext>
+                </a:extLst>
+              </p:cNvPr>
+              <p:cNvSpPr txBox="1">
+                <a:spLocks noRot="1" noChangeAspect="1" noMove="1" noResize="1" noEditPoints="1" noAdjustHandles="1" noChangeArrowheads="1" noChangeShapeType="1" noTextEdit="1"/>
+              </p:cNvSpPr>
+              <p:nvPr/>
+            </p:nvSpPr>
+            <p:spPr>
+              <a:xfrm>
+                <a:off x="4743372" y="3333400"/>
+                <a:ext cx="3176067" cy="655372"/>
+              </a:xfrm>
+              <a:prstGeom prst="rect">
+                <a:avLst/>
+              </a:prstGeom>
+              <a:blipFill>
+                <a:blip r:embed="rId2"/>
+                <a:stretch>
+                  <a:fillRect l="-1152" t="-4673" b="-14953"/>
+                </a:stretch>
+              </a:blipFill>
+            </p:spPr>
+            <p:txBody>
+              <a:bodyPr/>
+              <a:lstStyle/>
+              <a:p>
+                <a:r>
+                  <a:rPr lang="fr-BE">
+                    <a:noFill/>
+                  </a:rPr>
+                  <a:t> </a:t>
+                </a:r>
+              </a:p>
+            </p:txBody>
+          </p:sp>
+        </mc:Fallback>
+      </mc:AlternateContent>
+      <mc:AlternateContent xmlns:mc="http://schemas.openxmlformats.org/markup-compatibility/2006">
+        <mc:Choice xmlns:a14="http://schemas.microsoft.com/office/drawing/2010/main" Requires="a14">
+          <p:sp>
+            <p:nvSpPr>
+              <p:cNvPr id="24" name="TextBox 23">
+                <a:extLst>
+                  <a:ext uri="{FF2B5EF4-FFF2-40B4-BE49-F238E27FC236}">
+                    <a16:creationId xmlns:a16="http://schemas.microsoft.com/office/drawing/2014/main" id="{65C780AD-04D1-88E5-A5CE-B5CC707F7FD0}"/>
+                  </a:ext>
+                </a:extLst>
+              </p:cNvPr>
+              <p:cNvSpPr txBox="1"/>
+              <p:nvPr/>
+            </p:nvSpPr>
+            <p:spPr>
+              <a:xfrm>
+                <a:off x="4824289" y="4876529"/>
+                <a:ext cx="3176067" cy="662810"/>
+              </a:xfrm>
+              <a:prstGeom prst="rect">
+                <a:avLst/>
+              </a:prstGeom>
+              <a:noFill/>
+            </p:spPr>
+            <p:txBody>
+              <a:bodyPr wrap="square" rtlCol="0">
+                <a:spAutoFit/>
+              </a:bodyPr>
+              <a:lstStyle/>
+              <a:p>
+                <a:pPr marL="285750" indent="-285750">
+                  <a:buFont typeface="Arial" panose="020B0604020202020204" pitchFamily="34" charset="0"/>
+                  <a:buChar char="•"/>
+                </a:pPr>
+                <a14:m>
+                  <m:oMath xmlns:m="http://schemas.openxmlformats.org/officeDocument/2006/math">
+                    <m:r>
+                      <a:rPr lang="fr-BE" b="0" i="1" dirty="0" smtClean="0">
+                        <a:solidFill>
+                          <a:srgbClr val="0070C0"/>
+                        </a:solidFill>
+                        <a:latin typeface="Cambria Math" panose="02040503050406030204" pitchFamily="18" charset="0"/>
+                      </a:rPr>
+                      <m:t>(</m:t>
+                    </m:r>
+                    <m:acc>
+                      <m:accPr>
+                        <m:chr m:val="̂"/>
+                        <m:ctrlPr>
+                          <a:rPr lang="fr-BE" i="1" dirty="0" smtClean="0">
+                            <a:solidFill>
+                              <a:srgbClr val="0070C0"/>
+                            </a:solidFill>
+                            <a:latin typeface="Cambria Math" panose="02040503050406030204" pitchFamily="18" charset="0"/>
+                          </a:rPr>
+                        </m:ctrlPr>
+                      </m:accPr>
+                      <m:e>
+                        <m:r>
+                          <a:rPr lang="fr-BE" b="0" i="1" dirty="0" smtClean="0">
+                            <a:solidFill>
+                              <a:srgbClr val="0070C0"/>
+                            </a:solidFill>
+                            <a:latin typeface="Cambria Math" panose="02040503050406030204" pitchFamily="18" charset="0"/>
+                          </a:rPr>
+                          <m:t>𝑠</m:t>
+                        </m:r>
+                      </m:e>
+                    </m:acc>
+                    <m:r>
+                      <a:rPr lang="fr-BE" b="0" i="1" dirty="0" smtClean="0">
+                        <a:solidFill>
+                          <a:srgbClr val="0070C0"/>
+                        </a:solidFill>
+                        <a:latin typeface="Cambria Math" panose="02040503050406030204" pitchFamily="18" charset="0"/>
+                      </a:rPr>
+                      <m:t>,</m:t>
+                    </m:r>
+                    <m:acc>
+                      <m:accPr>
+                        <m:chr m:val="̂"/>
+                        <m:ctrlPr>
+                          <a:rPr lang="fr-BE" i="1" dirty="0">
+                            <a:solidFill>
+                              <a:srgbClr val="0070C0"/>
+                            </a:solidFill>
+                            <a:latin typeface="Cambria Math" panose="02040503050406030204" pitchFamily="18" charset="0"/>
+                          </a:rPr>
+                        </m:ctrlPr>
+                      </m:accPr>
+                      <m:e>
+                        <m:r>
+                          <a:rPr lang="fr-BE" b="0" i="1" dirty="0" smtClean="0">
+                            <a:solidFill>
+                              <a:srgbClr val="0070C0"/>
+                            </a:solidFill>
+                            <a:latin typeface="Cambria Math" panose="02040503050406030204" pitchFamily="18" charset="0"/>
+                          </a:rPr>
+                          <m:t>𝑛</m:t>
+                        </m:r>
+                      </m:e>
+                    </m:acc>
+                    <m:r>
+                      <a:rPr lang="fr-BE" b="0" i="1" dirty="0" smtClean="0">
+                        <a:solidFill>
+                          <a:srgbClr val="0070C0"/>
+                        </a:solidFill>
+                        <a:latin typeface="Cambria Math" panose="02040503050406030204" pitchFamily="18" charset="0"/>
+                      </a:rPr>
+                      <m:t>)</m:t>
+                    </m:r>
+                    <m:r>
+                      <a:rPr lang="fr-BE" i="1" dirty="0">
+                        <a:solidFill>
+                          <a:srgbClr val="0070C0"/>
+                        </a:solidFill>
+                        <a:latin typeface="Cambria Math" panose="02040503050406030204" pitchFamily="18" charset="0"/>
+                      </a:rPr>
+                      <m:t>=</m:t>
+                    </m:r>
+                    <m:r>
+                      <a:rPr lang="fr-BE" b="0" i="1" dirty="0" smtClean="0">
+                        <a:solidFill>
+                          <a:srgbClr val="0070C0"/>
+                        </a:solidFill>
+                        <a:latin typeface="Cambria Math" panose="02040503050406030204" pitchFamily="18" charset="0"/>
+                      </a:rPr>
+                      <m:t>𝐾𝐹</m:t>
+                    </m:r>
+                    <m:r>
+                      <a:rPr lang="fr-BE" b="0" i="1" dirty="0" smtClean="0">
+                        <a:solidFill>
+                          <a:srgbClr val="0070C0"/>
+                        </a:solidFill>
+                        <a:latin typeface="Cambria Math" panose="02040503050406030204" pitchFamily="18" charset="0"/>
+                      </a:rPr>
+                      <m:t>(</m:t>
+                    </m:r>
+                    <m:r>
+                      <a:rPr lang="fr-BE" b="0" i="1" dirty="0" smtClean="0">
+                        <a:solidFill>
+                          <a:srgbClr val="0070C0"/>
+                        </a:solidFill>
+                        <a:latin typeface="Cambria Math" panose="02040503050406030204" pitchFamily="18" charset="0"/>
+                      </a:rPr>
+                      <m:t>𝑦</m:t>
+                    </m:r>
+                    <m:r>
+                      <a:rPr lang="fr-BE" b="0" i="1" dirty="0" smtClean="0">
+                        <a:solidFill>
+                          <a:srgbClr val="0070C0"/>
+                        </a:solidFill>
+                        <a:latin typeface="Cambria Math" panose="02040503050406030204" pitchFamily="18" charset="0"/>
+                      </a:rPr>
+                      <m:t>)</m:t>
+                    </m:r>
+                  </m:oMath>
+                </a14:m>
+                <a:endParaRPr lang="fr-BE" dirty="0">
+                  <a:solidFill>
+                    <a:srgbClr val="0070C0"/>
+                  </a:solidFill>
+                </a:endParaRPr>
+              </a:p>
+              <a:p>
+                <a:pPr marL="285750" indent="-285750">
+                  <a:buFont typeface="Arial" panose="020B0604020202020204" pitchFamily="34" charset="0"/>
+                  <a:buChar char="•"/>
+                </a:pPr>
+                <a14:m>
+                  <m:oMath xmlns:m="http://schemas.openxmlformats.org/officeDocument/2006/math">
+                    <m:r>
+                      <a:rPr lang="fr-BE" i="1" dirty="0" smtClean="0">
+                        <a:solidFill>
+                          <a:srgbClr val="0070C0"/>
+                        </a:solidFill>
+                        <a:latin typeface="Cambria Math" panose="02040503050406030204" pitchFamily="18" charset="0"/>
+                      </a:rPr>
+                      <m:t>…</m:t>
+                    </m:r>
+                  </m:oMath>
+                </a14:m>
+                <a:endParaRPr lang="fr-BE" dirty="0">
+                  <a:solidFill>
+                    <a:srgbClr val="0070C0"/>
+                  </a:solidFill>
+                </a:endParaRPr>
+              </a:p>
+            </p:txBody>
+          </p:sp>
+        </mc:Choice>
+        <mc:Fallback>
+          <p:sp>
+            <p:nvSpPr>
+              <p:cNvPr id="24" name="TextBox 23">
+                <a:extLst>
+                  <a:ext uri="{FF2B5EF4-FFF2-40B4-BE49-F238E27FC236}">
+                    <a16:creationId xmlns:a16="http://schemas.microsoft.com/office/drawing/2014/main" id="{65C780AD-04D1-88E5-A5CE-B5CC707F7FD0}"/>
+                  </a:ext>
+                </a:extLst>
+              </p:cNvPr>
+              <p:cNvSpPr txBox="1">
+                <a:spLocks noRot="1" noChangeAspect="1" noMove="1" noResize="1" noEditPoints="1" noAdjustHandles="1" noChangeArrowheads="1" noChangeShapeType="1" noTextEdit="1"/>
+              </p:cNvSpPr>
+              <p:nvPr/>
+            </p:nvSpPr>
+            <p:spPr>
+              <a:xfrm>
+                <a:off x="4824289" y="4876529"/>
+                <a:ext cx="3176067" cy="662810"/>
+              </a:xfrm>
+              <a:prstGeom prst="rect">
+                <a:avLst/>
+              </a:prstGeom>
+              <a:blipFill>
+                <a:blip r:embed="rId3"/>
+                <a:stretch>
+                  <a:fillRect l="-1152" t="-3670" b="-7339"/>
+                </a:stretch>
+              </a:blipFill>
+            </p:spPr>
+            <p:txBody>
+              <a:bodyPr/>
+              <a:lstStyle/>
+              <a:p>
+                <a:r>
+                  <a:rPr lang="fr-BE">
+                    <a:noFill/>
+                  </a:rPr>
+                  <a:t> </a:t>
+                </a:r>
+              </a:p>
+            </p:txBody>
+          </p:sp>
+        </mc:Fallback>
+      </mc:AlternateContent>
+    </p:spTree>
+    <p:extLst>
+      <p:ext uri="{BB962C8B-B14F-4D97-AF65-F5344CB8AC3E}">
+        <p14:creationId xmlns:p14="http://schemas.microsoft.com/office/powerpoint/2010/main" val="1693026429"/>
+      </p:ext>
+    </p:extLst>
+  </p:cSld>
+  <p:clrMapOvr>
+    <a:masterClrMapping/>
+  </p:clrMapOvr>
+</p:sld>
+</file>
+
 <file path=ppt/slides/slide12.xml><?xml version="1.0" encoding="utf-8"?>
 <p:sld xmlns:a="http://schemas.openxmlformats.org/drawingml/2006/main" xmlns:r="http://schemas.openxmlformats.org/officeDocument/2006/relationships" xmlns:p="http://schemas.openxmlformats.org/presentationml/2006/main">
   <p:cSld>
@@ -6415,7 +6482,13 @@
       </p:grpSpPr>
       <p:sp>
         <p:nvSpPr>
-          <p:cNvPr id="2" name="Title 1"/>
+          <p:cNvPr id="2" name="Title 1">
+            <a:extLst>
+              <a:ext uri="{FF2B5EF4-FFF2-40B4-BE49-F238E27FC236}">
+                <a16:creationId xmlns:a16="http://schemas.microsoft.com/office/drawing/2014/main" id="{CE70771C-F3D5-F488-1E4E-3C277815CFDA}"/>
+              </a:ext>
+            </a:extLst>
+          </p:cNvPr>
           <p:cNvSpPr>
             <a:spLocks noGrp="1"/>
           </p:cNvSpPr>
@@ -6429,12 +6502,16 @@
           <a:lstStyle/>
           <a:p>
             <a:r>
+              <a:rPr lang="fr-BE" dirty="0" err="1"/>
+              <a:t>Finite</a:t>
+            </a:r>
+            <a:r>
               <a:rPr lang="fr-BE" dirty="0"/>
-              <a:t>2.2 Non </a:t>
+              <a:t>/(semi-)</a:t>
             </a:r>
             <a:r>
               <a:rPr lang="fr-BE" dirty="0" err="1"/>
-              <a:t>decomposable</a:t>
+              <a:t>infinite</a:t>
             </a:r>
             <a:r>
               <a:rPr lang="fr-BE" dirty="0"/>
@@ -6442,7 +6519,7 @@
             </a:r>
             <a:r>
               <a:rPr lang="fr-BE" dirty="0" err="1"/>
-              <a:t>models</a:t>
+              <a:t>approaches</a:t>
             </a:r>
             <a:endParaRPr lang="fr-BE" dirty="0"/>
           </a:p>
@@ -6450,65 +6527,13 @@
       </p:sp>
       <p:sp>
         <p:nvSpPr>
-          <p:cNvPr id="3" name="Content Placeholder 2"/>
-          <p:cNvSpPr>
-            <a:spLocks noGrp="1"/>
-          </p:cNvSpPr>
-          <p:nvPr>
-            <p:ph idx="1"/>
-          </p:nvPr>
-        </p:nvSpPr>
-        <p:spPr/>
-        <p:txBody>
-          <a:bodyPr/>
-          <a:lstStyle/>
-          <a:p>
-            <a:r>
-              <a:rPr lang="en-GB" dirty="0"/>
-              <a:t>Some models are not decomposable (often due to complex models)</a:t>
-            </a:r>
-          </a:p>
-          <a:p>
-            <a:pPr lvl="1"/>
-            <a:r>
-              <a:rPr lang="en-GB" dirty="0"/>
-              <a:t>Best solution: change yourself the model (→airline) </a:t>
-            </a:r>
-          </a:p>
-          <a:p>
-            <a:pPr lvl="1"/>
-            <a:r>
-              <a:rPr lang="en-GB" dirty="0"/>
-              <a:t>Otherwise:</a:t>
-            </a:r>
-          </a:p>
-          <a:p>
-            <a:pPr lvl="2"/>
-            <a:r>
-              <a:rPr lang="en-GB" dirty="0"/>
-              <a:t>Legacy: Seats search for another SARIMA model, as similar as possible to the original model</a:t>
-            </a:r>
-          </a:p>
-          <a:p>
-            <a:pPr lvl="2"/>
-            <a:r>
-              <a:rPr lang="en-GB" dirty="0"/>
-              <a:t>Noisy: Seats add noise in the initial model (→ I = </a:t>
-            </a:r>
-            <a:r>
-              <a:rPr lang="en-GB" dirty="0" err="1"/>
-              <a:t>Tr</a:t>
-            </a:r>
-            <a:r>
-              <a:rPr lang="en-GB" dirty="0"/>
-              <a:t>[= 0])</a:t>
-            </a:r>
-          </a:p>
-        </p:txBody>
-      </p:sp>
-      <p:sp>
-        <p:nvSpPr>
-          <p:cNvPr id="4" name="Date Placeholder 3"/>
+          <p:cNvPr id="4" name="Date Placeholder 3">
+            <a:extLst>
+              <a:ext uri="{FF2B5EF4-FFF2-40B4-BE49-F238E27FC236}">
+                <a16:creationId xmlns:a16="http://schemas.microsoft.com/office/drawing/2014/main" id="{CF306B21-F381-E9B6-6488-C58EDD140C6A}"/>
+              </a:ext>
+            </a:extLst>
+          </p:cNvPr>
           <p:cNvSpPr>
             <a:spLocks noGrp="1"/>
           </p:cNvSpPr>
@@ -6531,7 +6556,13 @@
       </p:sp>
       <p:sp>
         <p:nvSpPr>
-          <p:cNvPr id="5" name="Footer Placeholder 4"/>
+          <p:cNvPr id="5" name="Footer Placeholder 4">
+            <a:extLst>
+              <a:ext uri="{FF2B5EF4-FFF2-40B4-BE49-F238E27FC236}">
+                <a16:creationId xmlns:a16="http://schemas.microsoft.com/office/drawing/2014/main" id="{684D6A90-BDCD-8CC1-3052-B0F3400837C6}"/>
+              </a:ext>
+            </a:extLst>
+          </p:cNvPr>
           <p:cNvSpPr>
             <a:spLocks noGrp="1"/>
           </p:cNvSpPr>
@@ -6554,7 +6585,13 @@
       </p:sp>
       <p:sp>
         <p:nvSpPr>
-          <p:cNvPr id="6" name="Slide Number Placeholder 5"/>
+          <p:cNvPr id="6" name="Slide Number Placeholder 5">
+            <a:extLst>
+              <a:ext uri="{FF2B5EF4-FFF2-40B4-BE49-F238E27FC236}">
+                <a16:creationId xmlns:a16="http://schemas.microsoft.com/office/drawing/2014/main" id="{16274C00-2E9B-BBCA-6C2C-BD2329FFC4E1}"/>
+              </a:ext>
+            </a:extLst>
+          </p:cNvPr>
           <p:cNvSpPr>
             <a:spLocks noGrp="1"/>
           </p:cNvSpPr>
@@ -6575,10 +6612,952 @@
           </a:p>
         </p:txBody>
       </p:sp>
+      <p:sp>
+        <p:nvSpPr>
+          <p:cNvPr id="7" name="Rectangle: Rounded Corners 6">
+            <a:extLst>
+              <a:ext uri="{FF2B5EF4-FFF2-40B4-BE49-F238E27FC236}">
+                <a16:creationId xmlns:a16="http://schemas.microsoft.com/office/drawing/2014/main" id="{FE067586-7217-6A73-C016-5D09324C61E9}"/>
+              </a:ext>
+            </a:extLst>
+          </p:cNvPr>
+          <p:cNvSpPr/>
+          <p:nvPr/>
+        </p:nvSpPr>
+        <p:spPr>
+          <a:xfrm>
+            <a:off x="342177" y="2597104"/>
+            <a:ext cx="2782023" cy="621783"/>
+          </a:xfrm>
+          <a:prstGeom prst="roundRect">
+            <a:avLst/>
+          </a:prstGeom>
+        </p:spPr>
+        <p:style>
+          <a:lnRef idx="2">
+            <a:schemeClr val="accent1">
+              <a:shade val="50000"/>
+            </a:schemeClr>
+          </a:lnRef>
+          <a:fillRef idx="1">
+            <a:schemeClr val="accent1"/>
+          </a:fillRef>
+          <a:effectRef idx="0">
+            <a:schemeClr val="accent1"/>
+          </a:effectRef>
+          <a:fontRef idx="minor">
+            <a:schemeClr val="lt1"/>
+          </a:fontRef>
+        </p:style>
+        <p:txBody>
+          <a:bodyPr rtlCol="0" anchor="ctr"/>
+          <a:lstStyle/>
+          <a:p>
+            <a:pPr algn="ctr"/>
+            <a:r>
+              <a:rPr lang="fr-BE" dirty="0"/>
+              <a:t> Components </a:t>
+            </a:r>
+            <a:r>
+              <a:rPr lang="fr-BE" dirty="0" err="1"/>
+              <a:t>estimators</a:t>
+            </a:r>
+            <a:endParaRPr lang="fr-BE" dirty="0"/>
+          </a:p>
+        </p:txBody>
+      </p:sp>
+      <mc:AlternateContent xmlns:mc="http://schemas.openxmlformats.org/markup-compatibility/2006">
+        <mc:Choice xmlns:a14="http://schemas.microsoft.com/office/drawing/2010/main" Requires="a14">
+          <p:sp>
+            <p:nvSpPr>
+              <p:cNvPr id="8" name="Rectangle: Rounded Corners 7">
+                <a:extLst>
+                  <a:ext uri="{FF2B5EF4-FFF2-40B4-BE49-F238E27FC236}">
+                    <a16:creationId xmlns:a16="http://schemas.microsoft.com/office/drawing/2014/main" id="{E99477C7-DD07-C3D7-54A6-9F1D52FFC41A}"/>
+                  </a:ext>
+                </a:extLst>
+              </p:cNvPr>
+              <p:cNvSpPr/>
+              <p:nvPr/>
+            </p:nvSpPr>
+            <p:spPr>
+              <a:xfrm>
+                <a:off x="3491880" y="1484784"/>
+                <a:ext cx="4752528" cy="1143000"/>
+              </a:xfrm>
+              <a:prstGeom prst="roundRect">
+                <a:avLst/>
+              </a:prstGeom>
+            </p:spPr>
+            <p:style>
+              <a:lnRef idx="2">
+                <a:schemeClr val="accent4">
+                  <a:shade val="50000"/>
+                </a:schemeClr>
+              </a:lnRef>
+              <a:fillRef idx="1">
+                <a:schemeClr val="accent4"/>
+              </a:fillRef>
+              <a:effectRef idx="0">
+                <a:schemeClr val="accent4"/>
+              </a:effectRef>
+              <a:fontRef idx="minor">
+                <a:schemeClr val="lt1"/>
+              </a:fontRef>
+            </p:style>
+            <p:txBody>
+              <a:bodyPr rtlCol="0" anchor="ctr"/>
+              <a:lstStyle/>
+              <a:p>
+                <a:pPr algn="ctr"/>
+                <a:r>
+                  <a:rPr lang="fr-BE" dirty="0"/>
+                  <a:t>McElroy: </a:t>
+                </a:r>
+              </a:p>
+              <a:p>
+                <a:pPr/>
+                <a14:m>
+                  <m:oMathPara xmlns:m="http://schemas.openxmlformats.org/officeDocument/2006/math">
+                    <m:oMathParaPr>
+                      <m:jc m:val="left"/>
+                    </m:oMathParaPr>
+                    <m:oMath xmlns:m="http://schemas.openxmlformats.org/officeDocument/2006/math">
+                      <m:sSub>
+                        <m:sSubPr>
+                          <m:ctrlPr>
+                            <a:rPr lang="fr-BE" i="1" smtClean="0">
+                              <a:latin typeface="Cambria Math" panose="02040503050406030204" pitchFamily="18" charset="0"/>
+                            </a:rPr>
+                          </m:ctrlPr>
+                        </m:sSubPr>
+                        <m:e>
+                          <m:r>
+                            <a:rPr lang="fr-BE" b="0" i="1" smtClean="0">
+                              <a:latin typeface="Cambria Math" panose="02040503050406030204" pitchFamily="18" charset="0"/>
+                            </a:rPr>
+                            <m:t>𝐿</m:t>
+                          </m:r>
+                        </m:e>
+                        <m:sub>
+                          <m:r>
+                            <a:rPr lang="fr-BE" b="0" i="1" smtClean="0">
+                              <a:latin typeface="Cambria Math" panose="02040503050406030204" pitchFamily="18" charset="0"/>
+                            </a:rPr>
+                            <m:t>𝑆</m:t>
+                          </m:r>
+                        </m:sub>
+                      </m:sSub>
+                      <m:r>
+                        <a:rPr lang="fr-BE" b="0" i="1" smtClean="0">
+                          <a:latin typeface="Cambria Math" panose="02040503050406030204" pitchFamily="18" charset="0"/>
+                        </a:rPr>
+                        <m:t>=</m:t>
+                      </m:r>
+                      <m:sSub>
+                        <m:sSubPr>
+                          <m:ctrlPr>
+                            <a:rPr lang="fr-BE" i="1">
+                              <a:latin typeface="Cambria Math" panose="02040503050406030204" pitchFamily="18" charset="0"/>
+                            </a:rPr>
+                          </m:ctrlPr>
+                        </m:sSubPr>
+                        <m:e>
+                          <m:r>
+                            <a:rPr lang="fr-BE" b="0" i="1" smtClean="0">
+                              <a:latin typeface="Cambria Math" panose="02040503050406030204" pitchFamily="18" charset="0"/>
+                            </a:rPr>
+                            <m:t>𝑀</m:t>
+                          </m:r>
+                        </m:e>
+                        <m:sub>
+                          <m:r>
+                            <a:rPr lang="fr-BE" i="1">
+                              <a:latin typeface="Cambria Math" panose="02040503050406030204" pitchFamily="18" charset="0"/>
+                            </a:rPr>
+                            <m:t>𝑆</m:t>
+                          </m:r>
+                        </m:sub>
+                      </m:sSub>
+                      <m:r>
+                        <a:rPr lang="fr-BE" b="0" i="1" smtClean="0">
+                          <a:latin typeface="Cambria Math" panose="02040503050406030204" pitchFamily="18" charset="0"/>
+                        </a:rPr>
+                        <m:t> </m:t>
+                      </m:r>
+                      <m:d>
+                        <m:dPr>
+                          <m:ctrlPr>
+                            <a:rPr lang="fr-BE" b="0" i="1" smtClean="0">
+                              <a:latin typeface="Cambria Math" panose="02040503050406030204" pitchFamily="18" charset="0"/>
+                            </a:rPr>
+                          </m:ctrlPr>
+                        </m:dPr>
+                        <m:e>
+                          <m:r>
+                            <a:rPr lang="fr-BE" b="0" i="1" smtClean="0">
+                              <a:latin typeface="Cambria Math" panose="02040503050406030204" pitchFamily="18" charset="0"/>
+                            </a:rPr>
+                            <m:t>𝑛</m:t>
+                          </m:r>
+                          <m:r>
+                            <a:rPr lang="fr-BE" b="0" i="1" smtClean="0">
+                              <a:latin typeface="Cambria Math" panose="02040503050406030204" pitchFamily="18" charset="0"/>
+                            </a:rPr>
+                            <m:t> ×</m:t>
+                          </m:r>
+                          <m:r>
+                            <a:rPr lang="fr-BE" b="0" i="1" smtClean="0">
+                              <a:latin typeface="Cambria Math" panose="02040503050406030204" pitchFamily="18" charset="0"/>
+                            </a:rPr>
+                            <m:t>𝑛</m:t>
+                          </m:r>
+                          <m:r>
+                            <a:rPr lang="fr-BE" b="0" i="1" smtClean="0">
+                              <a:latin typeface="Cambria Math" panose="02040503050406030204" pitchFamily="18" charset="0"/>
+                            </a:rPr>
+                            <m:t> </m:t>
+                          </m:r>
+                          <m:r>
+                            <a:rPr lang="fr-BE" b="0" i="1" smtClean="0">
+                              <a:latin typeface="Cambria Math" panose="02040503050406030204" pitchFamily="18" charset="0"/>
+                            </a:rPr>
+                            <m:t>𝑚𝑎𝑡𝑟𝑖𝑥</m:t>
+                          </m:r>
+                        </m:e>
+                      </m:d>
+                    </m:oMath>
+                  </m:oMathPara>
+                </a14:m>
+                <a:endParaRPr lang="fr-BE" b="0" dirty="0"/>
+              </a:p>
+              <a:p>
+                <a:pPr/>
+                <a14:m>
+                  <m:oMathPara xmlns:m="http://schemas.openxmlformats.org/officeDocument/2006/math">
+                    <m:oMathParaPr>
+                      <m:jc m:val="left"/>
+                    </m:oMathParaPr>
+                    <m:oMath xmlns:m="http://schemas.openxmlformats.org/officeDocument/2006/math">
+                      <m:sSub>
+                        <m:sSubPr>
+                          <m:ctrlPr>
+                            <a:rPr lang="fr-BE" b="0" i="1" smtClean="0">
+                              <a:latin typeface="Cambria Math" panose="02040503050406030204" pitchFamily="18" charset="0"/>
+                            </a:rPr>
+                          </m:ctrlPr>
+                        </m:sSubPr>
+                        <m:e>
+                          <m:r>
+                            <a:rPr lang="fr-BE" b="0" i="1" smtClean="0">
+                              <a:latin typeface="Cambria Math" panose="02040503050406030204" pitchFamily="18" charset="0"/>
+                            </a:rPr>
+                            <m:t>𝑀</m:t>
+                          </m:r>
+                        </m:e>
+                        <m:sub>
+                          <m:r>
+                            <a:rPr lang="fr-BE" b="0" i="1" smtClean="0">
+                              <a:latin typeface="Cambria Math" panose="02040503050406030204" pitchFamily="18" charset="0"/>
+                            </a:rPr>
+                            <m:t>𝑆</m:t>
+                          </m:r>
+                        </m:sub>
+                      </m:sSub>
+                      <m:d>
+                        <m:dPr>
+                          <m:begChr m:val="["/>
+                          <m:endChr m:val="]"/>
+                          <m:ctrlPr>
+                            <a:rPr lang="fr-BE" b="0" i="1" smtClean="0">
+                              <a:latin typeface="Cambria Math" panose="02040503050406030204" pitchFamily="18" charset="0"/>
+                            </a:rPr>
+                          </m:ctrlPr>
+                        </m:dPr>
+                        <m:e>
+                          <m:r>
+                            <a:rPr lang="fr-BE" b="0" i="1" smtClean="0">
+                              <a:latin typeface="Cambria Math" panose="02040503050406030204" pitchFamily="18" charset="0"/>
+                            </a:rPr>
+                            <m:t>𝑖</m:t>
+                          </m:r>
+                          <m:r>
+                            <a:rPr lang="fr-BE" b="0" i="1" smtClean="0">
+                              <a:latin typeface="Cambria Math" panose="02040503050406030204" pitchFamily="18" charset="0"/>
+                            </a:rPr>
+                            <m:t>,.</m:t>
+                          </m:r>
+                        </m:e>
+                      </m:d>
+                      <m:r>
+                        <a:rPr lang="fr-BE" b="0" i="1" smtClean="0">
+                          <a:latin typeface="Cambria Math" panose="02040503050406030204" pitchFamily="18" charset="0"/>
+                        </a:rPr>
+                        <m:t>=</m:t>
+                      </m:r>
+                      <m:r>
+                        <a:rPr lang="fr-BE" b="0" i="1" smtClean="0">
+                          <a:latin typeface="Cambria Math" panose="02040503050406030204" pitchFamily="18" charset="0"/>
+                        </a:rPr>
+                        <m:t>𝑤𝑒𝑖𝑔h𝑡𝑠</m:t>
+                      </m:r>
+                      <m:r>
+                        <a:rPr lang="fr-BE" b="0" i="1" smtClean="0">
+                          <a:latin typeface="Cambria Math" panose="02040503050406030204" pitchFamily="18" charset="0"/>
+                        </a:rPr>
+                        <m:t> </m:t>
+                      </m:r>
+                      <m:r>
+                        <a:rPr lang="fr-BE" b="0" i="1" smtClean="0">
+                          <a:latin typeface="Cambria Math" panose="02040503050406030204" pitchFamily="18" charset="0"/>
+                        </a:rPr>
+                        <m:t>𝑓𝑜𝑟</m:t>
+                      </m:r>
+                      <m:r>
+                        <a:rPr lang="fr-BE" b="0" i="1" smtClean="0">
+                          <a:latin typeface="Cambria Math" panose="02040503050406030204" pitchFamily="18" charset="0"/>
+                        </a:rPr>
+                        <m:t> </m:t>
+                      </m:r>
+                      <m:r>
+                        <a:rPr lang="fr-BE" b="0" i="1" smtClean="0">
+                          <a:latin typeface="Cambria Math" panose="02040503050406030204" pitchFamily="18" charset="0"/>
+                        </a:rPr>
+                        <m:t>𝑆</m:t>
+                      </m:r>
+                      <m:r>
+                        <a:rPr lang="fr-BE" b="0" i="1" smtClean="0">
+                          <a:latin typeface="Cambria Math" panose="02040503050406030204" pitchFamily="18" charset="0"/>
+                        </a:rPr>
+                        <m:t>[</m:t>
+                      </m:r>
+                      <m:r>
+                        <a:rPr lang="fr-BE" b="0" i="1" smtClean="0">
+                          <a:latin typeface="Cambria Math" panose="02040503050406030204" pitchFamily="18" charset="0"/>
+                        </a:rPr>
+                        <m:t>𝑖</m:t>
+                      </m:r>
+                      <m:r>
+                        <a:rPr lang="fr-BE" b="0" i="1" smtClean="0">
+                          <a:latin typeface="Cambria Math" panose="02040503050406030204" pitchFamily="18" charset="0"/>
+                        </a:rPr>
+                        <m:t>]</m:t>
+                      </m:r>
+                    </m:oMath>
+                  </m:oMathPara>
+                </a14:m>
+                <a:endParaRPr lang="fr-BE" b="0" dirty="0"/>
+              </a:p>
+              <a:p>
+                <a:endParaRPr lang="fr-BE" dirty="0"/>
+              </a:p>
+            </p:txBody>
+          </p:sp>
+        </mc:Choice>
+        <mc:Fallback>
+          <p:sp>
+            <p:nvSpPr>
+              <p:cNvPr id="8" name="Rectangle: Rounded Corners 7">
+                <a:extLst>
+                  <a:ext uri="{FF2B5EF4-FFF2-40B4-BE49-F238E27FC236}">
+                    <a16:creationId xmlns:a16="http://schemas.microsoft.com/office/drawing/2014/main" id="{E99477C7-DD07-C3D7-54A6-9F1D52FFC41A}"/>
+                  </a:ext>
+                </a:extLst>
+              </p:cNvPr>
+              <p:cNvSpPr>
+                <a:spLocks noRot="1" noChangeAspect="1" noMove="1" noResize="1" noEditPoints="1" noAdjustHandles="1" noChangeArrowheads="1" noChangeShapeType="1" noTextEdit="1"/>
+              </p:cNvSpPr>
+              <p:nvPr/>
+            </p:nvSpPr>
+            <p:spPr>
+              <a:xfrm>
+                <a:off x="3491880" y="1484784"/>
+                <a:ext cx="4752528" cy="1143000"/>
+              </a:xfrm>
+              <a:prstGeom prst="roundRect">
+                <a:avLst/>
+              </a:prstGeom>
+              <a:blipFill>
+                <a:blip r:embed="rId2"/>
+                <a:stretch>
+                  <a:fillRect t="-4188"/>
+                </a:stretch>
+              </a:blipFill>
+            </p:spPr>
+            <p:txBody>
+              <a:bodyPr/>
+              <a:lstStyle/>
+              <a:p>
+                <a:r>
+                  <a:rPr lang="fr-BE">
+                    <a:noFill/>
+                  </a:rPr>
+                  <a:t> </a:t>
+                </a:r>
+              </a:p>
+            </p:txBody>
+          </p:sp>
+        </mc:Fallback>
+      </mc:AlternateContent>
+      <mc:AlternateContent xmlns:mc="http://schemas.openxmlformats.org/markup-compatibility/2006">
+        <mc:Choice xmlns:a14="http://schemas.microsoft.com/office/drawing/2010/main" Requires="a14">
+          <p:sp>
+            <p:nvSpPr>
+              <p:cNvPr id="11" name="Rectangle: Rounded Corners 10">
+                <a:extLst>
+                  <a:ext uri="{FF2B5EF4-FFF2-40B4-BE49-F238E27FC236}">
+                    <a16:creationId xmlns:a16="http://schemas.microsoft.com/office/drawing/2014/main" id="{3CFEACFD-EFA4-DD26-120C-55C2C7B9AA9B}"/>
+                  </a:ext>
+                </a:extLst>
+              </p:cNvPr>
+              <p:cNvSpPr/>
+              <p:nvPr/>
+            </p:nvSpPr>
+            <p:spPr>
+              <a:xfrm>
+                <a:off x="3491880" y="2996952"/>
+                <a:ext cx="4752527" cy="2448272"/>
+              </a:xfrm>
+              <a:prstGeom prst="roundRect">
+                <a:avLst/>
+              </a:prstGeom>
+            </p:spPr>
+            <p:style>
+              <a:lnRef idx="2">
+                <a:schemeClr val="accent5">
+                  <a:shade val="50000"/>
+                </a:schemeClr>
+              </a:lnRef>
+              <a:fillRef idx="1">
+                <a:schemeClr val="accent5"/>
+              </a:fillRef>
+              <a:effectRef idx="0">
+                <a:schemeClr val="accent5"/>
+              </a:effectRef>
+              <a:fontRef idx="minor">
+                <a:schemeClr val="lt1"/>
+              </a:fontRef>
+            </p:style>
+            <p:txBody>
+              <a:bodyPr rtlCol="0" anchor="ctr"/>
+              <a:lstStyle/>
+              <a:p>
+                <a:pPr algn="ctr"/>
+                <a:r>
+                  <a:rPr lang="fr-BE" dirty="0"/>
+                  <a:t>Maravall (WK, </a:t>
+                </a:r>
+                <a:r>
+                  <a:rPr lang="fr-BE" dirty="0" err="1"/>
+                  <a:t>whittle</a:t>
+                </a:r>
+                <a:r>
+                  <a:rPr lang="fr-BE" dirty="0"/>
+                  <a:t>…)</a:t>
+                </a:r>
+              </a:p>
+              <a:p>
+                <a:pPr/>
+                <a14:m>
+                  <m:oMath xmlns:m="http://schemas.openxmlformats.org/officeDocument/2006/math">
+                    <m:sSub>
+                      <m:sSubPr>
+                        <m:ctrlPr>
+                          <a:rPr lang="fr-BE" i="1" smtClean="0">
+                            <a:latin typeface="Cambria Math" panose="02040503050406030204" pitchFamily="18" charset="0"/>
+                          </a:rPr>
+                        </m:ctrlPr>
+                      </m:sSubPr>
+                      <m:e>
+                        <m:r>
+                          <a:rPr lang="fr-BE" b="0" i="1" smtClean="0">
+                            <a:latin typeface="Cambria Math" panose="02040503050406030204" pitchFamily="18" charset="0"/>
+                          </a:rPr>
+                          <m:t>𝐿</m:t>
+                        </m:r>
+                      </m:e>
+                      <m:sub>
+                        <m:r>
+                          <a:rPr lang="fr-BE" b="0" i="1" smtClean="0">
+                            <a:latin typeface="Cambria Math" panose="02040503050406030204" pitchFamily="18" charset="0"/>
+                          </a:rPr>
+                          <m:t>𝑆</m:t>
+                        </m:r>
+                      </m:sub>
+                    </m:sSub>
+                    <m:r>
+                      <a:rPr lang="fr-BE" b="0" i="1" smtClean="0">
+                        <a:latin typeface="Cambria Math" panose="02040503050406030204" pitchFamily="18" charset="0"/>
+                      </a:rPr>
+                      <m:t>=</m:t>
+                    </m:r>
+                    <m:sSub>
+                      <m:sSubPr>
+                        <m:ctrlPr>
+                          <a:rPr lang="fr-BE" b="0" i="1" smtClean="0">
+                            <a:latin typeface="Cambria Math" panose="02040503050406030204" pitchFamily="18" charset="0"/>
+                          </a:rPr>
+                        </m:ctrlPr>
+                      </m:sSubPr>
+                      <m:e>
+                        <m:r>
+                          <a:rPr lang="fr-BE" i="1">
+                            <a:latin typeface="Cambria Math" panose="02040503050406030204" pitchFamily="18" charset="0"/>
+                            <a:ea typeface="Cambria Math" panose="02040503050406030204" pitchFamily="18" charset="0"/>
+                          </a:rPr>
+                          <m:t>𝜓</m:t>
+                        </m:r>
+                      </m:e>
+                      <m:sub>
+                        <m:r>
+                          <a:rPr lang="fr-BE" b="0" i="1" smtClean="0">
+                            <a:latin typeface="Cambria Math" panose="02040503050406030204" pitchFamily="18" charset="0"/>
+                          </a:rPr>
+                          <m:t>𝑆</m:t>
+                        </m:r>
+                      </m:sub>
+                    </m:sSub>
+                    <m:r>
+                      <a:rPr lang="fr-BE" b="0" i="1" smtClean="0">
+                        <a:latin typeface="Cambria Math" panose="02040503050406030204" pitchFamily="18" charset="0"/>
+                        <a:ea typeface="Cambria Math" panose="02040503050406030204" pitchFamily="18" charset="0"/>
+                      </a:rPr>
+                      <m:t>(</m:t>
+                    </m:r>
+                    <m:r>
+                      <a:rPr lang="fr-BE" b="0" i="1" smtClean="0">
+                        <a:latin typeface="Cambria Math" panose="02040503050406030204" pitchFamily="18" charset="0"/>
+                        <a:ea typeface="Cambria Math" panose="02040503050406030204" pitchFamily="18" charset="0"/>
+                      </a:rPr>
+                      <m:t>𝐵</m:t>
+                    </m:r>
+                    <m:r>
+                      <a:rPr lang="fr-BE" b="0" i="1" smtClean="0">
+                        <a:latin typeface="Cambria Math" panose="02040503050406030204" pitchFamily="18" charset="0"/>
+                        <a:ea typeface="Cambria Math" panose="02040503050406030204" pitchFamily="18" charset="0"/>
+                      </a:rPr>
+                      <m:t>)</m:t>
+                    </m:r>
+                    <m:sSub>
+                      <m:sSubPr>
+                        <m:ctrlPr>
+                          <a:rPr lang="fr-BE" b="0" i="1" smtClean="0">
+                            <a:latin typeface="Cambria Math" panose="02040503050406030204" pitchFamily="18" charset="0"/>
+                            <a:ea typeface="Cambria Math" panose="02040503050406030204" pitchFamily="18" charset="0"/>
+                          </a:rPr>
+                        </m:ctrlPr>
+                      </m:sSubPr>
+                      <m:e>
+                        <m:r>
+                          <a:rPr lang="fr-BE" b="0" i="1" smtClean="0">
+                            <a:latin typeface="Cambria Math" panose="02040503050406030204" pitchFamily="18" charset="0"/>
+                            <a:ea typeface="Cambria Math" panose="02040503050406030204" pitchFamily="18" charset="0"/>
+                          </a:rPr>
+                          <m:t>𝜓</m:t>
+                        </m:r>
+                      </m:e>
+                      <m:sub>
+                        <m:r>
+                          <a:rPr lang="fr-BE" b="0" i="1" smtClean="0">
+                            <a:latin typeface="Cambria Math" panose="02040503050406030204" pitchFamily="18" charset="0"/>
+                            <a:ea typeface="Cambria Math" panose="02040503050406030204" pitchFamily="18" charset="0"/>
+                          </a:rPr>
+                          <m:t>𝑆</m:t>
+                        </m:r>
+                      </m:sub>
+                    </m:sSub>
+                    <m:r>
+                      <a:rPr lang="fr-BE" b="0" i="1" smtClean="0">
+                        <a:latin typeface="Cambria Math" panose="02040503050406030204" pitchFamily="18" charset="0"/>
+                        <a:ea typeface="Cambria Math" panose="02040503050406030204" pitchFamily="18" charset="0"/>
+                      </a:rPr>
+                      <m:t>(</m:t>
+                    </m:r>
+                    <m:r>
+                      <a:rPr lang="fr-BE" b="0" i="1" smtClean="0">
+                        <a:latin typeface="Cambria Math" panose="02040503050406030204" pitchFamily="18" charset="0"/>
+                        <a:ea typeface="Cambria Math" panose="02040503050406030204" pitchFamily="18" charset="0"/>
+                      </a:rPr>
+                      <m:t>𝐹</m:t>
+                    </m:r>
+                    <m:r>
+                      <a:rPr lang="fr-BE" b="0" i="1" smtClean="0">
+                        <a:latin typeface="Cambria Math" panose="02040503050406030204" pitchFamily="18" charset="0"/>
+                        <a:ea typeface="Cambria Math" panose="02040503050406030204" pitchFamily="18" charset="0"/>
+                      </a:rPr>
+                      <m:t>)</m:t>
+                    </m:r>
+                  </m:oMath>
+                </a14:m>
+                <a:r>
+                  <a:rPr lang="fr-BE" dirty="0"/>
+                  <a:t>		     [WK </a:t>
+                </a:r>
+                <a:r>
+                  <a:rPr lang="fr-BE" dirty="0" err="1"/>
+                  <a:t>filters</a:t>
+                </a:r>
+                <a:r>
+                  <a:rPr lang="fr-BE" dirty="0"/>
+                  <a:t>]</a:t>
+                </a:r>
+              </a:p>
+              <a:p>
+                <a:pPr/>
+                <a14:m>
+                  <m:oMath xmlns:m="http://schemas.openxmlformats.org/officeDocument/2006/math">
+                    <m:acc>
+                      <m:accPr>
+                        <m:chr m:val="̂"/>
+                        <m:ctrlPr>
+                          <a:rPr lang="fr-BE" i="1" smtClean="0">
+                            <a:latin typeface="Cambria Math" panose="02040503050406030204" pitchFamily="18" charset="0"/>
+                          </a:rPr>
+                        </m:ctrlPr>
+                      </m:accPr>
+                      <m:e>
+                        <m:r>
+                          <a:rPr lang="fr-BE" b="0" i="1" smtClean="0">
+                            <a:latin typeface="Cambria Math" panose="02040503050406030204" pitchFamily="18" charset="0"/>
+                          </a:rPr>
+                          <m:t>𝑆</m:t>
+                        </m:r>
+                      </m:e>
+                    </m:acc>
+                    <m:d>
+                      <m:dPr>
+                        <m:ctrlPr>
+                          <a:rPr lang="fr-BE" b="0" i="1" smtClean="0">
+                            <a:latin typeface="Cambria Math" panose="02040503050406030204" pitchFamily="18" charset="0"/>
+                          </a:rPr>
+                        </m:ctrlPr>
+                      </m:dPr>
+                      <m:e>
+                        <m:r>
+                          <a:rPr lang="fr-BE" b="0" i="1" smtClean="0">
+                            <a:latin typeface="Cambria Math" panose="02040503050406030204" pitchFamily="18" charset="0"/>
+                          </a:rPr>
+                          <m:t>𝑡</m:t>
+                        </m:r>
+                      </m:e>
+                    </m:d>
+                    <m:r>
+                      <a:rPr lang="fr-BE" b="0" i="1" smtClean="0">
+                        <a:latin typeface="Cambria Math" panose="02040503050406030204" pitchFamily="18" charset="0"/>
+                      </a:rPr>
+                      <m:t>=</m:t>
+                    </m:r>
+                    <m:sSubSup>
+                      <m:sSubSupPr>
+                        <m:ctrlPr>
+                          <a:rPr lang="fr-BE" b="0" i="1" smtClean="0">
+                            <a:latin typeface="Cambria Math" panose="02040503050406030204" pitchFamily="18" charset="0"/>
+                          </a:rPr>
+                        </m:ctrlPr>
+                      </m:sSubSupPr>
+                      <m:e>
+                        <m:r>
+                          <a:rPr lang="fr-BE" b="0" i="1" smtClean="0">
+                            <a:latin typeface="Cambria Math" panose="02040503050406030204" pitchFamily="18" charset="0"/>
+                            <a:ea typeface="Cambria Math" panose="02040503050406030204" pitchFamily="18" charset="0"/>
+                          </a:rPr>
+                          <m:t>𝜉</m:t>
+                        </m:r>
+                      </m:e>
+                      <m:sub>
+                        <m:r>
+                          <a:rPr lang="fr-BE" b="0" i="1" smtClean="0">
+                            <a:latin typeface="Cambria Math" panose="02040503050406030204" pitchFamily="18" charset="0"/>
+                          </a:rPr>
+                          <m:t>𝑆</m:t>
+                        </m:r>
+                      </m:sub>
+                      <m:sup>
+                        <m:r>
+                          <a:rPr lang="fr-BE" b="0" i="1" smtClean="0">
+                            <a:latin typeface="Cambria Math" panose="02040503050406030204" pitchFamily="18" charset="0"/>
+                          </a:rPr>
+                          <m:t>−</m:t>
+                        </m:r>
+                      </m:sup>
+                    </m:sSubSup>
+                    <m:d>
+                      <m:dPr>
+                        <m:ctrlPr>
+                          <a:rPr lang="fr-BE" b="0" i="1" smtClean="0">
+                            <a:latin typeface="Cambria Math" panose="02040503050406030204" pitchFamily="18" charset="0"/>
+                          </a:rPr>
+                        </m:ctrlPr>
+                      </m:dPr>
+                      <m:e>
+                        <m:r>
+                          <a:rPr lang="fr-BE" b="0" i="1" smtClean="0">
+                            <a:latin typeface="Cambria Math" panose="02040503050406030204" pitchFamily="18" charset="0"/>
+                          </a:rPr>
+                          <m:t>𝐵</m:t>
+                        </m:r>
+                      </m:e>
+                    </m:d>
+                    <m:r>
+                      <a:rPr lang="fr-BE" b="0" i="1" smtClean="0">
+                        <a:latin typeface="Cambria Math" panose="02040503050406030204" pitchFamily="18" charset="0"/>
+                        <a:ea typeface="Cambria Math" panose="02040503050406030204" pitchFamily="18" charset="0"/>
+                      </a:rPr>
+                      <m:t>𝜀</m:t>
+                    </m:r>
+                    <m:d>
+                      <m:dPr>
+                        <m:ctrlPr>
+                          <a:rPr lang="fr-BE" b="0" i="1" smtClean="0">
+                            <a:latin typeface="Cambria Math" panose="02040503050406030204" pitchFamily="18" charset="0"/>
+                            <a:ea typeface="Cambria Math" panose="02040503050406030204" pitchFamily="18" charset="0"/>
+                          </a:rPr>
+                        </m:ctrlPr>
+                      </m:dPr>
+                      <m:e>
+                        <m:r>
+                          <a:rPr lang="fr-BE" b="0" i="1" smtClean="0">
+                            <a:latin typeface="Cambria Math" panose="02040503050406030204" pitchFamily="18" charset="0"/>
+                            <a:ea typeface="Cambria Math" panose="02040503050406030204" pitchFamily="18" charset="0"/>
+                          </a:rPr>
+                          <m:t>𝑡</m:t>
+                        </m:r>
+                      </m:e>
+                    </m:d>
+                    <m:r>
+                      <a:rPr lang="fr-BE" b="0" i="1" smtClean="0">
+                        <a:latin typeface="Cambria Math" panose="02040503050406030204" pitchFamily="18" charset="0"/>
+                        <a:ea typeface="Cambria Math" panose="02040503050406030204" pitchFamily="18" charset="0"/>
+                      </a:rPr>
+                      <m:t>+</m:t>
+                    </m:r>
+                    <m:sSubSup>
+                      <m:sSubSupPr>
+                        <m:ctrlPr>
+                          <a:rPr lang="fr-BE" i="1">
+                            <a:latin typeface="Cambria Math" panose="02040503050406030204" pitchFamily="18" charset="0"/>
+                          </a:rPr>
+                        </m:ctrlPr>
+                      </m:sSubSupPr>
+                      <m:e>
+                        <m:r>
+                          <a:rPr lang="fr-BE" i="1">
+                            <a:latin typeface="Cambria Math" panose="02040503050406030204" pitchFamily="18" charset="0"/>
+                            <a:ea typeface="Cambria Math" panose="02040503050406030204" pitchFamily="18" charset="0"/>
+                          </a:rPr>
+                          <m:t>𝜉</m:t>
+                        </m:r>
+                      </m:e>
+                      <m:sub>
+                        <m:r>
+                          <a:rPr lang="fr-BE" i="1">
+                            <a:latin typeface="Cambria Math" panose="02040503050406030204" pitchFamily="18" charset="0"/>
+                          </a:rPr>
+                          <m:t>𝑆</m:t>
+                        </m:r>
+                      </m:sub>
+                      <m:sup>
+                        <m:r>
+                          <a:rPr lang="fr-BE" b="0" i="1" smtClean="0">
+                            <a:latin typeface="Cambria Math" panose="02040503050406030204" pitchFamily="18" charset="0"/>
+                          </a:rPr>
+                          <m:t>+</m:t>
+                        </m:r>
+                      </m:sup>
+                    </m:sSubSup>
+                    <m:d>
+                      <m:dPr>
+                        <m:ctrlPr>
+                          <a:rPr lang="fr-BE" i="1">
+                            <a:latin typeface="Cambria Math" panose="02040503050406030204" pitchFamily="18" charset="0"/>
+                          </a:rPr>
+                        </m:ctrlPr>
+                      </m:dPr>
+                      <m:e>
+                        <m:r>
+                          <a:rPr lang="fr-BE" b="0" i="1" smtClean="0">
+                            <a:latin typeface="Cambria Math" panose="02040503050406030204" pitchFamily="18" charset="0"/>
+                          </a:rPr>
+                          <m:t>𝐹</m:t>
+                        </m:r>
+                      </m:e>
+                    </m:d>
+                    <m:r>
+                      <a:rPr lang="fr-BE" i="1">
+                        <a:latin typeface="Cambria Math" panose="02040503050406030204" pitchFamily="18" charset="0"/>
+                        <a:ea typeface="Cambria Math" panose="02040503050406030204" pitchFamily="18" charset="0"/>
+                      </a:rPr>
+                      <m:t>𝜀</m:t>
+                    </m:r>
+                    <m:d>
+                      <m:dPr>
+                        <m:ctrlPr>
+                          <a:rPr lang="fr-BE" i="1">
+                            <a:latin typeface="Cambria Math" panose="02040503050406030204" pitchFamily="18" charset="0"/>
+                            <a:ea typeface="Cambria Math" panose="02040503050406030204" pitchFamily="18" charset="0"/>
+                          </a:rPr>
+                        </m:ctrlPr>
+                      </m:dPr>
+                      <m:e>
+                        <m:r>
+                          <a:rPr lang="fr-BE" i="1">
+                            <a:latin typeface="Cambria Math" panose="02040503050406030204" pitchFamily="18" charset="0"/>
+                            <a:ea typeface="Cambria Math" panose="02040503050406030204" pitchFamily="18" charset="0"/>
+                          </a:rPr>
+                          <m:t>𝑡</m:t>
+                        </m:r>
+                      </m:e>
+                    </m:d>
+                  </m:oMath>
+                </a14:m>
+                <a:r>
+                  <a:rPr lang="fr-BE" dirty="0"/>
+                  <a:t> [</a:t>
+                </a:r>
+                <a:r>
+                  <a:rPr lang="fr-BE" dirty="0" err="1"/>
+                  <a:t>PsiE-weights</a:t>
+                </a:r>
+                <a:r>
+                  <a:rPr lang="fr-BE" dirty="0"/>
+                  <a:t>]</a:t>
+                </a:r>
+              </a:p>
+              <a:p>
+                <a:endParaRPr lang="fr-BE" dirty="0"/>
+              </a:p>
+              <a:p>
+                <a:r>
+                  <a:rPr lang="fr-BE" dirty="0" err="1"/>
+                  <a:t>Error</a:t>
+                </a:r>
+                <a:r>
+                  <a:rPr lang="fr-BE" dirty="0"/>
+                  <a:t> </a:t>
+                </a:r>
+                <a:r>
+                  <a:rPr lang="fr-BE" dirty="0" err="1"/>
+                  <a:t>analysis</a:t>
+                </a:r>
+                <a:r>
+                  <a:rPr lang="fr-BE" dirty="0"/>
+                  <a:t> </a:t>
+                </a:r>
+                <a:r>
+                  <a:rPr lang="fr-BE" dirty="0" err="1"/>
+                  <a:t>based</a:t>
+                </a:r>
+                <a:r>
+                  <a:rPr lang="fr-BE" dirty="0"/>
+                  <a:t> on the </a:t>
+                </a:r>
+                <a:r>
+                  <a:rPr lang="fr-BE" dirty="0" err="1"/>
+                  <a:t>PsiE-weights</a:t>
+                </a:r>
+                <a:endParaRPr lang="fr-BE" dirty="0"/>
+              </a:p>
+              <a:p>
+                <a:pPr marL="285750" indent="-285750">
+                  <a:buFont typeface="Arial" panose="020B0604020202020204" pitchFamily="34" charset="0"/>
+                  <a:buChar char="•"/>
+                </a:pPr>
+                <a:r>
+                  <a:rPr lang="fr-BE" dirty="0" err="1"/>
+                  <a:t>Analysis</a:t>
+                </a:r>
+                <a:r>
+                  <a:rPr lang="fr-BE" dirty="0"/>
+                  <a:t> of the final and </a:t>
+                </a:r>
+                <a:r>
+                  <a:rPr lang="fr-BE" dirty="0" err="1"/>
+                  <a:t>preliminary</a:t>
+                </a:r>
+                <a:r>
+                  <a:rPr lang="fr-BE" dirty="0"/>
+                  <a:t> </a:t>
+                </a:r>
+                <a:r>
+                  <a:rPr lang="fr-BE" dirty="0" err="1"/>
+                  <a:t>estimators</a:t>
+                </a:r>
+                <a:endParaRPr lang="fr-BE" dirty="0"/>
+              </a:p>
+              <a:p>
+                <a:pPr marL="285750" indent="-285750">
+                  <a:buFont typeface="Arial" panose="020B0604020202020204" pitchFamily="34" charset="0"/>
+                  <a:buChar char="•"/>
+                </a:pPr>
+                <a:r>
+                  <a:rPr lang="fr-BE" dirty="0" err="1"/>
+                  <a:t>Revision</a:t>
+                </a:r>
+                <a:r>
+                  <a:rPr lang="fr-BE" dirty="0"/>
+                  <a:t> </a:t>
+                </a:r>
+                <a:r>
+                  <a:rPr lang="fr-BE" dirty="0" err="1"/>
+                  <a:t>analysis</a:t>
+                </a:r>
+                <a:endParaRPr lang="fr-BE" dirty="0"/>
+              </a:p>
+              <a:p>
+                <a:endParaRPr lang="fr-BE" dirty="0"/>
+              </a:p>
+            </p:txBody>
+          </p:sp>
+        </mc:Choice>
+        <mc:Fallback>
+          <p:sp>
+            <p:nvSpPr>
+              <p:cNvPr id="11" name="Rectangle: Rounded Corners 10">
+                <a:extLst>
+                  <a:ext uri="{FF2B5EF4-FFF2-40B4-BE49-F238E27FC236}">
+                    <a16:creationId xmlns:a16="http://schemas.microsoft.com/office/drawing/2014/main" id="{3CFEACFD-EFA4-DD26-120C-55C2C7B9AA9B}"/>
+                  </a:ext>
+                </a:extLst>
+              </p:cNvPr>
+              <p:cNvSpPr>
+                <a:spLocks noRot="1" noChangeAspect="1" noMove="1" noResize="1" noEditPoints="1" noAdjustHandles="1" noChangeArrowheads="1" noChangeShapeType="1" noTextEdit="1"/>
+              </p:cNvSpPr>
+              <p:nvPr/>
+            </p:nvSpPr>
+            <p:spPr>
+              <a:xfrm>
+                <a:off x="3491880" y="2996952"/>
+                <a:ext cx="4752527" cy="2448272"/>
+              </a:xfrm>
+              <a:prstGeom prst="roundRect">
+                <a:avLst/>
+              </a:prstGeom>
+              <a:blipFill>
+                <a:blip r:embed="rId3"/>
+                <a:stretch>
+                  <a:fillRect t="-3457"/>
+                </a:stretch>
+              </a:blipFill>
+            </p:spPr>
+            <p:txBody>
+              <a:bodyPr/>
+              <a:lstStyle/>
+              <a:p>
+                <a:r>
+                  <a:rPr lang="fr-BE">
+                    <a:noFill/>
+                  </a:rPr>
+                  <a:t> </a:t>
+                </a:r>
+              </a:p>
+            </p:txBody>
+          </p:sp>
+        </mc:Fallback>
+      </mc:AlternateContent>
     </p:spTree>
     <p:extLst>
       <p:ext uri="{BB962C8B-B14F-4D97-AF65-F5344CB8AC3E}">
-        <p14:creationId xmlns:p14="http://schemas.microsoft.com/office/powerpoint/2010/main" val="4239624760"/>
+        <p14:creationId xmlns:p14="http://schemas.microsoft.com/office/powerpoint/2010/main" val="320657720"/>
       </p:ext>
     </p:extLst>
   </p:cSld>
@@ -6607,6 +7586,199 @@
       </p:grpSpPr>
       <p:sp>
         <p:nvSpPr>
+          <p:cNvPr id="2" name="Title 1">
+            <a:extLst>
+              <a:ext uri="{FF2B5EF4-FFF2-40B4-BE49-F238E27FC236}">
+                <a16:creationId xmlns:a16="http://schemas.microsoft.com/office/drawing/2014/main" id="{64805138-E9CF-F51D-0B42-9E6879EDBCEB}"/>
+              </a:ext>
+            </a:extLst>
+          </p:cNvPr>
+          <p:cNvSpPr>
+            <a:spLocks noGrp="1"/>
+          </p:cNvSpPr>
+          <p:nvPr>
+            <p:ph type="title"/>
+          </p:nvPr>
+        </p:nvSpPr>
+        <p:spPr>
+          <a:xfrm>
+            <a:off x="457200" y="274638"/>
+            <a:ext cx="8229600" cy="1066130"/>
+          </a:xfrm>
+        </p:spPr>
+        <p:txBody>
+          <a:bodyPr>
+            <a:normAutofit/>
+          </a:bodyPr>
+          <a:lstStyle/>
+          <a:p>
+            <a:pPr algn="l"/>
+            <a:r>
+              <a:rPr lang="fr-BE" dirty="0"/>
+              <a:t>MMSE </a:t>
+            </a:r>
+            <a:r>
+              <a:rPr lang="fr-BE" dirty="0" err="1"/>
+              <a:t>estimators</a:t>
+            </a:r>
+            <a:endParaRPr lang="fr-BE" dirty="0"/>
+          </a:p>
+        </p:txBody>
+      </p:sp>
+      <p:sp>
+        <p:nvSpPr>
+          <p:cNvPr id="4" name="Date Placeholder 3">
+            <a:extLst>
+              <a:ext uri="{FF2B5EF4-FFF2-40B4-BE49-F238E27FC236}">
+                <a16:creationId xmlns:a16="http://schemas.microsoft.com/office/drawing/2014/main" id="{A9CDDE83-37F3-5B65-14EE-5A39C8C48579}"/>
+              </a:ext>
+            </a:extLst>
+          </p:cNvPr>
+          <p:cNvSpPr>
+            <a:spLocks noGrp="1"/>
+          </p:cNvSpPr>
+          <p:nvPr>
+            <p:ph type="dt" sz="half" idx="10"/>
+          </p:nvPr>
+        </p:nvSpPr>
+        <p:spPr/>
+        <p:txBody>
+          <a:bodyPr/>
+          <a:lstStyle/>
+          <a:p>
+            <a:r>
+              <a:rPr lang="fr-FR"/>
+              <a:t>17-19/10/2023</a:t>
+            </a:r>
+            <a:endParaRPr lang="fr-BE"/>
+          </a:p>
+        </p:txBody>
+      </p:sp>
+      <p:sp>
+        <p:nvSpPr>
+          <p:cNvPr id="5" name="Footer Placeholder 4">
+            <a:extLst>
+              <a:ext uri="{FF2B5EF4-FFF2-40B4-BE49-F238E27FC236}">
+                <a16:creationId xmlns:a16="http://schemas.microsoft.com/office/drawing/2014/main" id="{7ADE660A-C777-FA3B-E8BC-BFA21C0708F0}"/>
+              </a:ext>
+            </a:extLst>
+          </p:cNvPr>
+          <p:cNvSpPr>
+            <a:spLocks noGrp="1"/>
+          </p:cNvSpPr>
+          <p:nvPr>
+            <p:ph type="ftr" sz="quarter" idx="11"/>
+          </p:nvPr>
+        </p:nvSpPr>
+        <p:spPr/>
+        <p:txBody>
+          <a:bodyPr/>
+          <a:lstStyle/>
+          <a:p>
+            <a:r>
+              <a:rPr lang="en-GB"/>
+              <a:t>CONTRACTORS ORGANISING SOME OF THE COURSES ARE ACTING UNDER A FRAMEWORK CONTRACT CONCLUDED WITH THE COMMISSION</a:t>
+            </a:r>
+            <a:endParaRPr lang="fr-BE"/>
+          </a:p>
+        </p:txBody>
+      </p:sp>
+      <p:sp>
+        <p:nvSpPr>
+          <p:cNvPr id="6" name="Slide Number Placeholder 5">
+            <a:extLst>
+              <a:ext uri="{FF2B5EF4-FFF2-40B4-BE49-F238E27FC236}">
+                <a16:creationId xmlns:a16="http://schemas.microsoft.com/office/drawing/2014/main" id="{D1DFD5AD-D169-F171-4F32-C046CC63F71F}"/>
+              </a:ext>
+            </a:extLst>
+          </p:cNvPr>
+          <p:cNvSpPr>
+            <a:spLocks noGrp="1"/>
+          </p:cNvSpPr>
+          <p:nvPr>
+            <p:ph type="sldNum" sz="quarter" idx="12"/>
+          </p:nvPr>
+        </p:nvSpPr>
+        <p:spPr/>
+        <p:txBody>
+          <a:bodyPr/>
+          <a:lstStyle/>
+          <a:p>
+            <a:fld id="{F12E9969-9346-4095-A7C3-836AAB82C09A}" type="slidenum">
+              <a:rPr lang="fr-BE" smtClean="0"/>
+              <a:t>13</a:t>
+            </a:fld>
+            <a:endParaRPr lang="fr-BE"/>
+          </a:p>
+        </p:txBody>
+      </p:sp>
+      <p:pic>
+        <p:nvPicPr>
+          <p:cNvPr id="12" name="Picture 11">
+            <a:extLst>
+              <a:ext uri="{FF2B5EF4-FFF2-40B4-BE49-F238E27FC236}">
+                <a16:creationId xmlns:a16="http://schemas.microsoft.com/office/drawing/2014/main" id="{76A8C446-E47A-D087-97DB-044B66F55546}"/>
+              </a:ext>
+            </a:extLst>
+          </p:cNvPr>
+          <p:cNvPicPr>
+            <a:picLocks noChangeAspect="1"/>
+          </p:cNvPicPr>
+          <p:nvPr/>
+        </p:nvPicPr>
+        <p:blipFill>
+          <a:blip r:embed="rId2"/>
+          <a:stretch>
+            <a:fillRect/>
+          </a:stretch>
+        </p:blipFill>
+        <p:spPr>
+          <a:xfrm>
+            <a:off x="1043608" y="1167308"/>
+            <a:ext cx="7643192" cy="4899269"/>
+          </a:xfrm>
+          <a:prstGeom prst="rect">
+            <a:avLst/>
+          </a:prstGeom>
+          <a:ln>
+            <a:solidFill>
+              <a:schemeClr val="bg1"/>
+            </a:solidFill>
+          </a:ln>
+        </p:spPr>
+      </p:pic>
+    </p:spTree>
+    <p:extLst>
+      <p:ext uri="{BB962C8B-B14F-4D97-AF65-F5344CB8AC3E}">
+        <p14:creationId xmlns:p14="http://schemas.microsoft.com/office/powerpoint/2010/main" val="1611004911"/>
+      </p:ext>
+    </p:extLst>
+  </p:cSld>
+  <p:clrMapOvr>
+    <a:masterClrMapping/>
+  </p:clrMapOvr>
+</p:sld>
+</file>
+
+<file path=ppt/slides/slide14.xml><?xml version="1.0" encoding="utf-8"?>
+<p:sld xmlns:a="http://schemas.openxmlformats.org/drawingml/2006/main" xmlns:r="http://schemas.openxmlformats.org/officeDocument/2006/relationships" xmlns:p="http://schemas.openxmlformats.org/presentationml/2006/main">
+  <p:cSld>
+    <p:spTree>
+      <p:nvGrpSpPr>
+        <p:cNvPr id="1" name=""/>
+        <p:cNvGrpSpPr/>
+        <p:nvPr/>
+      </p:nvGrpSpPr>
+      <p:grpSpPr>
+        <a:xfrm>
+          <a:off x="0" y="0"/>
+          <a:ext cx="0" cy="0"/>
+          <a:chOff x="0" y="0"/>
+          <a:chExt cx="0" cy="0"/>
+        </a:xfrm>
+      </p:grpSpPr>
+      <p:sp>
+        <p:nvSpPr>
           <p:cNvPr id="2" name="Title 1"/>
           <p:cNvSpPr>
             <a:spLocks noGrp="1"/>
@@ -6622,8 +7794,89 @@
           <a:p>
             <a:r>
               <a:rPr lang="fr-BE" dirty="0"/>
-              <a:t>4. SEATS in JD+</a:t>
-            </a:r>
+              <a:t>1.3 Estimation of the components</a:t>
+            </a:r>
+          </a:p>
+        </p:txBody>
+      </p:sp>
+      <p:sp>
+        <p:nvSpPr>
+          <p:cNvPr id="3" name="Content Placeholder 2"/>
+          <p:cNvSpPr>
+            <a:spLocks noGrp="1"/>
+          </p:cNvSpPr>
+          <p:nvPr>
+            <p:ph idx="1"/>
+          </p:nvPr>
+        </p:nvSpPr>
+        <p:spPr>
+          <a:xfrm>
+            <a:off x="179512" y="1600200"/>
+            <a:ext cx="8507288" cy="4525963"/>
+          </a:xfrm>
+        </p:spPr>
+        <p:txBody>
+          <a:bodyPr>
+            <a:normAutofit/>
+          </a:bodyPr>
+          <a:lstStyle/>
+          <a:p>
+            <a:r>
+              <a:rPr lang="en-GB" dirty="0"/>
+              <a:t>STS and AMB → UCARIMA models</a:t>
+            </a:r>
+          </a:p>
+          <a:p>
+            <a:pPr lvl="1"/>
+            <a:r>
+              <a:rPr lang="en-GB" dirty="0"/>
+              <a:t>Same estimation algorithms </a:t>
+            </a:r>
+          </a:p>
+          <a:p>
+            <a:pPr lvl="1"/>
+            <a:r>
+              <a:rPr lang="en-GB" dirty="0"/>
+              <a:t>Common analysis tools</a:t>
+            </a:r>
+          </a:p>
+          <a:p>
+            <a:r>
+              <a:rPr lang="en-GB" dirty="0"/>
+              <a:t>3 solutions, strictly equivalent (except for SD)</a:t>
+            </a:r>
+          </a:p>
+          <a:p>
+            <a:pPr lvl="1"/>
+            <a:r>
+              <a:rPr lang="en-GB" dirty="0"/>
+              <a:t>Burman algorithm (WK filters): legacy and default solution, fastest</a:t>
+            </a:r>
+          </a:p>
+          <a:p>
+            <a:pPr lvl="1"/>
+            <a:r>
+              <a:rPr lang="en-GB" b="1" dirty="0" err="1"/>
+              <a:t>Kalman</a:t>
+            </a:r>
+            <a:r>
+              <a:rPr lang="en-GB" b="1" dirty="0"/>
+              <a:t> smoother</a:t>
+            </a:r>
+            <a:r>
+              <a:rPr lang="en-GB" dirty="0"/>
+              <a:t>: more stable, exact SD</a:t>
+            </a:r>
+          </a:p>
+          <a:p>
+            <a:pPr lvl="1"/>
+            <a:r>
+              <a:rPr lang="en-GB" dirty="0"/>
+              <a:t>[Matrix computation]: Not available in JD+ 3.x</a:t>
+            </a:r>
+          </a:p>
+          <a:p>
+            <a:endParaRPr lang="en-GB" dirty="0"/>
           </a:p>
         </p:txBody>
       </p:sp>
@@ -6690,7 +7943,503 @@
           <a:p>
             <a:fld id="{F12E9969-9346-4095-A7C3-836AAB82C09A}" type="slidenum">
               <a:rPr lang="fr-BE" smtClean="0"/>
-              <a:t>13</a:t>
+              <a:t>14</a:t>
+            </a:fld>
+            <a:endParaRPr lang="fr-BE"/>
+          </a:p>
+        </p:txBody>
+      </p:sp>
+    </p:spTree>
+    <p:extLst>
+      <p:ext uri="{BB962C8B-B14F-4D97-AF65-F5344CB8AC3E}">
+        <p14:creationId xmlns:p14="http://schemas.microsoft.com/office/powerpoint/2010/main" val="227588825"/>
+      </p:ext>
+    </p:extLst>
+  </p:cSld>
+  <p:clrMapOvr>
+    <a:masterClrMapping/>
+  </p:clrMapOvr>
+</p:sld>
+</file>
+
+<file path=ppt/slides/slide15.xml><?xml version="1.0" encoding="utf-8"?>
+<p:sld xmlns:a="http://schemas.openxmlformats.org/drawingml/2006/main" xmlns:r="http://schemas.openxmlformats.org/officeDocument/2006/relationships" xmlns:p="http://schemas.openxmlformats.org/presentationml/2006/main">
+  <p:cSld>
+    <p:spTree>
+      <p:nvGrpSpPr>
+        <p:cNvPr id="1" name=""/>
+        <p:cNvGrpSpPr/>
+        <p:nvPr/>
+      </p:nvGrpSpPr>
+      <p:grpSpPr>
+        <a:xfrm>
+          <a:off x="0" y="0"/>
+          <a:ext cx="0" cy="0"/>
+          <a:chOff x="0" y="0"/>
+          <a:chExt cx="0" cy="0"/>
+        </a:xfrm>
+      </p:grpSpPr>
+      <p:sp>
+        <p:nvSpPr>
+          <p:cNvPr id="2" name="Title 1">
+            <a:extLst>
+              <a:ext uri="{FF2B5EF4-FFF2-40B4-BE49-F238E27FC236}">
+                <a16:creationId xmlns:a16="http://schemas.microsoft.com/office/drawing/2014/main" id="{5E79BCF7-0A28-5D7F-E4C7-AF5DCFEBB5B3}"/>
+              </a:ext>
+            </a:extLst>
+          </p:cNvPr>
+          <p:cNvSpPr>
+            <a:spLocks noGrp="1"/>
+          </p:cNvSpPr>
+          <p:nvPr>
+            <p:ph type="title"/>
+          </p:nvPr>
+        </p:nvSpPr>
+        <p:spPr/>
+        <p:txBody>
+          <a:bodyPr/>
+          <a:lstStyle/>
+          <a:p>
+            <a:r>
+              <a:rPr lang="fr-BE" dirty="0"/>
+              <a:t>MMSE </a:t>
+            </a:r>
+            <a:r>
+              <a:rPr lang="fr-BE" dirty="0" err="1"/>
+              <a:t>estimators</a:t>
+            </a:r>
+            <a:r>
+              <a:rPr lang="fr-BE" dirty="0"/>
+              <a:t> (WKF)</a:t>
+            </a:r>
+          </a:p>
+        </p:txBody>
+      </p:sp>
+      <p:sp>
+        <p:nvSpPr>
+          <p:cNvPr id="4" name="Date Placeholder 3">
+            <a:extLst>
+              <a:ext uri="{FF2B5EF4-FFF2-40B4-BE49-F238E27FC236}">
+                <a16:creationId xmlns:a16="http://schemas.microsoft.com/office/drawing/2014/main" id="{A5629E5A-BA80-5683-7DB9-605D5D95CDFE}"/>
+              </a:ext>
+            </a:extLst>
+          </p:cNvPr>
+          <p:cNvSpPr>
+            <a:spLocks noGrp="1"/>
+          </p:cNvSpPr>
+          <p:nvPr>
+            <p:ph type="dt" sz="half" idx="10"/>
+          </p:nvPr>
+        </p:nvSpPr>
+        <p:spPr/>
+        <p:txBody>
+          <a:bodyPr/>
+          <a:lstStyle/>
+          <a:p>
+            <a:r>
+              <a:rPr lang="fr-FR"/>
+              <a:t>17-19/10/2023</a:t>
+            </a:r>
+            <a:endParaRPr lang="fr-BE"/>
+          </a:p>
+        </p:txBody>
+      </p:sp>
+      <p:sp>
+        <p:nvSpPr>
+          <p:cNvPr id="5" name="Footer Placeholder 4">
+            <a:extLst>
+              <a:ext uri="{FF2B5EF4-FFF2-40B4-BE49-F238E27FC236}">
+                <a16:creationId xmlns:a16="http://schemas.microsoft.com/office/drawing/2014/main" id="{06A5B29F-C469-3FCB-7653-F79C0316EF47}"/>
+              </a:ext>
+            </a:extLst>
+          </p:cNvPr>
+          <p:cNvSpPr>
+            <a:spLocks noGrp="1"/>
+          </p:cNvSpPr>
+          <p:nvPr>
+            <p:ph type="ftr" sz="quarter" idx="11"/>
+          </p:nvPr>
+        </p:nvSpPr>
+        <p:spPr/>
+        <p:txBody>
+          <a:bodyPr/>
+          <a:lstStyle/>
+          <a:p>
+            <a:r>
+              <a:rPr lang="en-GB"/>
+              <a:t>CONTRACTORS ORGANISING SOME OF THE COURSES ARE ACTING UNDER A FRAMEWORK CONTRACT CONCLUDED WITH THE COMMISSION</a:t>
+            </a:r>
+            <a:endParaRPr lang="fr-BE"/>
+          </a:p>
+        </p:txBody>
+      </p:sp>
+      <p:sp>
+        <p:nvSpPr>
+          <p:cNvPr id="6" name="Slide Number Placeholder 5">
+            <a:extLst>
+              <a:ext uri="{FF2B5EF4-FFF2-40B4-BE49-F238E27FC236}">
+                <a16:creationId xmlns:a16="http://schemas.microsoft.com/office/drawing/2014/main" id="{2D720DC6-D83A-0996-5359-0472E8F0FB61}"/>
+              </a:ext>
+            </a:extLst>
+          </p:cNvPr>
+          <p:cNvSpPr>
+            <a:spLocks noGrp="1"/>
+          </p:cNvSpPr>
+          <p:nvPr>
+            <p:ph type="sldNum" sz="quarter" idx="12"/>
+          </p:nvPr>
+        </p:nvSpPr>
+        <p:spPr/>
+        <p:txBody>
+          <a:bodyPr/>
+          <a:lstStyle/>
+          <a:p>
+            <a:fld id="{F12E9969-9346-4095-A7C3-836AAB82C09A}" type="slidenum">
+              <a:rPr lang="fr-BE" smtClean="0"/>
+              <a:t>15</a:t>
+            </a:fld>
+            <a:endParaRPr lang="fr-BE"/>
+          </a:p>
+        </p:txBody>
+      </p:sp>
+      <p:pic>
+        <p:nvPicPr>
+          <p:cNvPr id="10" name="Picture 9">
+            <a:extLst>
+              <a:ext uri="{FF2B5EF4-FFF2-40B4-BE49-F238E27FC236}">
+                <a16:creationId xmlns:a16="http://schemas.microsoft.com/office/drawing/2014/main" id="{2ED8C2F0-0C22-BEC3-E521-904DB3D9386D}"/>
+              </a:ext>
+            </a:extLst>
+          </p:cNvPr>
+          <p:cNvPicPr>
+            <a:picLocks noChangeAspect="1"/>
+          </p:cNvPicPr>
+          <p:nvPr/>
+        </p:nvPicPr>
+        <p:blipFill>
+          <a:blip r:embed="rId2"/>
+          <a:stretch>
+            <a:fillRect/>
+          </a:stretch>
+        </p:blipFill>
+        <p:spPr>
+          <a:xfrm>
+            <a:off x="-18797" y="1268760"/>
+            <a:ext cx="9144000" cy="4626645"/>
+          </a:xfrm>
+          <a:prstGeom prst="rect">
+            <a:avLst/>
+          </a:prstGeom>
+        </p:spPr>
+      </p:pic>
+    </p:spTree>
+    <p:extLst>
+      <p:ext uri="{BB962C8B-B14F-4D97-AF65-F5344CB8AC3E}">
+        <p14:creationId xmlns:p14="http://schemas.microsoft.com/office/powerpoint/2010/main" val="3868093827"/>
+      </p:ext>
+    </p:extLst>
+  </p:cSld>
+  <p:clrMapOvr>
+    <a:masterClrMapping/>
+  </p:clrMapOvr>
+</p:sld>
+</file>
+
+<file path=ppt/slides/slide16.xml><?xml version="1.0" encoding="utf-8"?>
+<p:sld xmlns:a="http://schemas.openxmlformats.org/drawingml/2006/main" xmlns:r="http://schemas.openxmlformats.org/officeDocument/2006/relationships" xmlns:p="http://schemas.openxmlformats.org/presentationml/2006/main">
+  <p:cSld>
+    <p:spTree>
+      <p:nvGrpSpPr>
+        <p:cNvPr id="1" name=""/>
+        <p:cNvGrpSpPr/>
+        <p:nvPr/>
+      </p:nvGrpSpPr>
+      <p:grpSpPr>
+        <a:xfrm>
+          <a:off x="0" y="0"/>
+          <a:ext cx="0" cy="0"/>
+          <a:chOff x="0" y="0"/>
+          <a:chExt cx="0" cy="0"/>
+        </a:xfrm>
+      </p:grpSpPr>
+      <p:sp>
+        <p:nvSpPr>
+          <p:cNvPr id="2" name="Title 1"/>
+          <p:cNvSpPr>
+            <a:spLocks noGrp="1"/>
+          </p:cNvSpPr>
+          <p:nvPr>
+            <p:ph type="title"/>
+          </p:nvPr>
+        </p:nvSpPr>
+        <p:spPr/>
+        <p:txBody>
+          <a:bodyPr/>
+          <a:lstStyle/>
+          <a:p>
+            <a:r>
+              <a:rPr lang="fr-BE" dirty="0"/>
+              <a:t>2.2 Non </a:t>
+            </a:r>
+            <a:r>
+              <a:rPr lang="fr-BE" dirty="0" err="1"/>
+              <a:t>decomposable</a:t>
+            </a:r>
+            <a:r>
+              <a:rPr lang="fr-BE" dirty="0"/>
+              <a:t> </a:t>
+            </a:r>
+            <a:r>
+              <a:rPr lang="fr-BE" dirty="0" err="1"/>
+              <a:t>models</a:t>
+            </a:r>
+            <a:endParaRPr lang="fr-BE" dirty="0"/>
+          </a:p>
+        </p:txBody>
+      </p:sp>
+      <p:sp>
+        <p:nvSpPr>
+          <p:cNvPr id="3" name="Content Placeholder 2"/>
+          <p:cNvSpPr>
+            <a:spLocks noGrp="1"/>
+          </p:cNvSpPr>
+          <p:nvPr>
+            <p:ph idx="1"/>
+          </p:nvPr>
+        </p:nvSpPr>
+        <p:spPr/>
+        <p:txBody>
+          <a:bodyPr/>
+          <a:lstStyle/>
+          <a:p>
+            <a:r>
+              <a:rPr lang="en-GB" dirty="0"/>
+              <a:t>Some models are not decomposable (often due to complex models)</a:t>
+            </a:r>
+          </a:p>
+          <a:p>
+            <a:pPr lvl="1"/>
+            <a:r>
+              <a:rPr lang="en-GB" dirty="0"/>
+              <a:t>Best solution: change yourself the model (→airline) </a:t>
+            </a:r>
+          </a:p>
+          <a:p>
+            <a:pPr lvl="1"/>
+            <a:r>
+              <a:rPr lang="en-GB" dirty="0"/>
+              <a:t>Otherwise:</a:t>
+            </a:r>
+          </a:p>
+          <a:p>
+            <a:pPr lvl="2"/>
+            <a:r>
+              <a:rPr lang="en-GB" dirty="0"/>
+              <a:t>Legacy: Seats search for another SARIMA model, as similar as possible to the original model</a:t>
+            </a:r>
+          </a:p>
+          <a:p>
+            <a:pPr lvl="2"/>
+            <a:r>
+              <a:rPr lang="en-GB" dirty="0"/>
+              <a:t>Noisy: Seats add noise in the initial model (→ I = </a:t>
+            </a:r>
+            <a:r>
+              <a:rPr lang="en-GB" dirty="0" err="1"/>
+              <a:t>Tr</a:t>
+            </a:r>
+            <a:r>
+              <a:rPr lang="en-GB" dirty="0"/>
+              <a:t>[= 0])</a:t>
+            </a:r>
+          </a:p>
+        </p:txBody>
+      </p:sp>
+      <p:sp>
+        <p:nvSpPr>
+          <p:cNvPr id="4" name="Date Placeholder 3"/>
+          <p:cNvSpPr>
+            <a:spLocks noGrp="1"/>
+          </p:cNvSpPr>
+          <p:nvPr>
+            <p:ph type="dt" sz="half" idx="10"/>
+          </p:nvPr>
+        </p:nvSpPr>
+        <p:spPr/>
+        <p:txBody>
+          <a:bodyPr/>
+          <a:lstStyle/>
+          <a:p>
+            <a:r>
+              <a:rPr lang="fr-FR"/>
+              <a:t>17-19/10/2023</a:t>
+            </a:r>
+            <a:endParaRPr lang="fr-BE"/>
+          </a:p>
+        </p:txBody>
+      </p:sp>
+      <p:sp>
+        <p:nvSpPr>
+          <p:cNvPr id="5" name="Footer Placeholder 4"/>
+          <p:cNvSpPr>
+            <a:spLocks noGrp="1"/>
+          </p:cNvSpPr>
+          <p:nvPr>
+            <p:ph type="ftr" sz="quarter" idx="11"/>
+          </p:nvPr>
+        </p:nvSpPr>
+        <p:spPr/>
+        <p:txBody>
+          <a:bodyPr/>
+          <a:lstStyle/>
+          <a:p>
+            <a:r>
+              <a:rPr lang="en-GB"/>
+              <a:t>CONTRACTORS ORGANISING SOME OF THE COURSES ARE ACTING UNDER A FRAMEWORK CONTRACT CONCLUDED WITH THE COMMISSION</a:t>
+            </a:r>
+            <a:endParaRPr lang="fr-BE"/>
+          </a:p>
+        </p:txBody>
+      </p:sp>
+      <p:sp>
+        <p:nvSpPr>
+          <p:cNvPr id="6" name="Slide Number Placeholder 5"/>
+          <p:cNvSpPr>
+            <a:spLocks noGrp="1"/>
+          </p:cNvSpPr>
+          <p:nvPr>
+            <p:ph type="sldNum" sz="quarter" idx="12"/>
+          </p:nvPr>
+        </p:nvSpPr>
+        <p:spPr/>
+        <p:txBody>
+          <a:bodyPr/>
+          <a:lstStyle/>
+          <a:p>
+            <a:fld id="{F12E9969-9346-4095-A7C3-836AAB82C09A}" type="slidenum">
+              <a:rPr lang="fr-BE" smtClean="0"/>
+              <a:t>16</a:t>
+            </a:fld>
+            <a:endParaRPr lang="fr-BE"/>
+          </a:p>
+        </p:txBody>
+      </p:sp>
+    </p:spTree>
+    <p:extLst>
+      <p:ext uri="{BB962C8B-B14F-4D97-AF65-F5344CB8AC3E}">
+        <p14:creationId xmlns:p14="http://schemas.microsoft.com/office/powerpoint/2010/main" val="4239624760"/>
+      </p:ext>
+    </p:extLst>
+  </p:cSld>
+  <p:clrMapOvr>
+    <a:masterClrMapping/>
+  </p:clrMapOvr>
+</p:sld>
+</file>
+
+<file path=ppt/slides/slide17.xml><?xml version="1.0" encoding="utf-8"?>
+<p:sld xmlns:a="http://schemas.openxmlformats.org/drawingml/2006/main" xmlns:r="http://schemas.openxmlformats.org/officeDocument/2006/relationships" xmlns:p="http://schemas.openxmlformats.org/presentationml/2006/main">
+  <p:cSld>
+    <p:spTree>
+      <p:nvGrpSpPr>
+        <p:cNvPr id="1" name=""/>
+        <p:cNvGrpSpPr/>
+        <p:nvPr/>
+      </p:nvGrpSpPr>
+      <p:grpSpPr>
+        <a:xfrm>
+          <a:off x="0" y="0"/>
+          <a:ext cx="0" cy="0"/>
+          <a:chOff x="0" y="0"/>
+          <a:chExt cx="0" cy="0"/>
+        </a:xfrm>
+      </p:grpSpPr>
+      <p:sp>
+        <p:nvSpPr>
+          <p:cNvPr id="2" name="Title 1"/>
+          <p:cNvSpPr>
+            <a:spLocks noGrp="1"/>
+          </p:cNvSpPr>
+          <p:nvPr>
+            <p:ph type="title"/>
+          </p:nvPr>
+        </p:nvSpPr>
+        <p:spPr/>
+        <p:txBody>
+          <a:bodyPr/>
+          <a:lstStyle/>
+          <a:p>
+            <a:r>
+              <a:rPr lang="fr-BE" dirty="0"/>
+              <a:t>4. SEATS in JD+</a:t>
+            </a:r>
+          </a:p>
+        </p:txBody>
+      </p:sp>
+      <p:sp>
+        <p:nvSpPr>
+          <p:cNvPr id="4" name="Date Placeholder 3"/>
+          <p:cNvSpPr>
+            <a:spLocks noGrp="1"/>
+          </p:cNvSpPr>
+          <p:nvPr>
+            <p:ph type="dt" sz="half" idx="10"/>
+          </p:nvPr>
+        </p:nvSpPr>
+        <p:spPr/>
+        <p:txBody>
+          <a:bodyPr/>
+          <a:lstStyle/>
+          <a:p>
+            <a:r>
+              <a:rPr lang="fr-FR"/>
+              <a:t>17-19/10/2023</a:t>
+            </a:r>
+            <a:endParaRPr lang="fr-BE"/>
+          </a:p>
+        </p:txBody>
+      </p:sp>
+      <p:sp>
+        <p:nvSpPr>
+          <p:cNvPr id="5" name="Footer Placeholder 4"/>
+          <p:cNvSpPr>
+            <a:spLocks noGrp="1"/>
+          </p:cNvSpPr>
+          <p:nvPr>
+            <p:ph type="ftr" sz="quarter" idx="11"/>
+          </p:nvPr>
+        </p:nvSpPr>
+        <p:spPr/>
+        <p:txBody>
+          <a:bodyPr/>
+          <a:lstStyle/>
+          <a:p>
+            <a:r>
+              <a:rPr lang="en-GB"/>
+              <a:t>CONTRACTORS ORGANISING SOME OF THE COURSES ARE ACTING UNDER A FRAMEWORK CONTRACT CONCLUDED WITH THE COMMISSION</a:t>
+            </a:r>
+            <a:endParaRPr lang="fr-BE"/>
+          </a:p>
+        </p:txBody>
+      </p:sp>
+      <p:sp>
+        <p:nvSpPr>
+          <p:cNvPr id="6" name="Slide Number Placeholder 5"/>
+          <p:cNvSpPr>
+            <a:spLocks noGrp="1"/>
+          </p:cNvSpPr>
+          <p:nvPr>
+            <p:ph type="sldNum" sz="quarter" idx="12"/>
+          </p:nvPr>
+        </p:nvSpPr>
+        <p:spPr/>
+        <p:txBody>
+          <a:bodyPr/>
+          <a:lstStyle/>
+          <a:p>
+            <a:fld id="{F12E9969-9346-4095-A7C3-836AAB82C09A}" type="slidenum">
+              <a:rPr lang="fr-BE" smtClean="0"/>
+              <a:t>17</a:t>
             </a:fld>
             <a:endParaRPr lang="fr-BE"/>
           </a:p>
@@ -6989,7 +8738,7 @@
 </p:sld>
 </file>
 
-<file path=ppt/slides/slide14.xml><?xml version="1.0" encoding="utf-8"?>
+<file path=ppt/slides/slide18.xml><?xml version="1.0" encoding="utf-8"?>
 <p:sld xmlns:a="http://schemas.openxmlformats.org/drawingml/2006/main" xmlns:r="http://schemas.openxmlformats.org/officeDocument/2006/relationships" xmlns:p="http://schemas.openxmlformats.org/presentationml/2006/main">
   <p:cSld>
     <p:spTree>
@@ -7201,7 +8950,7 @@
           <a:p>
             <a:fld id="{F12E9969-9346-4095-A7C3-836AAB82C09A}" type="slidenum">
               <a:rPr lang="fr-BE" smtClean="0"/>
-              <a:t>14</a:t>
+              <a:t>18</a:t>
             </a:fld>
             <a:endParaRPr lang="fr-BE"/>
           </a:p>
@@ -7220,7 +8969,7 @@
 </p:sld>
 </file>
 
-<file path=ppt/slides/slide15.xml><?xml version="1.0" encoding="utf-8"?>
+<file path=ppt/slides/slide19.xml><?xml version="1.0" encoding="utf-8"?>
 <p:sld xmlns:a="http://schemas.openxmlformats.org/drawingml/2006/main" xmlns:r="http://schemas.openxmlformats.org/officeDocument/2006/relationships" xmlns:p="http://schemas.openxmlformats.org/presentationml/2006/main">
   <p:cSld>
     <p:spTree>
@@ -7480,7 +9229,7 @@
           <a:p>
             <a:fld id="{F12E9969-9346-4095-A7C3-836AAB82C09A}" type="slidenum">
               <a:rPr lang="fr-BE" smtClean="0"/>
-              <a:t>15</a:t>
+              <a:t>19</a:t>
             </a:fld>
             <a:endParaRPr lang="fr-BE"/>
           </a:p>
@@ -7534,7 +9283,7 @@
 </p:sld>
 </file>
 
-<file path=ppt/slides/slide16.xml><?xml version="1.0" encoding="utf-8"?>
+<file path=ppt/slides/slide2.xml><?xml version="1.0" encoding="utf-8"?>
 <p:sld xmlns:a="http://schemas.openxmlformats.org/drawingml/2006/main" xmlns:r="http://schemas.openxmlformats.org/officeDocument/2006/relationships" xmlns:p="http://schemas.openxmlformats.org/presentationml/2006/main">
   <p:cSld>
     <p:spTree>
@@ -7553,6 +9302,244 @@
       </p:grpSpPr>
       <p:sp>
         <p:nvSpPr>
+          <p:cNvPr id="2" name="Title 1">
+            <a:extLst>
+              <a:ext uri="{FF2B5EF4-FFF2-40B4-BE49-F238E27FC236}">
+                <a16:creationId xmlns:a16="http://schemas.microsoft.com/office/drawing/2014/main" id="{6F05B4D6-BD49-28BA-B570-742D03DE7C43}"/>
+              </a:ext>
+            </a:extLst>
+          </p:cNvPr>
+          <p:cNvSpPr>
+            <a:spLocks noGrp="1"/>
+          </p:cNvSpPr>
+          <p:nvPr>
+            <p:ph type="title"/>
+          </p:nvPr>
+        </p:nvSpPr>
+        <p:spPr/>
+        <p:txBody>
+          <a:bodyPr/>
+          <a:lstStyle/>
+          <a:p>
+            <a:r>
+              <a:rPr lang="fr-BE" dirty="0"/>
+              <a:t>0. </a:t>
+            </a:r>
+            <a:r>
+              <a:rPr lang="fr-BE" dirty="0" err="1"/>
+              <a:t>Outline</a:t>
+            </a:r>
+            <a:endParaRPr lang="fr-BE" dirty="0"/>
+          </a:p>
+        </p:txBody>
+      </p:sp>
+      <p:sp>
+        <p:nvSpPr>
+          <p:cNvPr id="3" name="Content Placeholder 2">
+            <a:extLst>
+              <a:ext uri="{FF2B5EF4-FFF2-40B4-BE49-F238E27FC236}">
+                <a16:creationId xmlns:a16="http://schemas.microsoft.com/office/drawing/2014/main" id="{BFF2A1C7-B8A7-F246-DD55-FBE3919FBA14}"/>
+              </a:ext>
+            </a:extLst>
+          </p:cNvPr>
+          <p:cNvSpPr>
+            <a:spLocks noGrp="1"/>
+          </p:cNvSpPr>
+          <p:nvPr>
+            <p:ph idx="1"/>
+          </p:nvPr>
+        </p:nvSpPr>
+        <p:spPr/>
+        <p:txBody>
+          <a:bodyPr/>
+          <a:lstStyle/>
+          <a:p>
+            <a:r>
+              <a:rPr lang="fr-BE" dirty="0" err="1"/>
+              <a:t>Unobserved</a:t>
+            </a:r>
+            <a:r>
+              <a:rPr lang="fr-BE" dirty="0"/>
+              <a:t> component </a:t>
+            </a:r>
+            <a:r>
+              <a:rPr lang="fr-BE" dirty="0" err="1"/>
+              <a:t>models</a:t>
+            </a:r>
+            <a:endParaRPr lang="fr-BE" dirty="0"/>
+          </a:p>
+          <a:p>
+            <a:pPr lvl="1"/>
+            <a:r>
+              <a:rPr lang="fr-BE" dirty="0"/>
+              <a:t>STS, AMB, estimation</a:t>
+            </a:r>
+          </a:p>
+          <a:p>
+            <a:r>
+              <a:rPr lang="fr-BE" dirty="0"/>
+              <a:t>SEATS </a:t>
+            </a:r>
+            <a:r>
+              <a:rPr lang="fr-BE" dirty="0" err="1"/>
+              <a:t>algorithm</a:t>
+            </a:r>
+            <a:endParaRPr lang="fr-BE" dirty="0"/>
+          </a:p>
+          <a:p>
+            <a:pPr lvl="1"/>
+            <a:r>
+              <a:rPr lang="fr-BE" dirty="0"/>
+              <a:t>Description, non </a:t>
+            </a:r>
+            <a:r>
+              <a:rPr lang="fr-BE" dirty="0" err="1"/>
+              <a:t>decomposable</a:t>
+            </a:r>
+            <a:r>
+              <a:rPr lang="fr-BE" dirty="0"/>
+              <a:t> </a:t>
+            </a:r>
+            <a:r>
+              <a:rPr lang="fr-BE" dirty="0" err="1"/>
+              <a:t>models</a:t>
+            </a:r>
+            <a:r>
+              <a:rPr lang="fr-BE" dirty="0"/>
+              <a:t>, SEATS in JD+</a:t>
+            </a:r>
+          </a:p>
+          <a:p>
+            <a:r>
+              <a:rPr lang="fr-BE" dirty="0" err="1"/>
+              <a:t>Analysis</a:t>
+            </a:r>
+            <a:endParaRPr lang="fr-BE" dirty="0"/>
+          </a:p>
+          <a:p>
+            <a:endParaRPr lang="fr-BE" dirty="0"/>
+          </a:p>
+        </p:txBody>
+      </p:sp>
+      <p:sp>
+        <p:nvSpPr>
+          <p:cNvPr id="4" name="Date Placeholder 3">
+            <a:extLst>
+              <a:ext uri="{FF2B5EF4-FFF2-40B4-BE49-F238E27FC236}">
+                <a16:creationId xmlns:a16="http://schemas.microsoft.com/office/drawing/2014/main" id="{2669FBAD-B635-C891-CF2A-3457CCE77AA3}"/>
+              </a:ext>
+            </a:extLst>
+          </p:cNvPr>
+          <p:cNvSpPr>
+            <a:spLocks noGrp="1"/>
+          </p:cNvSpPr>
+          <p:nvPr>
+            <p:ph type="dt" sz="half" idx="10"/>
+          </p:nvPr>
+        </p:nvSpPr>
+        <p:spPr/>
+        <p:txBody>
+          <a:bodyPr/>
+          <a:lstStyle/>
+          <a:p>
+            <a:r>
+              <a:rPr lang="fr-FR"/>
+              <a:t>17-19/10/2023</a:t>
+            </a:r>
+            <a:endParaRPr lang="fr-BE"/>
+          </a:p>
+        </p:txBody>
+      </p:sp>
+      <p:sp>
+        <p:nvSpPr>
+          <p:cNvPr id="5" name="Footer Placeholder 4">
+            <a:extLst>
+              <a:ext uri="{FF2B5EF4-FFF2-40B4-BE49-F238E27FC236}">
+                <a16:creationId xmlns:a16="http://schemas.microsoft.com/office/drawing/2014/main" id="{A36C03FE-6836-C279-9389-A9532A31DB45}"/>
+              </a:ext>
+            </a:extLst>
+          </p:cNvPr>
+          <p:cNvSpPr>
+            <a:spLocks noGrp="1"/>
+          </p:cNvSpPr>
+          <p:nvPr>
+            <p:ph type="ftr" sz="quarter" idx="11"/>
+          </p:nvPr>
+        </p:nvSpPr>
+        <p:spPr/>
+        <p:txBody>
+          <a:bodyPr/>
+          <a:lstStyle/>
+          <a:p>
+            <a:r>
+              <a:rPr lang="en-GB"/>
+              <a:t>CONTRACTORS ORGANISING SOME OF THE COURSES ARE ACTING UNDER A FRAMEWORK CONTRACT CONCLUDED WITH THE COMMISSION</a:t>
+            </a:r>
+            <a:endParaRPr lang="fr-BE"/>
+          </a:p>
+        </p:txBody>
+      </p:sp>
+      <p:sp>
+        <p:nvSpPr>
+          <p:cNvPr id="6" name="Slide Number Placeholder 5">
+            <a:extLst>
+              <a:ext uri="{FF2B5EF4-FFF2-40B4-BE49-F238E27FC236}">
+                <a16:creationId xmlns:a16="http://schemas.microsoft.com/office/drawing/2014/main" id="{AA56090C-9C88-CB17-62D5-03FB12FC3E0E}"/>
+              </a:ext>
+            </a:extLst>
+          </p:cNvPr>
+          <p:cNvSpPr>
+            <a:spLocks noGrp="1"/>
+          </p:cNvSpPr>
+          <p:nvPr>
+            <p:ph type="sldNum" sz="quarter" idx="12"/>
+          </p:nvPr>
+        </p:nvSpPr>
+        <p:spPr/>
+        <p:txBody>
+          <a:bodyPr/>
+          <a:lstStyle/>
+          <a:p>
+            <a:fld id="{F12E9969-9346-4095-A7C3-836AAB82C09A}" type="slidenum">
+              <a:rPr lang="fr-BE" smtClean="0"/>
+              <a:t>2</a:t>
+            </a:fld>
+            <a:endParaRPr lang="fr-BE"/>
+          </a:p>
+        </p:txBody>
+      </p:sp>
+    </p:spTree>
+    <p:extLst>
+      <p:ext uri="{BB962C8B-B14F-4D97-AF65-F5344CB8AC3E}">
+        <p14:creationId xmlns:p14="http://schemas.microsoft.com/office/powerpoint/2010/main" val="2303403916"/>
+      </p:ext>
+    </p:extLst>
+  </p:cSld>
+  <p:clrMapOvr>
+    <a:masterClrMapping/>
+  </p:clrMapOvr>
+</p:sld>
+</file>
+
+<file path=ppt/slides/slide20.xml><?xml version="1.0" encoding="utf-8"?>
+<p:sld xmlns:a="http://schemas.openxmlformats.org/drawingml/2006/main" xmlns:r="http://schemas.openxmlformats.org/officeDocument/2006/relationships" xmlns:p="http://schemas.openxmlformats.org/presentationml/2006/main">
+  <p:cSld>
+    <p:spTree>
+      <p:nvGrpSpPr>
+        <p:cNvPr id="1" name=""/>
+        <p:cNvGrpSpPr/>
+        <p:nvPr/>
+      </p:nvGrpSpPr>
+      <p:grpSpPr>
+        <a:xfrm>
+          <a:off x="0" y="0"/>
+          <a:ext cx="0" cy="0"/>
+          <a:chOff x="0" y="0"/>
+          <a:chExt cx="0" cy="0"/>
+        </a:xfrm>
+      </p:grpSpPr>
+      <p:sp>
+        <p:nvSpPr>
           <p:cNvPr id="2" name="Title 1"/>
           <p:cNvSpPr>
             <a:spLocks noGrp="1"/>
@@ -7646,7 +9633,7 @@
           <a:p>
             <a:fld id="{F12E9969-9346-4095-A7C3-836AAB82C09A}" type="slidenum">
               <a:rPr lang="fr-BE" smtClean="0"/>
-              <a:t>16</a:t>
+              <a:t>20</a:t>
             </a:fld>
             <a:endParaRPr lang="fr-BE"/>
           </a:p>
@@ -8307,7 +10294,7 @@
 </p:sld>
 </file>
 
-<file path=ppt/slides/slide17.xml><?xml version="1.0" encoding="utf-8"?>
+<file path=ppt/slides/slide21.xml><?xml version="1.0" encoding="utf-8"?>
 <p:sld xmlns:a="http://schemas.openxmlformats.org/drawingml/2006/main" xmlns:r="http://schemas.openxmlformats.org/officeDocument/2006/relationships" xmlns:p="http://schemas.openxmlformats.org/presentationml/2006/main">
   <p:cSld>
     <p:spTree>
@@ -8419,7 +10406,7 @@
           <a:p>
             <a:fld id="{F12E9969-9346-4095-A7C3-836AAB82C09A}" type="slidenum">
               <a:rPr lang="fr-BE" smtClean="0"/>
-              <a:t>17</a:t>
+              <a:t>21</a:t>
             </a:fld>
             <a:endParaRPr lang="fr-BE"/>
           </a:p>
@@ -8990,7 +10977,7 @@
 </p:sld>
 </file>
 
-<file path=ppt/slides/slide18.xml><?xml version="1.0" encoding="utf-8"?>
+<file path=ppt/slides/slide22.xml><?xml version="1.0" encoding="utf-8"?>
 <p:sld xmlns:a="http://schemas.openxmlformats.org/drawingml/2006/main" xmlns:r="http://schemas.openxmlformats.org/officeDocument/2006/relationships" xmlns:p="http://schemas.openxmlformats.org/presentationml/2006/main">
   <p:cSld>
     <p:spTree>
@@ -9070,7 +11057,7 @@
           <a:p>
             <a:fld id="{F12E9969-9346-4095-A7C3-836AAB82C09A}" type="slidenum">
               <a:rPr lang="fr-BE" smtClean="0"/>
-              <a:t>18</a:t>
+              <a:t>22</a:t>
             </a:fld>
             <a:endParaRPr lang="fr-BE"/>
           </a:p>
@@ -9581,7 +11568,7 @@
 </p:sld>
 </file>
 
-<file path=ppt/slides/slide19.xml><?xml version="1.0" encoding="utf-8"?>
+<file path=ppt/slides/slide23.xml><?xml version="1.0" encoding="utf-8"?>
 <p:sld xmlns:a="http://schemas.openxmlformats.org/drawingml/2006/main" xmlns:r="http://schemas.openxmlformats.org/officeDocument/2006/relationships" xmlns:p="http://schemas.openxmlformats.org/presentationml/2006/main">
   <p:cSld>
     <p:spTree>
@@ -9737,7 +11724,7 @@
           <a:p>
             <a:fld id="{F12E9969-9346-4095-A7C3-836AAB82C09A}" type="slidenum">
               <a:rPr lang="fr-BE" smtClean="0"/>
-              <a:t>19</a:t>
+              <a:t>23</a:t>
             </a:fld>
             <a:endParaRPr lang="fr-BE"/>
           </a:p>
@@ -9756,245 +11743,7 @@
 </p:sld>
 </file>
 
-<file path=ppt/slides/slide2.xml><?xml version="1.0" encoding="utf-8"?>
-<p:sld xmlns:a="http://schemas.openxmlformats.org/drawingml/2006/main" xmlns:r="http://schemas.openxmlformats.org/officeDocument/2006/relationships" xmlns:p="http://schemas.openxmlformats.org/presentationml/2006/main">
-  <p:cSld>
-    <p:spTree>
-      <p:nvGrpSpPr>
-        <p:cNvPr id="1" name=""/>
-        <p:cNvGrpSpPr/>
-        <p:nvPr/>
-      </p:nvGrpSpPr>
-      <p:grpSpPr>
-        <a:xfrm>
-          <a:off x="0" y="0"/>
-          <a:ext cx="0" cy="0"/>
-          <a:chOff x="0" y="0"/>
-          <a:chExt cx="0" cy="0"/>
-        </a:xfrm>
-      </p:grpSpPr>
-      <p:sp>
-        <p:nvSpPr>
-          <p:cNvPr id="2" name="Title 1">
-            <a:extLst>
-              <a:ext uri="{FF2B5EF4-FFF2-40B4-BE49-F238E27FC236}">
-                <a16:creationId xmlns:a16="http://schemas.microsoft.com/office/drawing/2014/main" id="{6F05B4D6-BD49-28BA-B570-742D03DE7C43}"/>
-              </a:ext>
-            </a:extLst>
-          </p:cNvPr>
-          <p:cNvSpPr>
-            <a:spLocks noGrp="1"/>
-          </p:cNvSpPr>
-          <p:nvPr>
-            <p:ph type="title"/>
-          </p:nvPr>
-        </p:nvSpPr>
-        <p:spPr/>
-        <p:txBody>
-          <a:bodyPr/>
-          <a:lstStyle/>
-          <a:p>
-            <a:r>
-              <a:rPr lang="fr-BE" dirty="0"/>
-              <a:t>0. </a:t>
-            </a:r>
-            <a:r>
-              <a:rPr lang="fr-BE" dirty="0" err="1"/>
-              <a:t>Outline</a:t>
-            </a:r>
-            <a:endParaRPr lang="fr-BE" dirty="0"/>
-          </a:p>
-        </p:txBody>
-      </p:sp>
-      <p:sp>
-        <p:nvSpPr>
-          <p:cNvPr id="3" name="Content Placeholder 2">
-            <a:extLst>
-              <a:ext uri="{FF2B5EF4-FFF2-40B4-BE49-F238E27FC236}">
-                <a16:creationId xmlns:a16="http://schemas.microsoft.com/office/drawing/2014/main" id="{BFF2A1C7-B8A7-F246-DD55-FBE3919FBA14}"/>
-              </a:ext>
-            </a:extLst>
-          </p:cNvPr>
-          <p:cNvSpPr>
-            <a:spLocks noGrp="1"/>
-          </p:cNvSpPr>
-          <p:nvPr>
-            <p:ph idx="1"/>
-          </p:nvPr>
-        </p:nvSpPr>
-        <p:spPr/>
-        <p:txBody>
-          <a:bodyPr/>
-          <a:lstStyle/>
-          <a:p>
-            <a:r>
-              <a:rPr lang="fr-BE" dirty="0" err="1"/>
-              <a:t>Unobserved</a:t>
-            </a:r>
-            <a:r>
-              <a:rPr lang="fr-BE" dirty="0"/>
-              <a:t> component </a:t>
-            </a:r>
-            <a:r>
-              <a:rPr lang="fr-BE" dirty="0" err="1"/>
-              <a:t>models</a:t>
-            </a:r>
-            <a:endParaRPr lang="fr-BE" dirty="0"/>
-          </a:p>
-          <a:p>
-            <a:pPr lvl="1"/>
-            <a:r>
-              <a:rPr lang="fr-BE" dirty="0"/>
-              <a:t>STS, AMB, estimation</a:t>
-            </a:r>
-          </a:p>
-          <a:p>
-            <a:r>
-              <a:rPr lang="fr-BE" dirty="0"/>
-              <a:t>SEATS </a:t>
-            </a:r>
-            <a:r>
-              <a:rPr lang="fr-BE" dirty="0" err="1"/>
-              <a:t>algorithm</a:t>
-            </a:r>
-            <a:endParaRPr lang="fr-BE" dirty="0"/>
-          </a:p>
-          <a:p>
-            <a:pPr lvl="1"/>
-            <a:r>
-              <a:rPr lang="fr-BE" dirty="0"/>
-              <a:t>Description, non </a:t>
-            </a:r>
-            <a:r>
-              <a:rPr lang="fr-BE" dirty="0" err="1"/>
-              <a:t>decomposable</a:t>
-            </a:r>
-            <a:r>
-              <a:rPr lang="fr-BE" dirty="0"/>
-              <a:t> </a:t>
-            </a:r>
-            <a:r>
-              <a:rPr lang="fr-BE" dirty="0" err="1"/>
-              <a:t>models</a:t>
-            </a:r>
-            <a:r>
-              <a:rPr lang="fr-BE" dirty="0"/>
-              <a:t>, SEATS in JD+</a:t>
-            </a:r>
-          </a:p>
-          <a:p>
-            <a:r>
-              <a:rPr lang="fr-BE" dirty="0" err="1"/>
-              <a:t>Analysis</a:t>
-            </a:r>
-            <a:endParaRPr lang="fr-BE" dirty="0"/>
-          </a:p>
-          <a:p>
-            <a:endParaRPr lang="fr-BE" dirty="0"/>
-          </a:p>
-        </p:txBody>
-      </p:sp>
-      <p:sp>
-        <p:nvSpPr>
-          <p:cNvPr id="4" name="Date Placeholder 3">
-            <a:extLst>
-              <a:ext uri="{FF2B5EF4-FFF2-40B4-BE49-F238E27FC236}">
-                <a16:creationId xmlns:a16="http://schemas.microsoft.com/office/drawing/2014/main" id="{2669FBAD-B635-C891-CF2A-3457CCE77AA3}"/>
-              </a:ext>
-            </a:extLst>
-          </p:cNvPr>
-          <p:cNvSpPr>
-            <a:spLocks noGrp="1"/>
-          </p:cNvSpPr>
-          <p:nvPr>
-            <p:ph type="dt" sz="half" idx="10"/>
-          </p:nvPr>
-        </p:nvSpPr>
-        <p:spPr/>
-        <p:txBody>
-          <a:bodyPr/>
-          <a:lstStyle/>
-          <a:p>
-            <a:r>
-              <a:rPr lang="fr-FR"/>
-              <a:t>17-19/10/2023</a:t>
-            </a:r>
-            <a:endParaRPr lang="fr-BE"/>
-          </a:p>
-        </p:txBody>
-      </p:sp>
-      <p:sp>
-        <p:nvSpPr>
-          <p:cNvPr id="5" name="Footer Placeholder 4">
-            <a:extLst>
-              <a:ext uri="{FF2B5EF4-FFF2-40B4-BE49-F238E27FC236}">
-                <a16:creationId xmlns:a16="http://schemas.microsoft.com/office/drawing/2014/main" id="{A36C03FE-6836-C279-9389-A9532A31DB45}"/>
-              </a:ext>
-            </a:extLst>
-          </p:cNvPr>
-          <p:cNvSpPr>
-            <a:spLocks noGrp="1"/>
-          </p:cNvSpPr>
-          <p:nvPr>
-            <p:ph type="ftr" sz="quarter" idx="11"/>
-          </p:nvPr>
-        </p:nvSpPr>
-        <p:spPr/>
-        <p:txBody>
-          <a:bodyPr/>
-          <a:lstStyle/>
-          <a:p>
-            <a:r>
-              <a:rPr lang="en-GB"/>
-              <a:t>CONTRACTORS ORGANISING SOME OF THE COURSES ARE ACTING UNDER A FRAMEWORK CONTRACT CONCLUDED WITH THE COMMISSION</a:t>
-            </a:r>
-            <a:endParaRPr lang="fr-BE"/>
-          </a:p>
-        </p:txBody>
-      </p:sp>
-      <p:sp>
-        <p:nvSpPr>
-          <p:cNvPr id="6" name="Slide Number Placeholder 5">
-            <a:extLst>
-              <a:ext uri="{FF2B5EF4-FFF2-40B4-BE49-F238E27FC236}">
-                <a16:creationId xmlns:a16="http://schemas.microsoft.com/office/drawing/2014/main" id="{AA56090C-9C88-CB17-62D5-03FB12FC3E0E}"/>
-              </a:ext>
-            </a:extLst>
-          </p:cNvPr>
-          <p:cNvSpPr>
-            <a:spLocks noGrp="1"/>
-          </p:cNvSpPr>
-          <p:nvPr>
-            <p:ph type="sldNum" sz="quarter" idx="12"/>
-          </p:nvPr>
-        </p:nvSpPr>
-        <p:spPr/>
-        <p:txBody>
-          <a:bodyPr/>
-          <a:lstStyle/>
-          <a:p>
-            <a:fld id="{F12E9969-9346-4095-A7C3-836AAB82C09A}" type="slidenum">
-              <a:rPr lang="fr-BE" smtClean="0"/>
-              <a:t>2</a:t>
-            </a:fld>
-            <a:endParaRPr lang="fr-BE"/>
-          </a:p>
-        </p:txBody>
-      </p:sp>
-    </p:spTree>
-    <p:extLst>
-      <p:ext uri="{BB962C8B-B14F-4D97-AF65-F5344CB8AC3E}">
-        <p14:creationId xmlns:p14="http://schemas.microsoft.com/office/powerpoint/2010/main" val="2303403916"/>
-      </p:ext>
-    </p:extLst>
-  </p:cSld>
-  <p:clrMapOvr>
-    <a:masterClrMapping/>
-  </p:clrMapOvr>
-</p:sld>
-</file>
-
-<file path=ppt/slides/slide20.xml><?xml version="1.0" encoding="utf-8"?>
+<file path=ppt/slides/slide24.xml><?xml version="1.0" encoding="utf-8"?>
 <p:sld xmlns:a="http://schemas.openxmlformats.org/drawingml/2006/main" xmlns:r="http://schemas.openxmlformats.org/officeDocument/2006/relationships" xmlns:p="http://schemas.openxmlformats.org/presentationml/2006/main">
   <p:cSld>
     <p:spTree>
@@ -11426,7 +13175,7 @@
           <a:p>
             <a:fld id="{F12E9969-9346-4095-A7C3-836AAB82C09A}" type="slidenum">
               <a:rPr lang="fr-BE" smtClean="0"/>
-              <a:t>20</a:t>
+              <a:t>24</a:t>
             </a:fld>
             <a:endParaRPr lang="fr-BE"/>
           </a:p>
@@ -11445,7 +13194,7 @@
 </p:sld>
 </file>
 
-<file path=ppt/slides/slide21.xml><?xml version="1.0" encoding="utf-8"?>
+<file path=ppt/slides/slide25.xml><?xml version="1.0" encoding="utf-8"?>
 <p:sld xmlns:a="http://schemas.openxmlformats.org/drawingml/2006/main" xmlns:r="http://schemas.openxmlformats.org/officeDocument/2006/relationships" xmlns:p="http://schemas.openxmlformats.org/presentationml/2006/main">
   <p:cSld>
     <p:spTree>
@@ -11705,7 +13454,7 @@
           <a:p>
             <a:fld id="{F12E9969-9346-4095-A7C3-836AAB82C09A}" type="slidenum">
               <a:rPr lang="fr-BE" smtClean="0"/>
-              <a:t>21</a:t>
+              <a:t>25</a:t>
             </a:fld>
             <a:endParaRPr lang="fr-BE"/>
           </a:p>
@@ -17044,89 +18793,13 @@
           <a:p>
             <a:r>
               <a:rPr lang="fr-BE" dirty="0"/>
-              <a:t>1.3 Estimation of the components</a:t>
-            </a:r>
-          </a:p>
-        </p:txBody>
-      </p:sp>
-      <p:sp>
-        <p:nvSpPr>
-          <p:cNvPr id="3" name="Content Placeholder 2"/>
-          <p:cNvSpPr>
-            <a:spLocks noGrp="1"/>
-          </p:cNvSpPr>
-          <p:nvPr>
-            <p:ph idx="1"/>
-          </p:nvPr>
-        </p:nvSpPr>
-        <p:spPr>
-          <a:xfrm>
-            <a:off x="179512" y="1600200"/>
-            <a:ext cx="8507288" cy="4525963"/>
-          </a:xfrm>
-        </p:spPr>
-        <p:txBody>
-          <a:bodyPr>
-            <a:normAutofit/>
-          </a:bodyPr>
-          <a:lstStyle/>
-          <a:p>
-            <a:r>
-              <a:rPr lang="en-GB" dirty="0"/>
-              <a:t>STS and AMB → UCARIMA models</a:t>
-            </a:r>
-          </a:p>
-          <a:p>
-            <a:pPr lvl="1"/>
-            <a:r>
-              <a:rPr lang="en-GB" dirty="0"/>
-              <a:t>Same estimation algorithms </a:t>
-            </a:r>
-          </a:p>
-          <a:p>
-            <a:pPr lvl="1"/>
-            <a:r>
-              <a:rPr lang="en-GB" dirty="0"/>
-              <a:t>Common analysis tools</a:t>
-            </a:r>
-          </a:p>
-          <a:p>
-            <a:r>
-              <a:rPr lang="en-GB" dirty="0"/>
-              <a:t>3 solutions, strictly equivalent (except for SD)</a:t>
-            </a:r>
-          </a:p>
-          <a:p>
-            <a:pPr lvl="1"/>
-            <a:r>
-              <a:rPr lang="en-GB" dirty="0"/>
-              <a:t>Burman algorithm (WK filters): legacy and default solution, fastest</a:t>
-            </a:r>
-          </a:p>
-          <a:p>
-            <a:pPr lvl="1"/>
-            <a:r>
-              <a:rPr lang="en-GB" b="1" dirty="0" err="1"/>
-              <a:t>Kalman</a:t>
-            </a:r>
-            <a:r>
-              <a:rPr lang="en-GB" b="1" dirty="0"/>
-              <a:t> smoother</a:t>
-            </a:r>
-            <a:r>
-              <a:rPr lang="en-GB" dirty="0"/>
-              <a:t>: more stable, exact SD</a:t>
-            </a:r>
-          </a:p>
-          <a:p>
-            <a:pPr lvl="1"/>
-            <a:r>
-              <a:rPr lang="en-GB" dirty="0"/>
-              <a:t>[Matrix computation]: Not available in JD+ 3.x</a:t>
-            </a:r>
-          </a:p>
-          <a:p>
-            <a:endParaRPr lang="en-GB" dirty="0"/>
+              <a:t>2. SEATS </a:t>
+            </a:r>
+            <a:r>
+              <a:rPr lang="fr-BE" dirty="0" err="1"/>
+              <a:t>algorithm</a:t>
+            </a:r>
+            <a:endParaRPr lang="fr-BE" dirty="0"/>
           </a:p>
         </p:txBody>
       </p:sp>
@@ -17194,132 +18867,6 @@
             <a:fld id="{F12E9969-9346-4095-A7C3-836AAB82C09A}" type="slidenum">
               <a:rPr lang="fr-BE" smtClean="0"/>
               <a:t>8</a:t>
-            </a:fld>
-            <a:endParaRPr lang="fr-BE"/>
-          </a:p>
-        </p:txBody>
-      </p:sp>
-    </p:spTree>
-    <p:extLst>
-      <p:ext uri="{BB962C8B-B14F-4D97-AF65-F5344CB8AC3E}">
-        <p14:creationId xmlns:p14="http://schemas.microsoft.com/office/powerpoint/2010/main" val="227588825"/>
-      </p:ext>
-    </p:extLst>
-  </p:cSld>
-  <p:clrMapOvr>
-    <a:masterClrMapping/>
-  </p:clrMapOvr>
-</p:sld>
-</file>
-
-<file path=ppt/slides/slide9.xml><?xml version="1.0" encoding="utf-8"?>
-<p:sld xmlns:a="http://schemas.openxmlformats.org/drawingml/2006/main" xmlns:r="http://schemas.openxmlformats.org/officeDocument/2006/relationships" xmlns:p="http://schemas.openxmlformats.org/presentationml/2006/main">
-  <p:cSld>
-    <p:spTree>
-      <p:nvGrpSpPr>
-        <p:cNvPr id="1" name=""/>
-        <p:cNvGrpSpPr/>
-        <p:nvPr/>
-      </p:nvGrpSpPr>
-      <p:grpSpPr>
-        <a:xfrm>
-          <a:off x="0" y="0"/>
-          <a:ext cx="0" cy="0"/>
-          <a:chOff x="0" y="0"/>
-          <a:chExt cx="0" cy="0"/>
-        </a:xfrm>
-      </p:grpSpPr>
-      <p:sp>
-        <p:nvSpPr>
-          <p:cNvPr id="2" name="Title 1"/>
-          <p:cNvSpPr>
-            <a:spLocks noGrp="1"/>
-          </p:cNvSpPr>
-          <p:nvPr>
-            <p:ph type="title"/>
-          </p:nvPr>
-        </p:nvSpPr>
-        <p:spPr/>
-        <p:txBody>
-          <a:bodyPr/>
-          <a:lstStyle/>
-          <a:p>
-            <a:r>
-              <a:rPr lang="fr-BE" dirty="0"/>
-              <a:t>2. SEATS </a:t>
-            </a:r>
-            <a:r>
-              <a:rPr lang="fr-BE" dirty="0" err="1"/>
-              <a:t>algorithm</a:t>
-            </a:r>
-            <a:endParaRPr lang="fr-BE" dirty="0"/>
-          </a:p>
-        </p:txBody>
-      </p:sp>
-      <p:sp>
-        <p:nvSpPr>
-          <p:cNvPr id="4" name="Date Placeholder 3"/>
-          <p:cNvSpPr>
-            <a:spLocks noGrp="1"/>
-          </p:cNvSpPr>
-          <p:nvPr>
-            <p:ph type="dt" sz="half" idx="10"/>
-          </p:nvPr>
-        </p:nvSpPr>
-        <p:spPr/>
-        <p:txBody>
-          <a:bodyPr/>
-          <a:lstStyle/>
-          <a:p>
-            <a:r>
-              <a:rPr lang="fr-FR"/>
-              <a:t>17-19/10/2023</a:t>
-            </a:r>
-            <a:endParaRPr lang="fr-BE"/>
-          </a:p>
-        </p:txBody>
-      </p:sp>
-      <p:sp>
-        <p:nvSpPr>
-          <p:cNvPr id="5" name="Footer Placeholder 4"/>
-          <p:cNvSpPr>
-            <a:spLocks noGrp="1"/>
-          </p:cNvSpPr>
-          <p:nvPr>
-            <p:ph type="ftr" sz="quarter" idx="11"/>
-          </p:nvPr>
-        </p:nvSpPr>
-        <p:spPr/>
-        <p:txBody>
-          <a:bodyPr/>
-          <a:lstStyle/>
-          <a:p>
-            <a:r>
-              <a:rPr lang="en-GB"/>
-              <a:t>CONTRACTORS ORGANISING SOME OF THE COURSES ARE ACTING UNDER A FRAMEWORK CONTRACT CONCLUDED WITH THE COMMISSION</a:t>
-            </a:r>
-            <a:endParaRPr lang="fr-BE"/>
-          </a:p>
-        </p:txBody>
-      </p:sp>
-      <p:sp>
-        <p:nvSpPr>
-          <p:cNvPr id="6" name="Slide Number Placeholder 5"/>
-          <p:cNvSpPr>
-            <a:spLocks noGrp="1"/>
-          </p:cNvSpPr>
-          <p:nvPr>
-            <p:ph type="sldNum" sz="quarter" idx="12"/>
-          </p:nvPr>
-        </p:nvSpPr>
-        <p:spPr/>
-        <p:txBody>
-          <a:bodyPr/>
-          <a:lstStyle/>
-          <a:p>
-            <a:fld id="{F12E9969-9346-4095-A7C3-836AAB82C09A}" type="slidenum">
-              <a:rPr lang="fr-BE" smtClean="0"/>
-              <a:t>9</a:t>
             </a:fld>
             <a:endParaRPr lang="fr-BE"/>
           </a:p>
@@ -19083,6 +20630,1081 @@
     <p:extLst>
       <p:ext uri="{BB962C8B-B14F-4D97-AF65-F5344CB8AC3E}">
         <p14:creationId xmlns:p14="http://schemas.microsoft.com/office/powerpoint/2010/main" val="56324129"/>
+      </p:ext>
+    </p:extLst>
+  </p:cSld>
+  <p:clrMapOvr>
+    <a:masterClrMapping/>
+  </p:clrMapOvr>
+</p:sld>
+</file>
+
+<file path=ppt/slides/slide9.xml><?xml version="1.0" encoding="utf-8"?>
+<p:sld xmlns:a="http://schemas.openxmlformats.org/drawingml/2006/main" xmlns:r="http://schemas.openxmlformats.org/officeDocument/2006/relationships" xmlns:p="http://schemas.openxmlformats.org/presentationml/2006/main">
+  <p:cSld>
+    <p:spTree>
+      <p:nvGrpSpPr>
+        <p:cNvPr id="1" name=""/>
+        <p:cNvGrpSpPr/>
+        <p:nvPr/>
+      </p:nvGrpSpPr>
+      <p:grpSpPr>
+        <a:xfrm>
+          <a:off x="0" y="0"/>
+          <a:ext cx="0" cy="0"/>
+          <a:chOff x="0" y="0"/>
+          <a:chExt cx="0" cy="0"/>
+        </a:xfrm>
+      </p:grpSpPr>
+      <p:sp>
+        <p:nvSpPr>
+          <p:cNvPr id="2" name="Title 1"/>
+          <p:cNvSpPr>
+            <a:spLocks noGrp="1"/>
+          </p:cNvSpPr>
+          <p:nvPr>
+            <p:ph type="title"/>
+          </p:nvPr>
+        </p:nvSpPr>
+        <p:spPr/>
+        <p:txBody>
+          <a:bodyPr/>
+          <a:lstStyle/>
+          <a:p>
+            <a:r>
+              <a:rPr lang="fr-BE" dirty="0"/>
+              <a:t>2.1 SEATS </a:t>
+            </a:r>
+            <a:r>
+              <a:rPr lang="fr-BE" dirty="0" err="1"/>
+              <a:t>Algorithm</a:t>
+            </a:r>
+            <a:r>
+              <a:rPr lang="fr-BE" dirty="0"/>
+              <a:t>. Details (I)</a:t>
+            </a:r>
+          </a:p>
+        </p:txBody>
+      </p:sp>
+      <mc:AlternateContent xmlns:mc="http://schemas.openxmlformats.org/markup-compatibility/2006" xmlns:a14="http://schemas.microsoft.com/office/drawing/2010/main">
+        <mc:Choice Requires="a14">
+          <p:sp>
+            <p:nvSpPr>
+              <p:cNvPr id="3" name="Content Placeholder 2"/>
+              <p:cNvSpPr>
+                <a:spLocks noGrp="1"/>
+              </p:cNvSpPr>
+              <p:nvPr>
+                <p:ph idx="1"/>
+              </p:nvPr>
+            </p:nvSpPr>
+            <p:spPr/>
+            <p:txBody>
+              <a:bodyPr>
+                <a:normAutofit fontScale="92500" lnSpcReduction="20000"/>
+              </a:bodyPr>
+              <a:lstStyle/>
+              <a:p>
+                <a:r>
+                  <a:rPr lang="fr-BE" dirty="0"/>
+                  <a:t>ARIMA: </a:t>
+                </a:r>
+                <a14:m>
+                  <m:oMath xmlns:m="http://schemas.openxmlformats.org/officeDocument/2006/math">
+                    <m:r>
+                      <a:rPr lang="fr-BE" b="0" i="0" smtClean="0">
+                        <a:latin typeface="Cambria Math" panose="02040503050406030204" pitchFamily="18" charset="0"/>
+                        <a:ea typeface="Cambria Math"/>
+                      </a:rPr>
+                      <m:t> </m:t>
+                    </m:r>
+                  </m:oMath>
+                </a14:m>
+                <a:endParaRPr lang="fr-BE" b="0" i="0" dirty="0">
+                  <a:latin typeface="Cambria Math" panose="02040503050406030204" pitchFamily="18" charset="0"/>
+                  <a:ea typeface="Cambria Math"/>
+                </a:endParaRPr>
+              </a:p>
+              <a:p>
+                <a:pPr marL="0" indent="0">
+                  <a:buNone/>
+                </a:pPr>
+                <a14:m>
+                  <m:oMathPara xmlns:m="http://schemas.openxmlformats.org/officeDocument/2006/math">
+                    <m:oMathParaPr>
+                      <m:jc m:val="centerGroup"/>
+                    </m:oMathParaPr>
+                    <m:oMath xmlns:m="http://schemas.openxmlformats.org/officeDocument/2006/math">
+                      <m:r>
+                        <m:rPr>
+                          <m:sty m:val="p"/>
+                        </m:rPr>
+                        <a:rPr lang="el-GR" sz="2400" i="1" smtClean="0">
+                          <a:latin typeface="Cambria Math" panose="02040503050406030204" pitchFamily="18" charset="0"/>
+                          <a:ea typeface="Cambria Math" panose="02040503050406030204" pitchFamily="18" charset="0"/>
+                        </a:rPr>
+                        <m:t>Φ</m:t>
+                      </m:r>
+                      <m:d>
+                        <m:dPr>
+                          <m:ctrlPr>
+                            <a:rPr lang="fr-BE" sz="2400" i="1" smtClean="0">
+                              <a:latin typeface="Cambria Math" panose="02040503050406030204" pitchFamily="18" charset="0"/>
+                              <a:ea typeface="Cambria Math"/>
+                            </a:rPr>
+                          </m:ctrlPr>
+                        </m:dPr>
+                        <m:e>
+                          <m:r>
+                            <a:rPr lang="fr-BE" sz="2400" b="0" i="1" smtClean="0">
+                              <a:latin typeface="Cambria Math"/>
+                              <a:ea typeface="Cambria Math"/>
+                            </a:rPr>
+                            <m:t>𝐵</m:t>
+                          </m:r>
+                        </m:e>
+                      </m:d>
+                      <m:r>
+                        <m:rPr>
+                          <m:sty m:val="p"/>
+                        </m:rPr>
+                        <a:rPr lang="el-GR" sz="2400" i="1" smtClean="0">
+                          <a:latin typeface="Cambria Math"/>
+                          <a:ea typeface="Cambria Math"/>
+                        </a:rPr>
+                        <m:t>Δ</m:t>
+                      </m:r>
+                      <m:d>
+                        <m:dPr>
+                          <m:ctrlPr>
+                            <a:rPr lang="el-GR" sz="2400" i="1" smtClean="0">
+                              <a:latin typeface="Cambria Math" panose="02040503050406030204" pitchFamily="18" charset="0"/>
+                              <a:ea typeface="Cambria Math"/>
+                            </a:rPr>
+                          </m:ctrlPr>
+                        </m:dPr>
+                        <m:e>
+                          <m:r>
+                            <a:rPr lang="fr-BE" sz="2400" b="0" i="1" smtClean="0">
+                              <a:latin typeface="Cambria Math"/>
+                              <a:ea typeface="Cambria Math"/>
+                            </a:rPr>
+                            <m:t>𝐵</m:t>
+                          </m:r>
+                        </m:e>
+                      </m:d>
+                      <m:sSub>
+                        <m:sSubPr>
+                          <m:ctrlPr>
+                            <a:rPr lang="fr-BE" sz="2400" b="0" i="1" smtClean="0">
+                              <a:latin typeface="Cambria Math" panose="02040503050406030204" pitchFamily="18" charset="0"/>
+                              <a:ea typeface="Cambria Math"/>
+                            </a:rPr>
+                          </m:ctrlPr>
+                        </m:sSubPr>
+                        <m:e>
+                          <m:r>
+                            <a:rPr lang="fr-BE" sz="2400" b="0" i="1" smtClean="0">
+                              <a:latin typeface="Cambria Math" panose="02040503050406030204" pitchFamily="18" charset="0"/>
+                              <a:ea typeface="Cambria Math"/>
+                            </a:rPr>
+                            <m:t>𝑦</m:t>
+                          </m:r>
+                        </m:e>
+                        <m:sub>
+                          <m:r>
+                            <a:rPr lang="fr-BE" sz="2400" b="0" i="1" smtClean="0">
+                              <a:latin typeface="Cambria Math" panose="02040503050406030204" pitchFamily="18" charset="0"/>
+                              <a:ea typeface="Cambria Math"/>
+                            </a:rPr>
+                            <m:t>𝑡</m:t>
+                          </m:r>
+                        </m:sub>
+                      </m:sSub>
+                      <m:r>
+                        <a:rPr lang="fr-BE" sz="2400" b="0" i="1" smtClean="0">
+                          <a:latin typeface="Cambria Math" panose="02040503050406030204" pitchFamily="18" charset="0"/>
+                          <a:ea typeface="Cambria Math"/>
+                        </a:rPr>
+                        <m:t>=</m:t>
+                      </m:r>
+                      <m:r>
+                        <m:rPr>
+                          <m:sty m:val="p"/>
+                        </m:rPr>
+                        <a:rPr lang="el-GR" sz="2400" b="0" i="1" smtClean="0">
+                          <a:latin typeface="Cambria Math" panose="02040503050406030204" pitchFamily="18" charset="0"/>
+                          <a:ea typeface="Cambria Math" panose="02040503050406030204" pitchFamily="18" charset="0"/>
+                        </a:rPr>
+                        <m:t>Θ</m:t>
+                      </m:r>
+                      <m:r>
+                        <a:rPr lang="fr-BE" sz="2400" b="0" i="1" smtClean="0">
+                          <a:latin typeface="Cambria Math" panose="02040503050406030204" pitchFamily="18" charset="0"/>
+                          <a:ea typeface="Cambria Math" panose="02040503050406030204" pitchFamily="18" charset="0"/>
+                        </a:rPr>
+                        <m:t>(</m:t>
+                      </m:r>
+                      <m:r>
+                        <a:rPr lang="fr-BE" sz="2400" b="0" i="1" smtClean="0">
+                          <a:latin typeface="Cambria Math" panose="02040503050406030204" pitchFamily="18" charset="0"/>
+                          <a:ea typeface="Cambria Math" panose="02040503050406030204" pitchFamily="18" charset="0"/>
+                        </a:rPr>
+                        <m:t>𝐵</m:t>
+                      </m:r>
+                      <m:r>
+                        <a:rPr lang="fr-BE" sz="2400" b="0" i="1" smtClean="0">
+                          <a:latin typeface="Cambria Math" panose="02040503050406030204" pitchFamily="18" charset="0"/>
+                          <a:ea typeface="Cambria Math" panose="02040503050406030204" pitchFamily="18" charset="0"/>
+                        </a:rPr>
+                        <m:t>)</m:t>
+                      </m:r>
+                      <m:sSub>
+                        <m:sSubPr>
+                          <m:ctrlPr>
+                            <a:rPr lang="fr-BE" sz="2400" b="0" i="1" smtClean="0">
+                              <a:latin typeface="Cambria Math" panose="02040503050406030204" pitchFamily="18" charset="0"/>
+                              <a:ea typeface="Cambria Math" panose="02040503050406030204" pitchFamily="18" charset="0"/>
+                            </a:rPr>
+                          </m:ctrlPr>
+                        </m:sSubPr>
+                        <m:e>
+                          <m:r>
+                            <a:rPr lang="fr-BE" sz="2400" b="0" i="1" smtClean="0">
+                              <a:latin typeface="Cambria Math" panose="02040503050406030204" pitchFamily="18" charset="0"/>
+                              <a:ea typeface="Cambria Math" panose="02040503050406030204" pitchFamily="18" charset="0"/>
+                            </a:rPr>
+                            <m:t>𝜀</m:t>
+                          </m:r>
+                        </m:e>
+                        <m:sub>
+                          <m:r>
+                            <a:rPr lang="fr-BE" sz="2400" b="0" i="1" smtClean="0">
+                              <a:latin typeface="Cambria Math" panose="02040503050406030204" pitchFamily="18" charset="0"/>
+                              <a:ea typeface="Cambria Math" panose="02040503050406030204" pitchFamily="18" charset="0"/>
+                            </a:rPr>
+                            <m:t>𝑡</m:t>
+                          </m:r>
+                        </m:sub>
+                      </m:sSub>
+                    </m:oMath>
+                  </m:oMathPara>
+                </a14:m>
+                <a:endParaRPr lang="fr-BE" sz="2400" dirty="0"/>
+              </a:p>
+              <a:p>
+                <a:r>
+                  <a:rPr lang="fr-BE" dirty="0" err="1"/>
+                  <a:t>Factorization</a:t>
+                </a:r>
+                <a:r>
+                  <a:rPr lang="fr-BE" dirty="0"/>
+                  <a:t> of the AR polynomial:</a:t>
+                </a:r>
+              </a:p>
+              <a:p>
+                <a:pPr marL="914400" lvl="2" indent="0">
+                  <a:buNone/>
+                </a:pPr>
+                <a14:m>
+                  <m:oMathPara xmlns:m="http://schemas.openxmlformats.org/officeDocument/2006/math">
+                    <m:oMathParaPr>
+                      <m:jc m:val="centerGroup"/>
+                    </m:oMathParaPr>
+                    <m:oMath xmlns:m="http://schemas.openxmlformats.org/officeDocument/2006/math">
+                      <m:r>
+                        <m:rPr>
+                          <m:sty m:val="p"/>
+                        </m:rPr>
+                        <a:rPr lang="el-GR" i="1" smtClean="0">
+                          <a:latin typeface="Cambria Math" panose="02040503050406030204" pitchFamily="18" charset="0"/>
+                          <a:ea typeface="Cambria Math" panose="02040503050406030204" pitchFamily="18" charset="0"/>
+                        </a:rPr>
+                        <m:t>Φ</m:t>
+                      </m:r>
+                      <m:d>
+                        <m:dPr>
+                          <m:ctrlPr>
+                            <a:rPr lang="fr-BE" i="1" smtClean="0">
+                              <a:latin typeface="Cambria Math" panose="02040503050406030204" pitchFamily="18" charset="0"/>
+                              <a:ea typeface="Cambria Math"/>
+                            </a:rPr>
+                          </m:ctrlPr>
+                        </m:dPr>
+                        <m:e>
+                          <m:r>
+                            <a:rPr lang="fr-BE" b="0" i="1" smtClean="0">
+                              <a:latin typeface="Cambria Math"/>
+                              <a:ea typeface="Cambria Math"/>
+                            </a:rPr>
+                            <m:t>𝐵</m:t>
+                          </m:r>
+                        </m:e>
+                      </m:d>
+                      <m:r>
+                        <m:rPr>
+                          <m:sty m:val="p"/>
+                        </m:rPr>
+                        <a:rPr lang="el-GR" i="1" smtClean="0">
+                          <a:latin typeface="Cambria Math"/>
+                          <a:ea typeface="Cambria Math"/>
+                        </a:rPr>
+                        <m:t>Δ</m:t>
+                      </m:r>
+                      <m:d>
+                        <m:dPr>
+                          <m:ctrlPr>
+                            <a:rPr lang="el-GR" i="1" smtClean="0">
+                              <a:latin typeface="Cambria Math" panose="02040503050406030204" pitchFamily="18" charset="0"/>
+                              <a:ea typeface="Cambria Math"/>
+                            </a:rPr>
+                          </m:ctrlPr>
+                        </m:dPr>
+                        <m:e>
+                          <m:r>
+                            <a:rPr lang="fr-BE" b="0" i="1" smtClean="0">
+                              <a:latin typeface="Cambria Math"/>
+                              <a:ea typeface="Cambria Math"/>
+                            </a:rPr>
+                            <m:t>𝐵</m:t>
+                          </m:r>
+                        </m:e>
+                      </m:d>
+                      <m:r>
+                        <a:rPr lang="fr-BE" b="0" i="1" smtClean="0">
+                          <a:latin typeface="Cambria Math"/>
+                          <a:ea typeface="Cambria Math"/>
+                        </a:rPr>
+                        <m:t>=</m:t>
+                      </m:r>
+                      <m:nary>
+                        <m:naryPr>
+                          <m:chr m:val="∏"/>
+                          <m:subHide m:val="on"/>
+                          <m:supHide m:val="on"/>
+                          <m:ctrlPr>
+                            <a:rPr lang="fr-BE" b="0" i="1" smtClean="0">
+                              <a:latin typeface="Cambria Math" panose="02040503050406030204" pitchFamily="18" charset="0"/>
+                              <a:ea typeface="Cambria Math"/>
+                            </a:rPr>
+                          </m:ctrlPr>
+                        </m:naryPr>
+                        <m:sub/>
+                        <m:sup/>
+                        <m:e>
+                          <m:r>
+                            <a:rPr lang="fr-BE" b="0" i="1" smtClean="0">
+                              <a:latin typeface="Cambria Math"/>
+                              <a:ea typeface="Cambria Math"/>
+                            </a:rPr>
+                            <m:t>(1−</m:t>
+                          </m:r>
+                          <m:sSub>
+                            <m:sSubPr>
+                              <m:ctrlPr>
+                                <a:rPr lang="fr-BE" b="0" i="1" smtClean="0">
+                                  <a:latin typeface="Cambria Math" panose="02040503050406030204" pitchFamily="18" charset="0"/>
+                                  <a:ea typeface="Cambria Math"/>
+                                </a:rPr>
+                              </m:ctrlPr>
+                            </m:sSubPr>
+                            <m:e>
+                              <m:r>
+                                <a:rPr lang="fr-BE" i="1">
+                                  <a:latin typeface="Cambria Math"/>
+                                  <a:ea typeface="Cambria Math"/>
+                                </a:rPr>
+                                <m:t>𝛼</m:t>
+                              </m:r>
+                            </m:e>
+                            <m:sub>
+                              <m:r>
+                                <a:rPr lang="fr-BE" b="0" i="1" smtClean="0">
+                                  <a:latin typeface="Cambria Math"/>
+                                  <a:ea typeface="Cambria Math"/>
+                                </a:rPr>
+                                <m:t>𝑖</m:t>
+                              </m:r>
+                            </m:sub>
+                          </m:sSub>
+                          <m:r>
+                            <a:rPr lang="fr-BE" b="0" i="1" smtClean="0">
+                              <a:latin typeface="Cambria Math"/>
+                              <a:ea typeface="Cambria Math"/>
+                            </a:rPr>
+                            <m:t>𝐵</m:t>
+                          </m:r>
+                          <m:r>
+                            <a:rPr lang="fr-BE" b="0" i="1" smtClean="0">
+                              <a:latin typeface="Cambria Math"/>
+                              <a:ea typeface="Cambria Math"/>
+                            </a:rPr>
+                            <m:t>)</m:t>
+                          </m:r>
+                        </m:e>
+                      </m:nary>
+                    </m:oMath>
+                  </m:oMathPara>
+                </a14:m>
+                <a:endParaRPr lang="fr-BE" b="0" dirty="0">
+                  <a:ea typeface="Cambria Math"/>
+                </a:endParaRPr>
+              </a:p>
+              <a:p>
+                <a:pPr lvl="1"/>
+                <a:r>
+                  <a:rPr lang="fr-BE" dirty="0"/>
+                  <a:t>Trend-cycle</a:t>
+                </a:r>
+              </a:p>
+              <a:p>
+                <a:pPr lvl="2"/>
+                <a14:m>
+                  <m:oMath xmlns:m="http://schemas.openxmlformats.org/officeDocument/2006/math">
+                    <m:sSub>
+                      <m:sSubPr>
+                        <m:ctrlPr>
+                          <a:rPr lang="fr-BE" i="1">
+                            <a:latin typeface="Cambria Math" panose="02040503050406030204" pitchFamily="18" charset="0"/>
+                            <a:ea typeface="Cambria Math"/>
+                          </a:rPr>
+                        </m:ctrlPr>
+                      </m:sSubPr>
+                      <m:e>
+                        <m:r>
+                          <a:rPr lang="fr-BE" i="1">
+                            <a:latin typeface="Cambria Math"/>
+                            <a:ea typeface="Cambria Math"/>
+                          </a:rPr>
+                          <m:t>𝛼</m:t>
+                        </m:r>
+                      </m:e>
+                      <m:sub>
+                        <m:r>
+                          <a:rPr lang="fr-BE" i="1">
+                            <a:latin typeface="Cambria Math"/>
+                            <a:ea typeface="Cambria Math"/>
+                          </a:rPr>
+                          <m:t>𝑖</m:t>
+                        </m:r>
+                      </m:sub>
+                    </m:sSub>
+                    <m:r>
+                      <a:rPr lang="fr-BE" b="0" i="0" smtClean="0">
+                        <a:latin typeface="Cambria Math"/>
+                        <a:ea typeface="Cambria Math"/>
+                      </a:rPr>
+                      <m:t> </m:t>
+                    </m:r>
+                    <m:r>
+                      <m:rPr>
+                        <m:sty m:val="p"/>
+                      </m:rPr>
+                      <a:rPr lang="fr-BE" b="0" i="0" smtClean="0">
+                        <a:latin typeface="Cambria Math"/>
+                        <a:ea typeface="Cambria Math"/>
+                      </a:rPr>
+                      <m:t>real</m:t>
+                    </m:r>
+                    <m:r>
+                      <a:rPr lang="fr-BE" b="0" i="0" smtClean="0">
+                        <a:latin typeface="Cambria Math"/>
+                        <a:ea typeface="Cambria Math"/>
+                      </a:rPr>
+                      <m:t>, </m:t>
+                    </m:r>
+                  </m:oMath>
+                </a14:m>
+                <a:endParaRPr lang="fr-BE" b="0" i="0" dirty="0">
+                  <a:latin typeface="Cambria Math"/>
+                  <a:ea typeface="Cambria Math"/>
+                </a:endParaRPr>
+              </a:p>
+              <a:p>
+                <a:pPr lvl="3">
+                  <a:buFont typeface="Arial" panose="020B0604020202020204" pitchFamily="34" charset="0"/>
+                  <a:buChar char="•"/>
+                </a:pPr>
+                <a14:m>
+                  <m:oMath xmlns:m="http://schemas.openxmlformats.org/officeDocument/2006/math">
+                    <m:sSub>
+                      <m:sSubPr>
+                        <m:ctrlPr>
+                          <a:rPr lang="fr-BE" i="1">
+                            <a:latin typeface="Cambria Math" panose="02040503050406030204" pitchFamily="18" charset="0"/>
+                            <a:ea typeface="Cambria Math"/>
+                          </a:rPr>
+                        </m:ctrlPr>
+                      </m:sSubPr>
+                      <m:e>
+                        <m:r>
+                          <a:rPr lang="fr-BE" i="1">
+                            <a:latin typeface="Cambria Math"/>
+                            <a:ea typeface="Cambria Math"/>
+                          </a:rPr>
+                          <m:t>𝛼</m:t>
+                        </m:r>
+                      </m:e>
+                      <m:sub>
+                        <m:r>
+                          <a:rPr lang="fr-BE" i="1">
+                            <a:latin typeface="Cambria Math"/>
+                            <a:ea typeface="Cambria Math"/>
+                          </a:rPr>
+                          <m:t>𝑖</m:t>
+                        </m:r>
+                      </m:sub>
+                    </m:sSub>
+                    <m:r>
+                      <a:rPr lang="fr-BE" b="0" i="1" smtClean="0">
+                        <a:latin typeface="Cambria Math"/>
+                        <a:ea typeface="Cambria Math"/>
+                      </a:rPr>
+                      <m:t>≥</m:t>
+                    </m:r>
+                    <m:r>
+                      <a:rPr lang="fr-BE" b="0" i="1" smtClean="0">
+                        <a:latin typeface="Cambria Math"/>
+                        <a:ea typeface="Cambria Math"/>
+                      </a:rPr>
+                      <m:t>𝑘</m:t>
+                    </m:r>
+                  </m:oMath>
+                </a14:m>
+                <a:endParaRPr lang="fr-BE" dirty="0"/>
+              </a:p>
+              <a:p>
+                <a:pPr lvl="2"/>
+                <a14:m>
+                  <m:oMath xmlns:m="http://schemas.openxmlformats.org/officeDocument/2006/math">
+                    <m:sSub>
+                      <m:sSubPr>
+                        <m:ctrlPr>
+                          <a:rPr lang="fr-BE" i="1">
+                            <a:latin typeface="Cambria Math" panose="02040503050406030204" pitchFamily="18" charset="0"/>
+                            <a:ea typeface="Cambria Math"/>
+                          </a:rPr>
+                        </m:ctrlPr>
+                      </m:sSubPr>
+                      <m:e>
+                        <m:r>
+                          <a:rPr lang="fr-BE" i="1">
+                            <a:latin typeface="Cambria Math"/>
+                            <a:ea typeface="Cambria Math"/>
+                          </a:rPr>
+                          <m:t>𝛼</m:t>
+                        </m:r>
+                      </m:e>
+                      <m:sub>
+                        <m:r>
+                          <a:rPr lang="fr-BE" i="1">
+                            <a:latin typeface="Cambria Math"/>
+                            <a:ea typeface="Cambria Math"/>
+                          </a:rPr>
+                          <m:t>𝑖</m:t>
+                        </m:r>
+                      </m:sub>
+                    </m:sSub>
+                    <m:r>
+                      <a:rPr lang="fr-BE">
+                        <a:latin typeface="Cambria Math"/>
+                        <a:ea typeface="Cambria Math"/>
+                      </a:rPr>
+                      <m:t> </m:t>
+                    </m:r>
+                    <m:r>
+                      <m:rPr>
+                        <m:sty m:val="p"/>
+                      </m:rPr>
+                      <a:rPr lang="fr-BE" b="0" i="0" smtClean="0">
+                        <a:latin typeface="Cambria Math"/>
+                        <a:ea typeface="Cambria Math"/>
+                      </a:rPr>
+                      <m:t>complex</m:t>
+                    </m:r>
+                    <m:r>
+                      <a:rPr lang="fr-BE">
+                        <a:latin typeface="Cambria Math"/>
+                        <a:ea typeface="Cambria Math"/>
+                      </a:rPr>
+                      <m:t>, </m:t>
+                    </m:r>
+                  </m:oMath>
+                </a14:m>
+                <a:endParaRPr lang="fr-BE" dirty="0">
+                  <a:latin typeface="Cambria Math"/>
+                  <a:ea typeface="Cambria Math"/>
+                </a:endParaRPr>
+              </a:p>
+              <a:p>
+                <a:pPr lvl="3">
+                  <a:buFont typeface="Arial" panose="020B0604020202020204" pitchFamily="34" charset="0"/>
+                  <a:buChar char="•"/>
+                </a:pPr>
+                <a14:m>
+                  <m:oMath xmlns:m="http://schemas.openxmlformats.org/officeDocument/2006/math">
+                    <m:d>
+                      <m:dPr>
+                        <m:begChr m:val="|"/>
+                        <m:endChr m:val="|"/>
+                        <m:ctrlPr>
+                          <a:rPr lang="fr-BE" i="1" smtClean="0">
+                            <a:latin typeface="Cambria Math" panose="02040503050406030204" pitchFamily="18" charset="0"/>
+                            <a:ea typeface="Cambria Math"/>
+                          </a:rPr>
+                        </m:ctrlPr>
+                      </m:dPr>
+                      <m:e>
+                        <m:sSub>
+                          <m:sSubPr>
+                            <m:ctrlPr>
+                              <a:rPr lang="fr-BE" i="1">
+                                <a:latin typeface="Cambria Math" panose="02040503050406030204" pitchFamily="18" charset="0"/>
+                                <a:ea typeface="Cambria Math"/>
+                              </a:rPr>
+                            </m:ctrlPr>
+                          </m:sSubPr>
+                          <m:e>
+                            <m:r>
+                              <a:rPr lang="fr-BE" i="1">
+                                <a:latin typeface="Cambria Math"/>
+                                <a:ea typeface="Cambria Math"/>
+                              </a:rPr>
+                              <m:t>𝛼</m:t>
+                            </m:r>
+                          </m:e>
+                          <m:sub>
+                            <m:r>
+                              <a:rPr lang="fr-BE" i="1">
+                                <a:latin typeface="Cambria Math"/>
+                                <a:ea typeface="Cambria Math"/>
+                              </a:rPr>
+                              <m:t>𝑖</m:t>
+                            </m:r>
+                          </m:sub>
+                        </m:sSub>
+                      </m:e>
+                    </m:d>
+                    <m:r>
+                      <a:rPr lang="fr-BE" i="1">
+                        <a:latin typeface="Cambria Math"/>
+                        <a:ea typeface="Cambria Math"/>
+                      </a:rPr>
+                      <m:t>≥</m:t>
+                    </m:r>
+                    <m:r>
+                      <a:rPr lang="fr-BE" i="1">
+                        <a:latin typeface="Cambria Math"/>
+                        <a:ea typeface="Cambria Math"/>
+                      </a:rPr>
+                      <m:t>𝑘</m:t>
+                    </m:r>
+                    <m:r>
+                      <a:rPr lang="fr-BE" b="0" i="1" smtClean="0">
+                        <a:latin typeface="Cambria Math"/>
+                        <a:ea typeface="Cambria Math"/>
+                      </a:rPr>
+                      <m:t>, </m:t>
+                    </m:r>
+                    <m:r>
+                      <m:rPr>
+                        <m:sty m:val="p"/>
+                      </m:rPr>
+                      <a:rPr lang="fr-BE" b="0" i="0" smtClean="0">
+                        <a:latin typeface="Cambria Math"/>
+                        <a:ea typeface="Cambria Math"/>
+                      </a:rPr>
+                      <m:t>arg</m:t>
+                    </m:r>
+                    <m:r>
+                      <a:rPr lang="fr-BE" b="0" i="0" smtClean="0">
+                        <a:latin typeface="Cambria Math"/>
+                        <a:ea typeface="Cambria Math"/>
+                      </a:rPr>
+                      <m:t>(</m:t>
+                    </m:r>
+                    <m:sSub>
+                      <m:sSubPr>
+                        <m:ctrlPr>
+                          <a:rPr lang="fr-BE" i="1">
+                            <a:latin typeface="Cambria Math" panose="02040503050406030204" pitchFamily="18" charset="0"/>
+                            <a:ea typeface="Cambria Math"/>
+                          </a:rPr>
+                        </m:ctrlPr>
+                      </m:sSubPr>
+                      <m:e>
+                        <m:r>
+                          <a:rPr lang="fr-BE" i="1">
+                            <a:latin typeface="Cambria Math"/>
+                            <a:ea typeface="Cambria Math"/>
+                          </a:rPr>
+                          <m:t>𝛼</m:t>
+                        </m:r>
+                      </m:e>
+                      <m:sub>
+                        <m:r>
+                          <a:rPr lang="fr-BE" i="1">
+                            <a:latin typeface="Cambria Math"/>
+                            <a:ea typeface="Cambria Math"/>
+                          </a:rPr>
+                          <m:t>𝑖</m:t>
+                        </m:r>
+                      </m:sub>
+                    </m:sSub>
+                    <m:r>
+                      <a:rPr lang="fr-BE" b="0" i="1" smtClean="0">
+                        <a:latin typeface="Cambria Math"/>
+                        <a:ea typeface="Cambria Math"/>
+                      </a:rPr>
+                      <m:t>)</m:t>
+                    </m:r>
+                    <m:r>
+                      <a:rPr lang="fr-BE" i="1" smtClean="0">
+                        <a:latin typeface="Cambria Math"/>
+                        <a:ea typeface="Cambria Math"/>
+                      </a:rPr>
+                      <m:t>≤</m:t>
+                    </m:r>
+                    <m:r>
+                      <a:rPr lang="fr-BE" b="0" i="1" smtClean="0">
+                        <a:latin typeface="Cambria Math"/>
+                        <a:ea typeface="Cambria Math"/>
+                      </a:rPr>
+                      <m:t>𝑐</m:t>
+                    </m:r>
+                  </m:oMath>
+                </a14:m>
+                <a:r>
+                  <a:rPr lang="fr-BE" dirty="0"/>
+                  <a:t> </a:t>
+                </a:r>
+              </a:p>
+              <a:p>
+                <a:pPr lvl="3">
+                  <a:buFont typeface="Arial" panose="020B0604020202020204" pitchFamily="34" charset="0"/>
+                  <a:buChar char="•"/>
+                </a:pPr>
+                <a:endParaRPr lang="fr-BE" dirty="0"/>
+              </a:p>
+              <a:p>
+                <a:pPr marL="914400" lvl="2" indent="0">
+                  <a:buNone/>
+                </a:pPr>
+                <a14:m>
+                  <m:oMathPara xmlns:m="http://schemas.openxmlformats.org/officeDocument/2006/math">
+                    <m:oMathParaPr>
+                      <m:jc m:val="left"/>
+                    </m:oMathParaPr>
+                    <m:oMath xmlns:m="http://schemas.openxmlformats.org/officeDocument/2006/math">
+                      <m:d>
+                        <m:dPr>
+                          <m:ctrlPr>
+                            <a:rPr lang="fr-BE" sz="1400" b="0" i="1" smtClean="0">
+                              <a:latin typeface="Cambria Math" panose="02040503050406030204" pitchFamily="18" charset="0"/>
+                            </a:rPr>
+                          </m:ctrlPr>
+                        </m:dPr>
+                        <m:e>
+                          <m:r>
+                            <a:rPr lang="fr-BE" sz="1400" b="0" i="1" smtClean="0">
+                              <a:latin typeface="Cambria Math"/>
+                            </a:rPr>
+                            <m:t>𝑐</m:t>
+                          </m:r>
+                          <m:r>
+                            <a:rPr lang="fr-BE" sz="1400" b="0" i="1" smtClean="0">
+                              <a:latin typeface="Cambria Math"/>
+                            </a:rPr>
+                            <m:t>=</m:t>
+                          </m:r>
+                          <m:f>
+                            <m:fPr>
+                              <m:ctrlPr>
+                                <a:rPr lang="fr-BE" sz="1400" b="0" i="1" smtClean="0">
+                                  <a:latin typeface="Cambria Math" panose="02040503050406030204" pitchFamily="18" charset="0"/>
+                                  <a:ea typeface="Cambria Math"/>
+                                </a:rPr>
+                              </m:ctrlPr>
+                            </m:fPr>
+                            <m:num>
+                              <m:r>
+                                <a:rPr lang="fr-BE" sz="1400" b="0" i="1" smtClean="0">
+                                  <a:latin typeface="Cambria Math"/>
+                                  <a:ea typeface="Cambria Math"/>
+                                </a:rPr>
+                                <m:t>𝜋</m:t>
+                              </m:r>
+                            </m:num>
+                            <m:den>
+                              <m:r>
+                                <a:rPr lang="fr-BE" sz="1400" b="0" i="1" smtClean="0">
+                                  <a:latin typeface="Cambria Math"/>
+                                  <a:ea typeface="Cambria Math"/>
+                                </a:rPr>
+                                <m:t>𝑠</m:t>
+                              </m:r>
+                            </m:den>
+                          </m:f>
+                        </m:e>
+                      </m:d>
+                      <m:r>
+                        <a:rPr lang="fr-BE" sz="1400" b="0" i="1" smtClean="0">
+                          <a:latin typeface="Cambria Math"/>
+                          <a:ea typeface="Cambria Math"/>
+                        </a:rPr>
+                        <m:t>~</m:t>
+                      </m:r>
+                      <m:r>
+                        <a:rPr lang="fr-BE" sz="1400" i="1">
+                          <a:latin typeface="Cambria Math"/>
+                          <a:ea typeface="Cambria Math"/>
+                        </a:rPr>
+                        <m:t>𝑐𝑦𝑐𝑙𝑒</m:t>
+                      </m:r>
+                      <m:r>
+                        <a:rPr lang="fr-BE" sz="1400" b="0" i="1" smtClean="0">
+                          <a:latin typeface="Cambria Math"/>
+                          <a:ea typeface="Cambria Math"/>
+                        </a:rPr>
+                        <m:t> </m:t>
+                      </m:r>
+                      <m:r>
+                        <a:rPr lang="fr-BE" sz="1400" b="0" i="1" smtClean="0">
+                          <a:latin typeface="Cambria Math"/>
+                          <a:ea typeface="Cambria Math"/>
+                        </a:rPr>
+                        <m:t>𝑙𝑒𝑛𝑔𝑡h</m:t>
+                      </m:r>
+                      <m:r>
+                        <a:rPr lang="fr-BE" sz="1400" b="0" i="1" smtClean="0">
+                          <a:latin typeface="Cambria Math"/>
+                          <a:ea typeface="Cambria Math"/>
+                        </a:rPr>
+                        <m:t>≥</m:t>
+                      </m:r>
+                      <m:r>
+                        <a:rPr lang="fr-BE" sz="1400" b="0" i="1" smtClean="0">
+                          <a:latin typeface="Cambria Math"/>
+                          <a:ea typeface="Cambria Math"/>
+                        </a:rPr>
+                        <m:t>𝑡𝑤𝑜</m:t>
+                      </m:r>
+                      <m:r>
+                        <a:rPr lang="fr-BE" sz="1400" b="0" i="1" smtClean="0">
+                          <a:latin typeface="Cambria Math"/>
+                          <a:ea typeface="Cambria Math"/>
+                        </a:rPr>
+                        <m:t> </m:t>
+                      </m:r>
+                      <m:r>
+                        <a:rPr lang="fr-BE" sz="1400" b="0" i="1" smtClean="0">
+                          <a:latin typeface="Cambria Math"/>
+                          <a:ea typeface="Cambria Math"/>
+                        </a:rPr>
+                        <m:t>𝑦𝑒𝑎𝑟𝑠</m:t>
+                      </m:r>
+                    </m:oMath>
+                  </m:oMathPara>
+                </a14:m>
+                <a:endParaRPr lang="fr-BE" sz="1400" dirty="0"/>
+              </a:p>
+              <a:p>
+                <a:pPr lvl="2"/>
+                <a:endParaRPr lang="fr-BE" dirty="0"/>
+              </a:p>
+            </p:txBody>
+          </p:sp>
+        </mc:Choice>
+        <mc:Fallback xmlns="">
+          <p:sp>
+            <p:nvSpPr>
+              <p:cNvPr id="3" name="Content Placeholder 2"/>
+              <p:cNvSpPr>
+                <a:spLocks noGrp="1" noRot="1" noChangeAspect="1" noMove="1" noResize="1" noEditPoints="1" noAdjustHandles="1" noChangeArrowheads="1" noChangeShapeType="1" noTextEdit="1"/>
+              </p:cNvSpPr>
+              <p:nvPr>
+                <p:ph idx="1"/>
+              </p:nvPr>
+            </p:nvSpPr>
+            <p:spPr>
+              <a:blipFill>
+                <a:blip r:embed="rId2"/>
+                <a:stretch>
+                  <a:fillRect l="-1481" t="-3504"/>
+                </a:stretch>
+              </a:blipFill>
+            </p:spPr>
+            <p:txBody>
+              <a:bodyPr/>
+              <a:lstStyle/>
+              <a:p>
+                <a:r>
+                  <a:rPr lang="fr-BE">
+                    <a:noFill/>
+                  </a:rPr>
+                  <a:t> </a:t>
+                </a:r>
+              </a:p>
+            </p:txBody>
+          </p:sp>
+        </mc:Fallback>
+      </mc:AlternateContent>
+      <p:sp>
+        <p:nvSpPr>
+          <p:cNvPr id="4" name="Date Placeholder 3"/>
+          <p:cNvSpPr>
+            <a:spLocks noGrp="1"/>
+          </p:cNvSpPr>
+          <p:nvPr>
+            <p:ph type="dt" sz="half" idx="10"/>
+          </p:nvPr>
+        </p:nvSpPr>
+        <p:spPr/>
+        <p:txBody>
+          <a:bodyPr/>
+          <a:lstStyle/>
+          <a:p>
+            <a:r>
+              <a:rPr lang="fr-FR"/>
+              <a:t>17-19/10/2023</a:t>
+            </a:r>
+            <a:endParaRPr lang="fr-BE"/>
+          </a:p>
+        </p:txBody>
+      </p:sp>
+      <p:sp>
+        <p:nvSpPr>
+          <p:cNvPr id="5" name="Footer Placeholder 4"/>
+          <p:cNvSpPr>
+            <a:spLocks noGrp="1"/>
+          </p:cNvSpPr>
+          <p:nvPr>
+            <p:ph type="ftr" sz="quarter" idx="11"/>
+          </p:nvPr>
+        </p:nvSpPr>
+        <p:spPr/>
+        <p:txBody>
+          <a:bodyPr/>
+          <a:lstStyle/>
+          <a:p>
+            <a:r>
+              <a:rPr lang="en-GB"/>
+              <a:t>CONTRACTORS ORGANISING SOME OF THE COURSES ARE ACTING UNDER A FRAMEWORK CONTRACT CONCLUDED WITH THE COMMISSION</a:t>
+            </a:r>
+            <a:endParaRPr lang="fr-BE"/>
+          </a:p>
+        </p:txBody>
+      </p:sp>
+      <p:sp>
+        <p:nvSpPr>
+          <p:cNvPr id="6" name="Slide Number Placeholder 5"/>
+          <p:cNvSpPr>
+            <a:spLocks noGrp="1"/>
+          </p:cNvSpPr>
+          <p:nvPr>
+            <p:ph type="sldNum" sz="quarter" idx="12"/>
+          </p:nvPr>
+        </p:nvSpPr>
+        <p:spPr/>
+        <p:txBody>
+          <a:bodyPr/>
+          <a:lstStyle/>
+          <a:p>
+            <a:fld id="{F12E9969-9346-4095-A7C3-836AAB82C09A}" type="slidenum">
+              <a:rPr lang="fr-BE" smtClean="0"/>
+              <a:t>9</a:t>
+            </a:fld>
+            <a:endParaRPr lang="fr-BE"/>
+          </a:p>
+        </p:txBody>
+      </p:sp>
+      <p:pic>
+        <p:nvPicPr>
+          <p:cNvPr id="1026" name="Picture 2"/>
+          <p:cNvPicPr>
+            <a:picLocks noChangeAspect="1" noChangeArrowheads="1"/>
+          </p:cNvPicPr>
+          <p:nvPr/>
+        </p:nvPicPr>
+        <p:blipFill>
+          <a:blip r:embed="rId3">
+            <a:extLst>
+              <a:ext uri="{28A0092B-C50C-407E-A947-70E740481C1C}">
+                <a14:useLocalDpi xmlns:a14="http://schemas.microsoft.com/office/drawing/2010/main" val="0"/>
+              </a:ext>
+            </a:extLst>
+          </a:blip>
+          <a:srcRect/>
+          <a:stretch>
+            <a:fillRect/>
+          </a:stretch>
+        </p:blipFill>
+        <p:spPr bwMode="auto">
+          <a:xfrm>
+            <a:off x="5076056" y="3573016"/>
+            <a:ext cx="3705225" cy="2352675"/>
+          </a:xfrm>
+          <a:prstGeom prst="rect">
+            <a:avLst/>
+          </a:prstGeom>
+          <a:noFill/>
+          <a:ln w="12700">
+            <a:solidFill>
+              <a:schemeClr val="tx1"/>
+            </a:solidFill>
+            <a:miter lim="800000"/>
+            <a:headEnd/>
+            <a:tailEnd/>
+          </a:ln>
+          <a:extLst>
+            <a:ext uri="{909E8E84-426E-40DD-AFC4-6F175D3DCCD1}">
+              <a14:hiddenFill xmlns:a14="http://schemas.microsoft.com/office/drawing/2010/main">
+                <a:solidFill>
+                  <a:schemeClr val="accent1"/>
+                </a:solidFill>
+              </a14:hiddenFill>
+            </a:ext>
+          </a:extLst>
+        </p:spPr>
+      </p:pic>
+      <p:sp>
+        <p:nvSpPr>
+          <p:cNvPr id="9" name="TextBox 8"/>
+          <p:cNvSpPr txBox="1"/>
+          <p:nvPr/>
+        </p:nvSpPr>
+        <p:spPr>
+          <a:xfrm>
+            <a:off x="5937473" y="3068960"/>
+            <a:ext cx="2843808" cy="369332"/>
+          </a:xfrm>
+          <a:prstGeom prst="rect">
+            <a:avLst/>
+          </a:prstGeom>
+          <a:noFill/>
+          <a:ln w="12700">
+            <a:solidFill>
+              <a:schemeClr val="tx1"/>
+            </a:solidFill>
+          </a:ln>
+        </p:spPr>
+        <p:txBody>
+          <a:bodyPr wrap="square" rtlCol="0">
+            <a:spAutoFit/>
+          </a:bodyPr>
+          <a:lstStyle/>
+          <a:p>
+            <a:r>
+              <a:rPr lang="fr-BE" dirty="0"/>
+              <a:t>TrendCycleSelector.java</a:t>
+            </a:r>
+          </a:p>
+        </p:txBody>
+      </p:sp>
+    </p:spTree>
+    <p:extLst>
+      <p:ext uri="{BB962C8B-B14F-4D97-AF65-F5344CB8AC3E}">
+        <p14:creationId xmlns:p14="http://schemas.microsoft.com/office/powerpoint/2010/main" val="3343839125"/>
       </p:ext>
     </p:extLst>
   </p:cSld>

--- a/Presentations/2.2 JD+_SEATS.pptx
+++ b/Presentations/2.2 JD+_SEATS.pptx
@@ -5,39 +5,41 @@
     <p:sldMasterId id="2147483648" r:id="rId1"/>
   </p:sldMasterIdLst>
   <p:notesMasterIdLst>
-    <p:notesMasterId r:id="rId32"/>
+    <p:notesMasterId r:id="rId34"/>
   </p:notesMasterIdLst>
   <p:sldIdLst>
     <p:sldId id="276" r:id="rId2"/>
     <p:sldId id="280" r:id="rId3"/>
-    <p:sldId id="294" r:id="rId4"/>
-    <p:sldId id="295" r:id="rId5"/>
-    <p:sldId id="293" r:id="rId6"/>
-    <p:sldId id="270" r:id="rId7"/>
-    <p:sldId id="277" r:id="rId8"/>
-    <p:sldId id="269" r:id="rId9"/>
-    <p:sldId id="278" r:id="rId10"/>
-    <p:sldId id="279" r:id="rId11"/>
-    <p:sldId id="257" r:id="rId12"/>
-    <p:sldId id="259" r:id="rId13"/>
-    <p:sldId id="261" r:id="rId14"/>
-    <p:sldId id="281" r:id="rId15"/>
-    <p:sldId id="271" r:id="rId16"/>
-    <p:sldId id="283" r:id="rId17"/>
-    <p:sldId id="291" r:id="rId18"/>
-    <p:sldId id="285" r:id="rId19"/>
-    <p:sldId id="286" r:id="rId20"/>
-    <p:sldId id="267" r:id="rId21"/>
-    <p:sldId id="292" r:id="rId22"/>
-    <p:sldId id="296" r:id="rId23"/>
-    <p:sldId id="297" r:id="rId24"/>
-    <p:sldId id="298" r:id="rId25"/>
-    <p:sldId id="299" r:id="rId26"/>
-    <p:sldId id="264" r:id="rId27"/>
-    <p:sldId id="260" r:id="rId28"/>
-    <p:sldId id="274" r:id="rId29"/>
-    <p:sldId id="273" r:id="rId30"/>
-    <p:sldId id="275" r:id="rId31"/>
+    <p:sldId id="301" r:id="rId4"/>
+    <p:sldId id="294" r:id="rId5"/>
+    <p:sldId id="295" r:id="rId6"/>
+    <p:sldId id="293" r:id="rId7"/>
+    <p:sldId id="270" r:id="rId8"/>
+    <p:sldId id="277" r:id="rId9"/>
+    <p:sldId id="269" r:id="rId10"/>
+    <p:sldId id="278" r:id="rId11"/>
+    <p:sldId id="279" r:id="rId12"/>
+    <p:sldId id="257" r:id="rId13"/>
+    <p:sldId id="259" r:id="rId14"/>
+    <p:sldId id="261" r:id="rId15"/>
+    <p:sldId id="281" r:id="rId16"/>
+    <p:sldId id="271" r:id="rId17"/>
+    <p:sldId id="283" r:id="rId18"/>
+    <p:sldId id="291" r:id="rId19"/>
+    <p:sldId id="285" r:id="rId20"/>
+    <p:sldId id="286" r:id="rId21"/>
+    <p:sldId id="267" r:id="rId22"/>
+    <p:sldId id="292" r:id="rId23"/>
+    <p:sldId id="296" r:id="rId24"/>
+    <p:sldId id="297" r:id="rId25"/>
+    <p:sldId id="298" r:id="rId26"/>
+    <p:sldId id="299" r:id="rId27"/>
+    <p:sldId id="264" r:id="rId28"/>
+    <p:sldId id="260" r:id="rId29"/>
+    <p:sldId id="274" r:id="rId30"/>
+    <p:sldId id="273" r:id="rId31"/>
+    <p:sldId id="275" r:id="rId32"/>
+    <p:sldId id="300" r:id="rId33"/>
   </p:sldIdLst>
   <p:sldSz cx="9144000" cy="6858000" type="screen4x3"/>
   <p:notesSz cx="6858000" cy="9144000"/>
@@ -449,7 +451,7 @@
           <a:p>
             <a:fld id="{68E44895-10FE-4A6C-B21C-3FCBA5C63C3F}" type="datetimeFigureOut">
               <a:rPr lang="fr-BE" smtClean="0"/>
-              <a:t>16-10-23</a:t>
+              <a:t>18-10-23</a:t>
             </a:fld>
             <a:endParaRPr lang="fr-BE"/>
           </a:p>
@@ -4458,6 +4460,1230 @@
           <p:cNvPr id="2" name="Title 1">
             <a:extLst>
               <a:ext uri="{FF2B5EF4-FFF2-40B4-BE49-F238E27FC236}">
+                <a16:creationId xmlns:a16="http://schemas.microsoft.com/office/drawing/2014/main" id="{BDC62FB7-9BF9-F727-ADFB-5E13D3006E27}"/>
+              </a:ext>
+            </a:extLst>
+          </p:cNvPr>
+          <p:cNvSpPr>
+            <a:spLocks noGrp="1"/>
+          </p:cNvSpPr>
+          <p:nvPr>
+            <p:ph type="title"/>
+          </p:nvPr>
+        </p:nvSpPr>
+        <p:spPr/>
+        <p:txBody>
+          <a:bodyPr/>
+          <a:lstStyle/>
+          <a:p>
+            <a:r>
+              <a:rPr lang="fr-BE" dirty="0"/>
+              <a:t>1.2.1 </a:t>
+            </a:r>
+            <a:r>
+              <a:rPr lang="fr-BE" dirty="0" err="1"/>
+              <a:t>Airline</a:t>
+            </a:r>
+            <a:r>
+              <a:rPr lang="fr-BE" dirty="0"/>
+              <a:t> model</a:t>
+            </a:r>
+          </a:p>
+        </p:txBody>
+      </p:sp>
+      <mc:AlternateContent xmlns:mc="http://schemas.openxmlformats.org/markup-compatibility/2006" xmlns:a14="http://schemas.microsoft.com/office/drawing/2010/main">
+        <mc:Choice Requires="a14">
+          <p:sp>
+            <p:nvSpPr>
+              <p:cNvPr id="3" name="Content Placeholder 2">
+                <a:extLst>
+                  <a:ext uri="{FF2B5EF4-FFF2-40B4-BE49-F238E27FC236}">
+                    <a16:creationId xmlns:a16="http://schemas.microsoft.com/office/drawing/2014/main" id="{B3BC01B2-B94B-F977-A448-FEC7CAE8ACEC}"/>
+                  </a:ext>
+                </a:extLst>
+              </p:cNvPr>
+              <p:cNvSpPr>
+                <a:spLocks noGrp="1"/>
+              </p:cNvSpPr>
+              <p:nvPr>
+                <p:ph idx="1"/>
+              </p:nvPr>
+            </p:nvSpPr>
+            <p:spPr/>
+            <p:txBody>
+              <a:bodyPr/>
+              <a:lstStyle/>
+              <a:p>
+                <a:pPr marL="800100" lvl="2" indent="0">
+                  <a:buNone/>
+                </a:pPr>
+                <a14:m>
+                  <m:oMath xmlns:m="http://schemas.openxmlformats.org/officeDocument/2006/math">
+                    <m:r>
+                      <m:rPr>
+                        <m:sty m:val="p"/>
+                      </m:rPr>
+                      <a:rPr lang="el-GR" sz="2800" i="1" smtClean="0">
+                        <a:latin typeface="Cambria Math" panose="02040503050406030204" pitchFamily="18" charset="0"/>
+                        <a:ea typeface="Cambria Math" panose="02040503050406030204" pitchFamily="18" charset="0"/>
+                      </a:rPr>
+                      <m:t>Δ</m:t>
+                    </m:r>
+                    <m:sSub>
+                      <m:sSubPr>
+                        <m:ctrlPr>
+                          <a:rPr lang="el-GR" sz="2800" i="1" smtClean="0">
+                            <a:latin typeface="Cambria Math" panose="02040503050406030204" pitchFamily="18" charset="0"/>
+                            <a:ea typeface="Cambria Math" panose="02040503050406030204" pitchFamily="18" charset="0"/>
+                          </a:rPr>
+                        </m:ctrlPr>
+                      </m:sSubPr>
+                      <m:e>
+                        <m:r>
+                          <m:rPr>
+                            <m:sty m:val="p"/>
+                          </m:rPr>
+                          <a:rPr lang="el-GR" sz="2800" i="1" smtClean="0">
+                            <a:latin typeface="Cambria Math" panose="02040503050406030204" pitchFamily="18" charset="0"/>
+                            <a:ea typeface="Cambria Math" panose="02040503050406030204" pitchFamily="18" charset="0"/>
+                          </a:rPr>
+                          <m:t>Δ</m:t>
+                        </m:r>
+                      </m:e>
+                      <m:sub>
+                        <m:r>
+                          <a:rPr lang="fr-BE" sz="2800" b="0" i="1" smtClean="0">
+                            <a:latin typeface="Cambria Math" panose="02040503050406030204" pitchFamily="18" charset="0"/>
+                            <a:ea typeface="Cambria Math" panose="02040503050406030204" pitchFamily="18" charset="0"/>
+                          </a:rPr>
+                          <m:t>𝑓</m:t>
+                        </m:r>
+                      </m:sub>
+                    </m:sSub>
+                    <m:sSub>
+                      <m:sSubPr>
+                        <m:ctrlPr>
+                          <a:rPr lang="fr-BE" sz="2800" b="0" i="1" smtClean="0">
+                            <a:latin typeface="Cambria Math" panose="02040503050406030204" pitchFamily="18" charset="0"/>
+                            <a:ea typeface="Cambria Math" panose="02040503050406030204" pitchFamily="18" charset="0"/>
+                          </a:rPr>
+                        </m:ctrlPr>
+                      </m:sSubPr>
+                      <m:e>
+                        <m:r>
+                          <a:rPr lang="fr-BE" sz="2800" b="0" i="1" smtClean="0">
+                            <a:latin typeface="Cambria Math" panose="02040503050406030204" pitchFamily="18" charset="0"/>
+                            <a:ea typeface="Cambria Math" panose="02040503050406030204" pitchFamily="18" charset="0"/>
+                          </a:rPr>
+                          <m:t>𝑦</m:t>
+                        </m:r>
+                      </m:e>
+                      <m:sub>
+                        <m:r>
+                          <a:rPr lang="fr-BE" sz="2800" b="0" i="1" smtClean="0">
+                            <a:latin typeface="Cambria Math" panose="02040503050406030204" pitchFamily="18" charset="0"/>
+                            <a:ea typeface="Cambria Math" panose="02040503050406030204" pitchFamily="18" charset="0"/>
+                          </a:rPr>
+                          <m:t>𝑡</m:t>
+                        </m:r>
+                      </m:sub>
+                    </m:sSub>
+                    <m:r>
+                      <a:rPr lang="fr-BE" sz="2800" b="0" i="1" smtClean="0">
+                        <a:latin typeface="Cambria Math" panose="02040503050406030204" pitchFamily="18" charset="0"/>
+                        <a:ea typeface="Cambria Math" panose="02040503050406030204" pitchFamily="18" charset="0"/>
+                      </a:rPr>
+                      <m:t>=</m:t>
+                    </m:r>
+                    <m:r>
+                      <m:rPr>
+                        <m:sty m:val="p"/>
+                      </m:rPr>
+                      <a:rPr lang="el-GR" sz="2800" b="0" i="1" smtClean="0">
+                        <a:latin typeface="Cambria Math" panose="02040503050406030204" pitchFamily="18" charset="0"/>
+                        <a:ea typeface="Cambria Math" panose="02040503050406030204" pitchFamily="18" charset="0"/>
+                      </a:rPr>
+                      <m:t>Θ</m:t>
+                    </m:r>
+                    <m:r>
+                      <a:rPr lang="fr-BE" sz="2800" b="0" i="1" smtClean="0">
+                        <a:latin typeface="Cambria Math" panose="02040503050406030204" pitchFamily="18" charset="0"/>
+                        <a:ea typeface="Cambria Math" panose="02040503050406030204" pitchFamily="18" charset="0"/>
+                      </a:rPr>
+                      <m:t>(</m:t>
+                    </m:r>
+                    <m:r>
+                      <a:rPr lang="fr-BE" sz="2800" b="0" i="1" smtClean="0">
+                        <a:latin typeface="Cambria Math" panose="02040503050406030204" pitchFamily="18" charset="0"/>
+                        <a:ea typeface="Cambria Math" panose="02040503050406030204" pitchFamily="18" charset="0"/>
+                      </a:rPr>
+                      <m:t>𝐵</m:t>
+                    </m:r>
+                    <m:r>
+                      <a:rPr lang="fr-BE" sz="2800" b="0" i="1" smtClean="0">
+                        <a:latin typeface="Cambria Math" panose="02040503050406030204" pitchFamily="18" charset="0"/>
+                        <a:ea typeface="Cambria Math" panose="02040503050406030204" pitchFamily="18" charset="0"/>
+                      </a:rPr>
+                      <m:t>)</m:t>
+                    </m:r>
+                  </m:oMath>
+                </a14:m>
+                <a:r>
+                  <a:rPr lang="el-GR" sz="2800" dirty="0">
+                    <a:ea typeface="Cambria Math" panose="02040503050406030204" pitchFamily="18" charset="0"/>
+                  </a:rPr>
+                  <a:t> </a:t>
+                </a:r>
+                <a14:m>
+                  <m:oMath xmlns:m="http://schemas.openxmlformats.org/officeDocument/2006/math">
+                    <m:r>
+                      <m:rPr>
+                        <m:sty m:val="p"/>
+                      </m:rPr>
+                      <a:rPr lang="el-GR" sz="2800" i="1" smtClean="0">
+                        <a:latin typeface="Cambria Math" panose="02040503050406030204" pitchFamily="18" charset="0"/>
+                        <a:ea typeface="Cambria Math" panose="02040503050406030204" pitchFamily="18" charset="0"/>
+                      </a:rPr>
+                      <m:t>Θ</m:t>
+                    </m:r>
+                    <m:d>
+                      <m:dPr>
+                        <m:ctrlPr>
+                          <a:rPr lang="fr-BE" sz="2800" i="1">
+                            <a:latin typeface="Cambria Math" panose="02040503050406030204" pitchFamily="18" charset="0"/>
+                            <a:ea typeface="Cambria Math" panose="02040503050406030204" pitchFamily="18" charset="0"/>
+                          </a:rPr>
+                        </m:ctrlPr>
+                      </m:dPr>
+                      <m:e>
+                        <m:sSup>
+                          <m:sSupPr>
+                            <m:ctrlPr>
+                              <a:rPr lang="fr-BE" sz="2800" i="1">
+                                <a:latin typeface="Cambria Math" panose="02040503050406030204" pitchFamily="18" charset="0"/>
+                                <a:ea typeface="Cambria Math" panose="02040503050406030204" pitchFamily="18" charset="0"/>
+                              </a:rPr>
+                            </m:ctrlPr>
+                          </m:sSupPr>
+                          <m:e>
+                            <m:r>
+                              <a:rPr lang="fr-BE" sz="2800" i="1">
+                                <a:latin typeface="Cambria Math" panose="02040503050406030204" pitchFamily="18" charset="0"/>
+                                <a:ea typeface="Cambria Math" panose="02040503050406030204" pitchFamily="18" charset="0"/>
+                              </a:rPr>
+                              <m:t>𝐵</m:t>
+                            </m:r>
+                          </m:e>
+                          <m:sup>
+                            <m:r>
+                              <a:rPr lang="fr-BE" sz="2800" i="1">
+                                <a:latin typeface="Cambria Math" panose="02040503050406030204" pitchFamily="18" charset="0"/>
+                                <a:ea typeface="Cambria Math" panose="02040503050406030204" pitchFamily="18" charset="0"/>
+                              </a:rPr>
+                              <m:t>𝑓</m:t>
+                            </m:r>
+                          </m:sup>
+                        </m:sSup>
+                      </m:e>
+                    </m:d>
+                  </m:oMath>
+                </a14:m>
+                <a:r>
+                  <a:rPr lang="fr-BE" sz="2800" dirty="0"/>
+                  <a:t> </a:t>
+                </a:r>
+                <a14:m>
+                  <m:oMath xmlns:m="http://schemas.openxmlformats.org/officeDocument/2006/math">
+                    <m:sSub>
+                      <m:sSubPr>
+                        <m:ctrlPr>
+                          <a:rPr lang="fr-BE" sz="2800" i="1">
+                            <a:latin typeface="Cambria Math" panose="02040503050406030204" pitchFamily="18" charset="0"/>
+                          </a:rPr>
+                        </m:ctrlPr>
+                      </m:sSubPr>
+                      <m:e>
+                        <m:r>
+                          <a:rPr lang="fr-BE" sz="2800" i="1">
+                            <a:latin typeface="Cambria Math" panose="02040503050406030204" pitchFamily="18" charset="0"/>
+                            <a:ea typeface="Cambria Math" panose="02040503050406030204" pitchFamily="18" charset="0"/>
+                          </a:rPr>
+                          <m:t>𝜀</m:t>
+                        </m:r>
+                      </m:e>
+                      <m:sub>
+                        <m:r>
+                          <a:rPr lang="fr-BE" sz="2800" i="1">
+                            <a:latin typeface="Cambria Math" panose="02040503050406030204" pitchFamily="18" charset="0"/>
+                          </a:rPr>
+                          <m:t>𝑡</m:t>
+                        </m:r>
+                      </m:sub>
+                    </m:sSub>
+                    <m:r>
+                      <a:rPr lang="fr-BE" sz="2800" i="1">
+                        <a:latin typeface="Cambria Math" panose="02040503050406030204" pitchFamily="18" charset="0"/>
+                      </a:rPr>
+                      <m:t>,</m:t>
+                    </m:r>
+                    <m:sSub>
+                      <m:sSubPr>
+                        <m:ctrlPr>
+                          <a:rPr lang="fr-BE" sz="2800" i="1">
+                            <a:latin typeface="Cambria Math" panose="02040503050406030204" pitchFamily="18" charset="0"/>
+                          </a:rPr>
+                        </m:ctrlPr>
+                      </m:sSubPr>
+                      <m:e>
+                        <m:r>
+                          <a:rPr lang="fr-BE" sz="2800" i="1">
+                            <a:latin typeface="Cambria Math" panose="02040503050406030204" pitchFamily="18" charset="0"/>
+                          </a:rPr>
+                          <m:t>    </m:t>
+                        </m:r>
+                        <m:r>
+                          <a:rPr lang="fr-BE" sz="2800" i="1">
+                            <a:latin typeface="Cambria Math" panose="02040503050406030204" pitchFamily="18" charset="0"/>
+                            <a:ea typeface="Cambria Math" panose="02040503050406030204" pitchFamily="18" charset="0"/>
+                          </a:rPr>
+                          <m:t>𝜀</m:t>
+                        </m:r>
+                      </m:e>
+                      <m:sub>
+                        <m:r>
+                          <a:rPr lang="fr-BE" sz="2800" i="1">
+                            <a:latin typeface="Cambria Math" panose="02040503050406030204" pitchFamily="18" charset="0"/>
+                          </a:rPr>
+                          <m:t>𝑡</m:t>
+                        </m:r>
+                      </m:sub>
+                    </m:sSub>
+                    <m:r>
+                      <a:rPr lang="fr-BE" sz="2800" i="1">
+                        <a:latin typeface="Cambria Math" panose="02040503050406030204" pitchFamily="18" charset="0"/>
+                        <a:ea typeface="Cambria Math" panose="02040503050406030204" pitchFamily="18" charset="0"/>
+                      </a:rPr>
+                      <m:t>~</m:t>
+                    </m:r>
+                    <m:r>
+                      <a:rPr lang="fr-BE" sz="2800" i="1">
+                        <a:latin typeface="Cambria Math" panose="02040503050406030204" pitchFamily="18" charset="0"/>
+                        <a:ea typeface="Cambria Math" panose="02040503050406030204" pitchFamily="18" charset="0"/>
+                      </a:rPr>
+                      <m:t>𝑁</m:t>
+                    </m:r>
+                    <m:d>
+                      <m:dPr>
+                        <m:ctrlPr>
+                          <a:rPr lang="fr-BE" sz="2800" i="1">
+                            <a:latin typeface="Cambria Math" panose="02040503050406030204" pitchFamily="18" charset="0"/>
+                            <a:ea typeface="Cambria Math" panose="02040503050406030204" pitchFamily="18" charset="0"/>
+                          </a:rPr>
+                        </m:ctrlPr>
+                      </m:dPr>
+                      <m:e>
+                        <m:r>
+                          <a:rPr lang="fr-BE" sz="2800" i="1">
+                            <a:latin typeface="Cambria Math" panose="02040503050406030204" pitchFamily="18" charset="0"/>
+                            <a:ea typeface="Cambria Math" panose="02040503050406030204" pitchFamily="18" charset="0"/>
+                          </a:rPr>
+                          <m:t>0, </m:t>
+                        </m:r>
+                        <m:sSubSup>
+                          <m:sSubSupPr>
+                            <m:ctrlPr>
+                              <a:rPr lang="fr-BE" sz="2800" i="1" smtClean="0">
+                                <a:solidFill>
+                                  <a:schemeClr val="tx1"/>
+                                </a:solidFill>
+                                <a:latin typeface="Cambria Math" panose="02040503050406030204" pitchFamily="18" charset="0"/>
+                                <a:ea typeface="Cambria Math" panose="02040503050406030204" pitchFamily="18" charset="0"/>
+                              </a:rPr>
+                            </m:ctrlPr>
+                          </m:sSubSupPr>
+                          <m:e>
+                            <m:r>
+                              <a:rPr lang="fr-BE" sz="2800" b="0" i="1">
+                                <a:solidFill>
+                                  <a:schemeClr val="tx1"/>
+                                </a:solidFill>
+                                <a:latin typeface="Cambria Math" panose="02040503050406030204" pitchFamily="18" charset="0"/>
+                                <a:ea typeface="Cambria Math" panose="02040503050406030204" pitchFamily="18" charset="0"/>
+                              </a:rPr>
+                              <m:t>𝜎</m:t>
+                            </m:r>
+                          </m:e>
+                          <m:sub>
+                            <m:r>
+                              <a:rPr lang="fr-BE" sz="2800" b="0" i="1">
+                                <a:solidFill>
+                                  <a:schemeClr val="tx1"/>
+                                </a:solidFill>
+                                <a:latin typeface="Cambria Math" panose="02040503050406030204" pitchFamily="18" charset="0"/>
+                                <a:ea typeface="Cambria Math" panose="02040503050406030204" pitchFamily="18" charset="0"/>
+                              </a:rPr>
+                              <m:t>𝜀</m:t>
+                            </m:r>
+                          </m:sub>
+                          <m:sup>
+                            <m:r>
+                              <a:rPr lang="fr-BE" sz="2800" b="0" i="1">
+                                <a:solidFill>
+                                  <a:schemeClr val="tx1"/>
+                                </a:solidFill>
+                                <a:latin typeface="Cambria Math" panose="02040503050406030204" pitchFamily="18" charset="0"/>
+                                <a:ea typeface="Cambria Math" panose="02040503050406030204" pitchFamily="18" charset="0"/>
+                              </a:rPr>
+                              <m:t>2</m:t>
+                            </m:r>
+                          </m:sup>
+                        </m:sSubSup>
+                      </m:e>
+                    </m:d>
+                  </m:oMath>
+                </a14:m>
+                <a:endParaRPr lang="fr-BE" sz="2800" dirty="0">
+                  <a:ea typeface="Cambria Math" panose="02040503050406030204" pitchFamily="18" charset="0"/>
+                </a:endParaRPr>
+              </a:p>
+              <a:p>
+                <a:pPr marL="800100" lvl="2" indent="0">
+                  <a:buNone/>
+                </a:pPr>
+                <a:endParaRPr lang="fr-BE" sz="2800" dirty="0"/>
+              </a:p>
+              <a:p>
+                <a:pPr marL="1257300" lvl="3" indent="0">
+                  <a:buNone/>
+                </a:pPr>
+                <a:r>
+                  <a:rPr lang="fr-BE" sz="2400" dirty="0"/>
+                  <a:t>Or</a:t>
+                </a:r>
+              </a:p>
+              <a:p>
+                <a:pPr marL="1257300" lvl="3" indent="0">
+                  <a:buNone/>
+                </a:pPr>
+                <a:endParaRPr lang="fr-BE" sz="2400" dirty="0"/>
+              </a:p>
+              <a:p>
+                <a:pPr marL="800100" lvl="2" indent="0">
+                  <a:buNone/>
+                </a:pPr>
+                <a14:m>
+                  <m:oMathPara xmlns:m="http://schemas.openxmlformats.org/officeDocument/2006/math">
+                    <m:oMathParaPr>
+                      <m:jc m:val="centerGroup"/>
+                    </m:oMathParaPr>
+                    <m:oMath xmlns:m="http://schemas.openxmlformats.org/officeDocument/2006/math">
+                      <m:sSub>
+                        <m:sSubPr>
+                          <m:ctrlPr>
+                            <a:rPr lang="fr-BE" sz="2800" i="1">
+                              <a:latin typeface="Cambria Math" panose="02040503050406030204" pitchFamily="18" charset="0"/>
+                              <a:ea typeface="Cambria Math" panose="02040503050406030204" pitchFamily="18" charset="0"/>
+                            </a:rPr>
+                          </m:ctrlPr>
+                        </m:sSubPr>
+                        <m:e>
+                          <m:r>
+                            <a:rPr lang="fr-BE" sz="2800" i="1">
+                              <a:latin typeface="Cambria Math" panose="02040503050406030204" pitchFamily="18" charset="0"/>
+                              <a:ea typeface="Cambria Math" panose="02040503050406030204" pitchFamily="18" charset="0"/>
+                            </a:rPr>
+                            <m:t>𝑦</m:t>
+                          </m:r>
+                        </m:e>
+                        <m:sub>
+                          <m:r>
+                            <a:rPr lang="fr-BE" sz="2800" i="1">
+                              <a:latin typeface="Cambria Math" panose="02040503050406030204" pitchFamily="18" charset="0"/>
+                              <a:ea typeface="Cambria Math" panose="02040503050406030204" pitchFamily="18" charset="0"/>
+                            </a:rPr>
+                            <m:t>𝑡</m:t>
+                          </m:r>
+                        </m:sub>
+                      </m:sSub>
+                      <m:r>
+                        <a:rPr lang="fr-BE" sz="2800" b="0" i="1" smtClean="0">
+                          <a:latin typeface="Cambria Math" panose="02040503050406030204" pitchFamily="18" charset="0"/>
+                          <a:ea typeface="Cambria Math" panose="02040503050406030204" pitchFamily="18" charset="0"/>
+                        </a:rPr>
+                        <m:t>=</m:t>
+                      </m:r>
+                      <m:sSub>
+                        <m:sSubPr>
+                          <m:ctrlPr>
+                            <a:rPr lang="fr-BE" sz="2800" b="0" i="1" smtClean="0">
+                              <a:latin typeface="Cambria Math" panose="02040503050406030204" pitchFamily="18" charset="0"/>
+                              <a:ea typeface="Cambria Math" panose="02040503050406030204" pitchFamily="18" charset="0"/>
+                            </a:rPr>
+                          </m:ctrlPr>
+                        </m:sSubPr>
+                        <m:e>
+                          <m:sSub>
+                            <m:sSubPr>
+                              <m:ctrlPr>
+                                <a:rPr lang="fr-BE" sz="2800" i="1">
+                                  <a:latin typeface="Cambria Math" panose="02040503050406030204" pitchFamily="18" charset="0"/>
+                                  <a:ea typeface="Cambria Math" panose="02040503050406030204" pitchFamily="18" charset="0"/>
+                                </a:rPr>
+                              </m:ctrlPr>
+                            </m:sSubPr>
+                            <m:e>
+                              <m:r>
+                                <a:rPr lang="fr-BE" sz="2800" i="1">
+                                  <a:latin typeface="Cambria Math" panose="02040503050406030204" pitchFamily="18" charset="0"/>
+                                  <a:ea typeface="Cambria Math" panose="02040503050406030204" pitchFamily="18" charset="0"/>
+                                </a:rPr>
+                                <m:t>𝑦</m:t>
+                              </m:r>
+                            </m:e>
+                            <m:sub>
+                              <m:r>
+                                <a:rPr lang="fr-BE" sz="2800" i="1">
+                                  <a:latin typeface="Cambria Math" panose="02040503050406030204" pitchFamily="18" charset="0"/>
+                                  <a:ea typeface="Cambria Math" panose="02040503050406030204" pitchFamily="18" charset="0"/>
+                                </a:rPr>
+                                <m:t>𝑡</m:t>
+                              </m:r>
+                              <m:r>
+                                <a:rPr lang="fr-BE" sz="2800" i="1">
+                                  <a:latin typeface="Cambria Math" panose="02040503050406030204" pitchFamily="18" charset="0"/>
+                                  <a:ea typeface="Cambria Math" panose="02040503050406030204" pitchFamily="18" charset="0"/>
+                                </a:rPr>
+                                <m:t>−</m:t>
+                              </m:r>
+                              <m:r>
+                                <a:rPr lang="fr-BE" sz="2800" i="1">
+                                  <a:latin typeface="Cambria Math" panose="02040503050406030204" pitchFamily="18" charset="0"/>
+                                  <a:ea typeface="Cambria Math" panose="02040503050406030204" pitchFamily="18" charset="0"/>
+                                </a:rPr>
+                                <m:t>𝑓</m:t>
+                              </m:r>
+                            </m:sub>
+                          </m:sSub>
+                          <m:r>
+                            <a:rPr lang="fr-BE" sz="2800" i="1">
+                              <a:latin typeface="Cambria Math" panose="02040503050406030204" pitchFamily="18" charset="0"/>
+                              <a:ea typeface="Cambria Math" panose="02040503050406030204" pitchFamily="18" charset="0"/>
+                            </a:rPr>
+                            <m:t>+</m:t>
+                          </m:r>
+                          <m:r>
+                            <a:rPr lang="fr-BE" sz="2800" b="0" i="1" smtClean="0">
+                              <a:latin typeface="Cambria Math" panose="02040503050406030204" pitchFamily="18" charset="0"/>
+                              <a:ea typeface="Cambria Math" panose="02040503050406030204" pitchFamily="18" charset="0"/>
+                            </a:rPr>
+                            <m:t>(</m:t>
+                          </m:r>
+                          <m:r>
+                            <a:rPr lang="fr-BE" sz="2800" i="1">
+                              <a:latin typeface="Cambria Math" panose="02040503050406030204" pitchFamily="18" charset="0"/>
+                              <a:ea typeface="Cambria Math" panose="02040503050406030204" pitchFamily="18" charset="0"/>
+                            </a:rPr>
+                            <m:t>𝑦</m:t>
+                          </m:r>
+                        </m:e>
+                        <m:sub>
+                          <m:r>
+                            <a:rPr lang="fr-BE" sz="2800" b="0" i="1" smtClean="0">
+                              <a:latin typeface="Cambria Math" panose="02040503050406030204" pitchFamily="18" charset="0"/>
+                              <a:ea typeface="Cambria Math" panose="02040503050406030204" pitchFamily="18" charset="0"/>
+                            </a:rPr>
+                            <m:t>𝑡</m:t>
+                          </m:r>
+                          <m:r>
+                            <a:rPr lang="fr-BE" sz="2800" b="0" i="1" smtClean="0">
+                              <a:latin typeface="Cambria Math" panose="02040503050406030204" pitchFamily="18" charset="0"/>
+                              <a:ea typeface="Cambria Math" panose="02040503050406030204" pitchFamily="18" charset="0"/>
+                            </a:rPr>
+                            <m:t>−1</m:t>
+                          </m:r>
+                        </m:sub>
+                      </m:sSub>
+                      <m:r>
+                        <a:rPr lang="fr-BE" sz="2800" b="0" i="1" smtClean="0">
+                          <a:latin typeface="Cambria Math" panose="02040503050406030204" pitchFamily="18" charset="0"/>
+                          <a:ea typeface="Cambria Math" panose="02040503050406030204" pitchFamily="18" charset="0"/>
+                        </a:rPr>
+                        <m:t>−</m:t>
+                      </m:r>
+                      <m:sSub>
+                        <m:sSubPr>
+                          <m:ctrlPr>
+                            <a:rPr lang="fr-BE" sz="2800" b="0" i="1" smtClean="0">
+                              <a:latin typeface="Cambria Math" panose="02040503050406030204" pitchFamily="18" charset="0"/>
+                              <a:ea typeface="Cambria Math" panose="02040503050406030204" pitchFamily="18" charset="0"/>
+                            </a:rPr>
+                          </m:ctrlPr>
+                        </m:sSubPr>
+                        <m:e>
+                          <m:r>
+                            <a:rPr lang="fr-BE" sz="2800" b="0" i="1" smtClean="0">
+                              <a:latin typeface="Cambria Math" panose="02040503050406030204" pitchFamily="18" charset="0"/>
+                              <a:ea typeface="Cambria Math" panose="02040503050406030204" pitchFamily="18" charset="0"/>
+                            </a:rPr>
+                            <m:t>𝑦</m:t>
+                          </m:r>
+                        </m:e>
+                        <m:sub>
+                          <m:r>
+                            <a:rPr lang="fr-BE" sz="2800" b="0" i="1" smtClean="0">
+                              <a:latin typeface="Cambria Math" panose="02040503050406030204" pitchFamily="18" charset="0"/>
+                              <a:ea typeface="Cambria Math" panose="02040503050406030204" pitchFamily="18" charset="0"/>
+                            </a:rPr>
+                            <m:t>𝑡</m:t>
+                          </m:r>
+                          <m:r>
+                            <a:rPr lang="fr-BE" sz="2800" b="0" i="1" smtClean="0">
+                              <a:latin typeface="Cambria Math" panose="02040503050406030204" pitchFamily="18" charset="0"/>
+                              <a:ea typeface="Cambria Math" panose="02040503050406030204" pitchFamily="18" charset="0"/>
+                            </a:rPr>
+                            <m:t>−</m:t>
+                          </m:r>
+                          <m:r>
+                            <a:rPr lang="fr-BE" sz="2800" b="0" i="1" smtClean="0">
+                              <a:latin typeface="Cambria Math" panose="02040503050406030204" pitchFamily="18" charset="0"/>
+                              <a:ea typeface="Cambria Math" panose="02040503050406030204" pitchFamily="18" charset="0"/>
+                            </a:rPr>
+                            <m:t>𝑓</m:t>
+                          </m:r>
+                          <m:r>
+                            <a:rPr lang="fr-BE" sz="2800" b="0" i="1" smtClean="0">
+                              <a:latin typeface="Cambria Math" panose="02040503050406030204" pitchFamily="18" charset="0"/>
+                              <a:ea typeface="Cambria Math" panose="02040503050406030204" pitchFamily="18" charset="0"/>
+                            </a:rPr>
+                            <m:t>−1</m:t>
+                          </m:r>
+                        </m:sub>
+                      </m:sSub>
+                      <m:r>
+                        <a:rPr lang="fr-BE" sz="2800" b="0" i="1" smtClean="0">
+                          <a:latin typeface="Cambria Math" panose="02040503050406030204" pitchFamily="18" charset="0"/>
+                          <a:ea typeface="Cambria Math" panose="02040503050406030204" pitchFamily="18" charset="0"/>
+                        </a:rPr>
+                        <m:t>)+</m:t>
+                      </m:r>
+                    </m:oMath>
+                  </m:oMathPara>
+                </a14:m>
+                <a:endParaRPr lang="fr-BE" sz="2800" b="0" i="1" dirty="0">
+                  <a:latin typeface="Cambria Math" panose="02040503050406030204" pitchFamily="18" charset="0"/>
+                  <a:ea typeface="Cambria Math" panose="02040503050406030204" pitchFamily="18" charset="0"/>
+                </a:endParaRPr>
+              </a:p>
+              <a:p>
+                <a:pPr marL="800100" lvl="2" indent="0">
+                  <a:buNone/>
+                </a:pPr>
+                <a14:m>
+                  <m:oMathPara xmlns:m="http://schemas.openxmlformats.org/officeDocument/2006/math">
+                    <m:oMathParaPr>
+                      <m:jc m:val="centerGroup"/>
+                    </m:oMathParaPr>
+                    <m:oMath xmlns:m="http://schemas.openxmlformats.org/officeDocument/2006/math">
+                      <m:sSub>
+                        <m:sSubPr>
+                          <m:ctrlPr>
+                            <a:rPr lang="fr-BE" sz="2800" b="0" i="1" smtClean="0">
+                              <a:latin typeface="Cambria Math" panose="02040503050406030204" pitchFamily="18" charset="0"/>
+                              <a:ea typeface="Cambria Math" panose="02040503050406030204" pitchFamily="18" charset="0"/>
+                            </a:rPr>
+                          </m:ctrlPr>
+                        </m:sSubPr>
+                        <m:e>
+                          <m:r>
+                            <a:rPr lang="fr-BE" sz="2800" i="1">
+                              <a:latin typeface="Cambria Math" panose="02040503050406030204" pitchFamily="18" charset="0"/>
+                              <a:ea typeface="Cambria Math" panose="02040503050406030204" pitchFamily="18" charset="0"/>
+                            </a:rPr>
+                            <m:t>𝜀</m:t>
+                          </m:r>
+                        </m:e>
+                        <m:sub>
+                          <m:r>
+                            <a:rPr lang="fr-BE" sz="2800" b="0" i="1" smtClean="0">
+                              <a:latin typeface="Cambria Math" panose="02040503050406030204" pitchFamily="18" charset="0"/>
+                              <a:ea typeface="Cambria Math" panose="02040503050406030204" pitchFamily="18" charset="0"/>
+                            </a:rPr>
+                            <m:t>𝑡</m:t>
+                          </m:r>
+                        </m:sub>
+                      </m:sSub>
+                      <m:r>
+                        <a:rPr lang="fr-BE" sz="2800" i="1">
+                          <a:latin typeface="Cambria Math" panose="02040503050406030204" pitchFamily="18" charset="0"/>
+                          <a:ea typeface="Cambria Math" panose="02040503050406030204" pitchFamily="18" charset="0"/>
+                        </a:rPr>
+                        <m:t>+</m:t>
+                      </m:r>
+                      <m:sSub>
+                        <m:sSubPr>
+                          <m:ctrlPr>
+                            <a:rPr lang="fr-BE" sz="2800" b="1" i="1">
+                              <a:solidFill>
+                                <a:schemeClr val="accent1"/>
+                              </a:solidFill>
+                              <a:latin typeface="Cambria Math" panose="02040503050406030204" pitchFamily="18" charset="0"/>
+                              <a:ea typeface="Cambria Math" panose="02040503050406030204" pitchFamily="18" charset="0"/>
+                            </a:rPr>
+                          </m:ctrlPr>
+                        </m:sSubPr>
+                        <m:e>
+                          <m:r>
+                            <a:rPr lang="fr-BE" sz="2800" b="1" i="1">
+                              <a:solidFill>
+                                <a:schemeClr val="accent1"/>
+                              </a:solidFill>
+                              <a:latin typeface="Cambria Math" panose="02040503050406030204" pitchFamily="18" charset="0"/>
+                              <a:ea typeface="Cambria Math" panose="02040503050406030204" pitchFamily="18" charset="0"/>
+                            </a:rPr>
+                            <m:t>𝜽</m:t>
+                          </m:r>
+                        </m:e>
+                        <m:sub>
+                          <m:r>
+                            <a:rPr lang="fr-BE" sz="2800" b="1" i="1">
+                              <a:solidFill>
+                                <a:schemeClr val="accent1"/>
+                              </a:solidFill>
+                              <a:latin typeface="Cambria Math" panose="02040503050406030204" pitchFamily="18" charset="0"/>
+                              <a:ea typeface="Cambria Math" panose="02040503050406030204" pitchFamily="18" charset="0"/>
+                            </a:rPr>
+                            <m:t>𝒇</m:t>
+                          </m:r>
+                        </m:sub>
+                      </m:sSub>
+                      <m:sSub>
+                        <m:sSubPr>
+                          <m:ctrlPr>
+                            <a:rPr lang="fr-BE" sz="2800" i="1">
+                              <a:latin typeface="Cambria Math" panose="02040503050406030204" pitchFamily="18" charset="0"/>
+                              <a:ea typeface="Cambria Math" panose="02040503050406030204" pitchFamily="18" charset="0"/>
+                            </a:rPr>
+                          </m:ctrlPr>
+                        </m:sSubPr>
+                        <m:e>
+                          <m:r>
+                            <a:rPr lang="fr-BE" sz="2800" i="1">
+                              <a:latin typeface="Cambria Math" panose="02040503050406030204" pitchFamily="18" charset="0"/>
+                              <a:ea typeface="Cambria Math" panose="02040503050406030204" pitchFamily="18" charset="0"/>
+                            </a:rPr>
+                            <m:t>𝜀</m:t>
+                          </m:r>
+                        </m:e>
+                        <m:sub>
+                          <m:r>
+                            <a:rPr lang="fr-BE" sz="2800" i="1">
+                              <a:latin typeface="Cambria Math" panose="02040503050406030204" pitchFamily="18" charset="0"/>
+                              <a:ea typeface="Cambria Math" panose="02040503050406030204" pitchFamily="18" charset="0"/>
+                            </a:rPr>
+                            <m:t>𝑡</m:t>
+                          </m:r>
+                          <m:r>
+                            <a:rPr lang="fr-BE" sz="2800" i="1">
+                              <a:latin typeface="Cambria Math" panose="02040503050406030204" pitchFamily="18" charset="0"/>
+                              <a:ea typeface="Cambria Math" panose="02040503050406030204" pitchFamily="18" charset="0"/>
+                            </a:rPr>
+                            <m:t>−</m:t>
+                          </m:r>
+                          <m:r>
+                            <a:rPr lang="fr-BE" sz="2800" i="1">
+                              <a:latin typeface="Cambria Math" panose="02040503050406030204" pitchFamily="18" charset="0"/>
+                              <a:ea typeface="Cambria Math" panose="02040503050406030204" pitchFamily="18" charset="0"/>
+                            </a:rPr>
+                            <m:t>𝑓</m:t>
+                          </m:r>
+                        </m:sub>
+                      </m:sSub>
+                      <m:r>
+                        <a:rPr lang="fr-BE" sz="2800" b="0" i="1" smtClean="0">
+                          <a:latin typeface="Cambria Math" panose="02040503050406030204" pitchFamily="18" charset="0"/>
+                          <a:ea typeface="Cambria Math" panose="02040503050406030204" pitchFamily="18" charset="0"/>
+                        </a:rPr>
+                        <m:t>+</m:t>
+                      </m:r>
+                      <m:r>
+                        <a:rPr lang="fr-BE" sz="2800" b="1" i="1" smtClean="0">
+                          <a:solidFill>
+                            <a:schemeClr val="accent1"/>
+                          </a:solidFill>
+                          <a:latin typeface="Cambria Math" panose="02040503050406030204" pitchFamily="18" charset="0"/>
+                          <a:ea typeface="Cambria Math" panose="02040503050406030204" pitchFamily="18" charset="0"/>
+                        </a:rPr>
+                        <m:t>𝜽</m:t>
+                      </m:r>
+                      <m:r>
+                        <a:rPr lang="fr-BE" sz="2800" b="0" i="1" smtClean="0">
+                          <a:solidFill>
+                            <a:schemeClr val="tx1"/>
+                          </a:solidFill>
+                          <a:latin typeface="Cambria Math" panose="02040503050406030204" pitchFamily="18" charset="0"/>
+                          <a:ea typeface="Cambria Math" panose="02040503050406030204" pitchFamily="18" charset="0"/>
+                        </a:rPr>
+                        <m:t>(</m:t>
+                      </m:r>
+                      <m:sSub>
+                        <m:sSubPr>
+                          <m:ctrlPr>
+                            <a:rPr lang="fr-BE" sz="2800" b="0" i="1" smtClean="0">
+                              <a:latin typeface="Cambria Math" panose="02040503050406030204" pitchFamily="18" charset="0"/>
+                              <a:ea typeface="Cambria Math" panose="02040503050406030204" pitchFamily="18" charset="0"/>
+                            </a:rPr>
+                          </m:ctrlPr>
+                        </m:sSubPr>
+                        <m:e>
+                          <m:r>
+                            <a:rPr lang="fr-BE" sz="2800" b="0" i="1" smtClean="0">
+                              <a:latin typeface="Cambria Math" panose="02040503050406030204" pitchFamily="18" charset="0"/>
+                              <a:ea typeface="Cambria Math" panose="02040503050406030204" pitchFamily="18" charset="0"/>
+                            </a:rPr>
+                            <m:t>𝜀</m:t>
+                          </m:r>
+                        </m:e>
+                        <m:sub>
+                          <m:r>
+                            <a:rPr lang="fr-BE" sz="2800" b="0" i="1" smtClean="0">
+                              <a:latin typeface="Cambria Math" panose="02040503050406030204" pitchFamily="18" charset="0"/>
+                              <a:ea typeface="Cambria Math" panose="02040503050406030204" pitchFamily="18" charset="0"/>
+                            </a:rPr>
+                            <m:t>𝑡</m:t>
+                          </m:r>
+                          <m:r>
+                            <a:rPr lang="fr-BE" sz="2800" b="0" i="1" smtClean="0">
+                              <a:latin typeface="Cambria Math" panose="02040503050406030204" pitchFamily="18" charset="0"/>
+                              <a:ea typeface="Cambria Math" panose="02040503050406030204" pitchFamily="18" charset="0"/>
+                            </a:rPr>
+                            <m:t>−1</m:t>
+                          </m:r>
+                        </m:sub>
+                      </m:sSub>
+                      <m:r>
+                        <a:rPr lang="fr-BE" sz="2800" i="1">
+                          <a:latin typeface="Cambria Math" panose="02040503050406030204" pitchFamily="18" charset="0"/>
+                          <a:ea typeface="Cambria Math" panose="02040503050406030204" pitchFamily="18" charset="0"/>
+                        </a:rPr>
+                        <m:t>+</m:t>
+                      </m:r>
+                      <m:sSub>
+                        <m:sSubPr>
+                          <m:ctrlPr>
+                            <a:rPr lang="fr-BE" sz="2800" b="1" i="1" smtClean="0">
+                              <a:solidFill>
+                                <a:schemeClr val="accent1"/>
+                              </a:solidFill>
+                              <a:latin typeface="Cambria Math" panose="02040503050406030204" pitchFamily="18" charset="0"/>
+                              <a:ea typeface="Cambria Math" panose="02040503050406030204" pitchFamily="18" charset="0"/>
+                            </a:rPr>
+                          </m:ctrlPr>
+                        </m:sSubPr>
+                        <m:e>
+                          <m:r>
+                            <a:rPr lang="fr-BE" sz="2800" b="1" i="1">
+                              <a:solidFill>
+                                <a:schemeClr val="accent1"/>
+                              </a:solidFill>
+                              <a:latin typeface="Cambria Math" panose="02040503050406030204" pitchFamily="18" charset="0"/>
+                              <a:ea typeface="Cambria Math" panose="02040503050406030204" pitchFamily="18" charset="0"/>
+                            </a:rPr>
+                            <m:t>𝜽</m:t>
+                          </m:r>
+                        </m:e>
+                        <m:sub>
+                          <m:r>
+                            <a:rPr lang="fr-BE" sz="2800" b="1" i="1">
+                              <a:solidFill>
+                                <a:schemeClr val="accent1"/>
+                              </a:solidFill>
+                              <a:latin typeface="Cambria Math" panose="02040503050406030204" pitchFamily="18" charset="0"/>
+                              <a:ea typeface="Cambria Math" panose="02040503050406030204" pitchFamily="18" charset="0"/>
+                            </a:rPr>
+                            <m:t>𝒇</m:t>
+                          </m:r>
+                        </m:sub>
+                      </m:sSub>
+                      <m:sSub>
+                        <m:sSubPr>
+                          <m:ctrlPr>
+                            <a:rPr lang="fr-BE" sz="2800" i="1">
+                              <a:latin typeface="Cambria Math" panose="02040503050406030204" pitchFamily="18" charset="0"/>
+                              <a:ea typeface="Cambria Math" panose="02040503050406030204" pitchFamily="18" charset="0"/>
+                            </a:rPr>
+                          </m:ctrlPr>
+                        </m:sSubPr>
+                        <m:e>
+                          <m:r>
+                            <a:rPr lang="fr-BE" sz="2800" i="1">
+                              <a:latin typeface="Cambria Math" panose="02040503050406030204" pitchFamily="18" charset="0"/>
+                              <a:ea typeface="Cambria Math" panose="02040503050406030204" pitchFamily="18" charset="0"/>
+                            </a:rPr>
+                            <m:t>𝜀</m:t>
+                          </m:r>
+                        </m:e>
+                        <m:sub>
+                          <m:r>
+                            <a:rPr lang="fr-BE" sz="2800" i="1">
+                              <a:latin typeface="Cambria Math" panose="02040503050406030204" pitchFamily="18" charset="0"/>
+                              <a:ea typeface="Cambria Math" panose="02040503050406030204" pitchFamily="18" charset="0"/>
+                            </a:rPr>
+                            <m:t>𝑡</m:t>
+                          </m:r>
+                          <m:r>
+                            <a:rPr lang="fr-BE" sz="2800" i="1">
+                              <a:latin typeface="Cambria Math" panose="02040503050406030204" pitchFamily="18" charset="0"/>
+                              <a:ea typeface="Cambria Math" panose="02040503050406030204" pitchFamily="18" charset="0"/>
+                            </a:rPr>
+                            <m:t>−</m:t>
+                          </m:r>
+                          <m:r>
+                            <a:rPr lang="fr-BE" sz="2800" i="1">
+                              <a:latin typeface="Cambria Math" panose="02040503050406030204" pitchFamily="18" charset="0"/>
+                              <a:ea typeface="Cambria Math" panose="02040503050406030204" pitchFamily="18" charset="0"/>
+                            </a:rPr>
+                            <m:t>𝑓</m:t>
+                          </m:r>
+                          <m:r>
+                            <a:rPr lang="fr-BE" sz="2800" i="1">
+                              <a:latin typeface="Cambria Math" panose="02040503050406030204" pitchFamily="18" charset="0"/>
+                              <a:ea typeface="Cambria Math" panose="02040503050406030204" pitchFamily="18" charset="0"/>
+                            </a:rPr>
+                            <m:t>−1</m:t>
+                          </m:r>
+                        </m:sub>
+                      </m:sSub>
+                      <m:r>
+                        <a:rPr lang="fr-BE" sz="2800" b="0" i="1" smtClean="0">
+                          <a:latin typeface="Cambria Math" panose="02040503050406030204" pitchFamily="18" charset="0"/>
+                          <a:ea typeface="Cambria Math" panose="02040503050406030204" pitchFamily="18" charset="0"/>
+                        </a:rPr>
+                        <m:t>)</m:t>
+                      </m:r>
+                      <m:r>
+                        <a:rPr lang="fr-BE" sz="2800" i="1">
+                          <a:latin typeface="Cambria Math" panose="02040503050406030204" pitchFamily="18" charset="0"/>
+                          <a:ea typeface="Cambria Math" panose="02040503050406030204" pitchFamily="18" charset="0"/>
+                        </a:rPr>
+                        <m:t>,</m:t>
+                      </m:r>
+                    </m:oMath>
+                  </m:oMathPara>
+                </a14:m>
+                <a:endParaRPr lang="fr-BE" sz="2800" b="0" i="1" dirty="0">
+                  <a:latin typeface="Cambria Math" panose="02040503050406030204" pitchFamily="18" charset="0"/>
+                  <a:ea typeface="Cambria Math" panose="02040503050406030204" pitchFamily="18" charset="0"/>
+                </a:endParaRPr>
+              </a:p>
+              <a:p>
+                <a:pPr marL="800100" lvl="2" indent="0">
+                  <a:buNone/>
+                </a:pPr>
+                <a:endParaRPr lang="fr-BE" sz="2800" b="0" i="1" dirty="0">
+                  <a:latin typeface="Cambria Math" panose="02040503050406030204" pitchFamily="18" charset="0"/>
+                  <a:ea typeface="Cambria Math" panose="02040503050406030204" pitchFamily="18" charset="0"/>
+                </a:endParaRPr>
+              </a:p>
+              <a:p>
+                <a:pPr marL="800100" lvl="2" indent="0">
+                  <a:buNone/>
+                </a:pPr>
+                <a14:m>
+                  <m:oMathPara xmlns:m="http://schemas.openxmlformats.org/officeDocument/2006/math">
+                    <m:oMathParaPr>
+                      <m:jc m:val="centerGroup"/>
+                    </m:oMathParaPr>
+                    <m:oMath xmlns:m="http://schemas.openxmlformats.org/officeDocument/2006/math">
+                      <m:sSub>
+                        <m:sSubPr>
+                          <m:ctrlPr>
+                            <a:rPr lang="fr-BE" sz="2800" i="1">
+                              <a:latin typeface="Cambria Math" panose="02040503050406030204" pitchFamily="18" charset="0"/>
+                            </a:rPr>
+                          </m:ctrlPr>
+                        </m:sSubPr>
+                        <m:e>
+                          <m:r>
+                            <a:rPr lang="fr-BE" sz="2800" i="1">
+                              <a:latin typeface="Cambria Math" panose="02040503050406030204" pitchFamily="18" charset="0"/>
+                            </a:rPr>
+                            <m:t>    </m:t>
+                          </m:r>
+                          <m:r>
+                            <a:rPr lang="fr-BE" sz="2800" b="0" i="1" smtClean="0">
+                              <a:latin typeface="Cambria Math" panose="02040503050406030204" pitchFamily="18" charset="0"/>
+                            </a:rPr>
+                            <m:t> </m:t>
+                          </m:r>
+                          <m:r>
+                            <a:rPr lang="fr-BE" sz="2800" i="1">
+                              <a:latin typeface="Cambria Math" panose="02040503050406030204" pitchFamily="18" charset="0"/>
+                              <a:ea typeface="Cambria Math" panose="02040503050406030204" pitchFamily="18" charset="0"/>
+                            </a:rPr>
+                            <m:t>𝜀</m:t>
+                          </m:r>
+                        </m:e>
+                        <m:sub>
+                          <m:r>
+                            <a:rPr lang="fr-BE" sz="2800" i="1">
+                              <a:latin typeface="Cambria Math" panose="02040503050406030204" pitchFamily="18" charset="0"/>
+                            </a:rPr>
+                            <m:t>𝑡</m:t>
+                          </m:r>
+                        </m:sub>
+                      </m:sSub>
+                      <m:r>
+                        <a:rPr lang="fr-BE" sz="2800" i="1">
+                          <a:latin typeface="Cambria Math" panose="02040503050406030204" pitchFamily="18" charset="0"/>
+                          <a:ea typeface="Cambria Math" panose="02040503050406030204" pitchFamily="18" charset="0"/>
+                        </a:rPr>
+                        <m:t>~</m:t>
+                      </m:r>
+                      <m:r>
+                        <a:rPr lang="fr-BE" sz="2800" i="1">
+                          <a:latin typeface="Cambria Math" panose="02040503050406030204" pitchFamily="18" charset="0"/>
+                          <a:ea typeface="Cambria Math" panose="02040503050406030204" pitchFamily="18" charset="0"/>
+                        </a:rPr>
+                        <m:t>𝑁</m:t>
+                      </m:r>
+                      <m:d>
+                        <m:dPr>
+                          <m:ctrlPr>
+                            <a:rPr lang="fr-BE" sz="2800" i="1">
+                              <a:latin typeface="Cambria Math" panose="02040503050406030204" pitchFamily="18" charset="0"/>
+                              <a:ea typeface="Cambria Math" panose="02040503050406030204" pitchFamily="18" charset="0"/>
+                            </a:rPr>
+                          </m:ctrlPr>
+                        </m:dPr>
+                        <m:e>
+                          <m:r>
+                            <a:rPr lang="fr-BE" sz="2800" i="1">
+                              <a:latin typeface="Cambria Math" panose="02040503050406030204" pitchFamily="18" charset="0"/>
+                              <a:ea typeface="Cambria Math" panose="02040503050406030204" pitchFamily="18" charset="0"/>
+                            </a:rPr>
+                            <m:t>0, </m:t>
+                          </m:r>
+                          <m:sSubSup>
+                            <m:sSubSupPr>
+                              <m:ctrlPr>
+                                <a:rPr lang="fr-BE" sz="2800" b="1" i="1">
+                                  <a:solidFill>
+                                    <a:srgbClr val="0070C0"/>
+                                  </a:solidFill>
+                                  <a:latin typeface="Cambria Math" panose="02040503050406030204" pitchFamily="18" charset="0"/>
+                                  <a:ea typeface="Cambria Math" panose="02040503050406030204" pitchFamily="18" charset="0"/>
+                                </a:rPr>
+                              </m:ctrlPr>
+                            </m:sSubSupPr>
+                            <m:e>
+                              <m:r>
+                                <a:rPr lang="fr-BE" sz="2800" b="1" i="1">
+                                  <a:solidFill>
+                                    <a:srgbClr val="0070C0"/>
+                                  </a:solidFill>
+                                  <a:latin typeface="Cambria Math" panose="02040503050406030204" pitchFamily="18" charset="0"/>
+                                  <a:ea typeface="Cambria Math" panose="02040503050406030204" pitchFamily="18" charset="0"/>
+                                </a:rPr>
+                                <m:t>𝝈</m:t>
+                              </m:r>
+                            </m:e>
+                            <m:sub>
+                              <m:r>
+                                <a:rPr lang="fr-BE" sz="2800" b="1" i="1">
+                                  <a:solidFill>
+                                    <a:srgbClr val="0070C0"/>
+                                  </a:solidFill>
+                                  <a:latin typeface="Cambria Math" panose="02040503050406030204" pitchFamily="18" charset="0"/>
+                                  <a:ea typeface="Cambria Math" panose="02040503050406030204" pitchFamily="18" charset="0"/>
+                                </a:rPr>
+                                <m:t>𝜺</m:t>
+                              </m:r>
+                            </m:sub>
+                            <m:sup>
+                              <m:r>
+                                <a:rPr lang="fr-BE" sz="2800" b="1" i="1">
+                                  <a:solidFill>
+                                    <a:srgbClr val="0070C0"/>
+                                  </a:solidFill>
+                                  <a:latin typeface="Cambria Math" panose="02040503050406030204" pitchFamily="18" charset="0"/>
+                                  <a:ea typeface="Cambria Math" panose="02040503050406030204" pitchFamily="18" charset="0"/>
+                                </a:rPr>
+                                <m:t>𝟐</m:t>
+                              </m:r>
+                            </m:sup>
+                          </m:sSubSup>
+                        </m:e>
+                      </m:d>
+                    </m:oMath>
+                  </m:oMathPara>
+                </a14:m>
+                <a:endParaRPr lang="fr-BE" sz="3200" dirty="0"/>
+              </a:p>
+            </p:txBody>
+          </p:sp>
+        </mc:Choice>
+        <mc:Fallback xmlns="">
+          <p:sp>
+            <p:nvSpPr>
+              <p:cNvPr id="3" name="Content Placeholder 2">
+                <a:extLst>
+                  <a:ext uri="{FF2B5EF4-FFF2-40B4-BE49-F238E27FC236}">
+                    <a16:creationId xmlns:a16="http://schemas.microsoft.com/office/drawing/2014/main" id="{B3BC01B2-B94B-F977-A448-FEC7CAE8ACEC}"/>
+                  </a:ext>
+                </a:extLst>
+              </p:cNvPr>
+              <p:cNvSpPr>
+                <a:spLocks noGrp="1" noRot="1" noChangeAspect="1" noMove="1" noResize="1" noEditPoints="1" noAdjustHandles="1" noChangeArrowheads="1" noChangeShapeType="1" noTextEdit="1"/>
+              </p:cNvSpPr>
+              <p:nvPr>
+                <p:ph idx="1"/>
+              </p:nvPr>
+            </p:nvSpPr>
+            <p:spPr>
+              <a:blipFill>
+                <a:blip r:embed="rId2"/>
+                <a:stretch>
+                  <a:fillRect/>
+                </a:stretch>
+              </a:blipFill>
+            </p:spPr>
+            <p:txBody>
+              <a:bodyPr/>
+              <a:lstStyle/>
+              <a:p>
+                <a:r>
+                  <a:rPr lang="fr-BE">
+                    <a:noFill/>
+                  </a:rPr>
+                  <a:t> </a:t>
+                </a:r>
+              </a:p>
+            </p:txBody>
+          </p:sp>
+        </mc:Fallback>
+      </mc:AlternateContent>
+      <p:sp>
+        <p:nvSpPr>
+          <p:cNvPr id="4" name="Date Placeholder 3">
+            <a:extLst>
+              <a:ext uri="{FF2B5EF4-FFF2-40B4-BE49-F238E27FC236}">
+                <a16:creationId xmlns:a16="http://schemas.microsoft.com/office/drawing/2014/main" id="{66E263AF-F09B-C540-A363-27FB4CAAF214}"/>
+              </a:ext>
+            </a:extLst>
+          </p:cNvPr>
+          <p:cNvSpPr>
+            <a:spLocks noGrp="1"/>
+          </p:cNvSpPr>
+          <p:nvPr>
+            <p:ph type="dt" sz="half" idx="10"/>
+          </p:nvPr>
+        </p:nvSpPr>
+        <p:spPr/>
+        <p:txBody>
+          <a:bodyPr/>
+          <a:lstStyle/>
+          <a:p>
+            <a:r>
+              <a:rPr lang="fr-FR"/>
+              <a:t>17-19/10/2023</a:t>
+            </a:r>
+            <a:endParaRPr lang="fr-BE"/>
+          </a:p>
+        </p:txBody>
+      </p:sp>
+      <p:sp>
+        <p:nvSpPr>
+          <p:cNvPr id="5" name="Footer Placeholder 4">
+            <a:extLst>
+              <a:ext uri="{FF2B5EF4-FFF2-40B4-BE49-F238E27FC236}">
+                <a16:creationId xmlns:a16="http://schemas.microsoft.com/office/drawing/2014/main" id="{D1DB2D8E-AE2E-90C1-822F-C7FC775EDC44}"/>
+              </a:ext>
+            </a:extLst>
+          </p:cNvPr>
+          <p:cNvSpPr>
+            <a:spLocks noGrp="1"/>
+          </p:cNvSpPr>
+          <p:nvPr>
+            <p:ph type="ftr" sz="quarter" idx="11"/>
+          </p:nvPr>
+        </p:nvSpPr>
+        <p:spPr/>
+        <p:txBody>
+          <a:bodyPr/>
+          <a:lstStyle/>
+          <a:p>
+            <a:r>
+              <a:rPr lang="en-GB"/>
+              <a:t>CONTRACTORS ORGANISING SOME OF THE COURSES ARE ACTING UNDER A FRAMEWORK CONTRACT CONCLUDED WITH THE COMMISSION</a:t>
+            </a:r>
+            <a:endParaRPr lang="fr-BE"/>
+          </a:p>
+        </p:txBody>
+      </p:sp>
+      <p:sp>
+        <p:nvSpPr>
+          <p:cNvPr id="6" name="Slide Number Placeholder 5">
+            <a:extLst>
+              <a:ext uri="{FF2B5EF4-FFF2-40B4-BE49-F238E27FC236}">
+                <a16:creationId xmlns:a16="http://schemas.microsoft.com/office/drawing/2014/main" id="{8BC24608-F47B-3B45-8DF7-02AC1631B79F}"/>
+              </a:ext>
+            </a:extLst>
+          </p:cNvPr>
+          <p:cNvSpPr>
+            <a:spLocks noGrp="1"/>
+          </p:cNvSpPr>
+          <p:nvPr>
+            <p:ph type="sldNum" sz="quarter" idx="12"/>
+          </p:nvPr>
+        </p:nvSpPr>
+        <p:spPr/>
+        <p:txBody>
+          <a:bodyPr/>
+          <a:lstStyle/>
+          <a:p>
+            <a:fld id="{F12E9969-9346-4095-A7C3-836AAB82C09A}" type="slidenum">
+              <a:rPr lang="fr-BE" smtClean="0"/>
+              <a:t>10</a:t>
+            </a:fld>
+            <a:endParaRPr lang="fr-BE"/>
+          </a:p>
+        </p:txBody>
+      </p:sp>
+    </p:spTree>
+    <p:extLst>
+      <p:ext uri="{BB962C8B-B14F-4D97-AF65-F5344CB8AC3E}">
+        <p14:creationId xmlns:p14="http://schemas.microsoft.com/office/powerpoint/2010/main" val="674429514"/>
+      </p:ext>
+    </p:extLst>
+  </p:cSld>
+  <p:clrMapOvr>
+    <a:masterClrMapping/>
+  </p:clrMapOvr>
+</p:sld>
+</file>
+
+<file path=ppt/slides/slide11.xml><?xml version="1.0" encoding="utf-8"?>
+<p:sld xmlns:a="http://schemas.openxmlformats.org/drawingml/2006/main" xmlns:r="http://schemas.openxmlformats.org/officeDocument/2006/relationships" xmlns:p="http://schemas.openxmlformats.org/presentationml/2006/main">
+  <p:cSld>
+    <p:spTree>
+      <p:nvGrpSpPr>
+        <p:cNvPr id="1" name=""/>
+        <p:cNvGrpSpPr/>
+        <p:nvPr/>
+      </p:nvGrpSpPr>
+      <p:grpSpPr>
+        <a:xfrm>
+          <a:off x="0" y="0"/>
+          <a:ext cx="0" cy="0"/>
+          <a:chOff x="0" y="0"/>
+          <a:chExt cx="0" cy="0"/>
+        </a:xfrm>
+      </p:grpSpPr>
+      <p:sp>
+        <p:nvSpPr>
+          <p:cNvPr id="2" name="Title 1">
+            <a:extLst>
+              <a:ext uri="{FF2B5EF4-FFF2-40B4-BE49-F238E27FC236}">
                 <a16:creationId xmlns:a16="http://schemas.microsoft.com/office/drawing/2014/main" id="{3D5010D0-AEDF-12EB-6FFB-85F8D6856DAA}"/>
               </a:ext>
             </a:extLst>
@@ -4604,7 +5830,7 @@
           <a:p>
             <a:fld id="{F12E9969-9346-4095-A7C3-836AAB82C09A}" type="slidenum">
               <a:rPr lang="fr-BE" smtClean="0"/>
-              <a:t>10</a:t>
+              <a:t>11</a:t>
             </a:fld>
             <a:endParaRPr lang="fr-BE"/>
           </a:p>
@@ -4623,7 +5849,7 @@
 </p:sld>
 </file>
 
-<file path=ppt/slides/slide11.xml><?xml version="1.0" encoding="utf-8"?>
+<file path=ppt/slides/slide12.xml><?xml version="1.0" encoding="utf-8"?>
 <p:sld xmlns:a="http://schemas.openxmlformats.org/drawingml/2006/main" xmlns:r="http://schemas.openxmlformats.org/officeDocument/2006/relationships" xmlns:p="http://schemas.openxmlformats.org/presentationml/2006/main">
   <p:cSld>
     <p:spTree>
@@ -4730,7 +5956,7 @@
           <a:p>
             <a:fld id="{F12E9969-9346-4095-A7C3-836AAB82C09A}" type="slidenum">
               <a:rPr lang="fr-BE" smtClean="0"/>
-              <a:t>11</a:t>
+              <a:t>12</a:t>
             </a:fld>
             <a:endParaRPr lang="fr-BE"/>
           </a:p>
@@ -6503,7 +7729,7 @@
 </p:sld>
 </file>
 
-<file path=ppt/slides/slide12.xml><?xml version="1.0" encoding="utf-8"?>
+<file path=ppt/slides/slide13.xml><?xml version="1.0" encoding="utf-8"?>
 <p:sld xmlns:a="http://schemas.openxmlformats.org/drawingml/2006/main" xmlns:r="http://schemas.openxmlformats.org/officeDocument/2006/relationships" xmlns:p="http://schemas.openxmlformats.org/presentationml/2006/main">
   <p:cSld>
     <p:spTree>
@@ -7476,7 +8702,7 @@
           <a:p>
             <a:fld id="{F12E9969-9346-4095-A7C3-836AAB82C09A}" type="slidenum">
               <a:rPr lang="fr-BE" smtClean="0"/>
-              <a:t>12</a:t>
+              <a:t>13</a:t>
             </a:fld>
             <a:endParaRPr lang="fr-BE"/>
           </a:p>
@@ -7578,7 +8804,7 @@
 </p:sld>
 </file>
 
-<file path=ppt/slides/slide13.xml><?xml version="1.0" encoding="utf-8"?>
+<file path=ppt/slides/slide14.xml><?xml version="1.0" encoding="utf-8"?>
 <p:sld xmlns:a="http://schemas.openxmlformats.org/drawingml/2006/main" xmlns:r="http://schemas.openxmlformats.org/officeDocument/2006/relationships" xmlns:p="http://schemas.openxmlformats.org/presentationml/2006/main">
   <p:cSld>
     <p:spTree>
@@ -8150,7 +9376,7 @@
           <a:p>
             <a:fld id="{F12E9969-9346-4095-A7C3-836AAB82C09A}" type="slidenum">
               <a:rPr lang="fr-BE" smtClean="0"/>
-              <a:t>13</a:t>
+              <a:t>14</a:t>
             </a:fld>
             <a:endParaRPr lang="fr-BE"/>
           </a:p>
@@ -8472,7 +9698,7 @@
 </p:sld>
 </file>
 
-<file path=ppt/slides/slide14.xml><?xml version="1.0" encoding="utf-8"?>
+<file path=ppt/slides/slide15.xml><?xml version="1.0" encoding="utf-8"?>
 <p:sld xmlns:a="http://schemas.openxmlformats.org/drawingml/2006/main" xmlns:r="http://schemas.openxmlformats.org/officeDocument/2006/relationships" xmlns:p="http://schemas.openxmlformats.org/presentationml/2006/main">
   <p:cSld>
     <p:spTree>
@@ -8670,7 +9896,7 @@
           <a:p>
             <a:fld id="{F12E9969-9346-4095-A7C3-836AAB82C09A}" type="slidenum">
               <a:rPr lang="fr-BE" smtClean="0"/>
-              <a:t>14</a:t>
+              <a:t>15</a:t>
             </a:fld>
             <a:endParaRPr lang="fr-BE"/>
           </a:p>
@@ -8724,7 +9950,7 @@
 </p:sld>
 </file>
 
-<file path=ppt/slides/slide15.xml><?xml version="1.0" encoding="utf-8"?>
+<file path=ppt/slides/slide16.xml><?xml version="1.0" encoding="utf-8"?>
 <p:sld xmlns:a="http://schemas.openxmlformats.org/drawingml/2006/main" xmlns:r="http://schemas.openxmlformats.org/officeDocument/2006/relationships" xmlns:p="http://schemas.openxmlformats.org/presentationml/2006/main">
   <p:cSld>
     <p:spTree>
@@ -8833,7 +10059,7 @@
           <a:p>
             <a:fld id="{F12E9969-9346-4095-A7C3-836AAB82C09A}" type="slidenum">
               <a:rPr lang="fr-BE" smtClean="0"/>
-              <a:t>15</a:t>
+              <a:t>16</a:t>
             </a:fld>
             <a:endParaRPr lang="fr-BE"/>
           </a:p>
@@ -9494,7 +10720,7 @@
 </p:sld>
 </file>
 
-<file path=ppt/slides/slide16.xml><?xml version="1.0" encoding="utf-8"?>
+<file path=ppt/slides/slide17.xml><?xml version="1.0" encoding="utf-8"?>
 <p:sld xmlns:a="http://schemas.openxmlformats.org/drawingml/2006/main" xmlns:r="http://schemas.openxmlformats.org/officeDocument/2006/relationships" xmlns:p="http://schemas.openxmlformats.org/presentationml/2006/main">
   <p:cSld>
     <p:spTree>
@@ -9603,7 +10829,7 @@
           <a:p>
             <a:fld id="{F12E9969-9346-4095-A7C3-836AAB82C09A}" type="slidenum">
               <a:rPr lang="fr-BE" smtClean="0"/>
-              <a:t>16</a:t>
+              <a:t>17</a:t>
             </a:fld>
             <a:endParaRPr lang="fr-BE"/>
           </a:p>
@@ -10174,7 +11400,7 @@
 </p:sld>
 </file>
 
-<file path=ppt/slides/slide17.xml><?xml version="1.0" encoding="utf-8"?>
+<file path=ppt/slides/slide18.xml><?xml version="1.0" encoding="utf-8"?>
 <p:sld xmlns:a="http://schemas.openxmlformats.org/drawingml/2006/main" xmlns:r="http://schemas.openxmlformats.org/officeDocument/2006/relationships" xmlns:p="http://schemas.openxmlformats.org/presentationml/2006/main">
   <p:cSld>
     <p:spTree>
@@ -10301,7 +11527,7 @@
           <a:p>
             <a:fld id="{F12E9969-9346-4095-A7C3-836AAB82C09A}" type="slidenum">
               <a:rPr lang="fr-BE" smtClean="0"/>
-              <a:t>17</a:t>
+              <a:t>18</a:t>
             </a:fld>
             <a:endParaRPr lang="fr-BE"/>
           </a:p>
@@ -11313,7 +12539,7 @@
 </p:sld>
 </file>
 
-<file path=ppt/slides/slide18.xml><?xml version="1.0" encoding="utf-8"?>
+<file path=ppt/slides/slide19.xml><?xml version="1.0" encoding="utf-8"?>
 <p:sld xmlns:a="http://schemas.openxmlformats.org/drawingml/2006/main" xmlns:r="http://schemas.openxmlformats.org/officeDocument/2006/relationships" xmlns:p="http://schemas.openxmlformats.org/presentationml/2006/main">
   <p:cSld>
     <p:spTree>
@@ -11447,7 +12673,7 @@
           <a:p>
             <a:fld id="{F12E9969-9346-4095-A7C3-836AAB82C09A}" type="slidenum">
               <a:rPr lang="fr-BE" smtClean="0"/>
-              <a:t>18</a:t>
+              <a:t>19</a:t>
             </a:fld>
             <a:endParaRPr lang="fr-BE"/>
           </a:p>
@@ -11559,7 +12785,310 @@
 </p:sld>
 </file>
 
-<file path=ppt/slides/slide19.xml><?xml version="1.0" encoding="utf-8"?>
+<file path=ppt/slides/slide2.xml><?xml version="1.0" encoding="utf-8"?>
+<p:sld xmlns:a="http://schemas.openxmlformats.org/drawingml/2006/main" xmlns:r="http://schemas.openxmlformats.org/officeDocument/2006/relationships" xmlns:p="http://schemas.openxmlformats.org/presentationml/2006/main">
+  <p:cSld>
+    <p:spTree>
+      <p:nvGrpSpPr>
+        <p:cNvPr id="1" name=""/>
+        <p:cNvGrpSpPr/>
+        <p:nvPr/>
+      </p:nvGrpSpPr>
+      <p:grpSpPr>
+        <a:xfrm>
+          <a:off x="0" y="0"/>
+          <a:ext cx="0" cy="0"/>
+          <a:chOff x="0" y="0"/>
+          <a:chExt cx="0" cy="0"/>
+        </a:xfrm>
+      </p:grpSpPr>
+      <p:sp>
+        <p:nvSpPr>
+          <p:cNvPr id="2" name="Title 1">
+            <a:extLst>
+              <a:ext uri="{FF2B5EF4-FFF2-40B4-BE49-F238E27FC236}">
+                <a16:creationId xmlns:a16="http://schemas.microsoft.com/office/drawing/2014/main" id="{6F05B4D6-BD49-28BA-B570-742D03DE7C43}"/>
+              </a:ext>
+            </a:extLst>
+          </p:cNvPr>
+          <p:cNvSpPr>
+            <a:spLocks noGrp="1"/>
+          </p:cNvSpPr>
+          <p:nvPr>
+            <p:ph type="title"/>
+          </p:nvPr>
+        </p:nvSpPr>
+        <p:spPr/>
+        <p:txBody>
+          <a:bodyPr/>
+          <a:lstStyle/>
+          <a:p>
+            <a:r>
+              <a:rPr lang="fr-BE" dirty="0"/>
+              <a:t>0. </a:t>
+            </a:r>
+            <a:r>
+              <a:rPr lang="fr-BE" dirty="0" err="1"/>
+              <a:t>Outline</a:t>
+            </a:r>
+            <a:endParaRPr lang="fr-BE" dirty="0"/>
+          </a:p>
+        </p:txBody>
+      </p:sp>
+      <p:sp>
+        <p:nvSpPr>
+          <p:cNvPr id="3" name="Content Placeholder 2">
+            <a:extLst>
+              <a:ext uri="{FF2B5EF4-FFF2-40B4-BE49-F238E27FC236}">
+                <a16:creationId xmlns:a16="http://schemas.microsoft.com/office/drawing/2014/main" id="{BFF2A1C7-B8A7-F246-DD55-FBE3919FBA14}"/>
+              </a:ext>
+            </a:extLst>
+          </p:cNvPr>
+          <p:cNvSpPr>
+            <a:spLocks noGrp="1"/>
+          </p:cNvSpPr>
+          <p:nvPr>
+            <p:ph idx="1"/>
+          </p:nvPr>
+        </p:nvSpPr>
+        <p:spPr/>
+        <p:txBody>
+          <a:bodyPr>
+            <a:normAutofit fontScale="92500" lnSpcReduction="10000"/>
+          </a:bodyPr>
+          <a:lstStyle/>
+          <a:p>
+            <a:r>
+              <a:rPr lang="fr-BE" dirty="0" err="1"/>
+              <a:t>Unobserved</a:t>
+            </a:r>
+            <a:r>
+              <a:rPr lang="fr-BE" dirty="0"/>
+              <a:t> component </a:t>
+            </a:r>
+            <a:r>
+              <a:rPr lang="fr-BE" dirty="0" err="1"/>
+              <a:t>models</a:t>
+            </a:r>
+            <a:endParaRPr lang="fr-BE" dirty="0"/>
+          </a:p>
+          <a:p>
+            <a:pPr lvl="1"/>
+            <a:r>
+              <a:rPr lang="fr-BE" dirty="0"/>
+              <a:t>STS, AMB</a:t>
+            </a:r>
+          </a:p>
+          <a:p>
+            <a:r>
+              <a:rPr lang="fr-BE" dirty="0"/>
+              <a:t>SEATS </a:t>
+            </a:r>
+            <a:r>
+              <a:rPr lang="fr-BE" dirty="0" err="1"/>
+              <a:t>algorithm</a:t>
+            </a:r>
+            <a:endParaRPr lang="fr-BE" dirty="0"/>
+          </a:p>
+          <a:p>
+            <a:r>
+              <a:rPr lang="fr-BE" dirty="0"/>
+              <a:t>Estimation</a:t>
+            </a:r>
+          </a:p>
+          <a:p>
+            <a:pPr lvl="1"/>
+            <a:r>
+              <a:rPr lang="fr-BE" dirty="0"/>
+              <a:t>MMSE </a:t>
+            </a:r>
+            <a:r>
+              <a:rPr lang="fr-BE" dirty="0" err="1"/>
+              <a:t>estimators</a:t>
+            </a:r>
+            <a:r>
+              <a:rPr lang="fr-BE" dirty="0"/>
+              <a:t>, </a:t>
+            </a:r>
+            <a:r>
+              <a:rPr lang="fr-BE" dirty="0" err="1"/>
+              <a:t>algorithms</a:t>
+            </a:r>
+            <a:endParaRPr lang="fr-BE" dirty="0"/>
+          </a:p>
+          <a:p>
+            <a:r>
+              <a:rPr lang="fr-BE" dirty="0" err="1"/>
+              <a:t>Analysis</a:t>
+            </a:r>
+            <a:endParaRPr lang="fr-BE" dirty="0"/>
+          </a:p>
+          <a:p>
+            <a:pPr lvl="1"/>
+            <a:r>
+              <a:rPr lang="fr-BE" dirty="0" err="1"/>
+              <a:t>Finite</a:t>
+            </a:r>
+            <a:r>
+              <a:rPr lang="fr-BE" dirty="0"/>
+              <a:t> / </a:t>
+            </a:r>
+            <a:r>
+              <a:rPr lang="fr-BE" dirty="0" err="1"/>
+              <a:t>infinite</a:t>
+            </a:r>
+            <a:r>
+              <a:rPr lang="fr-BE" dirty="0"/>
+              <a:t> </a:t>
+            </a:r>
+            <a:r>
+              <a:rPr lang="fr-BE" dirty="0" err="1"/>
+              <a:t>approaches</a:t>
+            </a:r>
+            <a:endParaRPr lang="fr-BE" dirty="0"/>
+          </a:p>
+          <a:p>
+            <a:r>
+              <a:rPr lang="fr-BE" dirty="0"/>
+              <a:t>SEATS in JD+</a:t>
+            </a:r>
+          </a:p>
+          <a:p>
+            <a:pPr lvl="1"/>
+            <a:r>
+              <a:rPr lang="fr-BE" dirty="0" err="1"/>
+              <a:t>Parameters</a:t>
+            </a:r>
+            <a:r>
+              <a:rPr lang="fr-BE" dirty="0"/>
+              <a:t>, non </a:t>
+            </a:r>
+            <a:r>
+              <a:rPr lang="fr-BE" dirty="0" err="1"/>
+              <a:t>decomposable</a:t>
+            </a:r>
+            <a:r>
+              <a:rPr lang="fr-BE" dirty="0"/>
+              <a:t> </a:t>
+            </a:r>
+            <a:r>
+              <a:rPr lang="fr-BE" dirty="0" err="1"/>
+              <a:t>models</a:t>
+            </a:r>
+            <a:r>
+              <a:rPr lang="fr-BE" dirty="0"/>
+              <a:t>, estimation</a:t>
+            </a:r>
+          </a:p>
+          <a:p>
+            <a:endParaRPr lang="fr-BE" dirty="0"/>
+          </a:p>
+          <a:p>
+            <a:endParaRPr lang="fr-BE" dirty="0"/>
+          </a:p>
+        </p:txBody>
+      </p:sp>
+      <p:sp>
+        <p:nvSpPr>
+          <p:cNvPr id="4" name="Date Placeholder 3">
+            <a:extLst>
+              <a:ext uri="{FF2B5EF4-FFF2-40B4-BE49-F238E27FC236}">
+                <a16:creationId xmlns:a16="http://schemas.microsoft.com/office/drawing/2014/main" id="{2669FBAD-B635-C891-CF2A-3457CCE77AA3}"/>
+              </a:ext>
+            </a:extLst>
+          </p:cNvPr>
+          <p:cNvSpPr>
+            <a:spLocks noGrp="1"/>
+          </p:cNvSpPr>
+          <p:nvPr>
+            <p:ph type="dt" sz="half" idx="10"/>
+          </p:nvPr>
+        </p:nvSpPr>
+        <p:spPr/>
+        <p:txBody>
+          <a:bodyPr/>
+          <a:lstStyle/>
+          <a:p>
+            <a:r>
+              <a:rPr lang="fr-FR"/>
+              <a:t>17-19/10/2023</a:t>
+            </a:r>
+            <a:endParaRPr lang="fr-BE"/>
+          </a:p>
+        </p:txBody>
+      </p:sp>
+      <p:sp>
+        <p:nvSpPr>
+          <p:cNvPr id="5" name="Footer Placeholder 4">
+            <a:extLst>
+              <a:ext uri="{FF2B5EF4-FFF2-40B4-BE49-F238E27FC236}">
+                <a16:creationId xmlns:a16="http://schemas.microsoft.com/office/drawing/2014/main" id="{A36C03FE-6836-C279-9389-A9532A31DB45}"/>
+              </a:ext>
+            </a:extLst>
+          </p:cNvPr>
+          <p:cNvSpPr>
+            <a:spLocks noGrp="1"/>
+          </p:cNvSpPr>
+          <p:nvPr>
+            <p:ph type="ftr" sz="quarter" idx="11"/>
+          </p:nvPr>
+        </p:nvSpPr>
+        <p:spPr/>
+        <p:txBody>
+          <a:bodyPr/>
+          <a:lstStyle/>
+          <a:p>
+            <a:r>
+              <a:rPr lang="en-GB"/>
+              <a:t>CONTRACTORS ORGANISING SOME OF THE COURSES ARE ACTING UNDER A FRAMEWORK CONTRACT CONCLUDED WITH THE COMMISSION</a:t>
+            </a:r>
+            <a:endParaRPr lang="fr-BE"/>
+          </a:p>
+        </p:txBody>
+      </p:sp>
+      <p:sp>
+        <p:nvSpPr>
+          <p:cNvPr id="6" name="Slide Number Placeholder 5">
+            <a:extLst>
+              <a:ext uri="{FF2B5EF4-FFF2-40B4-BE49-F238E27FC236}">
+                <a16:creationId xmlns:a16="http://schemas.microsoft.com/office/drawing/2014/main" id="{AA56090C-9C88-CB17-62D5-03FB12FC3E0E}"/>
+              </a:ext>
+            </a:extLst>
+          </p:cNvPr>
+          <p:cNvSpPr>
+            <a:spLocks noGrp="1"/>
+          </p:cNvSpPr>
+          <p:nvPr>
+            <p:ph type="sldNum" sz="quarter" idx="12"/>
+          </p:nvPr>
+        </p:nvSpPr>
+        <p:spPr/>
+        <p:txBody>
+          <a:bodyPr/>
+          <a:lstStyle/>
+          <a:p>
+            <a:fld id="{F12E9969-9346-4095-A7C3-836AAB82C09A}" type="slidenum">
+              <a:rPr lang="fr-BE" smtClean="0"/>
+              <a:t>2</a:t>
+            </a:fld>
+            <a:endParaRPr lang="fr-BE"/>
+          </a:p>
+        </p:txBody>
+      </p:sp>
+    </p:spTree>
+    <p:extLst>
+      <p:ext uri="{BB962C8B-B14F-4D97-AF65-F5344CB8AC3E}">
+        <p14:creationId xmlns:p14="http://schemas.microsoft.com/office/powerpoint/2010/main" val="2303403916"/>
+      </p:ext>
+    </p:extLst>
+  </p:cSld>
+  <p:clrMapOvr>
+    <a:masterClrMapping/>
+  </p:clrMapOvr>
+</p:sld>
+</file>
+
+<file path=ppt/slides/slide20.xml><?xml version="1.0" encoding="utf-8"?>
 <p:sld xmlns:a="http://schemas.openxmlformats.org/drawingml/2006/main" xmlns:r="http://schemas.openxmlformats.org/officeDocument/2006/relationships" xmlns:p="http://schemas.openxmlformats.org/presentationml/2006/main">
   <p:cSld>
     <p:spTree>
@@ -11691,7 +13220,7 @@
           <a:p>
             <a:fld id="{F12E9969-9346-4095-A7C3-836AAB82C09A}" type="slidenum">
               <a:rPr lang="fr-BE" smtClean="0"/>
-              <a:t>19</a:t>
+              <a:t>20</a:t>
             </a:fld>
             <a:endParaRPr lang="fr-BE"/>
           </a:p>
@@ -11740,310 +13269,7 @@
 </p:sld>
 </file>
 
-<file path=ppt/slides/slide2.xml><?xml version="1.0" encoding="utf-8"?>
-<p:sld xmlns:a="http://schemas.openxmlformats.org/drawingml/2006/main" xmlns:r="http://schemas.openxmlformats.org/officeDocument/2006/relationships" xmlns:p="http://schemas.openxmlformats.org/presentationml/2006/main">
-  <p:cSld>
-    <p:spTree>
-      <p:nvGrpSpPr>
-        <p:cNvPr id="1" name=""/>
-        <p:cNvGrpSpPr/>
-        <p:nvPr/>
-      </p:nvGrpSpPr>
-      <p:grpSpPr>
-        <a:xfrm>
-          <a:off x="0" y="0"/>
-          <a:ext cx="0" cy="0"/>
-          <a:chOff x="0" y="0"/>
-          <a:chExt cx="0" cy="0"/>
-        </a:xfrm>
-      </p:grpSpPr>
-      <p:sp>
-        <p:nvSpPr>
-          <p:cNvPr id="2" name="Title 1">
-            <a:extLst>
-              <a:ext uri="{FF2B5EF4-FFF2-40B4-BE49-F238E27FC236}">
-                <a16:creationId xmlns:a16="http://schemas.microsoft.com/office/drawing/2014/main" id="{6F05B4D6-BD49-28BA-B570-742D03DE7C43}"/>
-              </a:ext>
-            </a:extLst>
-          </p:cNvPr>
-          <p:cNvSpPr>
-            <a:spLocks noGrp="1"/>
-          </p:cNvSpPr>
-          <p:nvPr>
-            <p:ph type="title"/>
-          </p:nvPr>
-        </p:nvSpPr>
-        <p:spPr/>
-        <p:txBody>
-          <a:bodyPr/>
-          <a:lstStyle/>
-          <a:p>
-            <a:r>
-              <a:rPr lang="fr-BE" dirty="0"/>
-              <a:t>0. </a:t>
-            </a:r>
-            <a:r>
-              <a:rPr lang="fr-BE" dirty="0" err="1"/>
-              <a:t>Outline</a:t>
-            </a:r>
-            <a:endParaRPr lang="fr-BE" dirty="0"/>
-          </a:p>
-        </p:txBody>
-      </p:sp>
-      <p:sp>
-        <p:nvSpPr>
-          <p:cNvPr id="3" name="Content Placeholder 2">
-            <a:extLst>
-              <a:ext uri="{FF2B5EF4-FFF2-40B4-BE49-F238E27FC236}">
-                <a16:creationId xmlns:a16="http://schemas.microsoft.com/office/drawing/2014/main" id="{BFF2A1C7-B8A7-F246-DD55-FBE3919FBA14}"/>
-              </a:ext>
-            </a:extLst>
-          </p:cNvPr>
-          <p:cNvSpPr>
-            <a:spLocks noGrp="1"/>
-          </p:cNvSpPr>
-          <p:nvPr>
-            <p:ph idx="1"/>
-          </p:nvPr>
-        </p:nvSpPr>
-        <p:spPr/>
-        <p:txBody>
-          <a:bodyPr>
-            <a:normAutofit fontScale="92500" lnSpcReduction="10000"/>
-          </a:bodyPr>
-          <a:lstStyle/>
-          <a:p>
-            <a:r>
-              <a:rPr lang="fr-BE" dirty="0" err="1"/>
-              <a:t>Unobserved</a:t>
-            </a:r>
-            <a:r>
-              <a:rPr lang="fr-BE" dirty="0"/>
-              <a:t> component </a:t>
-            </a:r>
-            <a:r>
-              <a:rPr lang="fr-BE" dirty="0" err="1"/>
-              <a:t>models</a:t>
-            </a:r>
-            <a:endParaRPr lang="fr-BE" dirty="0"/>
-          </a:p>
-          <a:p>
-            <a:pPr lvl="1"/>
-            <a:r>
-              <a:rPr lang="fr-BE" dirty="0"/>
-              <a:t>STS, AMB</a:t>
-            </a:r>
-          </a:p>
-          <a:p>
-            <a:r>
-              <a:rPr lang="fr-BE" dirty="0"/>
-              <a:t>SEATS </a:t>
-            </a:r>
-            <a:r>
-              <a:rPr lang="fr-BE" dirty="0" err="1"/>
-              <a:t>algorithm</a:t>
-            </a:r>
-            <a:endParaRPr lang="fr-BE" dirty="0"/>
-          </a:p>
-          <a:p>
-            <a:r>
-              <a:rPr lang="fr-BE" dirty="0"/>
-              <a:t>Estimation</a:t>
-            </a:r>
-          </a:p>
-          <a:p>
-            <a:pPr lvl="1"/>
-            <a:r>
-              <a:rPr lang="fr-BE" dirty="0"/>
-              <a:t>MMSE </a:t>
-            </a:r>
-            <a:r>
-              <a:rPr lang="fr-BE" dirty="0" err="1"/>
-              <a:t>estimators</a:t>
-            </a:r>
-            <a:r>
-              <a:rPr lang="fr-BE" dirty="0"/>
-              <a:t>, </a:t>
-            </a:r>
-            <a:r>
-              <a:rPr lang="fr-BE" dirty="0" err="1"/>
-              <a:t>algorithms</a:t>
-            </a:r>
-            <a:endParaRPr lang="fr-BE" dirty="0"/>
-          </a:p>
-          <a:p>
-            <a:r>
-              <a:rPr lang="fr-BE" dirty="0" err="1"/>
-              <a:t>Analysis</a:t>
-            </a:r>
-            <a:endParaRPr lang="fr-BE" dirty="0"/>
-          </a:p>
-          <a:p>
-            <a:pPr lvl="1"/>
-            <a:r>
-              <a:rPr lang="fr-BE" dirty="0" err="1"/>
-              <a:t>Finite</a:t>
-            </a:r>
-            <a:r>
-              <a:rPr lang="fr-BE" dirty="0"/>
-              <a:t> / </a:t>
-            </a:r>
-            <a:r>
-              <a:rPr lang="fr-BE" dirty="0" err="1"/>
-              <a:t>infinite</a:t>
-            </a:r>
-            <a:r>
-              <a:rPr lang="fr-BE" dirty="0"/>
-              <a:t> </a:t>
-            </a:r>
-            <a:r>
-              <a:rPr lang="fr-BE" dirty="0" err="1"/>
-              <a:t>approaches</a:t>
-            </a:r>
-            <a:endParaRPr lang="fr-BE" dirty="0"/>
-          </a:p>
-          <a:p>
-            <a:r>
-              <a:rPr lang="fr-BE" dirty="0"/>
-              <a:t>SEATS in JD+</a:t>
-            </a:r>
-          </a:p>
-          <a:p>
-            <a:pPr lvl="1"/>
-            <a:r>
-              <a:rPr lang="fr-BE" dirty="0" err="1"/>
-              <a:t>Parameters</a:t>
-            </a:r>
-            <a:r>
-              <a:rPr lang="fr-BE" dirty="0"/>
-              <a:t>, non </a:t>
-            </a:r>
-            <a:r>
-              <a:rPr lang="fr-BE" dirty="0" err="1"/>
-              <a:t>decomposable</a:t>
-            </a:r>
-            <a:r>
-              <a:rPr lang="fr-BE" dirty="0"/>
-              <a:t> </a:t>
-            </a:r>
-            <a:r>
-              <a:rPr lang="fr-BE" dirty="0" err="1"/>
-              <a:t>models</a:t>
-            </a:r>
-            <a:r>
-              <a:rPr lang="fr-BE" dirty="0"/>
-              <a:t>, estimation</a:t>
-            </a:r>
-          </a:p>
-          <a:p>
-            <a:endParaRPr lang="fr-BE" dirty="0"/>
-          </a:p>
-          <a:p>
-            <a:endParaRPr lang="fr-BE" dirty="0"/>
-          </a:p>
-        </p:txBody>
-      </p:sp>
-      <p:sp>
-        <p:nvSpPr>
-          <p:cNvPr id="4" name="Date Placeholder 3">
-            <a:extLst>
-              <a:ext uri="{FF2B5EF4-FFF2-40B4-BE49-F238E27FC236}">
-                <a16:creationId xmlns:a16="http://schemas.microsoft.com/office/drawing/2014/main" id="{2669FBAD-B635-C891-CF2A-3457CCE77AA3}"/>
-              </a:ext>
-            </a:extLst>
-          </p:cNvPr>
-          <p:cNvSpPr>
-            <a:spLocks noGrp="1"/>
-          </p:cNvSpPr>
-          <p:nvPr>
-            <p:ph type="dt" sz="half" idx="10"/>
-          </p:nvPr>
-        </p:nvSpPr>
-        <p:spPr/>
-        <p:txBody>
-          <a:bodyPr/>
-          <a:lstStyle/>
-          <a:p>
-            <a:r>
-              <a:rPr lang="fr-FR"/>
-              <a:t>17-19/10/2023</a:t>
-            </a:r>
-            <a:endParaRPr lang="fr-BE"/>
-          </a:p>
-        </p:txBody>
-      </p:sp>
-      <p:sp>
-        <p:nvSpPr>
-          <p:cNvPr id="5" name="Footer Placeholder 4">
-            <a:extLst>
-              <a:ext uri="{FF2B5EF4-FFF2-40B4-BE49-F238E27FC236}">
-                <a16:creationId xmlns:a16="http://schemas.microsoft.com/office/drawing/2014/main" id="{A36C03FE-6836-C279-9389-A9532A31DB45}"/>
-              </a:ext>
-            </a:extLst>
-          </p:cNvPr>
-          <p:cNvSpPr>
-            <a:spLocks noGrp="1"/>
-          </p:cNvSpPr>
-          <p:nvPr>
-            <p:ph type="ftr" sz="quarter" idx="11"/>
-          </p:nvPr>
-        </p:nvSpPr>
-        <p:spPr/>
-        <p:txBody>
-          <a:bodyPr/>
-          <a:lstStyle/>
-          <a:p>
-            <a:r>
-              <a:rPr lang="en-GB"/>
-              <a:t>CONTRACTORS ORGANISING SOME OF THE COURSES ARE ACTING UNDER A FRAMEWORK CONTRACT CONCLUDED WITH THE COMMISSION</a:t>
-            </a:r>
-            <a:endParaRPr lang="fr-BE"/>
-          </a:p>
-        </p:txBody>
-      </p:sp>
-      <p:sp>
-        <p:nvSpPr>
-          <p:cNvPr id="6" name="Slide Number Placeholder 5">
-            <a:extLst>
-              <a:ext uri="{FF2B5EF4-FFF2-40B4-BE49-F238E27FC236}">
-                <a16:creationId xmlns:a16="http://schemas.microsoft.com/office/drawing/2014/main" id="{AA56090C-9C88-CB17-62D5-03FB12FC3E0E}"/>
-              </a:ext>
-            </a:extLst>
-          </p:cNvPr>
-          <p:cNvSpPr>
-            <a:spLocks noGrp="1"/>
-          </p:cNvSpPr>
-          <p:nvPr>
-            <p:ph type="sldNum" sz="quarter" idx="12"/>
-          </p:nvPr>
-        </p:nvSpPr>
-        <p:spPr/>
-        <p:txBody>
-          <a:bodyPr/>
-          <a:lstStyle/>
-          <a:p>
-            <a:fld id="{F12E9969-9346-4095-A7C3-836AAB82C09A}" type="slidenum">
-              <a:rPr lang="fr-BE" smtClean="0"/>
-              <a:t>2</a:t>
-            </a:fld>
-            <a:endParaRPr lang="fr-BE"/>
-          </a:p>
-        </p:txBody>
-      </p:sp>
-    </p:spTree>
-    <p:extLst>
-      <p:ext uri="{BB962C8B-B14F-4D97-AF65-F5344CB8AC3E}">
-        <p14:creationId xmlns:p14="http://schemas.microsoft.com/office/powerpoint/2010/main" val="2303403916"/>
-      </p:ext>
-    </p:extLst>
-  </p:cSld>
-  <p:clrMapOvr>
-    <a:masterClrMapping/>
-  </p:clrMapOvr>
-</p:sld>
-</file>
-
-<file path=ppt/slides/slide20.xml><?xml version="1.0" encoding="utf-8"?>
+<file path=ppt/slides/slide21.xml><?xml version="1.0" encoding="utf-8"?>
 <p:sld xmlns:a="http://schemas.openxmlformats.org/drawingml/2006/main" xmlns:r="http://schemas.openxmlformats.org/officeDocument/2006/relationships" xmlns:p="http://schemas.openxmlformats.org/presentationml/2006/main">
   <p:cSld>
     <p:spTree>
@@ -12226,7 +13452,7 @@
           <a:p>
             <a:fld id="{F12E9969-9346-4095-A7C3-836AAB82C09A}" type="slidenum">
               <a:rPr lang="fr-BE" smtClean="0"/>
-              <a:t>20</a:t>
+              <a:t>21</a:t>
             </a:fld>
             <a:endParaRPr lang="fr-BE"/>
           </a:p>
@@ -12245,7 +13471,7 @@
 </p:sld>
 </file>
 
-<file path=ppt/slides/slide21.xml><?xml version="1.0" encoding="utf-8"?>
+<file path=ppt/slides/slide22.xml><?xml version="1.0" encoding="utf-8"?>
 <p:sld xmlns:a="http://schemas.openxmlformats.org/drawingml/2006/main" xmlns:r="http://schemas.openxmlformats.org/officeDocument/2006/relationships" xmlns:p="http://schemas.openxmlformats.org/presentationml/2006/main">
   <p:cSld>
     <p:spTree>
@@ -12377,7 +13603,7 @@
           <a:p>
             <a:fld id="{F12E9969-9346-4095-A7C3-836AAB82C09A}" type="slidenum">
               <a:rPr lang="fr-BE" smtClean="0"/>
-              <a:t>21</a:t>
+              <a:t>22</a:t>
             </a:fld>
             <a:endParaRPr lang="fr-BE"/>
           </a:p>
@@ -12770,8 +13996,8 @@
           </p:sp>
         </mc:Fallback>
       </mc:AlternateContent>
-      <mc:AlternateContent xmlns:mc="http://schemas.openxmlformats.org/markup-compatibility/2006">
-        <mc:Choice xmlns:a14="http://schemas.microsoft.com/office/drawing/2010/main" Requires="a14">
+      <mc:AlternateContent xmlns:mc="http://schemas.openxmlformats.org/markup-compatibility/2006" xmlns:a14="http://schemas.microsoft.com/office/drawing/2010/main">
+        <mc:Choice Requires="a14">
           <p:sp>
             <p:nvSpPr>
               <p:cNvPr id="11" name="Rectangle: Rounded Corners 10">
@@ -13223,7 +14449,7 @@
             </p:txBody>
           </p:sp>
         </mc:Choice>
-        <mc:Fallback>
+        <mc:Fallback xmlns="">
           <p:sp>
             <p:nvSpPr>
               <p:cNvPr id="11" name="Rectangle: Rounded Corners 10">
@@ -13281,7 +14507,7 @@
 </p:sld>
 </file>
 
-<file path=ppt/slides/slide22.xml><?xml version="1.0" encoding="utf-8"?>
+<file path=ppt/slides/slide23.xml><?xml version="1.0" encoding="utf-8"?>
 <p:sld xmlns:a="http://schemas.openxmlformats.org/drawingml/2006/main" xmlns:r="http://schemas.openxmlformats.org/officeDocument/2006/relationships" xmlns:p="http://schemas.openxmlformats.org/presentationml/2006/main">
   <p:cSld>
     <p:spTree>
@@ -13431,7 +14657,7 @@
           <a:p>
             <a:fld id="{F12E9969-9346-4095-A7C3-836AAB82C09A}" type="slidenum">
               <a:rPr lang="fr-BE" smtClean="0"/>
-              <a:t>22</a:t>
+              <a:t>23</a:t>
             </a:fld>
             <a:endParaRPr lang="fr-BE"/>
           </a:p>
@@ -13480,7 +14706,7 @@
 </p:sld>
 </file>
 
-<file path=ppt/slides/slide23.xml><?xml version="1.0" encoding="utf-8"?>
+<file path=ppt/slides/slide24.xml><?xml version="1.0" encoding="utf-8"?>
 <p:sld xmlns:a="http://schemas.openxmlformats.org/drawingml/2006/main" xmlns:r="http://schemas.openxmlformats.org/officeDocument/2006/relationships" xmlns:p="http://schemas.openxmlformats.org/presentationml/2006/main">
   <p:cSld>
     <p:spTree>
@@ -13690,7 +14916,7 @@
           <a:p>
             <a:fld id="{F12E9969-9346-4095-A7C3-836AAB82C09A}" type="slidenum">
               <a:rPr lang="fr-BE" smtClean="0"/>
-              <a:t>23</a:t>
+              <a:t>24</a:t>
             </a:fld>
             <a:endParaRPr lang="fr-BE"/>
           </a:p>
@@ -13709,7 +14935,7 @@
 </p:sld>
 </file>
 
-<file path=ppt/slides/slide24.xml><?xml version="1.0" encoding="utf-8"?>
+<file path=ppt/slides/slide25.xml><?xml version="1.0" encoding="utf-8"?>
 <p:sld xmlns:a="http://schemas.openxmlformats.org/drawingml/2006/main" xmlns:r="http://schemas.openxmlformats.org/officeDocument/2006/relationships" xmlns:p="http://schemas.openxmlformats.org/presentationml/2006/main">
   <p:cSld>
     <p:spTree>
@@ -13836,7 +15062,7 @@
           <a:p>
             <a:fld id="{F12E9969-9346-4095-A7C3-836AAB82C09A}" type="slidenum">
               <a:rPr lang="fr-BE" smtClean="0"/>
-              <a:t>24</a:t>
+              <a:t>25</a:t>
             </a:fld>
             <a:endParaRPr lang="fr-BE"/>
           </a:p>
@@ -13885,7 +15111,7 @@
 </p:sld>
 </file>
 
-<file path=ppt/slides/slide25.xml><?xml version="1.0" encoding="utf-8"?>
+<file path=ppt/slides/slide26.xml><?xml version="1.0" encoding="utf-8"?>
 <p:sld xmlns:a="http://schemas.openxmlformats.org/drawingml/2006/main" xmlns:r="http://schemas.openxmlformats.org/officeDocument/2006/relationships" xmlns:p="http://schemas.openxmlformats.org/presentationml/2006/main">
   <p:cSld>
     <p:spTree>
@@ -14060,7 +15286,7 @@
           <a:p>
             <a:fld id="{F12E9969-9346-4095-A7C3-836AAB82C09A}" type="slidenum">
               <a:rPr lang="fr-BE" smtClean="0"/>
-              <a:t>25</a:t>
+              <a:t>26</a:t>
             </a:fld>
             <a:endParaRPr lang="fr-BE" dirty="0"/>
           </a:p>
@@ -14109,7 +15335,7 @@
 </p:sld>
 </file>
 
-<file path=ppt/slides/slide26.xml><?xml version="1.0" encoding="utf-8"?>
+<file path=ppt/slides/slide27.xml><?xml version="1.0" encoding="utf-8"?>
 <p:sld xmlns:a="http://schemas.openxmlformats.org/drawingml/2006/main" xmlns:r="http://schemas.openxmlformats.org/officeDocument/2006/relationships" xmlns:p="http://schemas.openxmlformats.org/presentationml/2006/main">
   <p:cSld>
     <p:spTree>
@@ -15542,7 +16768,7 @@
           <a:p>
             <a:fld id="{F12E9969-9346-4095-A7C3-836AAB82C09A}" type="slidenum">
               <a:rPr lang="fr-BE" smtClean="0"/>
-              <a:t>26</a:t>
+              <a:t>27</a:t>
             </a:fld>
             <a:endParaRPr lang="fr-BE"/>
           </a:p>
@@ -15561,7 +16787,7 @@
 </p:sld>
 </file>
 
-<file path=ppt/slides/slide27.xml><?xml version="1.0" encoding="utf-8"?>
+<file path=ppt/slides/slide28.xml><?xml version="1.0" encoding="utf-8"?>
 <p:sld xmlns:a="http://schemas.openxmlformats.org/drawingml/2006/main" xmlns:r="http://schemas.openxmlformats.org/officeDocument/2006/relationships" xmlns:p="http://schemas.openxmlformats.org/presentationml/2006/main">
   <p:cSld>
     <p:spTree>
@@ -15663,7 +16889,7 @@
           <a:p>
             <a:fld id="{F12E9969-9346-4095-A7C3-836AAB82C09A}" type="slidenum">
               <a:rPr lang="fr-BE" smtClean="0"/>
-              <a:t>27</a:t>
+              <a:t>28</a:t>
             </a:fld>
             <a:endParaRPr lang="fr-BE"/>
           </a:p>
@@ -15962,237 +17188,6 @@
 </p:sld>
 </file>
 
-<file path=ppt/slides/slide28.xml><?xml version="1.0" encoding="utf-8"?>
-<p:sld xmlns:a="http://schemas.openxmlformats.org/drawingml/2006/main" xmlns:r="http://schemas.openxmlformats.org/officeDocument/2006/relationships" xmlns:p="http://schemas.openxmlformats.org/presentationml/2006/main">
-  <p:cSld>
-    <p:spTree>
-      <p:nvGrpSpPr>
-        <p:cNvPr id="1" name=""/>
-        <p:cNvGrpSpPr/>
-        <p:nvPr/>
-      </p:nvGrpSpPr>
-      <p:grpSpPr>
-        <a:xfrm>
-          <a:off x="0" y="0"/>
-          <a:ext cx="0" cy="0"/>
-          <a:chOff x="0" y="0"/>
-          <a:chExt cx="0" cy="0"/>
-        </a:xfrm>
-      </p:grpSpPr>
-      <p:sp>
-        <p:nvSpPr>
-          <p:cNvPr id="2" name="Title 1"/>
-          <p:cNvSpPr>
-            <a:spLocks noGrp="1"/>
-          </p:cNvSpPr>
-          <p:nvPr>
-            <p:ph type="title"/>
-          </p:nvPr>
-        </p:nvSpPr>
-        <p:spPr/>
-        <p:txBody>
-          <a:bodyPr/>
-          <a:lstStyle/>
-          <a:p>
-            <a:r>
-              <a:rPr lang="fr-BE" dirty="0"/>
-              <a:t>5.1 SEATS in JD+ (</a:t>
-            </a:r>
-            <a:r>
-              <a:rPr lang="fr-BE" dirty="0" err="1"/>
-              <a:t>cont</a:t>
-            </a:r>
-            <a:r>
-              <a:rPr lang="fr-BE" dirty="0"/>
-              <a:t>.)</a:t>
-            </a:r>
-          </a:p>
-        </p:txBody>
-      </p:sp>
-      <p:sp>
-        <p:nvSpPr>
-          <p:cNvPr id="3" name="Content Placeholder 2"/>
-          <p:cNvSpPr>
-            <a:spLocks noGrp="1"/>
-          </p:cNvSpPr>
-          <p:nvPr>
-            <p:ph idx="1"/>
-          </p:nvPr>
-        </p:nvSpPr>
-        <p:spPr/>
-        <p:txBody>
-          <a:bodyPr>
-            <a:normAutofit fontScale="85000" lnSpcReduction="10000"/>
-          </a:bodyPr>
-          <a:lstStyle/>
-          <a:p>
-            <a:r>
-              <a:rPr lang="en-GB" sz="2800" dirty="0"/>
-              <a:t>Impact of the parameters  </a:t>
-            </a:r>
-          </a:p>
-          <a:p>
-            <a:pPr lvl="1"/>
-            <a:r>
-              <a:rPr lang="en-GB" sz="2400" b="1" dirty="0"/>
-              <a:t>Only in case of AR polynomials</a:t>
-            </a:r>
-          </a:p>
-          <a:p>
-            <a:pPr lvl="1"/>
-            <a:endParaRPr lang="en-GB" sz="2400" dirty="0"/>
-          </a:p>
-          <a:p>
-            <a:pPr lvl="1"/>
-            <a:r>
-              <a:rPr lang="en-GB" sz="2400" dirty="0"/>
-              <a:t>k </a:t>
-            </a:r>
-          </a:p>
-          <a:p>
-            <a:pPr lvl="2"/>
-            <a:r>
-              <a:rPr lang="en-GB" sz="2000" dirty="0"/>
-              <a:t>Small: possible « noisy » trend</a:t>
-            </a:r>
-          </a:p>
-          <a:p>
-            <a:pPr lvl="2"/>
-            <a:r>
-              <a:rPr lang="en-GB" sz="2000" dirty="0"/>
-              <a:t>k ≈ 1: more stable trend</a:t>
-            </a:r>
-          </a:p>
-          <a:p>
-            <a:pPr lvl="1"/>
-            <a:r>
-              <a:rPr lang="en-GB" sz="2400" dirty="0"/>
-              <a:t>e</a:t>
-            </a:r>
-          </a:p>
-          <a:p>
-            <a:pPr lvl="2"/>
-            <a:r>
-              <a:rPr lang="en-GB" sz="2000" dirty="0"/>
-              <a:t>Large (&gt;5): possible short term cycle in the seasonal (for instance, stochastic TD)→erratic seasonal</a:t>
-            </a:r>
-          </a:p>
-          <a:p>
-            <a:pPr lvl="1"/>
-            <a:r>
-              <a:rPr lang="en-GB" sz="2400" dirty="0"/>
-              <a:t>l </a:t>
-            </a:r>
-          </a:p>
-          <a:p>
-            <a:pPr lvl="2"/>
-            <a:r>
-              <a:rPr lang="en-GB" sz="2000" dirty="0"/>
-              <a:t>Small (&lt;.8): higher risk of erratic seasonal</a:t>
-            </a:r>
-          </a:p>
-          <a:p>
-            <a:pPr marL="571500" indent="-457200"/>
-            <a:endParaRPr lang="en-GB" sz="2800" dirty="0"/>
-          </a:p>
-          <a:p>
-            <a:pPr marL="571500" indent="-457200"/>
-            <a:r>
-              <a:rPr lang="en-GB" sz="2800" dirty="0"/>
-              <a:t>General consideration: threshold effects are unavoidable</a:t>
-            </a:r>
-          </a:p>
-          <a:p>
-            <a:pPr lvl="1"/>
-            <a:endParaRPr lang="fr-BE" dirty="0"/>
-          </a:p>
-          <a:p>
-            <a:endParaRPr lang="fr-BE" dirty="0"/>
-          </a:p>
-        </p:txBody>
-      </p:sp>
-      <p:sp>
-        <p:nvSpPr>
-          <p:cNvPr id="4" name="Date Placeholder 3"/>
-          <p:cNvSpPr>
-            <a:spLocks noGrp="1"/>
-          </p:cNvSpPr>
-          <p:nvPr>
-            <p:ph type="dt" sz="half" idx="10"/>
-          </p:nvPr>
-        </p:nvSpPr>
-        <p:spPr/>
-        <p:txBody>
-          <a:bodyPr/>
-          <a:lstStyle/>
-          <a:p>
-            <a:r>
-              <a:rPr lang="fr-FR"/>
-              <a:t>17-19/10/2023</a:t>
-            </a:r>
-            <a:endParaRPr lang="fr-BE"/>
-          </a:p>
-        </p:txBody>
-      </p:sp>
-      <p:sp>
-        <p:nvSpPr>
-          <p:cNvPr id="5" name="Footer Placeholder 4"/>
-          <p:cNvSpPr>
-            <a:spLocks noGrp="1"/>
-          </p:cNvSpPr>
-          <p:nvPr>
-            <p:ph type="ftr" sz="quarter" idx="11"/>
-          </p:nvPr>
-        </p:nvSpPr>
-        <p:spPr/>
-        <p:txBody>
-          <a:bodyPr/>
-          <a:lstStyle/>
-          <a:p>
-            <a:r>
-              <a:rPr lang="en-GB"/>
-              <a:t>CONTRACTORS ORGANISING SOME OF THE COURSES ARE ACTING UNDER A FRAMEWORK CONTRACT CONCLUDED WITH THE COMMISSION</a:t>
-            </a:r>
-            <a:endParaRPr lang="fr-BE"/>
-          </a:p>
-        </p:txBody>
-      </p:sp>
-      <p:sp>
-        <p:nvSpPr>
-          <p:cNvPr id="6" name="Slide Number Placeholder 5"/>
-          <p:cNvSpPr>
-            <a:spLocks noGrp="1"/>
-          </p:cNvSpPr>
-          <p:nvPr>
-            <p:ph type="sldNum" sz="quarter" idx="12"/>
-          </p:nvPr>
-        </p:nvSpPr>
-        <p:spPr/>
-        <p:txBody>
-          <a:bodyPr/>
-          <a:lstStyle/>
-          <a:p>
-            <a:fld id="{F12E9969-9346-4095-A7C3-836AAB82C09A}" type="slidenum">
-              <a:rPr lang="fr-BE" smtClean="0"/>
-              <a:t>28</a:t>
-            </a:fld>
-            <a:endParaRPr lang="fr-BE"/>
-          </a:p>
-        </p:txBody>
-      </p:sp>
-    </p:spTree>
-    <p:extLst>
-      <p:ext uri="{BB962C8B-B14F-4D97-AF65-F5344CB8AC3E}">
-        <p14:creationId xmlns:p14="http://schemas.microsoft.com/office/powerpoint/2010/main" val="1397053278"/>
-      </p:ext>
-    </p:extLst>
-  </p:cSld>
-  <p:clrMapOvr>
-    <a:masterClrMapping/>
-  </p:clrMapOvr>
-</p:sld>
-</file>
-
 <file path=ppt/slides/slide29.xml><?xml version="1.0" encoding="utf-8"?>
 <p:sld xmlns:a="http://schemas.openxmlformats.org/drawingml/2006/main" xmlns:r="http://schemas.openxmlformats.org/officeDocument/2006/relationships" xmlns:p="http://schemas.openxmlformats.org/presentationml/2006/main">
   <p:cSld>
@@ -16227,6 +17222,415 @@
           <a:p>
             <a:r>
               <a:rPr lang="fr-BE" dirty="0"/>
+              <a:t>5.1 SEATS in JD+ (</a:t>
+            </a:r>
+            <a:r>
+              <a:rPr lang="fr-BE" dirty="0" err="1"/>
+              <a:t>cont</a:t>
+            </a:r>
+            <a:r>
+              <a:rPr lang="fr-BE" dirty="0"/>
+              <a:t>.)</a:t>
+            </a:r>
+          </a:p>
+        </p:txBody>
+      </p:sp>
+      <p:sp>
+        <p:nvSpPr>
+          <p:cNvPr id="3" name="Content Placeholder 2"/>
+          <p:cNvSpPr>
+            <a:spLocks noGrp="1"/>
+          </p:cNvSpPr>
+          <p:nvPr>
+            <p:ph idx="1"/>
+          </p:nvPr>
+        </p:nvSpPr>
+        <p:spPr/>
+        <p:txBody>
+          <a:bodyPr>
+            <a:normAutofit fontScale="85000" lnSpcReduction="10000"/>
+          </a:bodyPr>
+          <a:lstStyle/>
+          <a:p>
+            <a:r>
+              <a:rPr lang="en-GB" sz="2800" dirty="0"/>
+              <a:t>Impact of the parameters  </a:t>
+            </a:r>
+          </a:p>
+          <a:p>
+            <a:pPr lvl="1"/>
+            <a:r>
+              <a:rPr lang="en-GB" sz="2400" b="1" dirty="0"/>
+              <a:t>Only in case of AR polynomials</a:t>
+            </a:r>
+          </a:p>
+          <a:p>
+            <a:pPr lvl="1"/>
+            <a:endParaRPr lang="en-GB" sz="2400" dirty="0"/>
+          </a:p>
+          <a:p>
+            <a:pPr lvl="1"/>
+            <a:r>
+              <a:rPr lang="en-GB" sz="2400" dirty="0"/>
+              <a:t>k </a:t>
+            </a:r>
+          </a:p>
+          <a:p>
+            <a:pPr lvl="2"/>
+            <a:r>
+              <a:rPr lang="en-GB" sz="2000" dirty="0"/>
+              <a:t>Small: possible « noisy » trend</a:t>
+            </a:r>
+          </a:p>
+          <a:p>
+            <a:pPr lvl="2"/>
+            <a:r>
+              <a:rPr lang="en-GB" sz="2000" dirty="0"/>
+              <a:t>k ≈ 1: more stable trend</a:t>
+            </a:r>
+          </a:p>
+          <a:p>
+            <a:pPr lvl="1"/>
+            <a:r>
+              <a:rPr lang="en-GB" sz="2400" dirty="0"/>
+              <a:t>e</a:t>
+            </a:r>
+          </a:p>
+          <a:p>
+            <a:pPr lvl="2"/>
+            <a:r>
+              <a:rPr lang="en-GB" sz="2000" dirty="0"/>
+              <a:t>Large (&gt;5): possible short term cycle in the seasonal (for instance, stochastic TD)→erratic seasonal</a:t>
+            </a:r>
+          </a:p>
+          <a:p>
+            <a:pPr lvl="1"/>
+            <a:r>
+              <a:rPr lang="en-GB" sz="2400" dirty="0"/>
+              <a:t>l </a:t>
+            </a:r>
+          </a:p>
+          <a:p>
+            <a:pPr lvl="2"/>
+            <a:r>
+              <a:rPr lang="en-GB" sz="2000" dirty="0"/>
+              <a:t>Small (&lt;.8): higher risk of erratic seasonal</a:t>
+            </a:r>
+          </a:p>
+          <a:p>
+            <a:pPr marL="571500" indent="-457200"/>
+            <a:endParaRPr lang="en-GB" sz="2800" dirty="0"/>
+          </a:p>
+          <a:p>
+            <a:pPr marL="571500" indent="-457200"/>
+            <a:r>
+              <a:rPr lang="en-GB" sz="2800" dirty="0"/>
+              <a:t>General consideration: threshold effects are unavoidable</a:t>
+            </a:r>
+          </a:p>
+          <a:p>
+            <a:pPr lvl="1"/>
+            <a:endParaRPr lang="fr-BE" dirty="0"/>
+          </a:p>
+          <a:p>
+            <a:endParaRPr lang="fr-BE" dirty="0"/>
+          </a:p>
+        </p:txBody>
+      </p:sp>
+      <p:sp>
+        <p:nvSpPr>
+          <p:cNvPr id="4" name="Date Placeholder 3"/>
+          <p:cNvSpPr>
+            <a:spLocks noGrp="1"/>
+          </p:cNvSpPr>
+          <p:nvPr>
+            <p:ph type="dt" sz="half" idx="10"/>
+          </p:nvPr>
+        </p:nvSpPr>
+        <p:spPr/>
+        <p:txBody>
+          <a:bodyPr/>
+          <a:lstStyle/>
+          <a:p>
+            <a:r>
+              <a:rPr lang="fr-FR"/>
+              <a:t>17-19/10/2023</a:t>
+            </a:r>
+            <a:endParaRPr lang="fr-BE"/>
+          </a:p>
+        </p:txBody>
+      </p:sp>
+      <p:sp>
+        <p:nvSpPr>
+          <p:cNvPr id="5" name="Footer Placeholder 4"/>
+          <p:cNvSpPr>
+            <a:spLocks noGrp="1"/>
+          </p:cNvSpPr>
+          <p:nvPr>
+            <p:ph type="ftr" sz="quarter" idx="11"/>
+          </p:nvPr>
+        </p:nvSpPr>
+        <p:spPr/>
+        <p:txBody>
+          <a:bodyPr/>
+          <a:lstStyle/>
+          <a:p>
+            <a:r>
+              <a:rPr lang="en-GB"/>
+              <a:t>CONTRACTORS ORGANISING SOME OF THE COURSES ARE ACTING UNDER A FRAMEWORK CONTRACT CONCLUDED WITH THE COMMISSION</a:t>
+            </a:r>
+            <a:endParaRPr lang="fr-BE"/>
+          </a:p>
+        </p:txBody>
+      </p:sp>
+      <p:sp>
+        <p:nvSpPr>
+          <p:cNvPr id="6" name="Slide Number Placeholder 5"/>
+          <p:cNvSpPr>
+            <a:spLocks noGrp="1"/>
+          </p:cNvSpPr>
+          <p:nvPr>
+            <p:ph type="sldNum" sz="quarter" idx="12"/>
+          </p:nvPr>
+        </p:nvSpPr>
+        <p:spPr/>
+        <p:txBody>
+          <a:bodyPr/>
+          <a:lstStyle/>
+          <a:p>
+            <a:fld id="{F12E9969-9346-4095-A7C3-836AAB82C09A}" type="slidenum">
+              <a:rPr lang="fr-BE" smtClean="0"/>
+              <a:t>29</a:t>
+            </a:fld>
+            <a:endParaRPr lang="fr-BE"/>
+          </a:p>
+        </p:txBody>
+      </p:sp>
+    </p:spTree>
+    <p:extLst>
+      <p:ext uri="{BB962C8B-B14F-4D97-AF65-F5344CB8AC3E}">
+        <p14:creationId xmlns:p14="http://schemas.microsoft.com/office/powerpoint/2010/main" val="1397053278"/>
+      </p:ext>
+    </p:extLst>
+  </p:cSld>
+  <p:clrMapOvr>
+    <a:masterClrMapping/>
+  </p:clrMapOvr>
+</p:sld>
+</file>
+
+<file path=ppt/slides/slide3.xml><?xml version="1.0" encoding="utf-8"?>
+<p:sld xmlns:a="http://schemas.openxmlformats.org/drawingml/2006/main" xmlns:r="http://schemas.openxmlformats.org/officeDocument/2006/relationships" xmlns:p="http://schemas.openxmlformats.org/presentationml/2006/main">
+  <p:cSld>
+    <p:spTree>
+      <p:nvGrpSpPr>
+        <p:cNvPr id="1" name=""/>
+        <p:cNvGrpSpPr/>
+        <p:nvPr/>
+      </p:nvGrpSpPr>
+      <p:grpSpPr>
+        <a:xfrm>
+          <a:off x="0" y="0"/>
+          <a:ext cx="0" cy="0"/>
+          <a:chOff x="0" y="0"/>
+          <a:chExt cx="0" cy="0"/>
+        </a:xfrm>
+      </p:grpSpPr>
+      <p:sp>
+        <p:nvSpPr>
+          <p:cNvPr id="2" name="Title 1">
+            <a:extLst>
+              <a:ext uri="{FF2B5EF4-FFF2-40B4-BE49-F238E27FC236}">
+                <a16:creationId xmlns:a16="http://schemas.microsoft.com/office/drawing/2014/main" id="{3A2E236B-9B13-249F-1DE2-18A26DA62431}"/>
+              </a:ext>
+            </a:extLst>
+          </p:cNvPr>
+          <p:cNvSpPr>
+            <a:spLocks noGrp="1"/>
+          </p:cNvSpPr>
+          <p:nvPr>
+            <p:ph type="title"/>
+          </p:nvPr>
+        </p:nvSpPr>
+        <p:spPr/>
+        <p:txBody>
+          <a:bodyPr/>
+          <a:lstStyle/>
+          <a:p>
+            <a:pPr algn="l"/>
+            <a:r>
+              <a:rPr lang="en-GB" dirty="0"/>
+              <a:t>Always keep in mind…</a:t>
+            </a:r>
+          </a:p>
+        </p:txBody>
+      </p:sp>
+      <p:sp>
+        <p:nvSpPr>
+          <p:cNvPr id="4" name="Date Placeholder 3">
+            <a:extLst>
+              <a:ext uri="{FF2B5EF4-FFF2-40B4-BE49-F238E27FC236}">
+                <a16:creationId xmlns:a16="http://schemas.microsoft.com/office/drawing/2014/main" id="{23689E60-1756-2693-EF9A-4836DE422425}"/>
+              </a:ext>
+            </a:extLst>
+          </p:cNvPr>
+          <p:cNvSpPr>
+            <a:spLocks noGrp="1"/>
+          </p:cNvSpPr>
+          <p:nvPr>
+            <p:ph type="dt" sz="half" idx="10"/>
+          </p:nvPr>
+        </p:nvSpPr>
+        <p:spPr/>
+        <p:txBody>
+          <a:bodyPr/>
+          <a:lstStyle/>
+          <a:p>
+            <a:r>
+              <a:rPr lang="fr-FR"/>
+              <a:t>17-19/10/2023</a:t>
+            </a:r>
+            <a:endParaRPr lang="fr-BE"/>
+          </a:p>
+        </p:txBody>
+      </p:sp>
+      <p:sp>
+        <p:nvSpPr>
+          <p:cNvPr id="5" name="Footer Placeholder 4">
+            <a:extLst>
+              <a:ext uri="{FF2B5EF4-FFF2-40B4-BE49-F238E27FC236}">
+                <a16:creationId xmlns:a16="http://schemas.microsoft.com/office/drawing/2014/main" id="{62CE0615-59F6-C6EE-84E2-3ADFD4859225}"/>
+              </a:ext>
+            </a:extLst>
+          </p:cNvPr>
+          <p:cNvSpPr>
+            <a:spLocks noGrp="1"/>
+          </p:cNvSpPr>
+          <p:nvPr>
+            <p:ph type="ftr" sz="quarter" idx="11"/>
+          </p:nvPr>
+        </p:nvSpPr>
+        <p:spPr/>
+        <p:txBody>
+          <a:bodyPr/>
+          <a:lstStyle/>
+          <a:p>
+            <a:r>
+              <a:rPr lang="en-GB"/>
+              <a:t>CONTRACTORS ORGANISING SOME OF THE COURSES ARE ACTING UNDER A FRAMEWORK CONTRACT CONCLUDED WITH THE COMMISSION</a:t>
+            </a:r>
+            <a:endParaRPr lang="fr-BE"/>
+          </a:p>
+        </p:txBody>
+      </p:sp>
+      <p:sp>
+        <p:nvSpPr>
+          <p:cNvPr id="6" name="Slide Number Placeholder 5">
+            <a:extLst>
+              <a:ext uri="{FF2B5EF4-FFF2-40B4-BE49-F238E27FC236}">
+                <a16:creationId xmlns:a16="http://schemas.microsoft.com/office/drawing/2014/main" id="{DF008DB6-3CC7-2B7B-6E0D-4D494AFCD42C}"/>
+              </a:ext>
+            </a:extLst>
+          </p:cNvPr>
+          <p:cNvSpPr>
+            <a:spLocks noGrp="1"/>
+          </p:cNvSpPr>
+          <p:nvPr>
+            <p:ph type="sldNum" sz="quarter" idx="12"/>
+          </p:nvPr>
+        </p:nvSpPr>
+        <p:spPr/>
+        <p:txBody>
+          <a:bodyPr/>
+          <a:lstStyle/>
+          <a:p>
+            <a:fld id="{F12E9969-9346-4095-A7C3-836AAB82C09A}" type="slidenum">
+              <a:rPr lang="fr-BE" smtClean="0"/>
+              <a:t>3</a:t>
+            </a:fld>
+            <a:endParaRPr lang="fr-BE"/>
+          </a:p>
+        </p:txBody>
+      </p:sp>
+      <p:pic>
+        <p:nvPicPr>
+          <p:cNvPr id="7" name="Content Placeholder 6">
+            <a:extLst>
+              <a:ext uri="{FF2B5EF4-FFF2-40B4-BE49-F238E27FC236}">
+                <a16:creationId xmlns:a16="http://schemas.microsoft.com/office/drawing/2014/main" id="{0E4F6847-6455-88FF-3DB1-01D8AE52438F}"/>
+              </a:ext>
+            </a:extLst>
+          </p:cNvPr>
+          <p:cNvPicPr>
+            <a:picLocks noGrp="1" noChangeAspect="1"/>
+          </p:cNvPicPr>
+          <p:nvPr>
+            <p:ph idx="1"/>
+          </p:nvPr>
+        </p:nvPicPr>
+        <p:blipFill>
+          <a:blip r:embed="rId2"/>
+          <a:stretch>
+            <a:fillRect/>
+          </a:stretch>
+        </p:blipFill>
+        <p:spPr>
+          <a:xfrm>
+            <a:off x="523875" y="1958181"/>
+            <a:ext cx="8096250" cy="3810000"/>
+          </a:xfrm>
+          <a:prstGeom prst="rect">
+            <a:avLst/>
+          </a:prstGeom>
+        </p:spPr>
+      </p:pic>
+    </p:spTree>
+    <p:extLst>
+      <p:ext uri="{BB962C8B-B14F-4D97-AF65-F5344CB8AC3E}">
+        <p14:creationId xmlns:p14="http://schemas.microsoft.com/office/powerpoint/2010/main" val="4129781176"/>
+      </p:ext>
+    </p:extLst>
+  </p:cSld>
+  <p:clrMapOvr>
+    <a:masterClrMapping/>
+  </p:clrMapOvr>
+</p:sld>
+</file>
+
+<file path=ppt/slides/slide30.xml><?xml version="1.0" encoding="utf-8"?>
+<p:sld xmlns:a="http://schemas.openxmlformats.org/drawingml/2006/main" xmlns:r="http://schemas.openxmlformats.org/officeDocument/2006/relationships" xmlns:p="http://schemas.openxmlformats.org/presentationml/2006/main">
+  <p:cSld>
+    <p:spTree>
+      <p:nvGrpSpPr>
+        <p:cNvPr id="1" name=""/>
+        <p:cNvGrpSpPr/>
+        <p:nvPr/>
+      </p:nvGrpSpPr>
+      <p:grpSpPr>
+        <a:xfrm>
+          <a:off x="0" y="0"/>
+          <a:ext cx="0" cy="0"/>
+          <a:chOff x="0" y="0"/>
+          <a:chExt cx="0" cy="0"/>
+        </a:xfrm>
+      </p:grpSpPr>
+      <p:sp>
+        <p:nvSpPr>
+          <p:cNvPr id="2" name="Title 1"/>
+          <p:cNvSpPr>
+            <a:spLocks noGrp="1"/>
+          </p:cNvSpPr>
+          <p:nvPr>
+            <p:ph type="title"/>
+          </p:nvPr>
+        </p:nvSpPr>
+        <p:spPr/>
+        <p:txBody>
+          <a:bodyPr/>
+          <a:lstStyle/>
+          <a:p>
+            <a:r>
+              <a:rPr lang="fr-BE" dirty="0"/>
               <a:t>5.2 Non </a:t>
             </a:r>
             <a:r>
@@ -16366,7 +17770,7 @@
           <a:p>
             <a:fld id="{F12E9969-9346-4095-A7C3-836AAB82C09A}" type="slidenum">
               <a:rPr lang="fr-BE" smtClean="0"/>
-              <a:t>29</a:t>
+              <a:t>30</a:t>
             </a:fld>
             <a:endParaRPr lang="fr-BE"/>
           </a:p>
@@ -16385,7 +17789,575 @@
 </p:sld>
 </file>
 
-<file path=ppt/slides/slide3.xml><?xml version="1.0" encoding="utf-8"?>
+<file path=ppt/slides/slide31.xml><?xml version="1.0" encoding="utf-8"?>
+<p:sld xmlns:a="http://schemas.openxmlformats.org/drawingml/2006/main" xmlns:r="http://schemas.openxmlformats.org/officeDocument/2006/relationships" xmlns:p="http://schemas.openxmlformats.org/presentationml/2006/main">
+  <p:cSld>
+    <p:spTree>
+      <p:nvGrpSpPr>
+        <p:cNvPr id="1" name=""/>
+        <p:cNvGrpSpPr/>
+        <p:nvPr/>
+      </p:nvGrpSpPr>
+      <p:grpSpPr>
+        <a:xfrm>
+          <a:off x="0" y="0"/>
+          <a:ext cx="0" cy="0"/>
+          <a:chOff x="0" y="0"/>
+          <a:chExt cx="0" cy="0"/>
+        </a:xfrm>
+      </p:grpSpPr>
+      <p:sp>
+        <p:nvSpPr>
+          <p:cNvPr id="2" name="Title 1"/>
+          <p:cNvSpPr>
+            <a:spLocks noGrp="1"/>
+          </p:cNvSpPr>
+          <p:nvPr>
+            <p:ph type="title"/>
+          </p:nvPr>
+        </p:nvSpPr>
+        <p:spPr/>
+        <p:txBody>
+          <a:bodyPr/>
+          <a:lstStyle/>
+          <a:p>
+            <a:pPr algn="l"/>
+            <a:r>
+              <a:rPr lang="fr-BE" dirty="0"/>
+              <a:t>6. Final </a:t>
+            </a:r>
+            <a:r>
+              <a:rPr lang="fr-BE" dirty="0" err="1"/>
+              <a:t>remarks</a:t>
+            </a:r>
+            <a:endParaRPr lang="fr-BE" dirty="0"/>
+          </a:p>
+        </p:txBody>
+      </p:sp>
+      <p:sp>
+        <p:nvSpPr>
+          <p:cNvPr id="3" name="Content Placeholder 2"/>
+          <p:cNvSpPr>
+            <a:spLocks noGrp="1"/>
+          </p:cNvSpPr>
+          <p:nvPr>
+            <p:ph idx="1"/>
+          </p:nvPr>
+        </p:nvSpPr>
+        <p:spPr/>
+        <p:txBody>
+          <a:bodyPr>
+            <a:normAutofit lnSpcReduction="10000"/>
+          </a:bodyPr>
+          <a:lstStyle/>
+          <a:p>
+            <a:r>
+              <a:rPr lang="en-GB" dirty="0"/>
+              <a:t>What matters?</a:t>
+            </a:r>
+          </a:p>
+          <a:p>
+            <a:pPr lvl="1"/>
+            <a:r>
+              <a:rPr lang="en-GB" sz="2400" dirty="0"/>
+              <a:t>Impact of the model on </a:t>
+            </a:r>
+          </a:p>
+          <a:p>
+            <a:pPr lvl="2"/>
+            <a:r>
+              <a:rPr lang="en-GB" sz="2000" dirty="0"/>
+              <a:t>SA/S “smoothness” </a:t>
+            </a:r>
+            <a:r>
+              <a:rPr lang="en-GB" sz="2000" dirty="0">
+                <a:latin typeface="Cambria Math" panose="02040503050406030204" pitchFamily="18" charset="0"/>
+                <a:ea typeface="Cambria Math" panose="02040503050406030204" pitchFamily="18" charset="0"/>
+              </a:rPr>
+              <a:t>⇒ </a:t>
+            </a:r>
+            <a:r>
+              <a:rPr lang="en-GB" sz="1800" dirty="0">
+                <a:solidFill>
+                  <a:srgbClr val="FF0000"/>
+                </a:solidFill>
+                <a:latin typeface="Cambria Math" panose="02040503050406030204" pitchFamily="18" charset="0"/>
+                <a:ea typeface="Cambria Math" panose="02040503050406030204" pitchFamily="18" charset="0"/>
+              </a:rPr>
+              <a:t>Be very careful with stationary AR roots</a:t>
+            </a:r>
+            <a:endParaRPr lang="en-GB" sz="2000" dirty="0">
+              <a:solidFill>
+                <a:srgbClr val="FF0000"/>
+              </a:solidFill>
+            </a:endParaRPr>
+          </a:p>
+          <a:p>
+            <a:pPr lvl="2"/>
+            <a:r>
+              <a:rPr lang="en-GB" sz="2000" dirty="0"/>
+              <a:t>Revisions</a:t>
+            </a:r>
+          </a:p>
+          <a:p>
+            <a:pPr lvl="1"/>
+            <a:r>
+              <a:rPr lang="en-GB" sz="2400" dirty="0"/>
+              <a:t>Use </a:t>
+            </a:r>
+            <a:r>
+              <a:rPr lang="en-GB" sz="2400" dirty="0" err="1"/>
+              <a:t>PsiE</a:t>
+            </a:r>
+            <a:r>
+              <a:rPr lang="en-GB" sz="2400" dirty="0"/>
+              <a:t>-weights to understand/anticipate revisions</a:t>
+            </a:r>
+          </a:p>
+          <a:p>
+            <a:pPr lvl="1"/>
+            <a:r>
+              <a:rPr lang="en-GB" sz="2400" dirty="0"/>
+              <a:t>Model-based diagnostics</a:t>
+            </a:r>
+          </a:p>
+          <a:p>
+            <a:pPr lvl="2"/>
+            <a:r>
+              <a:rPr lang="en-GB" sz="2000" dirty="0"/>
+              <a:t>Variance estimators&lt;&gt; variance estimates</a:t>
+            </a:r>
+          </a:p>
+          <a:p>
+            <a:pPr lvl="3"/>
+            <a:r>
+              <a:rPr lang="en-GB" sz="1600" dirty="0"/>
+              <a:t>Should not happen if the original model is well defined</a:t>
+            </a:r>
+          </a:p>
+          <a:p>
+            <a:pPr lvl="3"/>
+            <a:r>
+              <a:rPr lang="en-GB" sz="1600" dirty="0">
+                <a:solidFill>
+                  <a:srgbClr val="FF0000"/>
+                </a:solidFill>
+              </a:rPr>
+              <a:t>Be careful with non decomposable models / fixed models / “bad” models</a:t>
+            </a:r>
+          </a:p>
+          <a:p>
+            <a:pPr lvl="1"/>
+            <a:r>
+              <a:rPr lang="en-GB" sz="2400" dirty="0"/>
+              <a:t>To go further, s</a:t>
+            </a:r>
+            <a:r>
+              <a:rPr lang="en-US" sz="2400" dirty="0" err="1"/>
+              <a:t>ee</a:t>
+            </a:r>
+            <a:r>
+              <a:rPr lang="en-US" sz="2400" dirty="0"/>
+              <a:t>: </a:t>
+            </a:r>
+          </a:p>
+          <a:p>
+            <a:pPr lvl="2"/>
+            <a:r>
+              <a:rPr lang="en-US" sz="1600" dirty="0"/>
+              <a:t>“SEASONAL ADJUSTMENT AND SIGNAL EXTRACTION IN ECONOMIC TIME SERIES”, by R. Gomez and A. </a:t>
+            </a:r>
+            <a:r>
+              <a:rPr lang="en-US" sz="1600" dirty="0" err="1"/>
+              <a:t>Maravall</a:t>
+            </a:r>
+            <a:endParaRPr lang="en-US" sz="1600" dirty="0"/>
+          </a:p>
+          <a:p>
+            <a:pPr lvl="1"/>
+            <a:endParaRPr lang="en-GB" sz="1800" dirty="0"/>
+          </a:p>
+          <a:p>
+            <a:pPr lvl="2"/>
+            <a:endParaRPr lang="en-GB" sz="2000" dirty="0"/>
+          </a:p>
+          <a:p>
+            <a:pPr lvl="2"/>
+            <a:endParaRPr lang="en-GB" dirty="0"/>
+          </a:p>
+        </p:txBody>
+      </p:sp>
+      <p:sp>
+        <p:nvSpPr>
+          <p:cNvPr id="4" name="Date Placeholder 3"/>
+          <p:cNvSpPr>
+            <a:spLocks noGrp="1"/>
+          </p:cNvSpPr>
+          <p:nvPr>
+            <p:ph type="dt" sz="half" idx="10"/>
+          </p:nvPr>
+        </p:nvSpPr>
+        <p:spPr/>
+        <p:txBody>
+          <a:bodyPr/>
+          <a:lstStyle/>
+          <a:p>
+            <a:r>
+              <a:rPr lang="fr-FR"/>
+              <a:t>17-19/10/2023</a:t>
+            </a:r>
+            <a:endParaRPr lang="fr-BE"/>
+          </a:p>
+        </p:txBody>
+      </p:sp>
+      <p:sp>
+        <p:nvSpPr>
+          <p:cNvPr id="5" name="Footer Placeholder 4"/>
+          <p:cNvSpPr>
+            <a:spLocks noGrp="1"/>
+          </p:cNvSpPr>
+          <p:nvPr>
+            <p:ph type="ftr" sz="quarter" idx="11"/>
+          </p:nvPr>
+        </p:nvSpPr>
+        <p:spPr/>
+        <p:txBody>
+          <a:bodyPr/>
+          <a:lstStyle/>
+          <a:p>
+            <a:r>
+              <a:rPr lang="en-GB"/>
+              <a:t>CONTRACTORS ORGANISING SOME OF THE COURSES ARE ACTING UNDER A FRAMEWORK CONTRACT CONCLUDED WITH THE COMMISSION</a:t>
+            </a:r>
+            <a:endParaRPr lang="fr-BE"/>
+          </a:p>
+        </p:txBody>
+      </p:sp>
+      <p:sp>
+        <p:nvSpPr>
+          <p:cNvPr id="6" name="Slide Number Placeholder 5"/>
+          <p:cNvSpPr>
+            <a:spLocks noGrp="1"/>
+          </p:cNvSpPr>
+          <p:nvPr>
+            <p:ph type="sldNum" sz="quarter" idx="12"/>
+          </p:nvPr>
+        </p:nvSpPr>
+        <p:spPr/>
+        <p:txBody>
+          <a:bodyPr/>
+          <a:lstStyle/>
+          <a:p>
+            <a:fld id="{F12E9969-9346-4095-A7C3-836AAB82C09A}" type="slidenum">
+              <a:rPr lang="fr-BE" smtClean="0"/>
+              <a:t>31</a:t>
+            </a:fld>
+            <a:endParaRPr lang="fr-BE"/>
+          </a:p>
+        </p:txBody>
+      </p:sp>
+    </p:spTree>
+    <p:extLst>
+      <p:ext uri="{BB962C8B-B14F-4D97-AF65-F5344CB8AC3E}">
+        <p14:creationId xmlns:p14="http://schemas.microsoft.com/office/powerpoint/2010/main" val="917804391"/>
+      </p:ext>
+    </p:extLst>
+  </p:cSld>
+  <p:clrMapOvr>
+    <a:masterClrMapping/>
+  </p:clrMapOvr>
+</p:sld>
+</file>
+
+<file path=ppt/slides/slide32.xml><?xml version="1.0" encoding="utf-8"?>
+<p:sld xmlns:a="http://schemas.openxmlformats.org/drawingml/2006/main" xmlns:r="http://schemas.openxmlformats.org/officeDocument/2006/relationships" xmlns:p="http://schemas.openxmlformats.org/presentationml/2006/main">
+  <p:cSld>
+    <p:spTree>
+      <p:nvGrpSpPr>
+        <p:cNvPr id="1" name=""/>
+        <p:cNvGrpSpPr/>
+        <p:nvPr/>
+      </p:nvGrpSpPr>
+      <p:grpSpPr>
+        <a:xfrm>
+          <a:off x="0" y="0"/>
+          <a:ext cx="0" cy="0"/>
+          <a:chOff x="0" y="0"/>
+          <a:chExt cx="0" cy="0"/>
+        </a:xfrm>
+      </p:grpSpPr>
+      <p:sp>
+        <p:nvSpPr>
+          <p:cNvPr id="2" name="Title 1">
+            <a:extLst>
+              <a:ext uri="{FF2B5EF4-FFF2-40B4-BE49-F238E27FC236}">
+                <a16:creationId xmlns:a16="http://schemas.microsoft.com/office/drawing/2014/main" id="{1FBA2C74-A04F-BE1D-E998-A722B43C41B1}"/>
+              </a:ext>
+            </a:extLst>
+          </p:cNvPr>
+          <p:cNvSpPr>
+            <a:spLocks noGrp="1"/>
+          </p:cNvSpPr>
+          <p:nvPr>
+            <p:ph type="title"/>
+          </p:nvPr>
+        </p:nvSpPr>
+        <p:spPr/>
+        <p:txBody>
+          <a:bodyPr/>
+          <a:lstStyle/>
+          <a:p>
+            <a:pPr algn="l"/>
+            <a:r>
+              <a:rPr lang="fr-BE" dirty="0"/>
+              <a:t>6. Final </a:t>
+            </a:r>
+            <a:r>
+              <a:rPr lang="fr-BE" dirty="0" err="1"/>
+              <a:t>remarks</a:t>
+            </a:r>
+            <a:r>
+              <a:rPr lang="fr-BE" dirty="0"/>
+              <a:t> (</a:t>
+            </a:r>
+            <a:r>
+              <a:rPr lang="fr-BE" dirty="0" err="1"/>
+              <a:t>cont</a:t>
+            </a:r>
+            <a:r>
+              <a:rPr lang="fr-BE" dirty="0"/>
+              <a:t>.)</a:t>
+            </a:r>
+          </a:p>
+        </p:txBody>
+      </p:sp>
+      <p:sp>
+        <p:nvSpPr>
+          <p:cNvPr id="3" name="Content Placeholder 2">
+            <a:extLst>
+              <a:ext uri="{FF2B5EF4-FFF2-40B4-BE49-F238E27FC236}">
+                <a16:creationId xmlns:a16="http://schemas.microsoft.com/office/drawing/2014/main" id="{79464584-30A5-8147-6BEC-0A537D940685}"/>
+              </a:ext>
+            </a:extLst>
+          </p:cNvPr>
+          <p:cNvSpPr>
+            <a:spLocks noGrp="1"/>
+          </p:cNvSpPr>
+          <p:nvPr>
+            <p:ph idx="1"/>
+          </p:nvPr>
+        </p:nvSpPr>
+        <p:spPr/>
+        <p:txBody>
+          <a:bodyPr>
+            <a:normAutofit fontScale="92500" lnSpcReduction="20000"/>
+          </a:bodyPr>
+          <a:lstStyle/>
+          <a:p>
+            <a:r>
+              <a:rPr lang="en-GB" sz="2800" dirty="0"/>
+              <a:t>Advantages and drawbacks of model-based decomposition</a:t>
+            </a:r>
+          </a:p>
+          <a:p>
+            <a:pPr lvl="1">
+              <a:buFont typeface="Wingdings" panose="05000000000000000000" pitchFamily="2" charset="2"/>
+              <a:buChar char="§"/>
+            </a:pPr>
+            <a:r>
+              <a:rPr lang="en-GB" sz="2400" dirty="0"/>
+              <a:t>+</a:t>
+            </a:r>
+          </a:p>
+          <a:p>
+            <a:pPr lvl="2">
+              <a:buFont typeface="Wingdings" panose="05000000000000000000" pitchFamily="2" charset="2"/>
+              <a:buChar char="§"/>
+            </a:pPr>
+            <a:r>
+              <a:rPr lang="en-GB" sz="2000" dirty="0"/>
+              <a:t>« Optimal filters », tailored for each series</a:t>
+            </a:r>
+          </a:p>
+          <a:p>
+            <a:pPr lvl="2">
+              <a:buFont typeface="Wingdings" panose="05000000000000000000" pitchFamily="2" charset="2"/>
+              <a:buChar char="§"/>
+            </a:pPr>
+            <a:r>
+              <a:rPr lang="en-GB" sz="2000" dirty="0"/>
+              <a:t>Many useful additional information (uncertainty…)</a:t>
+            </a:r>
+          </a:p>
+          <a:p>
+            <a:pPr lvl="1">
+              <a:buFont typeface="Wingdings" panose="05000000000000000000" pitchFamily="2" charset="2"/>
+              <a:buChar char="§"/>
+            </a:pPr>
+            <a:r>
+              <a:rPr lang="en-GB" sz="2400" dirty="0"/>
+              <a:t>-</a:t>
+            </a:r>
+          </a:p>
+          <a:p>
+            <a:pPr lvl="2">
+              <a:buFont typeface="Wingdings" panose="05000000000000000000" pitchFamily="2" charset="2"/>
+              <a:buChar char="§"/>
+            </a:pPr>
+            <a:r>
+              <a:rPr lang="en-GB" sz="2000" dirty="0"/>
+              <a:t>Might generate huge revisions</a:t>
+            </a:r>
+          </a:p>
+          <a:p>
+            <a:r>
+              <a:rPr lang="en-GB" sz="2800" dirty="0"/>
+              <a:t>Some recommendations </a:t>
+            </a:r>
+          </a:p>
+          <a:p>
+            <a:pPr lvl="1">
+              <a:buFont typeface="Wingdings" panose="05000000000000000000" pitchFamily="2" charset="2"/>
+              <a:buChar char="§"/>
+            </a:pPr>
+            <a:r>
+              <a:rPr lang="en-GB" sz="2400" dirty="0"/>
+              <a:t>Fix the model</a:t>
+            </a:r>
+          </a:p>
+          <a:p>
+            <a:pPr lvl="1">
+              <a:buFont typeface="Wingdings" panose="05000000000000000000" pitchFamily="2" charset="2"/>
+              <a:buChar char="§"/>
+            </a:pPr>
+            <a:r>
+              <a:rPr lang="en-GB" sz="2400" dirty="0"/>
+              <a:t>Fix the series in the past (5 year revisions)</a:t>
+            </a:r>
+          </a:p>
+          <a:p>
+            <a:pPr lvl="1">
+              <a:buFont typeface="Wingdings" panose="05000000000000000000" pitchFamily="2" charset="2"/>
+              <a:buChar char="§"/>
+            </a:pPr>
+            <a:r>
+              <a:rPr lang="en-GB" sz="2400" dirty="0"/>
+              <a:t>Fix the parameters and revise them when you revise the raw data </a:t>
+            </a:r>
+          </a:p>
+          <a:p>
+            <a:pPr lvl="1">
+              <a:buFont typeface="Wingdings" panose="05000000000000000000" pitchFamily="2" charset="2"/>
+              <a:buChar char="§"/>
+            </a:pPr>
+            <a:r>
+              <a:rPr lang="en-GB" sz="2400" dirty="0"/>
+              <a:t>Be pragmatic !</a:t>
+            </a:r>
+          </a:p>
+        </p:txBody>
+      </p:sp>
+      <p:sp>
+        <p:nvSpPr>
+          <p:cNvPr id="4" name="Date Placeholder 3">
+            <a:extLst>
+              <a:ext uri="{FF2B5EF4-FFF2-40B4-BE49-F238E27FC236}">
+                <a16:creationId xmlns:a16="http://schemas.microsoft.com/office/drawing/2014/main" id="{54042DE9-5680-CAE0-606F-6E33AF64F468}"/>
+              </a:ext>
+            </a:extLst>
+          </p:cNvPr>
+          <p:cNvSpPr>
+            <a:spLocks noGrp="1"/>
+          </p:cNvSpPr>
+          <p:nvPr>
+            <p:ph type="dt" sz="half" idx="10"/>
+          </p:nvPr>
+        </p:nvSpPr>
+        <p:spPr/>
+        <p:txBody>
+          <a:bodyPr/>
+          <a:lstStyle/>
+          <a:p>
+            <a:r>
+              <a:rPr lang="fr-FR"/>
+              <a:t>17-19/10/2023</a:t>
+            </a:r>
+            <a:endParaRPr lang="fr-BE"/>
+          </a:p>
+        </p:txBody>
+      </p:sp>
+      <p:sp>
+        <p:nvSpPr>
+          <p:cNvPr id="5" name="Footer Placeholder 4">
+            <a:extLst>
+              <a:ext uri="{FF2B5EF4-FFF2-40B4-BE49-F238E27FC236}">
+                <a16:creationId xmlns:a16="http://schemas.microsoft.com/office/drawing/2014/main" id="{1EA060AC-6C2F-164E-F80F-183D5B177515}"/>
+              </a:ext>
+            </a:extLst>
+          </p:cNvPr>
+          <p:cNvSpPr>
+            <a:spLocks noGrp="1"/>
+          </p:cNvSpPr>
+          <p:nvPr>
+            <p:ph type="ftr" sz="quarter" idx="11"/>
+          </p:nvPr>
+        </p:nvSpPr>
+        <p:spPr/>
+        <p:txBody>
+          <a:bodyPr/>
+          <a:lstStyle/>
+          <a:p>
+            <a:r>
+              <a:rPr lang="en-GB"/>
+              <a:t>CONTRACTORS ORGANISING SOME OF THE COURSES ARE ACTING UNDER A FRAMEWORK CONTRACT CONCLUDED WITH THE COMMISSION</a:t>
+            </a:r>
+            <a:endParaRPr lang="fr-BE"/>
+          </a:p>
+        </p:txBody>
+      </p:sp>
+      <p:sp>
+        <p:nvSpPr>
+          <p:cNvPr id="6" name="Slide Number Placeholder 5">
+            <a:extLst>
+              <a:ext uri="{FF2B5EF4-FFF2-40B4-BE49-F238E27FC236}">
+                <a16:creationId xmlns:a16="http://schemas.microsoft.com/office/drawing/2014/main" id="{FC086E9F-A2FE-7F23-6862-DBD18B2C094A}"/>
+              </a:ext>
+            </a:extLst>
+          </p:cNvPr>
+          <p:cNvSpPr>
+            <a:spLocks noGrp="1"/>
+          </p:cNvSpPr>
+          <p:nvPr>
+            <p:ph type="sldNum" sz="quarter" idx="12"/>
+          </p:nvPr>
+        </p:nvSpPr>
+        <p:spPr/>
+        <p:txBody>
+          <a:bodyPr/>
+          <a:lstStyle/>
+          <a:p>
+            <a:fld id="{F12E9969-9346-4095-A7C3-836AAB82C09A}" type="slidenum">
+              <a:rPr lang="fr-BE" smtClean="0"/>
+              <a:t>32</a:t>
+            </a:fld>
+            <a:endParaRPr lang="fr-BE"/>
+          </a:p>
+        </p:txBody>
+      </p:sp>
+    </p:spTree>
+    <p:extLst>
+      <p:ext uri="{BB962C8B-B14F-4D97-AF65-F5344CB8AC3E}">
+        <p14:creationId xmlns:p14="http://schemas.microsoft.com/office/powerpoint/2010/main" val="983101836"/>
+      </p:ext>
+    </p:extLst>
+  </p:cSld>
+  <p:clrMapOvr>
+    <a:masterClrMapping/>
+  </p:clrMapOvr>
+</p:sld>
+</file>
+
+<file path=ppt/slides/slide4.xml><?xml version="1.0" encoding="utf-8"?>
 <p:sld xmlns:a="http://schemas.openxmlformats.org/drawingml/2006/main" xmlns:r="http://schemas.openxmlformats.org/officeDocument/2006/relationships" xmlns:p="http://schemas.openxmlformats.org/presentationml/2006/main">
   <p:cSld>
     <p:spTree>
@@ -16431,8 +18403,8 @@
           </a:p>
         </p:txBody>
       </p:sp>
-      <mc:AlternateContent xmlns:mc="http://schemas.openxmlformats.org/markup-compatibility/2006">
-        <mc:Choice xmlns:a14="http://schemas.microsoft.com/office/drawing/2010/main" Requires="a14">
+      <mc:AlternateContent xmlns:mc="http://schemas.openxmlformats.org/markup-compatibility/2006" xmlns:a14="http://schemas.microsoft.com/office/drawing/2010/main">
+        <mc:Choice Requires="a14">
           <p:sp>
             <p:nvSpPr>
               <p:cNvPr id="3" name="Content Placeholder 2">
@@ -17588,7 +19560,7 @@
             </p:txBody>
           </p:sp>
         </mc:Choice>
-        <mc:Fallback>
+        <mc:Fallback xmlns="">
           <p:sp>
             <p:nvSpPr>
               <p:cNvPr id="3" name="Content Placeholder 2">
@@ -17709,7 +19681,7 @@
           <a:p>
             <a:fld id="{F12E9969-9346-4095-A7C3-836AAB82C09A}" type="slidenum">
               <a:rPr lang="fr-BE" smtClean="0"/>
-              <a:t>3</a:t>
+              <a:t>4</a:t>
             </a:fld>
             <a:endParaRPr lang="fr-BE"/>
           </a:p>
@@ -17728,287 +19700,7 @@
 </p:sld>
 </file>
 
-<file path=ppt/slides/slide30.xml><?xml version="1.0" encoding="utf-8"?>
-<p:sld xmlns:a="http://schemas.openxmlformats.org/drawingml/2006/main" xmlns:r="http://schemas.openxmlformats.org/officeDocument/2006/relationships" xmlns:p="http://schemas.openxmlformats.org/presentationml/2006/main">
-  <p:cSld>
-    <p:spTree>
-      <p:nvGrpSpPr>
-        <p:cNvPr id="1" name=""/>
-        <p:cNvGrpSpPr/>
-        <p:nvPr/>
-      </p:nvGrpSpPr>
-      <p:grpSpPr>
-        <a:xfrm>
-          <a:off x="0" y="0"/>
-          <a:ext cx="0" cy="0"/>
-          <a:chOff x="0" y="0"/>
-          <a:chExt cx="0" cy="0"/>
-        </a:xfrm>
-      </p:grpSpPr>
-      <p:sp>
-        <p:nvSpPr>
-          <p:cNvPr id="2" name="Title 1"/>
-          <p:cNvSpPr>
-            <a:spLocks noGrp="1"/>
-          </p:cNvSpPr>
-          <p:nvPr>
-            <p:ph type="title"/>
-          </p:nvPr>
-        </p:nvSpPr>
-        <p:spPr/>
-        <p:txBody>
-          <a:bodyPr/>
-          <a:lstStyle/>
-          <a:p>
-            <a:pPr algn="l"/>
-            <a:r>
-              <a:rPr lang="fr-BE" dirty="0"/>
-              <a:t>6. Final </a:t>
-            </a:r>
-            <a:r>
-              <a:rPr lang="fr-BE" dirty="0" err="1"/>
-              <a:t>remarks</a:t>
-            </a:r>
-            <a:endParaRPr lang="fr-BE" dirty="0"/>
-          </a:p>
-        </p:txBody>
-      </p:sp>
-      <p:sp>
-        <p:nvSpPr>
-          <p:cNvPr id="3" name="Content Placeholder 2"/>
-          <p:cNvSpPr>
-            <a:spLocks noGrp="1"/>
-          </p:cNvSpPr>
-          <p:nvPr>
-            <p:ph idx="1"/>
-          </p:nvPr>
-        </p:nvSpPr>
-        <p:spPr/>
-        <p:txBody>
-          <a:bodyPr>
-            <a:normAutofit lnSpcReduction="10000"/>
-          </a:bodyPr>
-          <a:lstStyle/>
-          <a:p>
-            <a:r>
-              <a:rPr lang="en-GB" dirty="0"/>
-              <a:t>What matters?</a:t>
-            </a:r>
-          </a:p>
-          <a:p>
-            <a:pPr lvl="1"/>
-            <a:r>
-              <a:rPr lang="en-GB" sz="2400" dirty="0"/>
-              <a:t>Impact of the model on </a:t>
-            </a:r>
-          </a:p>
-          <a:p>
-            <a:pPr lvl="2"/>
-            <a:r>
-              <a:rPr lang="en-GB" sz="2000" dirty="0"/>
-              <a:t>SA/S “smoothness” </a:t>
-            </a:r>
-            <a:r>
-              <a:rPr lang="en-GB" sz="2000" dirty="0">
-                <a:latin typeface="Cambria Math" panose="02040503050406030204" pitchFamily="18" charset="0"/>
-                <a:ea typeface="Cambria Math" panose="02040503050406030204" pitchFamily="18" charset="0"/>
-              </a:rPr>
-              <a:t>⇒ </a:t>
-            </a:r>
-            <a:r>
-              <a:rPr lang="en-GB" sz="1800" dirty="0">
-                <a:solidFill>
-                  <a:srgbClr val="FF0000"/>
-                </a:solidFill>
-                <a:latin typeface="Cambria Math" panose="02040503050406030204" pitchFamily="18" charset="0"/>
-                <a:ea typeface="Cambria Math" panose="02040503050406030204" pitchFamily="18" charset="0"/>
-              </a:rPr>
-              <a:t>Be very careful with stationary AR roots</a:t>
-            </a:r>
-            <a:endParaRPr lang="en-GB" sz="2000" dirty="0">
-              <a:solidFill>
-                <a:srgbClr val="FF0000"/>
-              </a:solidFill>
-            </a:endParaRPr>
-          </a:p>
-          <a:p>
-            <a:pPr lvl="2"/>
-            <a:r>
-              <a:rPr lang="en-GB" sz="2000" dirty="0"/>
-              <a:t>Revisions</a:t>
-            </a:r>
-          </a:p>
-          <a:p>
-            <a:pPr lvl="1"/>
-            <a:r>
-              <a:rPr lang="en-GB" sz="2400" dirty="0"/>
-              <a:t>Use </a:t>
-            </a:r>
-            <a:r>
-              <a:rPr lang="en-GB" sz="2400" dirty="0" err="1"/>
-              <a:t>PsiE</a:t>
-            </a:r>
-            <a:r>
-              <a:rPr lang="en-GB" sz="2400" dirty="0"/>
-              <a:t>-weights to understand/anticipate revisions</a:t>
-            </a:r>
-          </a:p>
-          <a:p>
-            <a:pPr lvl="1"/>
-            <a:r>
-              <a:rPr lang="en-GB" sz="2400" dirty="0"/>
-              <a:t>Model-based diagnostics</a:t>
-            </a:r>
-          </a:p>
-          <a:p>
-            <a:pPr lvl="2"/>
-            <a:r>
-              <a:rPr lang="en-GB" sz="2000" dirty="0"/>
-              <a:t>Variance estimators&lt;&gt; variance estimates</a:t>
-            </a:r>
-          </a:p>
-          <a:p>
-            <a:pPr lvl="3"/>
-            <a:r>
-              <a:rPr lang="en-GB" sz="1600" dirty="0"/>
-              <a:t>Should not happen if the original model is well defined</a:t>
-            </a:r>
-          </a:p>
-          <a:p>
-            <a:pPr lvl="3"/>
-            <a:r>
-              <a:rPr lang="en-GB" sz="1600" dirty="0">
-                <a:solidFill>
-                  <a:srgbClr val="FF0000"/>
-                </a:solidFill>
-              </a:rPr>
-              <a:t>Be careful with non decomposable models / fixed models / “bad” models</a:t>
-            </a:r>
-          </a:p>
-          <a:p>
-            <a:pPr lvl="1"/>
-            <a:r>
-              <a:rPr lang="en-GB" sz="2400" dirty="0"/>
-              <a:t>To go further, s</a:t>
-            </a:r>
-            <a:r>
-              <a:rPr lang="en-US" sz="2400" dirty="0" err="1"/>
-              <a:t>ee</a:t>
-            </a:r>
-            <a:r>
-              <a:rPr lang="en-US" sz="2400" dirty="0"/>
-              <a:t>: </a:t>
-            </a:r>
-          </a:p>
-          <a:p>
-            <a:pPr lvl="2"/>
-            <a:r>
-              <a:rPr lang="en-US" sz="1600" dirty="0"/>
-              <a:t>“SEASONAL ADJUSTMENT AND SIGNAL EXTRACTION IN ECONOMIC TIME SERIES”, by R. Gomez and A. </a:t>
-            </a:r>
-            <a:r>
-              <a:rPr lang="en-US" sz="1600" dirty="0" err="1"/>
-              <a:t>Maravall</a:t>
-            </a:r>
-            <a:endParaRPr lang="en-US" sz="1600" dirty="0"/>
-          </a:p>
-          <a:p>
-            <a:pPr lvl="1"/>
-            <a:endParaRPr lang="en-GB" sz="1800" dirty="0"/>
-          </a:p>
-          <a:p>
-            <a:pPr lvl="2"/>
-            <a:endParaRPr lang="en-GB" sz="2000" dirty="0"/>
-          </a:p>
-          <a:p>
-            <a:pPr lvl="2"/>
-            <a:endParaRPr lang="en-GB" dirty="0"/>
-          </a:p>
-        </p:txBody>
-      </p:sp>
-      <p:sp>
-        <p:nvSpPr>
-          <p:cNvPr id="4" name="Date Placeholder 3"/>
-          <p:cNvSpPr>
-            <a:spLocks noGrp="1"/>
-          </p:cNvSpPr>
-          <p:nvPr>
-            <p:ph type="dt" sz="half" idx="10"/>
-          </p:nvPr>
-        </p:nvSpPr>
-        <p:spPr/>
-        <p:txBody>
-          <a:bodyPr/>
-          <a:lstStyle/>
-          <a:p>
-            <a:r>
-              <a:rPr lang="fr-FR"/>
-              <a:t>17-19/10/2023</a:t>
-            </a:r>
-            <a:endParaRPr lang="fr-BE"/>
-          </a:p>
-        </p:txBody>
-      </p:sp>
-      <p:sp>
-        <p:nvSpPr>
-          <p:cNvPr id="5" name="Footer Placeholder 4"/>
-          <p:cNvSpPr>
-            <a:spLocks noGrp="1"/>
-          </p:cNvSpPr>
-          <p:nvPr>
-            <p:ph type="ftr" sz="quarter" idx="11"/>
-          </p:nvPr>
-        </p:nvSpPr>
-        <p:spPr/>
-        <p:txBody>
-          <a:bodyPr/>
-          <a:lstStyle/>
-          <a:p>
-            <a:r>
-              <a:rPr lang="en-GB"/>
-              <a:t>CONTRACTORS ORGANISING SOME OF THE COURSES ARE ACTING UNDER A FRAMEWORK CONTRACT CONCLUDED WITH THE COMMISSION</a:t>
-            </a:r>
-            <a:endParaRPr lang="fr-BE"/>
-          </a:p>
-        </p:txBody>
-      </p:sp>
-      <p:sp>
-        <p:nvSpPr>
-          <p:cNvPr id="6" name="Slide Number Placeholder 5"/>
-          <p:cNvSpPr>
-            <a:spLocks noGrp="1"/>
-          </p:cNvSpPr>
-          <p:nvPr>
-            <p:ph type="sldNum" sz="quarter" idx="12"/>
-          </p:nvPr>
-        </p:nvSpPr>
-        <p:spPr/>
-        <p:txBody>
-          <a:bodyPr/>
-          <a:lstStyle/>
-          <a:p>
-            <a:fld id="{F12E9969-9346-4095-A7C3-836AAB82C09A}" type="slidenum">
-              <a:rPr lang="fr-BE" smtClean="0"/>
-              <a:t>30</a:t>
-            </a:fld>
-            <a:endParaRPr lang="fr-BE"/>
-          </a:p>
-        </p:txBody>
-      </p:sp>
-    </p:spTree>
-    <p:extLst>
-      <p:ext uri="{BB962C8B-B14F-4D97-AF65-F5344CB8AC3E}">
-        <p14:creationId xmlns:p14="http://schemas.microsoft.com/office/powerpoint/2010/main" val="917804391"/>
-      </p:ext>
-    </p:extLst>
-  </p:cSld>
-  <p:clrMapOvr>
-    <a:masterClrMapping/>
-  </p:clrMapOvr>
-</p:sld>
-</file>
-
-<file path=ppt/slides/slide4.xml><?xml version="1.0" encoding="utf-8"?>
+<file path=ppt/slides/slide5.xml><?xml version="1.0" encoding="utf-8"?>
 <p:sld xmlns:a="http://schemas.openxmlformats.org/drawingml/2006/main" xmlns:r="http://schemas.openxmlformats.org/officeDocument/2006/relationships" xmlns:p="http://schemas.openxmlformats.org/presentationml/2006/main">
   <p:cSld>
     <p:spTree>
@@ -18067,8 +19759,8 @@
           </a:p>
         </p:txBody>
       </p:sp>
-      <mc:AlternateContent xmlns:mc="http://schemas.openxmlformats.org/markup-compatibility/2006">
-        <mc:Choice xmlns:a14="http://schemas.microsoft.com/office/drawing/2010/main" Requires="a14">
+      <mc:AlternateContent xmlns:mc="http://schemas.openxmlformats.org/markup-compatibility/2006" xmlns:a14="http://schemas.microsoft.com/office/drawing/2010/main">
+        <mc:Choice Requires="a14">
           <p:sp>
             <p:nvSpPr>
               <p:cNvPr id="3" name="Content Placeholder 2">
@@ -18829,7 +20521,6 @@
                 <a:endParaRPr lang="en-GB" sz="2400" dirty="0"/>
               </a:p>
               <a:p>
-                <a:pPr/>
                 <a:r>
                   <a:rPr lang="en-GB" sz="2800" dirty="0"/>
                   <a:t>Spectrum ≡ Fourier transform of the </a:t>
@@ -19172,7 +20863,6 @@
                 <a:endParaRPr lang="en-GB" sz="2400" dirty="0"/>
               </a:p>
               <a:p>
-                <a:pPr/>
                 <a:r>
                   <a:rPr lang="en-GB" sz="2800" dirty="0"/>
                   <a:t>Extension to the non-stationary cases</a:t>
@@ -19187,7 +20877,7 @@
             </p:txBody>
           </p:sp>
         </mc:Choice>
-        <mc:Fallback>
+        <mc:Fallback xmlns="">
           <p:sp>
             <p:nvSpPr>
               <p:cNvPr id="3" name="Content Placeholder 2">
@@ -19308,7 +20998,7 @@
           <a:p>
             <a:fld id="{F12E9969-9346-4095-A7C3-836AAB82C09A}" type="slidenum">
               <a:rPr lang="fr-BE" smtClean="0"/>
-              <a:t>4</a:t>
+              <a:t>5</a:t>
             </a:fld>
             <a:endParaRPr lang="fr-BE"/>
           </a:p>
@@ -19327,7 +21017,7 @@
 </p:sld>
 </file>
 
-<file path=ppt/slides/slide5.xml><?xml version="1.0" encoding="utf-8"?>
+<file path=ppt/slides/slide6.xml><?xml version="1.0" encoding="utf-8"?>
 <p:sld xmlns:a="http://schemas.openxmlformats.org/drawingml/2006/main" xmlns:r="http://schemas.openxmlformats.org/officeDocument/2006/relationships" xmlns:p="http://schemas.openxmlformats.org/presentationml/2006/main">
   <p:cSld>
     <p:spTree>
@@ -19507,7 +21197,7 @@
           <a:p>
             <a:fld id="{F12E9969-9346-4095-A7C3-836AAB82C09A}" type="slidenum">
               <a:rPr lang="fr-BE" smtClean="0"/>
-              <a:t>5</a:t>
+              <a:t>6</a:t>
             </a:fld>
             <a:endParaRPr lang="fr-BE"/>
           </a:p>
@@ -19526,7 +21216,7 @@
 </p:sld>
 </file>
 
-<file path=ppt/slides/slide6.xml><?xml version="1.0" encoding="utf-8"?>
+<file path=ppt/slides/slide7.xml><?xml version="1.0" encoding="utf-8"?>
 <p:sld xmlns:a="http://schemas.openxmlformats.org/drawingml/2006/main" xmlns:r="http://schemas.openxmlformats.org/officeDocument/2006/relationships" xmlns:p="http://schemas.openxmlformats.org/presentationml/2006/main">
   <p:cSld>
     <p:spTree>
@@ -19638,7 +21328,7 @@
           <a:p>
             <a:fld id="{F12E9969-9346-4095-A7C3-836AAB82C09A}" type="slidenum">
               <a:rPr lang="fr-BE" smtClean="0"/>
-              <a:t>6</a:t>
+              <a:t>7</a:t>
             </a:fld>
             <a:endParaRPr lang="fr-BE"/>
           </a:p>
@@ -20884,7 +22574,7 @@
 </p:sld>
 </file>
 
-<file path=ppt/slides/slide7.xml><?xml version="1.0" encoding="utf-8"?>
+<file path=ppt/slides/slide8.xml><?xml version="1.0" encoding="utf-8"?>
 <p:sld xmlns:a="http://schemas.openxmlformats.org/drawingml/2006/main" xmlns:r="http://schemas.openxmlformats.org/officeDocument/2006/relationships" xmlns:p="http://schemas.openxmlformats.org/presentationml/2006/main">
   <p:cSld>
     <p:spTree>
@@ -20929,8 +22619,8 @@
           </a:p>
         </p:txBody>
       </p:sp>
-      <mc:AlternateContent xmlns:mc="http://schemas.openxmlformats.org/markup-compatibility/2006">
-        <mc:Choice xmlns:a14="http://schemas.microsoft.com/office/drawing/2010/main" Requires="a14">
+      <mc:AlternateContent xmlns:mc="http://schemas.openxmlformats.org/markup-compatibility/2006" xmlns:a14="http://schemas.microsoft.com/office/drawing/2010/main">
+        <mc:Choice Requires="a14">
           <p:sp>
             <p:nvSpPr>
               <p:cNvPr id="3" name="Content Placeholder 2">
@@ -21913,7 +23603,7 @@
             </p:txBody>
           </p:sp>
         </mc:Choice>
-        <mc:Fallback>
+        <mc:Fallback xmlns="">
           <p:sp>
             <p:nvSpPr>
               <p:cNvPr id="3" name="Content Placeholder 2">
@@ -22034,7 +23724,7 @@
           <a:p>
             <a:fld id="{F12E9969-9346-4095-A7C3-836AAB82C09A}" type="slidenum">
               <a:rPr lang="fr-BE" smtClean="0"/>
-              <a:t>7</a:t>
+              <a:t>8</a:t>
             </a:fld>
             <a:endParaRPr lang="fr-BE"/>
           </a:p>
@@ -22053,7 +23743,7 @@
 </p:sld>
 </file>
 
-<file path=ppt/slides/slide8.xml><?xml version="1.0" encoding="utf-8"?>
+<file path=ppt/slides/slide9.xml><?xml version="1.0" encoding="utf-8"?>
 <p:sld xmlns:a="http://schemas.openxmlformats.org/drawingml/2006/main" xmlns:r="http://schemas.openxmlformats.org/officeDocument/2006/relationships" xmlns:p="http://schemas.openxmlformats.org/presentationml/2006/main">
   <p:cSld>
     <p:spTree>
@@ -22165,7 +23855,7 @@
           <a:p>
             <a:fld id="{F12E9969-9346-4095-A7C3-836AAB82C09A}" type="slidenum">
               <a:rPr lang="fr-BE" smtClean="0"/>
-              <a:t>8</a:t>
+              <a:t>9</a:t>
             </a:fld>
             <a:endParaRPr lang="fr-BE"/>
           </a:p>
@@ -23322,1230 +25012,6 @@
     <p:extLst>
       <p:ext uri="{BB962C8B-B14F-4D97-AF65-F5344CB8AC3E}">
         <p14:creationId xmlns:p14="http://schemas.microsoft.com/office/powerpoint/2010/main" val="2555104147"/>
-      </p:ext>
-    </p:extLst>
-  </p:cSld>
-  <p:clrMapOvr>
-    <a:masterClrMapping/>
-  </p:clrMapOvr>
-</p:sld>
-</file>
-
-<file path=ppt/slides/slide9.xml><?xml version="1.0" encoding="utf-8"?>
-<p:sld xmlns:a="http://schemas.openxmlformats.org/drawingml/2006/main" xmlns:r="http://schemas.openxmlformats.org/officeDocument/2006/relationships" xmlns:p="http://schemas.openxmlformats.org/presentationml/2006/main">
-  <p:cSld>
-    <p:spTree>
-      <p:nvGrpSpPr>
-        <p:cNvPr id="1" name=""/>
-        <p:cNvGrpSpPr/>
-        <p:nvPr/>
-      </p:nvGrpSpPr>
-      <p:grpSpPr>
-        <a:xfrm>
-          <a:off x="0" y="0"/>
-          <a:ext cx="0" cy="0"/>
-          <a:chOff x="0" y="0"/>
-          <a:chExt cx="0" cy="0"/>
-        </a:xfrm>
-      </p:grpSpPr>
-      <p:sp>
-        <p:nvSpPr>
-          <p:cNvPr id="2" name="Title 1">
-            <a:extLst>
-              <a:ext uri="{FF2B5EF4-FFF2-40B4-BE49-F238E27FC236}">
-                <a16:creationId xmlns:a16="http://schemas.microsoft.com/office/drawing/2014/main" id="{BDC62FB7-9BF9-F727-ADFB-5E13D3006E27}"/>
-              </a:ext>
-            </a:extLst>
-          </p:cNvPr>
-          <p:cNvSpPr>
-            <a:spLocks noGrp="1"/>
-          </p:cNvSpPr>
-          <p:nvPr>
-            <p:ph type="title"/>
-          </p:nvPr>
-        </p:nvSpPr>
-        <p:spPr/>
-        <p:txBody>
-          <a:bodyPr/>
-          <a:lstStyle/>
-          <a:p>
-            <a:r>
-              <a:rPr lang="fr-BE" dirty="0"/>
-              <a:t>1.2.1 </a:t>
-            </a:r>
-            <a:r>
-              <a:rPr lang="fr-BE" dirty="0" err="1"/>
-              <a:t>Airline</a:t>
-            </a:r>
-            <a:r>
-              <a:rPr lang="fr-BE" dirty="0"/>
-              <a:t> model</a:t>
-            </a:r>
-          </a:p>
-        </p:txBody>
-      </p:sp>
-      <mc:AlternateContent xmlns:mc="http://schemas.openxmlformats.org/markup-compatibility/2006">
-        <mc:Choice xmlns:a14="http://schemas.microsoft.com/office/drawing/2010/main" Requires="a14">
-          <p:sp>
-            <p:nvSpPr>
-              <p:cNvPr id="3" name="Content Placeholder 2">
-                <a:extLst>
-                  <a:ext uri="{FF2B5EF4-FFF2-40B4-BE49-F238E27FC236}">
-                    <a16:creationId xmlns:a16="http://schemas.microsoft.com/office/drawing/2014/main" id="{B3BC01B2-B94B-F977-A448-FEC7CAE8ACEC}"/>
-                  </a:ext>
-                </a:extLst>
-              </p:cNvPr>
-              <p:cNvSpPr>
-                <a:spLocks noGrp="1"/>
-              </p:cNvSpPr>
-              <p:nvPr>
-                <p:ph idx="1"/>
-              </p:nvPr>
-            </p:nvSpPr>
-            <p:spPr/>
-            <p:txBody>
-              <a:bodyPr/>
-              <a:lstStyle/>
-              <a:p>
-                <a:pPr marL="800100" lvl="2" indent="0">
-                  <a:buNone/>
-                </a:pPr>
-                <a14:m>
-                  <m:oMath xmlns:m="http://schemas.openxmlformats.org/officeDocument/2006/math">
-                    <m:r>
-                      <m:rPr>
-                        <m:sty m:val="p"/>
-                      </m:rPr>
-                      <a:rPr lang="el-GR" sz="2800" i="1" smtClean="0">
-                        <a:latin typeface="Cambria Math" panose="02040503050406030204" pitchFamily="18" charset="0"/>
-                        <a:ea typeface="Cambria Math" panose="02040503050406030204" pitchFamily="18" charset="0"/>
-                      </a:rPr>
-                      <m:t>Δ</m:t>
-                    </m:r>
-                    <m:sSub>
-                      <m:sSubPr>
-                        <m:ctrlPr>
-                          <a:rPr lang="el-GR" sz="2800" i="1" smtClean="0">
-                            <a:latin typeface="Cambria Math" panose="02040503050406030204" pitchFamily="18" charset="0"/>
-                            <a:ea typeface="Cambria Math" panose="02040503050406030204" pitchFamily="18" charset="0"/>
-                          </a:rPr>
-                        </m:ctrlPr>
-                      </m:sSubPr>
-                      <m:e>
-                        <m:r>
-                          <m:rPr>
-                            <m:sty m:val="p"/>
-                          </m:rPr>
-                          <a:rPr lang="el-GR" sz="2800" i="1" smtClean="0">
-                            <a:latin typeface="Cambria Math" panose="02040503050406030204" pitchFamily="18" charset="0"/>
-                            <a:ea typeface="Cambria Math" panose="02040503050406030204" pitchFamily="18" charset="0"/>
-                          </a:rPr>
-                          <m:t>Δ</m:t>
-                        </m:r>
-                      </m:e>
-                      <m:sub>
-                        <m:r>
-                          <a:rPr lang="fr-BE" sz="2800" b="0" i="1" smtClean="0">
-                            <a:latin typeface="Cambria Math" panose="02040503050406030204" pitchFamily="18" charset="0"/>
-                            <a:ea typeface="Cambria Math" panose="02040503050406030204" pitchFamily="18" charset="0"/>
-                          </a:rPr>
-                          <m:t>𝑓</m:t>
-                        </m:r>
-                      </m:sub>
-                    </m:sSub>
-                    <m:sSub>
-                      <m:sSubPr>
-                        <m:ctrlPr>
-                          <a:rPr lang="fr-BE" sz="2800" b="0" i="1" smtClean="0">
-                            <a:latin typeface="Cambria Math" panose="02040503050406030204" pitchFamily="18" charset="0"/>
-                            <a:ea typeface="Cambria Math" panose="02040503050406030204" pitchFamily="18" charset="0"/>
-                          </a:rPr>
-                        </m:ctrlPr>
-                      </m:sSubPr>
-                      <m:e>
-                        <m:r>
-                          <a:rPr lang="fr-BE" sz="2800" b="0" i="1" smtClean="0">
-                            <a:latin typeface="Cambria Math" panose="02040503050406030204" pitchFamily="18" charset="0"/>
-                            <a:ea typeface="Cambria Math" panose="02040503050406030204" pitchFamily="18" charset="0"/>
-                          </a:rPr>
-                          <m:t>𝑦</m:t>
-                        </m:r>
-                      </m:e>
-                      <m:sub>
-                        <m:r>
-                          <a:rPr lang="fr-BE" sz="2800" b="0" i="1" smtClean="0">
-                            <a:latin typeface="Cambria Math" panose="02040503050406030204" pitchFamily="18" charset="0"/>
-                            <a:ea typeface="Cambria Math" panose="02040503050406030204" pitchFamily="18" charset="0"/>
-                          </a:rPr>
-                          <m:t>𝑡</m:t>
-                        </m:r>
-                      </m:sub>
-                    </m:sSub>
-                    <m:r>
-                      <a:rPr lang="fr-BE" sz="2800" b="0" i="1" smtClean="0">
-                        <a:latin typeface="Cambria Math" panose="02040503050406030204" pitchFamily="18" charset="0"/>
-                        <a:ea typeface="Cambria Math" panose="02040503050406030204" pitchFamily="18" charset="0"/>
-                      </a:rPr>
-                      <m:t>=</m:t>
-                    </m:r>
-                    <m:r>
-                      <m:rPr>
-                        <m:sty m:val="p"/>
-                      </m:rPr>
-                      <a:rPr lang="el-GR" sz="2800" b="0" i="1" smtClean="0">
-                        <a:latin typeface="Cambria Math" panose="02040503050406030204" pitchFamily="18" charset="0"/>
-                        <a:ea typeface="Cambria Math" panose="02040503050406030204" pitchFamily="18" charset="0"/>
-                      </a:rPr>
-                      <m:t>Θ</m:t>
-                    </m:r>
-                    <m:r>
-                      <a:rPr lang="fr-BE" sz="2800" b="0" i="1" smtClean="0">
-                        <a:latin typeface="Cambria Math" panose="02040503050406030204" pitchFamily="18" charset="0"/>
-                        <a:ea typeface="Cambria Math" panose="02040503050406030204" pitchFamily="18" charset="0"/>
-                      </a:rPr>
-                      <m:t>(</m:t>
-                    </m:r>
-                    <m:r>
-                      <a:rPr lang="fr-BE" sz="2800" b="0" i="1" smtClean="0">
-                        <a:latin typeface="Cambria Math" panose="02040503050406030204" pitchFamily="18" charset="0"/>
-                        <a:ea typeface="Cambria Math" panose="02040503050406030204" pitchFamily="18" charset="0"/>
-                      </a:rPr>
-                      <m:t>𝐵</m:t>
-                    </m:r>
-                    <m:r>
-                      <a:rPr lang="fr-BE" sz="2800" b="0" i="1" smtClean="0">
-                        <a:latin typeface="Cambria Math" panose="02040503050406030204" pitchFamily="18" charset="0"/>
-                        <a:ea typeface="Cambria Math" panose="02040503050406030204" pitchFamily="18" charset="0"/>
-                      </a:rPr>
-                      <m:t>)</m:t>
-                    </m:r>
-                  </m:oMath>
-                </a14:m>
-                <a:r>
-                  <a:rPr lang="el-GR" sz="2800" dirty="0">
-                    <a:ea typeface="Cambria Math" panose="02040503050406030204" pitchFamily="18" charset="0"/>
-                  </a:rPr>
-                  <a:t> </a:t>
-                </a:r>
-                <a14:m>
-                  <m:oMath xmlns:m="http://schemas.openxmlformats.org/officeDocument/2006/math">
-                    <m:r>
-                      <m:rPr>
-                        <m:sty m:val="p"/>
-                      </m:rPr>
-                      <a:rPr lang="el-GR" sz="2800" i="1" smtClean="0">
-                        <a:latin typeface="Cambria Math" panose="02040503050406030204" pitchFamily="18" charset="0"/>
-                        <a:ea typeface="Cambria Math" panose="02040503050406030204" pitchFamily="18" charset="0"/>
-                      </a:rPr>
-                      <m:t>Θ</m:t>
-                    </m:r>
-                    <m:d>
-                      <m:dPr>
-                        <m:ctrlPr>
-                          <a:rPr lang="fr-BE" sz="2800" i="1">
-                            <a:latin typeface="Cambria Math" panose="02040503050406030204" pitchFamily="18" charset="0"/>
-                            <a:ea typeface="Cambria Math" panose="02040503050406030204" pitchFamily="18" charset="0"/>
-                          </a:rPr>
-                        </m:ctrlPr>
-                      </m:dPr>
-                      <m:e>
-                        <m:sSup>
-                          <m:sSupPr>
-                            <m:ctrlPr>
-                              <a:rPr lang="fr-BE" sz="2800" i="1">
-                                <a:latin typeface="Cambria Math" panose="02040503050406030204" pitchFamily="18" charset="0"/>
-                                <a:ea typeface="Cambria Math" panose="02040503050406030204" pitchFamily="18" charset="0"/>
-                              </a:rPr>
-                            </m:ctrlPr>
-                          </m:sSupPr>
-                          <m:e>
-                            <m:r>
-                              <a:rPr lang="fr-BE" sz="2800" i="1">
-                                <a:latin typeface="Cambria Math" panose="02040503050406030204" pitchFamily="18" charset="0"/>
-                                <a:ea typeface="Cambria Math" panose="02040503050406030204" pitchFamily="18" charset="0"/>
-                              </a:rPr>
-                              <m:t>𝐵</m:t>
-                            </m:r>
-                          </m:e>
-                          <m:sup>
-                            <m:r>
-                              <a:rPr lang="fr-BE" sz="2800" i="1">
-                                <a:latin typeface="Cambria Math" panose="02040503050406030204" pitchFamily="18" charset="0"/>
-                                <a:ea typeface="Cambria Math" panose="02040503050406030204" pitchFamily="18" charset="0"/>
-                              </a:rPr>
-                              <m:t>𝑓</m:t>
-                            </m:r>
-                          </m:sup>
-                        </m:sSup>
-                      </m:e>
-                    </m:d>
-                  </m:oMath>
-                </a14:m>
-                <a:r>
-                  <a:rPr lang="fr-BE" sz="2800" dirty="0"/>
-                  <a:t> </a:t>
-                </a:r>
-                <a14:m>
-                  <m:oMath xmlns:m="http://schemas.openxmlformats.org/officeDocument/2006/math">
-                    <m:sSub>
-                      <m:sSubPr>
-                        <m:ctrlPr>
-                          <a:rPr lang="fr-BE" sz="2800" i="1">
-                            <a:latin typeface="Cambria Math" panose="02040503050406030204" pitchFamily="18" charset="0"/>
-                          </a:rPr>
-                        </m:ctrlPr>
-                      </m:sSubPr>
-                      <m:e>
-                        <m:r>
-                          <a:rPr lang="fr-BE" sz="2800" i="1">
-                            <a:latin typeface="Cambria Math" panose="02040503050406030204" pitchFamily="18" charset="0"/>
-                            <a:ea typeface="Cambria Math" panose="02040503050406030204" pitchFamily="18" charset="0"/>
-                          </a:rPr>
-                          <m:t>𝜀</m:t>
-                        </m:r>
-                      </m:e>
-                      <m:sub>
-                        <m:r>
-                          <a:rPr lang="fr-BE" sz="2800" i="1">
-                            <a:latin typeface="Cambria Math" panose="02040503050406030204" pitchFamily="18" charset="0"/>
-                          </a:rPr>
-                          <m:t>𝑡</m:t>
-                        </m:r>
-                      </m:sub>
-                    </m:sSub>
-                    <m:r>
-                      <a:rPr lang="fr-BE" sz="2800" i="1">
-                        <a:latin typeface="Cambria Math" panose="02040503050406030204" pitchFamily="18" charset="0"/>
-                      </a:rPr>
-                      <m:t>,</m:t>
-                    </m:r>
-                    <m:sSub>
-                      <m:sSubPr>
-                        <m:ctrlPr>
-                          <a:rPr lang="fr-BE" sz="2800" i="1">
-                            <a:latin typeface="Cambria Math" panose="02040503050406030204" pitchFamily="18" charset="0"/>
-                          </a:rPr>
-                        </m:ctrlPr>
-                      </m:sSubPr>
-                      <m:e>
-                        <m:r>
-                          <a:rPr lang="fr-BE" sz="2800" i="1">
-                            <a:latin typeface="Cambria Math" panose="02040503050406030204" pitchFamily="18" charset="0"/>
-                          </a:rPr>
-                          <m:t>    </m:t>
-                        </m:r>
-                        <m:r>
-                          <a:rPr lang="fr-BE" sz="2800" i="1">
-                            <a:latin typeface="Cambria Math" panose="02040503050406030204" pitchFamily="18" charset="0"/>
-                            <a:ea typeface="Cambria Math" panose="02040503050406030204" pitchFamily="18" charset="0"/>
-                          </a:rPr>
-                          <m:t>𝜀</m:t>
-                        </m:r>
-                      </m:e>
-                      <m:sub>
-                        <m:r>
-                          <a:rPr lang="fr-BE" sz="2800" i="1">
-                            <a:latin typeface="Cambria Math" panose="02040503050406030204" pitchFamily="18" charset="0"/>
-                          </a:rPr>
-                          <m:t>𝑡</m:t>
-                        </m:r>
-                      </m:sub>
-                    </m:sSub>
-                    <m:r>
-                      <a:rPr lang="fr-BE" sz="2800" i="1">
-                        <a:latin typeface="Cambria Math" panose="02040503050406030204" pitchFamily="18" charset="0"/>
-                        <a:ea typeface="Cambria Math" panose="02040503050406030204" pitchFamily="18" charset="0"/>
-                      </a:rPr>
-                      <m:t>~</m:t>
-                    </m:r>
-                    <m:r>
-                      <a:rPr lang="fr-BE" sz="2800" i="1">
-                        <a:latin typeface="Cambria Math" panose="02040503050406030204" pitchFamily="18" charset="0"/>
-                        <a:ea typeface="Cambria Math" panose="02040503050406030204" pitchFamily="18" charset="0"/>
-                      </a:rPr>
-                      <m:t>𝑁</m:t>
-                    </m:r>
-                    <m:d>
-                      <m:dPr>
-                        <m:ctrlPr>
-                          <a:rPr lang="fr-BE" sz="2800" i="1">
-                            <a:latin typeface="Cambria Math" panose="02040503050406030204" pitchFamily="18" charset="0"/>
-                            <a:ea typeface="Cambria Math" panose="02040503050406030204" pitchFamily="18" charset="0"/>
-                          </a:rPr>
-                        </m:ctrlPr>
-                      </m:dPr>
-                      <m:e>
-                        <m:r>
-                          <a:rPr lang="fr-BE" sz="2800" i="1">
-                            <a:latin typeface="Cambria Math" panose="02040503050406030204" pitchFamily="18" charset="0"/>
-                            <a:ea typeface="Cambria Math" panose="02040503050406030204" pitchFamily="18" charset="0"/>
-                          </a:rPr>
-                          <m:t>0, </m:t>
-                        </m:r>
-                        <m:sSubSup>
-                          <m:sSubSupPr>
-                            <m:ctrlPr>
-                              <a:rPr lang="fr-BE" sz="2800" i="1" smtClean="0">
-                                <a:solidFill>
-                                  <a:schemeClr val="tx1"/>
-                                </a:solidFill>
-                                <a:latin typeface="Cambria Math" panose="02040503050406030204" pitchFamily="18" charset="0"/>
-                                <a:ea typeface="Cambria Math" panose="02040503050406030204" pitchFamily="18" charset="0"/>
-                              </a:rPr>
-                            </m:ctrlPr>
-                          </m:sSubSupPr>
-                          <m:e>
-                            <m:r>
-                              <a:rPr lang="fr-BE" sz="2800" b="0" i="1">
-                                <a:solidFill>
-                                  <a:schemeClr val="tx1"/>
-                                </a:solidFill>
-                                <a:latin typeface="Cambria Math" panose="02040503050406030204" pitchFamily="18" charset="0"/>
-                                <a:ea typeface="Cambria Math" panose="02040503050406030204" pitchFamily="18" charset="0"/>
-                              </a:rPr>
-                              <m:t>𝜎</m:t>
-                            </m:r>
-                          </m:e>
-                          <m:sub>
-                            <m:r>
-                              <a:rPr lang="fr-BE" sz="2800" b="0" i="1">
-                                <a:solidFill>
-                                  <a:schemeClr val="tx1"/>
-                                </a:solidFill>
-                                <a:latin typeface="Cambria Math" panose="02040503050406030204" pitchFamily="18" charset="0"/>
-                                <a:ea typeface="Cambria Math" panose="02040503050406030204" pitchFamily="18" charset="0"/>
-                              </a:rPr>
-                              <m:t>𝜀</m:t>
-                            </m:r>
-                          </m:sub>
-                          <m:sup>
-                            <m:r>
-                              <a:rPr lang="fr-BE" sz="2800" b="0" i="1">
-                                <a:solidFill>
-                                  <a:schemeClr val="tx1"/>
-                                </a:solidFill>
-                                <a:latin typeface="Cambria Math" panose="02040503050406030204" pitchFamily="18" charset="0"/>
-                                <a:ea typeface="Cambria Math" panose="02040503050406030204" pitchFamily="18" charset="0"/>
-                              </a:rPr>
-                              <m:t>2</m:t>
-                            </m:r>
-                          </m:sup>
-                        </m:sSubSup>
-                      </m:e>
-                    </m:d>
-                  </m:oMath>
-                </a14:m>
-                <a:endParaRPr lang="fr-BE" sz="2800" dirty="0">
-                  <a:ea typeface="Cambria Math" panose="02040503050406030204" pitchFamily="18" charset="0"/>
-                </a:endParaRPr>
-              </a:p>
-              <a:p>
-                <a:pPr marL="800100" lvl="2" indent="0">
-                  <a:buNone/>
-                </a:pPr>
-                <a:endParaRPr lang="fr-BE" sz="2800" dirty="0"/>
-              </a:p>
-              <a:p>
-                <a:pPr marL="1257300" lvl="3" indent="0">
-                  <a:buNone/>
-                </a:pPr>
-                <a:r>
-                  <a:rPr lang="fr-BE" sz="2400" dirty="0"/>
-                  <a:t>Or</a:t>
-                </a:r>
-              </a:p>
-              <a:p>
-                <a:pPr marL="1257300" lvl="3" indent="0">
-                  <a:buNone/>
-                </a:pPr>
-                <a:endParaRPr lang="fr-BE" sz="2400" dirty="0"/>
-              </a:p>
-              <a:p>
-                <a:pPr marL="800100" lvl="2" indent="0">
-                  <a:buNone/>
-                </a:pPr>
-                <a14:m>
-                  <m:oMathPara xmlns:m="http://schemas.openxmlformats.org/officeDocument/2006/math">
-                    <m:oMathParaPr>
-                      <m:jc m:val="centerGroup"/>
-                    </m:oMathParaPr>
-                    <m:oMath xmlns:m="http://schemas.openxmlformats.org/officeDocument/2006/math">
-                      <m:sSub>
-                        <m:sSubPr>
-                          <m:ctrlPr>
-                            <a:rPr lang="fr-BE" sz="2800" i="1">
-                              <a:latin typeface="Cambria Math" panose="02040503050406030204" pitchFamily="18" charset="0"/>
-                              <a:ea typeface="Cambria Math" panose="02040503050406030204" pitchFamily="18" charset="0"/>
-                            </a:rPr>
-                          </m:ctrlPr>
-                        </m:sSubPr>
-                        <m:e>
-                          <m:r>
-                            <a:rPr lang="fr-BE" sz="2800" i="1">
-                              <a:latin typeface="Cambria Math" panose="02040503050406030204" pitchFamily="18" charset="0"/>
-                              <a:ea typeface="Cambria Math" panose="02040503050406030204" pitchFamily="18" charset="0"/>
-                            </a:rPr>
-                            <m:t>𝑦</m:t>
-                          </m:r>
-                        </m:e>
-                        <m:sub>
-                          <m:r>
-                            <a:rPr lang="fr-BE" sz="2800" i="1">
-                              <a:latin typeface="Cambria Math" panose="02040503050406030204" pitchFamily="18" charset="0"/>
-                              <a:ea typeface="Cambria Math" panose="02040503050406030204" pitchFamily="18" charset="0"/>
-                            </a:rPr>
-                            <m:t>𝑡</m:t>
-                          </m:r>
-                        </m:sub>
-                      </m:sSub>
-                      <m:r>
-                        <a:rPr lang="fr-BE" sz="2800" b="0" i="1" smtClean="0">
-                          <a:latin typeface="Cambria Math" panose="02040503050406030204" pitchFamily="18" charset="0"/>
-                          <a:ea typeface="Cambria Math" panose="02040503050406030204" pitchFamily="18" charset="0"/>
-                        </a:rPr>
-                        <m:t>=</m:t>
-                      </m:r>
-                      <m:sSub>
-                        <m:sSubPr>
-                          <m:ctrlPr>
-                            <a:rPr lang="fr-BE" sz="2800" b="0" i="1" smtClean="0">
-                              <a:latin typeface="Cambria Math" panose="02040503050406030204" pitchFamily="18" charset="0"/>
-                              <a:ea typeface="Cambria Math" panose="02040503050406030204" pitchFamily="18" charset="0"/>
-                            </a:rPr>
-                          </m:ctrlPr>
-                        </m:sSubPr>
-                        <m:e>
-                          <m:sSub>
-                            <m:sSubPr>
-                              <m:ctrlPr>
-                                <a:rPr lang="fr-BE" sz="2800" i="1">
-                                  <a:latin typeface="Cambria Math" panose="02040503050406030204" pitchFamily="18" charset="0"/>
-                                  <a:ea typeface="Cambria Math" panose="02040503050406030204" pitchFamily="18" charset="0"/>
-                                </a:rPr>
-                              </m:ctrlPr>
-                            </m:sSubPr>
-                            <m:e>
-                              <m:r>
-                                <a:rPr lang="fr-BE" sz="2800" i="1">
-                                  <a:latin typeface="Cambria Math" panose="02040503050406030204" pitchFamily="18" charset="0"/>
-                                  <a:ea typeface="Cambria Math" panose="02040503050406030204" pitchFamily="18" charset="0"/>
-                                </a:rPr>
-                                <m:t>𝑦</m:t>
-                              </m:r>
-                            </m:e>
-                            <m:sub>
-                              <m:r>
-                                <a:rPr lang="fr-BE" sz="2800" i="1">
-                                  <a:latin typeface="Cambria Math" panose="02040503050406030204" pitchFamily="18" charset="0"/>
-                                  <a:ea typeface="Cambria Math" panose="02040503050406030204" pitchFamily="18" charset="0"/>
-                                </a:rPr>
-                                <m:t>𝑡</m:t>
-                              </m:r>
-                              <m:r>
-                                <a:rPr lang="fr-BE" sz="2800" i="1">
-                                  <a:latin typeface="Cambria Math" panose="02040503050406030204" pitchFamily="18" charset="0"/>
-                                  <a:ea typeface="Cambria Math" panose="02040503050406030204" pitchFamily="18" charset="0"/>
-                                </a:rPr>
-                                <m:t>−</m:t>
-                              </m:r>
-                              <m:r>
-                                <a:rPr lang="fr-BE" sz="2800" i="1">
-                                  <a:latin typeface="Cambria Math" panose="02040503050406030204" pitchFamily="18" charset="0"/>
-                                  <a:ea typeface="Cambria Math" panose="02040503050406030204" pitchFamily="18" charset="0"/>
-                                </a:rPr>
-                                <m:t>𝑓</m:t>
-                              </m:r>
-                            </m:sub>
-                          </m:sSub>
-                          <m:r>
-                            <a:rPr lang="fr-BE" sz="2800" i="1">
-                              <a:latin typeface="Cambria Math" panose="02040503050406030204" pitchFamily="18" charset="0"/>
-                              <a:ea typeface="Cambria Math" panose="02040503050406030204" pitchFamily="18" charset="0"/>
-                            </a:rPr>
-                            <m:t>+</m:t>
-                          </m:r>
-                          <m:r>
-                            <a:rPr lang="fr-BE" sz="2800" b="0" i="1" smtClean="0">
-                              <a:latin typeface="Cambria Math" panose="02040503050406030204" pitchFamily="18" charset="0"/>
-                              <a:ea typeface="Cambria Math" panose="02040503050406030204" pitchFamily="18" charset="0"/>
-                            </a:rPr>
-                            <m:t>(</m:t>
-                          </m:r>
-                          <m:r>
-                            <a:rPr lang="fr-BE" sz="2800" i="1">
-                              <a:latin typeface="Cambria Math" panose="02040503050406030204" pitchFamily="18" charset="0"/>
-                              <a:ea typeface="Cambria Math" panose="02040503050406030204" pitchFamily="18" charset="0"/>
-                            </a:rPr>
-                            <m:t>𝑦</m:t>
-                          </m:r>
-                        </m:e>
-                        <m:sub>
-                          <m:r>
-                            <a:rPr lang="fr-BE" sz="2800" b="0" i="1" smtClean="0">
-                              <a:latin typeface="Cambria Math" panose="02040503050406030204" pitchFamily="18" charset="0"/>
-                              <a:ea typeface="Cambria Math" panose="02040503050406030204" pitchFamily="18" charset="0"/>
-                            </a:rPr>
-                            <m:t>𝑡</m:t>
-                          </m:r>
-                          <m:r>
-                            <a:rPr lang="fr-BE" sz="2800" b="0" i="1" smtClean="0">
-                              <a:latin typeface="Cambria Math" panose="02040503050406030204" pitchFamily="18" charset="0"/>
-                              <a:ea typeface="Cambria Math" panose="02040503050406030204" pitchFamily="18" charset="0"/>
-                            </a:rPr>
-                            <m:t>−1</m:t>
-                          </m:r>
-                        </m:sub>
-                      </m:sSub>
-                      <m:r>
-                        <a:rPr lang="fr-BE" sz="2800" b="0" i="1" smtClean="0">
-                          <a:latin typeface="Cambria Math" panose="02040503050406030204" pitchFamily="18" charset="0"/>
-                          <a:ea typeface="Cambria Math" panose="02040503050406030204" pitchFamily="18" charset="0"/>
-                        </a:rPr>
-                        <m:t>−</m:t>
-                      </m:r>
-                      <m:sSub>
-                        <m:sSubPr>
-                          <m:ctrlPr>
-                            <a:rPr lang="fr-BE" sz="2800" b="0" i="1" smtClean="0">
-                              <a:latin typeface="Cambria Math" panose="02040503050406030204" pitchFamily="18" charset="0"/>
-                              <a:ea typeface="Cambria Math" panose="02040503050406030204" pitchFamily="18" charset="0"/>
-                            </a:rPr>
-                          </m:ctrlPr>
-                        </m:sSubPr>
-                        <m:e>
-                          <m:r>
-                            <a:rPr lang="fr-BE" sz="2800" b="0" i="1" smtClean="0">
-                              <a:latin typeface="Cambria Math" panose="02040503050406030204" pitchFamily="18" charset="0"/>
-                              <a:ea typeface="Cambria Math" panose="02040503050406030204" pitchFamily="18" charset="0"/>
-                            </a:rPr>
-                            <m:t>𝑦</m:t>
-                          </m:r>
-                        </m:e>
-                        <m:sub>
-                          <m:r>
-                            <a:rPr lang="fr-BE" sz="2800" b="0" i="1" smtClean="0">
-                              <a:latin typeface="Cambria Math" panose="02040503050406030204" pitchFamily="18" charset="0"/>
-                              <a:ea typeface="Cambria Math" panose="02040503050406030204" pitchFamily="18" charset="0"/>
-                            </a:rPr>
-                            <m:t>𝑡</m:t>
-                          </m:r>
-                          <m:r>
-                            <a:rPr lang="fr-BE" sz="2800" b="0" i="1" smtClean="0">
-                              <a:latin typeface="Cambria Math" panose="02040503050406030204" pitchFamily="18" charset="0"/>
-                              <a:ea typeface="Cambria Math" panose="02040503050406030204" pitchFamily="18" charset="0"/>
-                            </a:rPr>
-                            <m:t>−</m:t>
-                          </m:r>
-                          <m:r>
-                            <a:rPr lang="fr-BE" sz="2800" b="0" i="1" smtClean="0">
-                              <a:latin typeface="Cambria Math" panose="02040503050406030204" pitchFamily="18" charset="0"/>
-                              <a:ea typeface="Cambria Math" panose="02040503050406030204" pitchFamily="18" charset="0"/>
-                            </a:rPr>
-                            <m:t>𝑓</m:t>
-                          </m:r>
-                          <m:r>
-                            <a:rPr lang="fr-BE" sz="2800" b="0" i="1" smtClean="0">
-                              <a:latin typeface="Cambria Math" panose="02040503050406030204" pitchFamily="18" charset="0"/>
-                              <a:ea typeface="Cambria Math" panose="02040503050406030204" pitchFamily="18" charset="0"/>
-                            </a:rPr>
-                            <m:t>−1</m:t>
-                          </m:r>
-                        </m:sub>
-                      </m:sSub>
-                      <m:r>
-                        <a:rPr lang="fr-BE" sz="2800" b="0" i="1" smtClean="0">
-                          <a:latin typeface="Cambria Math" panose="02040503050406030204" pitchFamily="18" charset="0"/>
-                          <a:ea typeface="Cambria Math" panose="02040503050406030204" pitchFamily="18" charset="0"/>
-                        </a:rPr>
-                        <m:t>)+</m:t>
-                      </m:r>
-                    </m:oMath>
-                  </m:oMathPara>
-                </a14:m>
-                <a:endParaRPr lang="fr-BE" sz="2800" b="0" i="1" dirty="0">
-                  <a:latin typeface="Cambria Math" panose="02040503050406030204" pitchFamily="18" charset="0"/>
-                  <a:ea typeface="Cambria Math" panose="02040503050406030204" pitchFamily="18" charset="0"/>
-                </a:endParaRPr>
-              </a:p>
-              <a:p>
-                <a:pPr marL="800100" lvl="2" indent="0">
-                  <a:buNone/>
-                </a:pPr>
-                <a14:m>
-                  <m:oMathPara xmlns:m="http://schemas.openxmlformats.org/officeDocument/2006/math">
-                    <m:oMathParaPr>
-                      <m:jc m:val="centerGroup"/>
-                    </m:oMathParaPr>
-                    <m:oMath xmlns:m="http://schemas.openxmlformats.org/officeDocument/2006/math">
-                      <m:sSub>
-                        <m:sSubPr>
-                          <m:ctrlPr>
-                            <a:rPr lang="fr-BE" sz="2800" b="0" i="1" smtClean="0">
-                              <a:latin typeface="Cambria Math" panose="02040503050406030204" pitchFamily="18" charset="0"/>
-                              <a:ea typeface="Cambria Math" panose="02040503050406030204" pitchFamily="18" charset="0"/>
-                            </a:rPr>
-                          </m:ctrlPr>
-                        </m:sSubPr>
-                        <m:e>
-                          <m:r>
-                            <a:rPr lang="fr-BE" sz="2800" i="1">
-                              <a:latin typeface="Cambria Math" panose="02040503050406030204" pitchFamily="18" charset="0"/>
-                              <a:ea typeface="Cambria Math" panose="02040503050406030204" pitchFamily="18" charset="0"/>
-                            </a:rPr>
-                            <m:t>𝜀</m:t>
-                          </m:r>
-                        </m:e>
-                        <m:sub>
-                          <m:r>
-                            <a:rPr lang="fr-BE" sz="2800" b="0" i="1" smtClean="0">
-                              <a:latin typeface="Cambria Math" panose="02040503050406030204" pitchFamily="18" charset="0"/>
-                              <a:ea typeface="Cambria Math" panose="02040503050406030204" pitchFamily="18" charset="0"/>
-                            </a:rPr>
-                            <m:t>𝑡</m:t>
-                          </m:r>
-                        </m:sub>
-                      </m:sSub>
-                      <m:r>
-                        <a:rPr lang="fr-BE" sz="2800" i="1">
-                          <a:latin typeface="Cambria Math" panose="02040503050406030204" pitchFamily="18" charset="0"/>
-                          <a:ea typeface="Cambria Math" panose="02040503050406030204" pitchFamily="18" charset="0"/>
-                        </a:rPr>
-                        <m:t>+</m:t>
-                      </m:r>
-                      <m:sSub>
-                        <m:sSubPr>
-                          <m:ctrlPr>
-                            <a:rPr lang="fr-BE" sz="2800" b="1" i="1">
-                              <a:solidFill>
-                                <a:schemeClr val="accent1"/>
-                              </a:solidFill>
-                              <a:latin typeface="Cambria Math" panose="02040503050406030204" pitchFamily="18" charset="0"/>
-                              <a:ea typeface="Cambria Math" panose="02040503050406030204" pitchFamily="18" charset="0"/>
-                            </a:rPr>
-                          </m:ctrlPr>
-                        </m:sSubPr>
-                        <m:e>
-                          <m:r>
-                            <a:rPr lang="fr-BE" sz="2800" b="1" i="1">
-                              <a:solidFill>
-                                <a:schemeClr val="accent1"/>
-                              </a:solidFill>
-                              <a:latin typeface="Cambria Math" panose="02040503050406030204" pitchFamily="18" charset="0"/>
-                              <a:ea typeface="Cambria Math" panose="02040503050406030204" pitchFamily="18" charset="0"/>
-                            </a:rPr>
-                            <m:t>𝜽</m:t>
-                          </m:r>
-                        </m:e>
-                        <m:sub>
-                          <m:r>
-                            <a:rPr lang="fr-BE" sz="2800" b="1" i="1">
-                              <a:solidFill>
-                                <a:schemeClr val="accent1"/>
-                              </a:solidFill>
-                              <a:latin typeface="Cambria Math" panose="02040503050406030204" pitchFamily="18" charset="0"/>
-                              <a:ea typeface="Cambria Math" panose="02040503050406030204" pitchFamily="18" charset="0"/>
-                            </a:rPr>
-                            <m:t>𝒇</m:t>
-                          </m:r>
-                        </m:sub>
-                      </m:sSub>
-                      <m:sSub>
-                        <m:sSubPr>
-                          <m:ctrlPr>
-                            <a:rPr lang="fr-BE" sz="2800" i="1">
-                              <a:latin typeface="Cambria Math" panose="02040503050406030204" pitchFamily="18" charset="0"/>
-                              <a:ea typeface="Cambria Math" panose="02040503050406030204" pitchFamily="18" charset="0"/>
-                            </a:rPr>
-                          </m:ctrlPr>
-                        </m:sSubPr>
-                        <m:e>
-                          <m:r>
-                            <a:rPr lang="fr-BE" sz="2800" i="1">
-                              <a:latin typeface="Cambria Math" panose="02040503050406030204" pitchFamily="18" charset="0"/>
-                              <a:ea typeface="Cambria Math" panose="02040503050406030204" pitchFamily="18" charset="0"/>
-                            </a:rPr>
-                            <m:t>𝜀</m:t>
-                          </m:r>
-                        </m:e>
-                        <m:sub>
-                          <m:r>
-                            <a:rPr lang="fr-BE" sz="2800" i="1">
-                              <a:latin typeface="Cambria Math" panose="02040503050406030204" pitchFamily="18" charset="0"/>
-                              <a:ea typeface="Cambria Math" panose="02040503050406030204" pitchFamily="18" charset="0"/>
-                            </a:rPr>
-                            <m:t>𝑡</m:t>
-                          </m:r>
-                          <m:r>
-                            <a:rPr lang="fr-BE" sz="2800" i="1">
-                              <a:latin typeface="Cambria Math" panose="02040503050406030204" pitchFamily="18" charset="0"/>
-                              <a:ea typeface="Cambria Math" panose="02040503050406030204" pitchFamily="18" charset="0"/>
-                            </a:rPr>
-                            <m:t>−</m:t>
-                          </m:r>
-                          <m:r>
-                            <a:rPr lang="fr-BE" sz="2800" i="1">
-                              <a:latin typeface="Cambria Math" panose="02040503050406030204" pitchFamily="18" charset="0"/>
-                              <a:ea typeface="Cambria Math" panose="02040503050406030204" pitchFamily="18" charset="0"/>
-                            </a:rPr>
-                            <m:t>𝑓</m:t>
-                          </m:r>
-                        </m:sub>
-                      </m:sSub>
-                      <m:r>
-                        <a:rPr lang="fr-BE" sz="2800" b="0" i="1" smtClean="0">
-                          <a:latin typeface="Cambria Math" panose="02040503050406030204" pitchFamily="18" charset="0"/>
-                          <a:ea typeface="Cambria Math" panose="02040503050406030204" pitchFamily="18" charset="0"/>
-                        </a:rPr>
-                        <m:t>+</m:t>
-                      </m:r>
-                      <m:r>
-                        <a:rPr lang="fr-BE" sz="2800" b="1" i="1" smtClean="0">
-                          <a:solidFill>
-                            <a:schemeClr val="accent1"/>
-                          </a:solidFill>
-                          <a:latin typeface="Cambria Math" panose="02040503050406030204" pitchFamily="18" charset="0"/>
-                          <a:ea typeface="Cambria Math" panose="02040503050406030204" pitchFamily="18" charset="0"/>
-                        </a:rPr>
-                        <m:t>𝜽</m:t>
-                      </m:r>
-                      <m:r>
-                        <a:rPr lang="fr-BE" sz="2800" b="0" i="1" smtClean="0">
-                          <a:solidFill>
-                            <a:schemeClr val="tx1"/>
-                          </a:solidFill>
-                          <a:latin typeface="Cambria Math" panose="02040503050406030204" pitchFamily="18" charset="0"/>
-                          <a:ea typeface="Cambria Math" panose="02040503050406030204" pitchFamily="18" charset="0"/>
-                        </a:rPr>
-                        <m:t>(</m:t>
-                      </m:r>
-                      <m:sSub>
-                        <m:sSubPr>
-                          <m:ctrlPr>
-                            <a:rPr lang="fr-BE" sz="2800" b="0" i="1" smtClean="0">
-                              <a:latin typeface="Cambria Math" panose="02040503050406030204" pitchFamily="18" charset="0"/>
-                              <a:ea typeface="Cambria Math" panose="02040503050406030204" pitchFamily="18" charset="0"/>
-                            </a:rPr>
-                          </m:ctrlPr>
-                        </m:sSubPr>
-                        <m:e>
-                          <m:r>
-                            <a:rPr lang="fr-BE" sz="2800" b="0" i="1" smtClean="0">
-                              <a:latin typeface="Cambria Math" panose="02040503050406030204" pitchFamily="18" charset="0"/>
-                              <a:ea typeface="Cambria Math" panose="02040503050406030204" pitchFamily="18" charset="0"/>
-                            </a:rPr>
-                            <m:t>𝜀</m:t>
-                          </m:r>
-                        </m:e>
-                        <m:sub>
-                          <m:r>
-                            <a:rPr lang="fr-BE" sz="2800" b="0" i="1" smtClean="0">
-                              <a:latin typeface="Cambria Math" panose="02040503050406030204" pitchFamily="18" charset="0"/>
-                              <a:ea typeface="Cambria Math" panose="02040503050406030204" pitchFamily="18" charset="0"/>
-                            </a:rPr>
-                            <m:t>𝑡</m:t>
-                          </m:r>
-                          <m:r>
-                            <a:rPr lang="fr-BE" sz="2800" b="0" i="1" smtClean="0">
-                              <a:latin typeface="Cambria Math" panose="02040503050406030204" pitchFamily="18" charset="0"/>
-                              <a:ea typeface="Cambria Math" panose="02040503050406030204" pitchFamily="18" charset="0"/>
-                            </a:rPr>
-                            <m:t>−1</m:t>
-                          </m:r>
-                        </m:sub>
-                      </m:sSub>
-                      <m:r>
-                        <a:rPr lang="fr-BE" sz="2800" i="1">
-                          <a:latin typeface="Cambria Math" panose="02040503050406030204" pitchFamily="18" charset="0"/>
-                          <a:ea typeface="Cambria Math" panose="02040503050406030204" pitchFamily="18" charset="0"/>
-                        </a:rPr>
-                        <m:t>+</m:t>
-                      </m:r>
-                      <m:sSub>
-                        <m:sSubPr>
-                          <m:ctrlPr>
-                            <a:rPr lang="fr-BE" sz="2800" b="1" i="1" smtClean="0">
-                              <a:solidFill>
-                                <a:schemeClr val="accent1"/>
-                              </a:solidFill>
-                              <a:latin typeface="Cambria Math" panose="02040503050406030204" pitchFamily="18" charset="0"/>
-                              <a:ea typeface="Cambria Math" panose="02040503050406030204" pitchFamily="18" charset="0"/>
-                            </a:rPr>
-                          </m:ctrlPr>
-                        </m:sSubPr>
-                        <m:e>
-                          <m:r>
-                            <a:rPr lang="fr-BE" sz="2800" b="1" i="1">
-                              <a:solidFill>
-                                <a:schemeClr val="accent1"/>
-                              </a:solidFill>
-                              <a:latin typeface="Cambria Math" panose="02040503050406030204" pitchFamily="18" charset="0"/>
-                              <a:ea typeface="Cambria Math" panose="02040503050406030204" pitchFamily="18" charset="0"/>
-                            </a:rPr>
-                            <m:t>𝜽</m:t>
-                          </m:r>
-                        </m:e>
-                        <m:sub>
-                          <m:r>
-                            <a:rPr lang="fr-BE" sz="2800" b="1" i="1">
-                              <a:solidFill>
-                                <a:schemeClr val="accent1"/>
-                              </a:solidFill>
-                              <a:latin typeface="Cambria Math" panose="02040503050406030204" pitchFamily="18" charset="0"/>
-                              <a:ea typeface="Cambria Math" panose="02040503050406030204" pitchFamily="18" charset="0"/>
-                            </a:rPr>
-                            <m:t>𝒇</m:t>
-                          </m:r>
-                        </m:sub>
-                      </m:sSub>
-                      <m:sSub>
-                        <m:sSubPr>
-                          <m:ctrlPr>
-                            <a:rPr lang="fr-BE" sz="2800" i="1">
-                              <a:latin typeface="Cambria Math" panose="02040503050406030204" pitchFamily="18" charset="0"/>
-                              <a:ea typeface="Cambria Math" panose="02040503050406030204" pitchFamily="18" charset="0"/>
-                            </a:rPr>
-                          </m:ctrlPr>
-                        </m:sSubPr>
-                        <m:e>
-                          <m:r>
-                            <a:rPr lang="fr-BE" sz="2800" i="1">
-                              <a:latin typeface="Cambria Math" panose="02040503050406030204" pitchFamily="18" charset="0"/>
-                              <a:ea typeface="Cambria Math" panose="02040503050406030204" pitchFamily="18" charset="0"/>
-                            </a:rPr>
-                            <m:t>𝜀</m:t>
-                          </m:r>
-                        </m:e>
-                        <m:sub>
-                          <m:r>
-                            <a:rPr lang="fr-BE" sz="2800" i="1">
-                              <a:latin typeface="Cambria Math" panose="02040503050406030204" pitchFamily="18" charset="0"/>
-                              <a:ea typeface="Cambria Math" panose="02040503050406030204" pitchFamily="18" charset="0"/>
-                            </a:rPr>
-                            <m:t>𝑡</m:t>
-                          </m:r>
-                          <m:r>
-                            <a:rPr lang="fr-BE" sz="2800" i="1">
-                              <a:latin typeface="Cambria Math" panose="02040503050406030204" pitchFamily="18" charset="0"/>
-                              <a:ea typeface="Cambria Math" panose="02040503050406030204" pitchFamily="18" charset="0"/>
-                            </a:rPr>
-                            <m:t>−</m:t>
-                          </m:r>
-                          <m:r>
-                            <a:rPr lang="fr-BE" sz="2800" i="1">
-                              <a:latin typeface="Cambria Math" panose="02040503050406030204" pitchFamily="18" charset="0"/>
-                              <a:ea typeface="Cambria Math" panose="02040503050406030204" pitchFamily="18" charset="0"/>
-                            </a:rPr>
-                            <m:t>𝑓</m:t>
-                          </m:r>
-                          <m:r>
-                            <a:rPr lang="fr-BE" sz="2800" i="1">
-                              <a:latin typeface="Cambria Math" panose="02040503050406030204" pitchFamily="18" charset="0"/>
-                              <a:ea typeface="Cambria Math" panose="02040503050406030204" pitchFamily="18" charset="0"/>
-                            </a:rPr>
-                            <m:t>−1</m:t>
-                          </m:r>
-                        </m:sub>
-                      </m:sSub>
-                      <m:r>
-                        <a:rPr lang="fr-BE" sz="2800" b="0" i="1" smtClean="0">
-                          <a:latin typeface="Cambria Math" panose="02040503050406030204" pitchFamily="18" charset="0"/>
-                          <a:ea typeface="Cambria Math" panose="02040503050406030204" pitchFamily="18" charset="0"/>
-                        </a:rPr>
-                        <m:t>)</m:t>
-                      </m:r>
-                      <m:r>
-                        <a:rPr lang="fr-BE" sz="2800" i="1">
-                          <a:latin typeface="Cambria Math" panose="02040503050406030204" pitchFamily="18" charset="0"/>
-                          <a:ea typeface="Cambria Math" panose="02040503050406030204" pitchFamily="18" charset="0"/>
-                        </a:rPr>
-                        <m:t>,</m:t>
-                      </m:r>
-                    </m:oMath>
-                  </m:oMathPara>
-                </a14:m>
-                <a:endParaRPr lang="fr-BE" sz="2800" b="0" i="1" dirty="0">
-                  <a:latin typeface="Cambria Math" panose="02040503050406030204" pitchFamily="18" charset="0"/>
-                  <a:ea typeface="Cambria Math" panose="02040503050406030204" pitchFamily="18" charset="0"/>
-                </a:endParaRPr>
-              </a:p>
-              <a:p>
-                <a:pPr marL="800100" lvl="2" indent="0">
-                  <a:buNone/>
-                </a:pPr>
-                <a:endParaRPr lang="fr-BE" sz="2800" b="0" i="1" dirty="0">
-                  <a:latin typeface="Cambria Math" panose="02040503050406030204" pitchFamily="18" charset="0"/>
-                  <a:ea typeface="Cambria Math" panose="02040503050406030204" pitchFamily="18" charset="0"/>
-                </a:endParaRPr>
-              </a:p>
-              <a:p>
-                <a:pPr marL="800100" lvl="2" indent="0">
-                  <a:buNone/>
-                </a:pPr>
-                <a14:m>
-                  <m:oMathPara xmlns:m="http://schemas.openxmlformats.org/officeDocument/2006/math">
-                    <m:oMathParaPr>
-                      <m:jc m:val="centerGroup"/>
-                    </m:oMathParaPr>
-                    <m:oMath xmlns:m="http://schemas.openxmlformats.org/officeDocument/2006/math">
-                      <m:sSub>
-                        <m:sSubPr>
-                          <m:ctrlPr>
-                            <a:rPr lang="fr-BE" sz="2800" i="1">
-                              <a:latin typeface="Cambria Math" panose="02040503050406030204" pitchFamily="18" charset="0"/>
-                            </a:rPr>
-                          </m:ctrlPr>
-                        </m:sSubPr>
-                        <m:e>
-                          <m:r>
-                            <a:rPr lang="fr-BE" sz="2800" i="1">
-                              <a:latin typeface="Cambria Math" panose="02040503050406030204" pitchFamily="18" charset="0"/>
-                            </a:rPr>
-                            <m:t>    </m:t>
-                          </m:r>
-                          <m:r>
-                            <a:rPr lang="fr-BE" sz="2800" b="0" i="1" smtClean="0">
-                              <a:latin typeface="Cambria Math" panose="02040503050406030204" pitchFamily="18" charset="0"/>
-                            </a:rPr>
-                            <m:t> </m:t>
-                          </m:r>
-                          <m:r>
-                            <a:rPr lang="fr-BE" sz="2800" i="1">
-                              <a:latin typeface="Cambria Math" panose="02040503050406030204" pitchFamily="18" charset="0"/>
-                              <a:ea typeface="Cambria Math" panose="02040503050406030204" pitchFamily="18" charset="0"/>
-                            </a:rPr>
-                            <m:t>𝜀</m:t>
-                          </m:r>
-                        </m:e>
-                        <m:sub>
-                          <m:r>
-                            <a:rPr lang="fr-BE" sz="2800" i="1">
-                              <a:latin typeface="Cambria Math" panose="02040503050406030204" pitchFamily="18" charset="0"/>
-                            </a:rPr>
-                            <m:t>𝑡</m:t>
-                          </m:r>
-                        </m:sub>
-                      </m:sSub>
-                      <m:r>
-                        <a:rPr lang="fr-BE" sz="2800" i="1">
-                          <a:latin typeface="Cambria Math" panose="02040503050406030204" pitchFamily="18" charset="0"/>
-                          <a:ea typeface="Cambria Math" panose="02040503050406030204" pitchFamily="18" charset="0"/>
-                        </a:rPr>
-                        <m:t>~</m:t>
-                      </m:r>
-                      <m:r>
-                        <a:rPr lang="fr-BE" sz="2800" i="1">
-                          <a:latin typeface="Cambria Math" panose="02040503050406030204" pitchFamily="18" charset="0"/>
-                          <a:ea typeface="Cambria Math" panose="02040503050406030204" pitchFamily="18" charset="0"/>
-                        </a:rPr>
-                        <m:t>𝑁</m:t>
-                      </m:r>
-                      <m:d>
-                        <m:dPr>
-                          <m:ctrlPr>
-                            <a:rPr lang="fr-BE" sz="2800" i="1">
-                              <a:latin typeface="Cambria Math" panose="02040503050406030204" pitchFamily="18" charset="0"/>
-                              <a:ea typeface="Cambria Math" panose="02040503050406030204" pitchFamily="18" charset="0"/>
-                            </a:rPr>
-                          </m:ctrlPr>
-                        </m:dPr>
-                        <m:e>
-                          <m:r>
-                            <a:rPr lang="fr-BE" sz="2800" i="1">
-                              <a:latin typeface="Cambria Math" panose="02040503050406030204" pitchFamily="18" charset="0"/>
-                              <a:ea typeface="Cambria Math" panose="02040503050406030204" pitchFamily="18" charset="0"/>
-                            </a:rPr>
-                            <m:t>0, </m:t>
-                          </m:r>
-                          <m:sSubSup>
-                            <m:sSubSupPr>
-                              <m:ctrlPr>
-                                <a:rPr lang="fr-BE" sz="2800" b="1" i="1">
-                                  <a:solidFill>
-                                    <a:srgbClr val="0070C0"/>
-                                  </a:solidFill>
-                                  <a:latin typeface="Cambria Math" panose="02040503050406030204" pitchFamily="18" charset="0"/>
-                                  <a:ea typeface="Cambria Math" panose="02040503050406030204" pitchFamily="18" charset="0"/>
-                                </a:rPr>
-                              </m:ctrlPr>
-                            </m:sSubSupPr>
-                            <m:e>
-                              <m:r>
-                                <a:rPr lang="fr-BE" sz="2800" b="1" i="1">
-                                  <a:solidFill>
-                                    <a:srgbClr val="0070C0"/>
-                                  </a:solidFill>
-                                  <a:latin typeface="Cambria Math" panose="02040503050406030204" pitchFamily="18" charset="0"/>
-                                  <a:ea typeface="Cambria Math" panose="02040503050406030204" pitchFamily="18" charset="0"/>
-                                </a:rPr>
-                                <m:t>𝝈</m:t>
-                              </m:r>
-                            </m:e>
-                            <m:sub>
-                              <m:r>
-                                <a:rPr lang="fr-BE" sz="2800" b="1" i="1">
-                                  <a:solidFill>
-                                    <a:srgbClr val="0070C0"/>
-                                  </a:solidFill>
-                                  <a:latin typeface="Cambria Math" panose="02040503050406030204" pitchFamily="18" charset="0"/>
-                                  <a:ea typeface="Cambria Math" panose="02040503050406030204" pitchFamily="18" charset="0"/>
-                                </a:rPr>
-                                <m:t>𝜺</m:t>
-                              </m:r>
-                            </m:sub>
-                            <m:sup>
-                              <m:r>
-                                <a:rPr lang="fr-BE" sz="2800" b="1" i="1">
-                                  <a:solidFill>
-                                    <a:srgbClr val="0070C0"/>
-                                  </a:solidFill>
-                                  <a:latin typeface="Cambria Math" panose="02040503050406030204" pitchFamily="18" charset="0"/>
-                                  <a:ea typeface="Cambria Math" panose="02040503050406030204" pitchFamily="18" charset="0"/>
-                                </a:rPr>
-                                <m:t>𝟐</m:t>
-                              </m:r>
-                            </m:sup>
-                          </m:sSubSup>
-                        </m:e>
-                      </m:d>
-                    </m:oMath>
-                  </m:oMathPara>
-                </a14:m>
-                <a:endParaRPr lang="fr-BE" sz="3200" dirty="0"/>
-              </a:p>
-            </p:txBody>
-          </p:sp>
-        </mc:Choice>
-        <mc:Fallback>
-          <p:sp>
-            <p:nvSpPr>
-              <p:cNvPr id="3" name="Content Placeholder 2">
-                <a:extLst>
-                  <a:ext uri="{FF2B5EF4-FFF2-40B4-BE49-F238E27FC236}">
-                    <a16:creationId xmlns:a16="http://schemas.microsoft.com/office/drawing/2014/main" id="{B3BC01B2-B94B-F977-A448-FEC7CAE8ACEC}"/>
-                  </a:ext>
-                </a:extLst>
-              </p:cNvPr>
-              <p:cNvSpPr>
-                <a:spLocks noGrp="1" noRot="1" noChangeAspect="1" noMove="1" noResize="1" noEditPoints="1" noAdjustHandles="1" noChangeArrowheads="1" noChangeShapeType="1" noTextEdit="1"/>
-              </p:cNvSpPr>
-              <p:nvPr>
-                <p:ph idx="1"/>
-              </p:nvPr>
-            </p:nvSpPr>
-            <p:spPr>
-              <a:blipFill>
-                <a:blip r:embed="rId2"/>
-                <a:stretch>
-                  <a:fillRect/>
-                </a:stretch>
-              </a:blipFill>
-            </p:spPr>
-            <p:txBody>
-              <a:bodyPr/>
-              <a:lstStyle/>
-              <a:p>
-                <a:r>
-                  <a:rPr lang="fr-BE">
-                    <a:noFill/>
-                  </a:rPr>
-                  <a:t> </a:t>
-                </a:r>
-              </a:p>
-            </p:txBody>
-          </p:sp>
-        </mc:Fallback>
-      </mc:AlternateContent>
-      <p:sp>
-        <p:nvSpPr>
-          <p:cNvPr id="4" name="Date Placeholder 3">
-            <a:extLst>
-              <a:ext uri="{FF2B5EF4-FFF2-40B4-BE49-F238E27FC236}">
-                <a16:creationId xmlns:a16="http://schemas.microsoft.com/office/drawing/2014/main" id="{66E263AF-F09B-C540-A363-27FB4CAAF214}"/>
-              </a:ext>
-            </a:extLst>
-          </p:cNvPr>
-          <p:cNvSpPr>
-            <a:spLocks noGrp="1"/>
-          </p:cNvSpPr>
-          <p:nvPr>
-            <p:ph type="dt" sz="half" idx="10"/>
-          </p:nvPr>
-        </p:nvSpPr>
-        <p:spPr/>
-        <p:txBody>
-          <a:bodyPr/>
-          <a:lstStyle/>
-          <a:p>
-            <a:r>
-              <a:rPr lang="fr-FR"/>
-              <a:t>17-19/10/2023</a:t>
-            </a:r>
-            <a:endParaRPr lang="fr-BE"/>
-          </a:p>
-        </p:txBody>
-      </p:sp>
-      <p:sp>
-        <p:nvSpPr>
-          <p:cNvPr id="5" name="Footer Placeholder 4">
-            <a:extLst>
-              <a:ext uri="{FF2B5EF4-FFF2-40B4-BE49-F238E27FC236}">
-                <a16:creationId xmlns:a16="http://schemas.microsoft.com/office/drawing/2014/main" id="{D1DB2D8E-AE2E-90C1-822F-C7FC775EDC44}"/>
-              </a:ext>
-            </a:extLst>
-          </p:cNvPr>
-          <p:cNvSpPr>
-            <a:spLocks noGrp="1"/>
-          </p:cNvSpPr>
-          <p:nvPr>
-            <p:ph type="ftr" sz="quarter" idx="11"/>
-          </p:nvPr>
-        </p:nvSpPr>
-        <p:spPr/>
-        <p:txBody>
-          <a:bodyPr/>
-          <a:lstStyle/>
-          <a:p>
-            <a:r>
-              <a:rPr lang="en-GB"/>
-              <a:t>CONTRACTORS ORGANISING SOME OF THE COURSES ARE ACTING UNDER A FRAMEWORK CONTRACT CONCLUDED WITH THE COMMISSION</a:t>
-            </a:r>
-            <a:endParaRPr lang="fr-BE"/>
-          </a:p>
-        </p:txBody>
-      </p:sp>
-      <p:sp>
-        <p:nvSpPr>
-          <p:cNvPr id="6" name="Slide Number Placeholder 5">
-            <a:extLst>
-              <a:ext uri="{FF2B5EF4-FFF2-40B4-BE49-F238E27FC236}">
-                <a16:creationId xmlns:a16="http://schemas.microsoft.com/office/drawing/2014/main" id="{8BC24608-F47B-3B45-8DF7-02AC1631B79F}"/>
-              </a:ext>
-            </a:extLst>
-          </p:cNvPr>
-          <p:cNvSpPr>
-            <a:spLocks noGrp="1"/>
-          </p:cNvSpPr>
-          <p:nvPr>
-            <p:ph type="sldNum" sz="quarter" idx="12"/>
-          </p:nvPr>
-        </p:nvSpPr>
-        <p:spPr/>
-        <p:txBody>
-          <a:bodyPr/>
-          <a:lstStyle/>
-          <a:p>
-            <a:fld id="{F12E9969-9346-4095-A7C3-836AAB82C09A}" type="slidenum">
-              <a:rPr lang="fr-BE" smtClean="0"/>
-              <a:t>9</a:t>
-            </a:fld>
-            <a:endParaRPr lang="fr-BE"/>
-          </a:p>
-        </p:txBody>
-      </p:sp>
-    </p:spTree>
-    <p:extLst>
-      <p:ext uri="{BB962C8B-B14F-4D97-AF65-F5344CB8AC3E}">
-        <p14:creationId xmlns:p14="http://schemas.microsoft.com/office/powerpoint/2010/main" val="674429514"/>
       </p:ext>
     </p:extLst>
   </p:cSld>
